--- a/Präsentation/FIA63-Gruppe#3-PRAES.pptx
+++ b/Präsentation/FIA63-Gruppe#3-PRAES.pptx
@@ -5,7 +5,7 @@
     <p:sldMasterId id="2147483672" r:id="rId1"/>
   </p:sldMasterIdLst>
   <p:notesMasterIdLst>
-    <p:notesMasterId r:id="rId14"/>
+    <p:notesMasterId r:id="rId15"/>
   </p:notesMasterIdLst>
   <p:sldIdLst>
     <p:sldId id="256" r:id="rId2"/>
@@ -17,9 +17,10 @@
     <p:sldId id="262" r:id="rId8"/>
     <p:sldId id="263" r:id="rId9"/>
     <p:sldId id="264" r:id="rId10"/>
-    <p:sldId id="265" r:id="rId11"/>
-    <p:sldId id="266" r:id="rId12"/>
-    <p:sldId id="267" r:id="rId13"/>
+    <p:sldId id="269" r:id="rId11"/>
+    <p:sldId id="265" r:id="rId12"/>
+    <p:sldId id="266" r:id="rId13"/>
+    <p:sldId id="267" r:id="rId14"/>
   </p:sldIdLst>
   <p:sldSz cx="9144000" cy="6858000" type="screen4x3"/>
   <p:notesSz cx="6858000" cy="9144000"/>
@@ -283,38 +284,37 @@
           <a:p>
             <a:pPr lvl="0"/>
             <a:r>
-              <a:rPr lang="de-DE" smtClean="0"/>
+              <a:rPr lang="de-DE"/>
               <a:t>Textmasterformat bearbeiten</a:t>
             </a:r>
           </a:p>
           <a:p>
             <a:pPr lvl="1"/>
             <a:r>
-              <a:rPr lang="de-DE" smtClean="0"/>
+              <a:rPr lang="de-DE"/>
               <a:t>Zweite Ebene</a:t>
             </a:r>
           </a:p>
           <a:p>
             <a:pPr lvl="2"/>
             <a:r>
-              <a:rPr lang="de-DE" smtClean="0"/>
+              <a:rPr lang="de-DE"/>
               <a:t>Dritte Ebene</a:t>
             </a:r>
           </a:p>
           <a:p>
             <a:pPr lvl="3"/>
             <a:r>
-              <a:rPr lang="de-DE" smtClean="0"/>
+              <a:rPr lang="de-DE"/>
               <a:t>Vierte Ebene</a:t>
             </a:r>
           </a:p>
           <a:p>
             <a:pPr lvl="4"/>
             <a:r>
-              <a:rPr lang="de-DE" smtClean="0"/>
+              <a:rPr lang="de-DE"/>
               <a:t>Fünfte Ebene</a:t>
             </a:r>
-            <a:endParaRPr lang="de-DE"/>
           </a:p>
         </p:txBody>
       </p:sp>
@@ -617,7 +617,7 @@
           </a:lstStyle>
           <a:p>
             <a:r>
-              <a:rPr lang="de-DE" smtClean="0"/>
+              <a:rPr lang="de-DE"/>
               <a:t>Titelmasterformat durch Klicken bearbeiten</a:t>
             </a:r>
             <a:endParaRPr lang="en-US" dirty="0"/>
@@ -689,7 +689,7 @@
           </a:lstStyle>
           <a:p>
             <a:r>
-              <a:rPr lang="de-DE" smtClean="0"/>
+              <a:rPr lang="de-DE"/>
               <a:t>Formatvorlage des Untertitelmasters durch Klicken bearbeiten</a:t>
             </a:r>
             <a:endParaRPr lang="en-US" dirty="0"/>
@@ -845,7 +845,7 @@
           <a:lstStyle/>
           <a:p>
             <a:r>
-              <a:rPr lang="de-DE" smtClean="0"/>
+              <a:rPr lang="de-DE"/>
               <a:t>Titelmasterformat durch Klicken bearbeiten</a:t>
             </a:r>
             <a:endParaRPr lang="en-US" dirty="0"/>
@@ -869,35 +869,35 @@
           <a:p>
             <a:pPr lvl="0"/>
             <a:r>
-              <a:rPr lang="de-DE" smtClean="0"/>
+              <a:rPr lang="de-DE"/>
               <a:t>Formatvorlagen des Textmasters bearbeiten</a:t>
             </a:r>
           </a:p>
           <a:p>
             <a:pPr lvl="1"/>
             <a:r>
-              <a:rPr lang="de-DE" smtClean="0"/>
+              <a:rPr lang="de-DE"/>
               <a:t>Zweite Ebene</a:t>
             </a:r>
           </a:p>
           <a:p>
             <a:pPr lvl="2"/>
             <a:r>
-              <a:rPr lang="de-DE" smtClean="0"/>
+              <a:rPr lang="de-DE"/>
               <a:t>Dritte Ebene</a:t>
             </a:r>
           </a:p>
           <a:p>
             <a:pPr lvl="3"/>
             <a:r>
-              <a:rPr lang="de-DE" smtClean="0"/>
+              <a:rPr lang="de-DE"/>
               <a:t>Vierte Ebene</a:t>
             </a:r>
           </a:p>
           <a:p>
             <a:pPr lvl="4"/>
             <a:r>
-              <a:rPr lang="de-DE" smtClean="0"/>
+              <a:rPr lang="de-DE"/>
               <a:t>Fünfte Ebene</a:t>
             </a:r>
             <a:endParaRPr lang="en-US" dirty="0"/>
@@ -1096,7 +1096,7 @@
           <a:lstStyle/>
           <a:p>
             <a:r>
-              <a:rPr lang="de-DE" smtClean="0"/>
+              <a:rPr lang="de-DE"/>
               <a:t>Titelmasterformat durch Klicken bearbeiten</a:t>
             </a:r>
             <a:endParaRPr lang="en-US" dirty="0"/>
@@ -1125,35 +1125,35 @@
           <a:p>
             <a:pPr lvl="0"/>
             <a:r>
-              <a:rPr lang="de-DE" smtClean="0"/>
+              <a:rPr lang="de-DE"/>
               <a:t>Formatvorlagen des Textmasters bearbeiten</a:t>
             </a:r>
           </a:p>
           <a:p>
             <a:pPr lvl="1"/>
             <a:r>
-              <a:rPr lang="de-DE" smtClean="0"/>
+              <a:rPr lang="de-DE"/>
               <a:t>Zweite Ebene</a:t>
             </a:r>
           </a:p>
           <a:p>
             <a:pPr lvl="2"/>
             <a:r>
-              <a:rPr lang="de-DE" smtClean="0"/>
+              <a:rPr lang="de-DE"/>
               <a:t>Dritte Ebene</a:t>
             </a:r>
           </a:p>
           <a:p>
             <a:pPr lvl="3"/>
             <a:r>
-              <a:rPr lang="de-DE" smtClean="0"/>
+              <a:rPr lang="de-DE"/>
               <a:t>Vierte Ebene</a:t>
             </a:r>
           </a:p>
           <a:p>
             <a:pPr lvl="4"/>
             <a:r>
-              <a:rPr lang="de-DE" smtClean="0"/>
+              <a:rPr lang="de-DE"/>
               <a:t>Fünfte Ebene</a:t>
             </a:r>
             <a:endParaRPr lang="en-US" dirty="0"/>
@@ -1271,7 +1271,7 @@
           <a:lstStyle/>
           <a:p>
             <a:r>
-              <a:rPr lang="de-DE" smtClean="0"/>
+              <a:rPr lang="de-DE"/>
               <a:t>Titelmasterformat durch Klicken bearbeiten</a:t>
             </a:r>
             <a:endParaRPr lang="en-US" dirty="0"/>
@@ -1295,35 +1295,35 @@
           <a:p>
             <a:pPr lvl="0"/>
             <a:r>
-              <a:rPr lang="de-DE" smtClean="0"/>
+              <a:rPr lang="de-DE"/>
               <a:t>Formatvorlagen des Textmasters bearbeiten</a:t>
             </a:r>
           </a:p>
           <a:p>
             <a:pPr lvl="1"/>
             <a:r>
-              <a:rPr lang="de-DE" smtClean="0"/>
+              <a:rPr lang="de-DE"/>
               <a:t>Zweite Ebene</a:t>
             </a:r>
           </a:p>
           <a:p>
             <a:pPr lvl="2"/>
             <a:r>
-              <a:rPr lang="de-DE" smtClean="0"/>
+              <a:rPr lang="de-DE"/>
               <a:t>Dritte Ebene</a:t>
             </a:r>
           </a:p>
           <a:p>
             <a:pPr lvl="3"/>
             <a:r>
-              <a:rPr lang="de-DE" smtClean="0"/>
+              <a:rPr lang="de-DE"/>
               <a:t>Vierte Ebene</a:t>
             </a:r>
           </a:p>
           <a:p>
             <a:pPr lvl="4"/>
             <a:r>
-              <a:rPr lang="de-DE" smtClean="0"/>
+              <a:rPr lang="de-DE"/>
               <a:t>Fünfte Ebene</a:t>
             </a:r>
             <a:endParaRPr lang="en-US" dirty="0"/>
@@ -1546,7 +1546,7 @@
           </a:lstStyle>
           <a:p>
             <a:r>
-              <a:rPr lang="de-DE" smtClean="0"/>
+              <a:rPr lang="de-DE"/>
               <a:t>Titelmasterformat durch Klicken bearbeiten</a:t>
             </a:r>
             <a:endParaRPr lang="en-US" dirty="0"/>
@@ -1667,7 +1667,7 @@
           <a:p>
             <a:pPr lvl="0"/>
             <a:r>
-              <a:rPr lang="de-DE" smtClean="0"/>
+              <a:rPr lang="de-DE"/>
               <a:t>Formatvorlagen des Textmasters bearbeiten</a:t>
             </a:r>
           </a:p>
@@ -1827,7 +1827,7 @@
           <a:lstStyle/>
           <a:p>
             <a:r>
-              <a:rPr lang="de-DE" smtClean="0"/>
+              <a:rPr lang="de-DE"/>
               <a:t>Titelmasterformat durch Klicken bearbeiten</a:t>
             </a:r>
             <a:endParaRPr lang="en-US" dirty="0"/>
@@ -1856,35 +1856,35 @@
           <a:p>
             <a:pPr lvl="0"/>
             <a:r>
-              <a:rPr lang="de-DE" smtClean="0"/>
+              <a:rPr lang="de-DE"/>
               <a:t>Formatvorlagen des Textmasters bearbeiten</a:t>
             </a:r>
           </a:p>
           <a:p>
             <a:pPr lvl="1"/>
             <a:r>
-              <a:rPr lang="de-DE" smtClean="0"/>
+              <a:rPr lang="de-DE"/>
               <a:t>Zweite Ebene</a:t>
             </a:r>
           </a:p>
           <a:p>
             <a:pPr lvl="2"/>
             <a:r>
-              <a:rPr lang="de-DE" smtClean="0"/>
+              <a:rPr lang="de-DE"/>
               <a:t>Dritte Ebene</a:t>
             </a:r>
           </a:p>
           <a:p>
             <a:pPr lvl="3"/>
             <a:r>
-              <a:rPr lang="de-DE" smtClean="0"/>
+              <a:rPr lang="de-DE"/>
               <a:t>Vierte Ebene</a:t>
             </a:r>
           </a:p>
           <a:p>
             <a:pPr lvl="4"/>
             <a:r>
-              <a:rPr lang="de-DE" smtClean="0"/>
+              <a:rPr lang="de-DE"/>
               <a:t>Fünfte Ebene</a:t>
             </a:r>
             <a:endParaRPr lang="en-US" dirty="0"/>
@@ -1913,35 +1913,35 @@
           <a:p>
             <a:pPr lvl="0"/>
             <a:r>
-              <a:rPr lang="de-DE" smtClean="0"/>
+              <a:rPr lang="de-DE"/>
               <a:t>Formatvorlagen des Textmasters bearbeiten</a:t>
             </a:r>
           </a:p>
           <a:p>
             <a:pPr lvl="1"/>
             <a:r>
-              <a:rPr lang="de-DE" smtClean="0"/>
+              <a:rPr lang="de-DE"/>
               <a:t>Zweite Ebene</a:t>
             </a:r>
           </a:p>
           <a:p>
             <a:pPr lvl="2"/>
             <a:r>
-              <a:rPr lang="de-DE" smtClean="0"/>
+              <a:rPr lang="de-DE"/>
               <a:t>Dritte Ebene</a:t>
             </a:r>
           </a:p>
           <a:p>
             <a:pPr lvl="3"/>
             <a:r>
-              <a:rPr lang="de-DE" smtClean="0"/>
+              <a:rPr lang="de-DE"/>
               <a:t>Vierte Ebene</a:t>
             </a:r>
           </a:p>
           <a:p>
             <a:pPr lvl="4"/>
             <a:r>
-              <a:rPr lang="de-DE" smtClean="0"/>
+              <a:rPr lang="de-DE"/>
               <a:t>Fünfte Ebene</a:t>
             </a:r>
             <a:endParaRPr lang="en-US" dirty="0"/>
@@ -2064,7 +2064,7 @@
           <a:lstStyle/>
           <a:p>
             <a:r>
-              <a:rPr lang="de-DE" smtClean="0"/>
+              <a:rPr lang="de-DE"/>
               <a:t>Titelmasterformat durch Klicken bearbeiten</a:t>
             </a:r>
             <a:endParaRPr lang="en-US" dirty="0"/>
@@ -2136,7 +2136,7 @@
           <a:p>
             <a:pPr lvl="0"/>
             <a:r>
-              <a:rPr lang="de-DE" smtClean="0"/>
+              <a:rPr lang="de-DE"/>
               <a:t>Formatvorlagen des Textmasters bearbeiten</a:t>
             </a:r>
           </a:p>
@@ -2164,35 +2164,35 @@
           <a:p>
             <a:pPr lvl="0"/>
             <a:r>
-              <a:rPr lang="de-DE" smtClean="0"/>
+              <a:rPr lang="de-DE"/>
               <a:t>Formatvorlagen des Textmasters bearbeiten</a:t>
             </a:r>
           </a:p>
           <a:p>
             <a:pPr lvl="1"/>
             <a:r>
-              <a:rPr lang="de-DE" smtClean="0"/>
+              <a:rPr lang="de-DE"/>
               <a:t>Zweite Ebene</a:t>
             </a:r>
           </a:p>
           <a:p>
             <a:pPr lvl="2"/>
             <a:r>
-              <a:rPr lang="de-DE" smtClean="0"/>
+              <a:rPr lang="de-DE"/>
               <a:t>Dritte Ebene</a:t>
             </a:r>
           </a:p>
           <a:p>
             <a:pPr lvl="3"/>
             <a:r>
-              <a:rPr lang="de-DE" smtClean="0"/>
+              <a:rPr lang="de-DE"/>
               <a:t>Vierte Ebene</a:t>
             </a:r>
           </a:p>
           <a:p>
             <a:pPr lvl="4"/>
             <a:r>
-              <a:rPr lang="de-DE" smtClean="0"/>
+              <a:rPr lang="de-DE"/>
               <a:t>Fünfte Ebene</a:t>
             </a:r>
             <a:endParaRPr lang="en-US" dirty="0"/>
@@ -2264,7 +2264,7 @@
           <a:p>
             <a:pPr lvl="0"/>
             <a:r>
-              <a:rPr lang="de-DE" smtClean="0"/>
+              <a:rPr lang="de-DE"/>
               <a:t>Formatvorlagen des Textmasters bearbeiten</a:t>
             </a:r>
           </a:p>
@@ -2292,35 +2292,35 @@
           <a:p>
             <a:pPr lvl="0"/>
             <a:r>
-              <a:rPr lang="de-DE" smtClean="0"/>
+              <a:rPr lang="de-DE"/>
               <a:t>Formatvorlagen des Textmasters bearbeiten</a:t>
             </a:r>
           </a:p>
           <a:p>
             <a:pPr lvl="1"/>
             <a:r>
-              <a:rPr lang="de-DE" smtClean="0"/>
+              <a:rPr lang="de-DE"/>
               <a:t>Zweite Ebene</a:t>
             </a:r>
           </a:p>
           <a:p>
             <a:pPr lvl="2"/>
             <a:r>
-              <a:rPr lang="de-DE" smtClean="0"/>
+              <a:rPr lang="de-DE"/>
               <a:t>Dritte Ebene</a:t>
             </a:r>
           </a:p>
           <a:p>
             <a:pPr lvl="3"/>
             <a:r>
-              <a:rPr lang="de-DE" smtClean="0"/>
+              <a:rPr lang="de-DE"/>
               <a:t>Vierte Ebene</a:t>
             </a:r>
           </a:p>
           <a:p>
             <a:pPr lvl="4"/>
             <a:r>
-              <a:rPr lang="de-DE" smtClean="0"/>
+              <a:rPr lang="de-DE"/>
               <a:t>Fünfte Ebene</a:t>
             </a:r>
             <a:endParaRPr lang="en-US" dirty="0"/>
@@ -2438,7 +2438,7 @@
           <a:lstStyle/>
           <a:p>
             <a:r>
-              <a:rPr lang="de-DE" smtClean="0"/>
+              <a:rPr lang="de-DE"/>
               <a:t>Titelmasterformat durch Klicken bearbeiten</a:t>
             </a:r>
             <a:endParaRPr lang="en-US" dirty="0"/>
@@ -2826,7 +2826,7 @@
           </a:lstStyle>
           <a:p>
             <a:r>
-              <a:rPr lang="de-DE" smtClean="0"/>
+              <a:rPr lang="de-DE"/>
               <a:t>Titelmasterformat durch Klicken bearbeiten</a:t>
             </a:r>
             <a:endParaRPr lang="en-US" dirty="0"/>
@@ -2855,35 +2855,35 @@
           <a:p>
             <a:pPr lvl="0"/>
             <a:r>
-              <a:rPr lang="de-DE" smtClean="0"/>
+              <a:rPr lang="de-DE"/>
               <a:t>Formatvorlagen des Textmasters bearbeiten</a:t>
             </a:r>
           </a:p>
           <a:p>
             <a:pPr lvl="1"/>
             <a:r>
-              <a:rPr lang="de-DE" smtClean="0"/>
+              <a:rPr lang="de-DE"/>
               <a:t>Zweite Ebene</a:t>
             </a:r>
           </a:p>
           <a:p>
             <a:pPr lvl="2"/>
             <a:r>
-              <a:rPr lang="de-DE" smtClean="0"/>
+              <a:rPr lang="de-DE"/>
               <a:t>Dritte Ebene</a:t>
             </a:r>
           </a:p>
           <a:p>
             <a:pPr lvl="3"/>
             <a:r>
-              <a:rPr lang="de-DE" smtClean="0"/>
+              <a:rPr lang="de-DE"/>
               <a:t>Vierte Ebene</a:t>
             </a:r>
           </a:p>
           <a:p>
             <a:pPr lvl="4"/>
             <a:r>
-              <a:rPr lang="de-DE" smtClean="0"/>
+              <a:rPr lang="de-DE"/>
               <a:t>Fünfte Ebene</a:t>
             </a:r>
             <a:endParaRPr lang="en-US" dirty="0"/>
@@ -2955,7 +2955,7 @@
           <a:p>
             <a:pPr lvl="0"/>
             <a:r>
-              <a:rPr lang="de-DE" smtClean="0"/>
+              <a:rPr lang="de-DE"/>
               <a:t>Formatvorlagen des Textmasters bearbeiten</a:t>
             </a:r>
           </a:p>
@@ -3193,7 +3193,7 @@
           </a:lstStyle>
           <a:p>
             <a:r>
-              <a:rPr lang="de-DE" smtClean="0"/>
+              <a:rPr lang="de-DE"/>
               <a:t>Titelmasterformat durch Klicken bearbeiten</a:t>
             </a:r>
             <a:endParaRPr lang="en-US" dirty="0"/>
@@ -3268,7 +3268,7 @@
           </a:lstStyle>
           <a:p>
             <a:r>
-              <a:rPr lang="de-DE" smtClean="0"/>
+              <a:rPr lang="de-DE"/>
               <a:t>Bild durch Klicken auf Symbol hinzufügen</a:t>
             </a:r>
             <a:endParaRPr lang="en-US" dirty="0"/>
@@ -3346,7 +3346,7 @@
           <a:p>
             <a:pPr lvl="0"/>
             <a:r>
-              <a:rPr lang="de-DE" smtClean="0"/>
+              <a:rPr lang="de-DE"/>
               <a:t>Formatvorlagen des Textmasters bearbeiten</a:t>
             </a:r>
           </a:p>
@@ -3554,7 +3554,7 @@
           <a:lstStyle/>
           <a:p>
             <a:r>
-              <a:rPr lang="de-DE" smtClean="0"/>
+              <a:rPr lang="de-DE"/>
               <a:t>Titelmasterformat durch Klicken bearbeiten</a:t>
             </a:r>
             <a:endParaRPr lang="en-US" dirty="0"/>
@@ -3588,35 +3588,35 @@
           <a:p>
             <a:pPr lvl="0"/>
             <a:r>
-              <a:rPr lang="de-DE" smtClean="0"/>
+              <a:rPr lang="de-DE"/>
               <a:t>Formatvorlagen des Textmasters bearbeiten</a:t>
             </a:r>
           </a:p>
           <a:p>
             <a:pPr lvl="1"/>
             <a:r>
-              <a:rPr lang="de-DE" smtClean="0"/>
+              <a:rPr lang="de-DE"/>
               <a:t>Zweite Ebene</a:t>
             </a:r>
           </a:p>
           <a:p>
             <a:pPr lvl="2"/>
             <a:r>
-              <a:rPr lang="de-DE" smtClean="0"/>
+              <a:rPr lang="de-DE"/>
               <a:t>Dritte Ebene</a:t>
             </a:r>
           </a:p>
           <a:p>
             <a:pPr lvl="3"/>
             <a:r>
-              <a:rPr lang="de-DE" smtClean="0"/>
+              <a:rPr lang="de-DE"/>
               <a:t>Vierte Ebene</a:t>
             </a:r>
           </a:p>
           <a:p>
             <a:pPr lvl="4"/>
             <a:r>
-              <a:rPr lang="de-DE" smtClean="0"/>
+              <a:rPr lang="de-DE"/>
               <a:t>Fünfte Ebene</a:t>
             </a:r>
             <a:endParaRPr lang="en-US" dirty="0"/>
@@ -4204,14 +4204,11 @@
           <a:lstStyle/>
           <a:p>
             <a:r>
-              <a:rPr lang="de-DE" sz="3600" b="1" dirty="0" smtClean="0">
+              <a:rPr lang="de-DE" sz="3600" b="1" dirty="0">
                 <a:latin typeface="Century Gothic" pitchFamily="34" charset="0"/>
               </a:rPr>
               <a:t>Protokoll und Beschluss Anwendung</a:t>
             </a:r>
-            <a:endParaRPr lang="de-DE" sz="3600" b="1" dirty="0">
-              <a:latin typeface="Century Gothic" pitchFamily="34" charset="0"/>
-            </a:endParaRPr>
           </a:p>
         </p:txBody>
       </p:sp>
@@ -4238,7 +4235,7 @@
           <a:lstStyle/>
           <a:p>
             <a:r>
-              <a:rPr lang="de-DE" sz="1800" dirty="0" smtClean="0">
+              <a:rPr lang="de-DE" sz="1800" dirty="0">
                 <a:solidFill>
                   <a:schemeClr val="tx1">
                     <a:lumMod val="75000"/>
@@ -4252,7 +4249,7 @@
           </a:p>
           <a:p>
             <a:r>
-              <a:rPr lang="de-DE" sz="1800" dirty="0" smtClean="0">
+              <a:rPr lang="de-DE" sz="1800" dirty="0">
                 <a:solidFill>
                   <a:schemeClr val="accent3">
                     <a:lumMod val="75000"/>
@@ -4260,10 +4257,12 @@
                 </a:solidFill>
                 <a:latin typeface="Rockwell" pitchFamily="18" charset="0"/>
               </a:rPr>
-              <a:t>Michael </a:t>
-            </a:r>
-            <a:r>
-              <a:rPr lang="de-DE" sz="1800" dirty="0" smtClean="0">
+              <a:t>Michael Gede, Pascal Gollnick</a:t>
+            </a:r>
+          </a:p>
+          <a:p>
+            <a:r>
+              <a:rPr lang="de-DE" sz="1800" dirty="0">
                 <a:solidFill>
                   <a:schemeClr val="accent3">
                     <a:lumMod val="75000"/>
@@ -4271,62 +4270,8 @@
                 </a:solidFill>
                 <a:latin typeface="Rockwell" pitchFamily="18" charset="0"/>
               </a:rPr>
-              <a:t>Gede, Pascal </a:t>
-            </a:r>
-            <a:r>
-              <a:rPr lang="de-DE" sz="1800" dirty="0" smtClean="0">
-                <a:solidFill>
-                  <a:schemeClr val="accent3">
-                    <a:lumMod val="75000"/>
-                  </a:schemeClr>
-                </a:solidFill>
-                <a:latin typeface="Rockwell" pitchFamily="18" charset="0"/>
-              </a:rPr>
-              <a:t>Gollnick</a:t>
-            </a:r>
-          </a:p>
-          <a:p>
-            <a:r>
-              <a:rPr lang="de-DE" sz="1800" dirty="0" smtClean="0">
-                <a:solidFill>
-                  <a:schemeClr val="accent3">
-                    <a:lumMod val="75000"/>
-                  </a:schemeClr>
-                </a:solidFill>
-                <a:latin typeface="Rockwell" pitchFamily="18" charset="0"/>
-              </a:rPr>
-              <a:t>Oliver </a:t>
-            </a:r>
-            <a:r>
-              <a:rPr lang="de-DE" sz="1800" dirty="0" smtClean="0">
-                <a:solidFill>
-                  <a:schemeClr val="accent3">
-                    <a:lumMod val="75000"/>
-                  </a:schemeClr>
-                </a:solidFill>
-                <a:latin typeface="Rockwell" pitchFamily="18" charset="0"/>
-              </a:rPr>
-              <a:t>Kaden, Lars </a:t>
-            </a:r>
-            <a:r>
-              <a:rPr lang="de-DE" sz="1800" dirty="0" smtClean="0">
-                <a:solidFill>
-                  <a:schemeClr val="accent3">
-                    <a:lumMod val="75000"/>
-                  </a:schemeClr>
-                </a:solidFill>
-                <a:latin typeface="Rockwell" pitchFamily="18" charset="0"/>
-              </a:rPr>
-              <a:t>Tenbrock</a:t>
-            </a:r>
-            <a:endParaRPr lang="de-DE" sz="1800" dirty="0">
-              <a:solidFill>
-                <a:schemeClr val="accent3">
-                  <a:lumMod val="75000"/>
-                </a:schemeClr>
-              </a:solidFill>
-              <a:latin typeface="Rockwell" pitchFamily="18" charset="0"/>
-            </a:endParaRPr>
+              <a:t>Oliver Kaden, Lars Tenbrock</a:t>
+            </a:r>
           </a:p>
         </p:txBody>
       </p:sp>
@@ -4340,17 +4285,568 @@
   <p:clrMapOvr>
     <a:masterClrMapping/>
   </p:clrMapOvr>
-  <p:timing>
-    <p:tnLst>
-      <p:par>
-        <p:cTn id="1" dur="indefinite" restart="never" nodeType="tmRoot"/>
-      </p:par>
-    </p:tnLst>
-  </p:timing>
 </p:sld>
 </file>
 
 <file path=ppt/slides/slide10.xml><?xml version="1.0" encoding="utf-8"?>
+<p:sld xmlns:a="http://schemas.openxmlformats.org/drawingml/2006/main" xmlns:r="http://schemas.openxmlformats.org/officeDocument/2006/relationships" xmlns:p="http://schemas.openxmlformats.org/presentationml/2006/main">
+  <p:cSld>
+    <p:bg>
+      <p:bgPr>
+        <a:solidFill>
+          <a:schemeClr val="bg1"/>
+        </a:solidFill>
+        <a:effectLst/>
+      </p:bgPr>
+    </p:bg>
+    <p:spTree>
+      <p:nvGrpSpPr>
+        <p:cNvPr id="1" name=""/>
+        <p:cNvGrpSpPr/>
+        <p:nvPr/>
+      </p:nvGrpSpPr>
+      <p:grpSpPr>
+        <a:xfrm>
+          <a:off x="0" y="0"/>
+          <a:ext cx="0" cy="0"/>
+          <a:chOff x="0" y="0"/>
+          <a:chExt cx="0" cy="0"/>
+        </a:xfrm>
+      </p:grpSpPr>
+      <p:sp>
+        <p:nvSpPr>
+          <p:cNvPr id="23" name="Rectangle 8">
+            <a:extLst>
+              <a:ext uri="{FF2B5EF4-FFF2-40B4-BE49-F238E27FC236}">
+                <a16:creationId xmlns:a16="http://schemas.microsoft.com/office/drawing/2014/main" id="{4E4490D0-3672-446A-AC12-B4830333BDDD}"/>
+              </a:ext>
+              <a:ext uri="{C183D7F6-B498-43B3-948B-1728B52AA6E4}">
+                <adec:decorative xmlns:adec="http://schemas.microsoft.com/office/drawing/2017/decorative" val="1"/>
+              </a:ext>
+            </a:extLst>
+          </p:cNvPr>
+          <p:cNvSpPr>
+            <a:spLocks noGrp="1" noRot="1" noChangeAspect="1" noMove="1" noResize="1" noEditPoints="1" noAdjustHandles="1" noChangeArrowheads="1" noChangeShapeType="1" noTextEdit="1"/>
+          </p:cNvSpPr>
+          <p:nvPr>
+            <p:extLst>
+              <p:ext uri="{386F3935-93C4-4BCD-93E2-E3B085C9AB24}">
+                <p16:designElem xmlns:p16="http://schemas.microsoft.com/office/powerpoint/2015/main" val="1"/>
+              </p:ext>
+            </p:extLst>
+          </p:nvPr>
+        </p:nvSpPr>
+        <p:spPr>
+          <a:xfrm>
+            <a:off x="2381" y="6400800"/>
+            <a:ext cx="9141619" cy="457200"/>
+          </a:xfrm>
+          <a:prstGeom prst="rect">
+            <a:avLst/>
+          </a:prstGeom>
+          <a:solidFill>
+            <a:schemeClr val="accent2"/>
+          </a:solidFill>
+          <a:ln>
+            <a:noFill/>
+          </a:ln>
+        </p:spPr>
+        <p:style>
+          <a:lnRef idx="2">
+            <a:schemeClr val="accent1">
+              <a:shade val="50000"/>
+            </a:schemeClr>
+          </a:lnRef>
+          <a:fillRef idx="1">
+            <a:schemeClr val="accent1"/>
+          </a:fillRef>
+          <a:effectRef idx="0">
+            <a:schemeClr val="accent1"/>
+          </a:effectRef>
+          <a:fontRef idx="minor">
+            <a:schemeClr val="lt1"/>
+          </a:fontRef>
+        </p:style>
+      </p:sp>
+      <p:sp>
+        <p:nvSpPr>
+          <p:cNvPr id="24" name="Rectangle 10">
+            <a:extLst>
+              <a:ext uri="{FF2B5EF4-FFF2-40B4-BE49-F238E27FC236}">
+                <a16:creationId xmlns:a16="http://schemas.microsoft.com/office/drawing/2014/main" id="{39CB82C2-DF65-4EC1-8280-F201D50F570B}"/>
+              </a:ext>
+              <a:ext uri="{C183D7F6-B498-43B3-948B-1728B52AA6E4}">
+                <adec:decorative xmlns:adec="http://schemas.microsoft.com/office/drawing/2017/decorative" val="1"/>
+              </a:ext>
+            </a:extLst>
+          </p:cNvPr>
+          <p:cNvSpPr>
+            <a:spLocks noGrp="1" noRot="1" noChangeAspect="1" noMove="1" noResize="1" noEditPoints="1" noAdjustHandles="1" noChangeArrowheads="1" noChangeShapeType="1" noTextEdit="1"/>
+          </p:cNvSpPr>
+          <p:nvPr>
+            <p:extLst>
+              <p:ext uri="{386F3935-93C4-4BCD-93E2-E3B085C9AB24}">
+                <p16:designElem xmlns:p16="http://schemas.microsoft.com/office/powerpoint/2015/main" val="1"/>
+              </p:ext>
+            </p:extLst>
+          </p:nvPr>
+        </p:nvSpPr>
+        <p:spPr>
+          <a:xfrm>
+            <a:off x="11" y="6334316"/>
+            <a:ext cx="9141619" cy="64008"/>
+          </a:xfrm>
+          <a:prstGeom prst="rect">
+            <a:avLst/>
+          </a:prstGeom>
+          <a:solidFill>
+            <a:schemeClr val="accent1"/>
+          </a:solidFill>
+          <a:ln>
+            <a:noFill/>
+          </a:ln>
+        </p:spPr>
+        <p:style>
+          <a:lnRef idx="2">
+            <a:schemeClr val="accent1">
+              <a:shade val="50000"/>
+            </a:schemeClr>
+          </a:lnRef>
+          <a:fillRef idx="1">
+            <a:schemeClr val="accent1"/>
+          </a:fillRef>
+          <a:effectRef idx="0">
+            <a:schemeClr val="accent1"/>
+          </a:effectRef>
+          <a:fontRef idx="minor">
+            <a:schemeClr val="lt1"/>
+          </a:fontRef>
+        </p:style>
+      </p:sp>
+      <p:cxnSp>
+        <p:nvCxnSpPr>
+          <p:cNvPr id="25" name="Straight Connector 12">
+            <a:extLst>
+              <a:ext uri="{FF2B5EF4-FFF2-40B4-BE49-F238E27FC236}">
+                <a16:creationId xmlns:a16="http://schemas.microsoft.com/office/drawing/2014/main" id="{7E1D4427-852B-4B37-8E76-0E9F1810BA2A}"/>
+              </a:ext>
+              <a:ext uri="{C183D7F6-B498-43B3-948B-1728B52AA6E4}">
+                <adec:decorative xmlns:adec="http://schemas.microsoft.com/office/drawing/2017/decorative" val="1"/>
+              </a:ext>
+            </a:extLst>
+          </p:cNvPr>
+          <p:cNvCxnSpPr>
+            <a:cxnSpLocks noGrp="1" noRot="1" noChangeAspect="1" noMove="1" noResize="1" noEditPoints="1" noAdjustHandles="1" noChangeArrowheads="1" noChangeShapeType="1"/>
+          </p:cNvCxnSpPr>
+          <p:nvPr>
+            <p:extLst>
+              <p:ext uri="{386F3935-93C4-4BCD-93E2-E3B085C9AB24}">
+                <p16:designElem xmlns:p16="http://schemas.microsoft.com/office/powerpoint/2015/main" val="1"/>
+              </p:ext>
+            </p:extLst>
+          </p:nvPr>
+        </p:nvCxnSpPr>
+        <p:spPr>
+          <a:xfrm>
+            <a:off x="905743" y="4343400"/>
+            <a:ext cx="7406640" cy="0"/>
+          </a:xfrm>
+          <a:prstGeom prst="line">
+            <a:avLst/>
+          </a:prstGeom>
+          <a:ln w="6350">
+            <a:solidFill>
+              <a:schemeClr val="tx1">
+                <a:lumMod val="50000"/>
+                <a:lumOff val="50000"/>
+              </a:schemeClr>
+            </a:solidFill>
+          </a:ln>
+        </p:spPr>
+        <p:style>
+          <a:lnRef idx="1">
+            <a:schemeClr val="accent1"/>
+          </a:lnRef>
+          <a:fillRef idx="0">
+            <a:schemeClr val="accent1"/>
+          </a:fillRef>
+          <a:effectRef idx="0">
+            <a:schemeClr val="accent1"/>
+          </a:effectRef>
+          <a:fontRef idx="minor">
+            <a:schemeClr val="tx1"/>
+          </a:fontRef>
+        </p:style>
+      </p:cxnSp>
+      <p:sp useBgFill="1">
+        <p:nvSpPr>
+          <p:cNvPr id="26" name="Rectangle 14">
+            <a:extLst>
+              <a:ext uri="{FF2B5EF4-FFF2-40B4-BE49-F238E27FC236}">
+                <a16:creationId xmlns:a16="http://schemas.microsoft.com/office/drawing/2014/main" id="{FA4CD5CB-D209-4D70-8CA4-629731C59219}"/>
+              </a:ext>
+              <a:ext uri="{C183D7F6-B498-43B3-948B-1728B52AA6E4}">
+                <adec:decorative xmlns:adec="http://schemas.microsoft.com/office/drawing/2017/decorative" val="1"/>
+              </a:ext>
+            </a:extLst>
+          </p:cNvPr>
+          <p:cNvSpPr>
+            <a:spLocks noGrp="1" noRot="1" noChangeAspect="1" noMove="1" noResize="1" noEditPoints="1" noAdjustHandles="1" noChangeArrowheads="1" noChangeShapeType="1" noTextEdit="1"/>
+          </p:cNvSpPr>
+          <p:nvPr>
+            <p:extLst>
+              <p:ext uri="{386F3935-93C4-4BCD-93E2-E3B085C9AB24}">
+                <p16:designElem xmlns:p16="http://schemas.microsoft.com/office/powerpoint/2015/main" val="1"/>
+              </p:ext>
+            </p:extLst>
+          </p:nvPr>
+        </p:nvSpPr>
+        <p:spPr>
+          <a:xfrm>
+            <a:off x="0" y="0"/>
+            <a:ext cx="9144000" cy="6334316"/>
+          </a:xfrm>
+          <a:prstGeom prst="rect">
+            <a:avLst/>
+          </a:prstGeom>
+          <a:ln>
+            <a:noFill/>
+          </a:ln>
+        </p:spPr>
+        <p:style>
+          <a:lnRef idx="2">
+            <a:schemeClr val="accent1">
+              <a:shade val="50000"/>
+            </a:schemeClr>
+          </a:lnRef>
+          <a:fillRef idx="1">
+            <a:schemeClr val="accent1"/>
+          </a:fillRef>
+          <a:effectRef idx="0">
+            <a:schemeClr val="accent1"/>
+          </a:effectRef>
+          <a:fontRef idx="minor">
+            <a:schemeClr val="lt1"/>
+          </a:fontRef>
+        </p:style>
+        <p:txBody>
+          <a:bodyPr rtlCol="0" anchor="ctr"/>
+          <a:lstStyle/>
+          <a:p>
+            <a:pPr algn="ctr"/>
+            <a:endParaRPr lang="en-US"/>
+          </a:p>
+        </p:txBody>
+      </p:sp>
+      <p:sp>
+        <p:nvSpPr>
+          <p:cNvPr id="2" name="Titel 1"/>
+          <p:cNvSpPr>
+            <a:spLocks noGrp="1"/>
+          </p:cNvSpPr>
+          <p:nvPr>
+            <p:ph type="title"/>
+          </p:nvPr>
+        </p:nvSpPr>
+        <p:spPr>
+          <a:xfrm>
+            <a:off x="6105832" y="639097"/>
+            <a:ext cx="2551471" cy="3686015"/>
+          </a:xfrm>
+        </p:spPr>
+        <p:txBody>
+          <a:bodyPr vert="horz" lIns="91440" tIns="45720" rIns="91440" bIns="45720" rtlCol="0" anchor="b">
+            <a:normAutofit/>
+          </a:bodyPr>
+          <a:lstStyle/>
+          <a:p>
+            <a:r>
+              <a:rPr lang="en-US" sz="5700" b="1">
+                <a:solidFill>
+                  <a:schemeClr val="tx1">
+                    <a:lumMod val="85000"/>
+                    <a:lumOff val="15000"/>
+                  </a:schemeClr>
+                </a:solidFill>
+              </a:rPr>
+              <a:t>ERD</a:t>
+            </a:r>
+            <a:endParaRPr lang="en-US" sz="5700">
+              <a:solidFill>
+                <a:schemeClr val="tx1">
+                  <a:lumMod val="85000"/>
+                  <a:lumOff val="15000"/>
+                </a:schemeClr>
+              </a:solidFill>
+            </a:endParaRPr>
+          </a:p>
+        </p:txBody>
+      </p:sp>
+      <p:pic>
+        <p:nvPicPr>
+          <p:cNvPr id="4" name="Picture 2" descr="Entity-Relation-Diagramm.PNG">
+            <a:extLst>
+              <a:ext uri="{FF2B5EF4-FFF2-40B4-BE49-F238E27FC236}">
+                <a16:creationId xmlns:a16="http://schemas.microsoft.com/office/drawing/2014/main" id="{E7623F60-C7B2-49BA-B141-6FCFA9129A44}"/>
+              </a:ext>
+            </a:extLst>
+          </p:cNvPr>
+          <p:cNvPicPr>
+            <a:picLocks noChangeAspect="1" noChangeArrowheads="1"/>
+          </p:cNvPicPr>
+          <p:nvPr/>
+        </p:nvPicPr>
+        <p:blipFill>
+          <a:blip r:embed="rId2">
+            <a:extLst>
+              <a:ext uri="{28A0092B-C50C-407E-A947-70E740481C1C}">
+                <a14:useLocalDpi xmlns:a14="http://schemas.microsoft.com/office/drawing/2010/main" val="0"/>
+              </a:ext>
+            </a:extLst>
+          </a:blip>
+          <a:srcRect/>
+          <a:stretch>
+            <a:fillRect/>
+          </a:stretch>
+        </p:blipFill>
+        <p:spPr bwMode="auto">
+          <a:xfrm>
+            <a:off x="1111274" y="640081"/>
+            <a:ext cx="3912613" cy="5054156"/>
+          </a:xfrm>
+          <a:prstGeom prst="rect">
+            <a:avLst/>
+          </a:prstGeom>
+          <a:noFill/>
+          <a:extLst>
+            <a:ext uri="{909E8E84-426E-40DD-AFC4-6F175D3DCCD1}">
+              <a14:hiddenFill xmlns:a14="http://schemas.microsoft.com/office/drawing/2010/main">
+                <a:solidFill>
+                  <a:srgbClr val="FFFFFF"/>
+                </a:solidFill>
+              </a14:hiddenFill>
+            </a:ext>
+          </a:extLst>
+        </p:spPr>
+      </p:pic>
+      <p:cxnSp>
+        <p:nvCxnSpPr>
+          <p:cNvPr id="27" name="Straight Connector 16">
+            <a:extLst>
+              <a:ext uri="{FF2B5EF4-FFF2-40B4-BE49-F238E27FC236}">
+                <a16:creationId xmlns:a16="http://schemas.microsoft.com/office/drawing/2014/main" id="{5C6A2BAE-B461-4B55-8E1F-0722ABDD1393}"/>
+              </a:ext>
+              <a:ext uri="{C183D7F6-B498-43B3-948B-1728B52AA6E4}">
+                <adec:decorative xmlns:adec="http://schemas.microsoft.com/office/drawing/2017/decorative" val="1"/>
+              </a:ext>
+            </a:extLst>
+          </p:cNvPr>
+          <p:cNvCxnSpPr>
+            <a:cxnSpLocks noGrp="1" noRot="1" noChangeAspect="1" noMove="1" noResize="1" noEditPoints="1" noAdjustHandles="1" noChangeArrowheads="1" noChangeShapeType="1"/>
+          </p:cNvCxnSpPr>
+          <p:nvPr>
+            <p:extLst>
+              <p:ext uri="{386F3935-93C4-4BCD-93E2-E3B085C9AB24}">
+                <p16:designElem xmlns:p16="http://schemas.microsoft.com/office/powerpoint/2015/main" val="1"/>
+              </p:ext>
+            </p:extLst>
+          </p:nvPr>
+        </p:nvCxnSpPr>
+        <p:spPr>
+          <a:xfrm>
+            <a:off x="6156978" y="4343400"/>
+            <a:ext cx="2400300" cy="0"/>
+          </a:xfrm>
+          <a:prstGeom prst="line">
+            <a:avLst/>
+          </a:prstGeom>
+          <a:ln w="6350">
+            <a:solidFill>
+              <a:schemeClr val="tx2">
+                <a:alpha val="90000"/>
+              </a:schemeClr>
+            </a:solidFill>
+          </a:ln>
+        </p:spPr>
+        <p:style>
+          <a:lnRef idx="1">
+            <a:schemeClr val="accent1"/>
+          </a:lnRef>
+          <a:fillRef idx="0">
+            <a:schemeClr val="accent1"/>
+          </a:fillRef>
+          <a:effectRef idx="0">
+            <a:schemeClr val="accent1"/>
+          </a:effectRef>
+          <a:fontRef idx="minor">
+            <a:schemeClr val="tx1"/>
+          </a:fontRef>
+        </p:style>
+      </p:cxnSp>
+      <p:sp>
+        <p:nvSpPr>
+          <p:cNvPr id="28" name="Rectangle 18">
+            <a:extLst>
+              <a:ext uri="{FF2B5EF4-FFF2-40B4-BE49-F238E27FC236}">
+                <a16:creationId xmlns:a16="http://schemas.microsoft.com/office/drawing/2014/main" id="{B4C27B90-DF2B-4D00-BA07-18ED774CD2F1}"/>
+              </a:ext>
+              <a:ext uri="{C183D7F6-B498-43B3-948B-1728B52AA6E4}">
+                <adec:decorative xmlns:adec="http://schemas.microsoft.com/office/drawing/2017/decorative" val="1"/>
+              </a:ext>
+            </a:extLst>
+          </p:cNvPr>
+          <p:cNvSpPr>
+            <a:spLocks noGrp="1" noRot="1" noChangeAspect="1" noMove="1" noResize="1" noEditPoints="1" noAdjustHandles="1" noChangeArrowheads="1" noChangeShapeType="1" noTextEdit="1"/>
+          </p:cNvSpPr>
+          <p:nvPr>
+            <p:extLst>
+              <p:ext uri="{386F3935-93C4-4BCD-93E2-E3B085C9AB24}">
+                <p16:designElem xmlns:p16="http://schemas.microsoft.com/office/powerpoint/2015/main" val="1"/>
+              </p:ext>
+            </p:extLst>
+          </p:nvPr>
+        </p:nvSpPr>
+        <p:spPr>
+          <a:xfrm>
+            <a:off x="11" y="6334316"/>
+            <a:ext cx="9143989" cy="66484"/>
+          </a:xfrm>
+          <a:prstGeom prst="rect">
+            <a:avLst/>
+          </a:prstGeom>
+          <a:solidFill>
+            <a:schemeClr val="accent1"/>
+          </a:solidFill>
+          <a:ln>
+            <a:noFill/>
+          </a:ln>
+        </p:spPr>
+        <p:style>
+          <a:lnRef idx="2">
+            <a:schemeClr val="accent1">
+              <a:shade val="50000"/>
+            </a:schemeClr>
+          </a:lnRef>
+          <a:fillRef idx="1">
+            <a:schemeClr val="accent1"/>
+          </a:fillRef>
+          <a:effectRef idx="0">
+            <a:schemeClr val="accent1"/>
+          </a:effectRef>
+          <a:fontRef idx="minor">
+            <a:schemeClr val="lt1"/>
+          </a:fontRef>
+        </p:style>
+      </p:sp>
+      <p:sp>
+        <p:nvSpPr>
+          <p:cNvPr id="29" name="Rectangle 20">
+            <a:extLst>
+              <a:ext uri="{FF2B5EF4-FFF2-40B4-BE49-F238E27FC236}">
+                <a16:creationId xmlns:a16="http://schemas.microsoft.com/office/drawing/2014/main" id="{593ACC25-C262-417A-8AA9-0641C772BDB6}"/>
+              </a:ext>
+              <a:ext uri="{C183D7F6-B498-43B3-948B-1728B52AA6E4}">
+                <adec:decorative xmlns:adec="http://schemas.microsoft.com/office/drawing/2017/decorative" val="1"/>
+              </a:ext>
+            </a:extLst>
+          </p:cNvPr>
+          <p:cNvSpPr>
+            <a:spLocks noGrp="1" noRot="1" noChangeAspect="1" noMove="1" noResize="1" noEditPoints="1" noAdjustHandles="1" noChangeArrowheads="1" noChangeShapeType="1" noTextEdit="1"/>
+          </p:cNvSpPr>
+          <p:nvPr>
+            <p:extLst>
+              <p:ext uri="{386F3935-93C4-4BCD-93E2-E3B085C9AB24}">
+                <p16:designElem xmlns:p16="http://schemas.microsoft.com/office/powerpoint/2015/main" val="1"/>
+              </p:ext>
+            </p:extLst>
+          </p:nvPr>
+        </p:nvSpPr>
+        <p:spPr>
+          <a:xfrm>
+            <a:off x="0" y="6400800"/>
+            <a:ext cx="9144000" cy="457200"/>
+          </a:xfrm>
+          <a:prstGeom prst="rect">
+            <a:avLst/>
+          </a:prstGeom>
+          <a:solidFill>
+            <a:schemeClr val="accent2"/>
+          </a:solidFill>
+          <a:ln>
+            <a:noFill/>
+          </a:ln>
+        </p:spPr>
+        <p:style>
+          <a:lnRef idx="2">
+            <a:schemeClr val="accent1">
+              <a:shade val="50000"/>
+            </a:schemeClr>
+          </a:lnRef>
+          <a:fillRef idx="1">
+            <a:schemeClr val="accent1"/>
+          </a:fillRef>
+          <a:effectRef idx="0">
+            <a:schemeClr val="accent1"/>
+          </a:effectRef>
+          <a:fontRef idx="minor">
+            <a:schemeClr val="lt1"/>
+          </a:fontRef>
+        </p:style>
+      </p:sp>
+      <p:sp>
+        <p:nvSpPr>
+          <p:cNvPr id="3" name="Foliennummernplatzhalter 2"/>
+          <p:cNvSpPr>
+            <a:spLocks noGrp="1"/>
+          </p:cNvSpPr>
+          <p:nvPr>
+            <p:ph type="sldNum" sz="quarter" idx="12"/>
+          </p:nvPr>
+        </p:nvSpPr>
+        <p:spPr>
+          <a:xfrm>
+            <a:off x="7425344" y="6459786"/>
+            <a:ext cx="984019" cy="365125"/>
+          </a:xfrm>
+        </p:spPr>
+        <p:txBody>
+          <a:bodyPr vert="horz" lIns="91440" tIns="45720" rIns="91440" bIns="45720" rtlCol="0" anchor="ctr">
+            <a:normAutofit/>
+          </a:bodyPr>
+          <a:lstStyle/>
+          <a:p>
+            <a:pPr defTabSz="914400">
+              <a:spcAft>
+                <a:spcPts val="600"/>
+              </a:spcAft>
+            </a:pPr>
+            <a:fld id="{7E5C08A9-E730-4E67-A85A-88903A30B32B}" type="slidenum">
+              <a:rPr lang="en-US" smtClean="0"/>
+              <a:pPr defTabSz="914400">
+                <a:spcAft>
+                  <a:spcPts val="600"/>
+                </a:spcAft>
+              </a:pPr>
+              <a:t>10</a:t>
+            </a:fld>
+            <a:endParaRPr lang="en-US"/>
+          </a:p>
+        </p:txBody>
+      </p:sp>
+    </p:spTree>
+    <p:extLst>
+      <p:ext uri="{BB962C8B-B14F-4D97-AF65-F5344CB8AC3E}">
+        <p14:creationId xmlns:p14="http://schemas.microsoft.com/office/powerpoint/2010/main" val="376561582"/>
+      </p:ext>
+    </p:extLst>
+  </p:cSld>
+  <p:clrMapOvr>
+    <a:masterClrMapping/>
+  </p:clrMapOvr>
+</p:sld>
+</file>
+
+<file path=ppt/slides/slide11.xml><?xml version="1.0" encoding="utf-8"?>
 <p:sld xmlns:a="http://schemas.openxmlformats.org/drawingml/2006/main" xmlns:r="http://schemas.openxmlformats.org/officeDocument/2006/relationships" xmlns:p="http://schemas.openxmlformats.org/presentationml/2006/main">
   <p:cSld>
     <p:spTree>
@@ -4473,7 +4969,7 @@
           <a:p>
             <a:fld id="{7E5C08A9-E730-4E67-A85A-88903A30B32B}" type="slidenum">
               <a:rPr lang="de-DE" smtClean="0"/>
-              <a:t>10</a:t>
+              <a:t>11</a:t>
             </a:fld>
             <a:endParaRPr lang="de-DE"/>
           </a:p>
@@ -4489,17 +4985,10 @@
   <p:clrMapOvr>
     <a:masterClrMapping/>
   </p:clrMapOvr>
-  <p:timing>
-    <p:tnLst>
-      <p:par>
-        <p:cTn id="1" dur="indefinite" restart="never" nodeType="tmRoot"/>
-      </p:par>
-    </p:tnLst>
-  </p:timing>
 </p:sld>
 </file>
 
-<file path=ppt/slides/slide11.xml><?xml version="1.0" encoding="utf-8"?>
+<file path=ppt/slides/slide12.xml><?xml version="1.0" encoding="utf-8"?>
 <p:sld xmlns:a="http://schemas.openxmlformats.org/drawingml/2006/main" xmlns:r="http://schemas.openxmlformats.org/officeDocument/2006/relationships" xmlns:p="http://schemas.openxmlformats.org/presentationml/2006/main">
   <p:cSld>
     <p:spTree>
@@ -4537,13 +5026,7 @@
               <a:rPr lang="de-DE" b="1" dirty="0">
                 <a:latin typeface="Century Gothic" pitchFamily="34" charset="0"/>
               </a:rPr>
-              <a:t>Was wurde </a:t>
-            </a:r>
-            <a:r>
-              <a:rPr lang="de-DE" b="1" dirty="0" smtClean="0">
-                <a:latin typeface="Century Gothic" pitchFamily="34" charset="0"/>
-              </a:rPr>
-              <a:t>getestet</a:t>
+              <a:t>Was wurde getestet</a:t>
             </a:r>
             <a:endParaRPr lang="de-DE" dirty="0"/>
           </a:p>
@@ -4750,7 +5233,7 @@
               <a:defRPr/>
             </a:pPr>
             <a:r>
-              <a:rPr kumimoji="0" lang="de-DE" sz="2400" b="0" i="0" u="none" strike="noStrike" kern="1200" cap="none" spc="0" normalizeH="0" baseline="0" noProof="0" dirty="0" smtClean="0">
+              <a:rPr kumimoji="0" lang="de-DE" sz="2400" b="0" i="0" u="none" strike="noStrike" kern="1200" cap="none" spc="0" normalizeH="0" baseline="0" noProof="0" dirty="0">
                 <a:ln>
                   <a:noFill/>
                 </a:ln>
@@ -4764,7 +5247,7 @@
               <a:t>Testdaten</a:t>
             </a:r>
             <a:r>
-              <a:rPr kumimoji="0" lang="de-DE" sz="2400" b="0" i="0" u="none" strike="noStrike" kern="1200" cap="none" spc="0" normalizeH="0" noProof="0" dirty="0" smtClean="0">
+              <a:rPr kumimoji="0" lang="de-DE" sz="2400" b="0" i="0" u="none" strike="noStrike" kern="1200" cap="none" spc="0" normalizeH="0" noProof="0" dirty="0">
                 <a:ln>
                   <a:noFill/>
                 </a:ln>
@@ -4777,7 +5260,7 @@
               </a:rPr>
               <a:t> in Datenbank</a:t>
             </a:r>
-            <a:endParaRPr kumimoji="0" lang="de-DE" sz="2400" b="0" i="0" u="none" strike="noStrike" kern="1200" cap="none" spc="0" normalizeH="0" baseline="0" noProof="0" dirty="0" smtClean="0">
+            <a:endParaRPr kumimoji="0" lang="de-DE" sz="2400" b="0" i="0" u="none" strike="noStrike" kern="1200" cap="none" spc="0" normalizeH="0" baseline="0" noProof="0" dirty="0">
               <a:ln>
                 <a:noFill/>
               </a:ln>
@@ -4808,7 +5291,7 @@
               <a:defRPr/>
             </a:pPr>
             <a:r>
-              <a:rPr kumimoji="0" lang="de-DE" sz="2400" b="0" i="0" u="none" strike="noStrike" kern="1200" cap="none" spc="0" normalizeH="0" baseline="0" noProof="0" dirty="0" smtClean="0">
+              <a:rPr kumimoji="0" lang="de-DE" sz="2400" b="0" i="0" u="none" strike="noStrike" kern="1200" cap="none" spc="0" normalizeH="0" baseline="0" noProof="0" dirty="0">
                 <a:ln>
                   <a:noFill/>
                 </a:ln>
@@ -4841,7 +5324,7 @@
               <a:defRPr/>
             </a:pPr>
             <a:r>
-              <a:rPr kumimoji="0" lang="de-DE" sz="2400" b="0" i="0" u="none" strike="noStrike" kern="1200" cap="none" spc="0" normalizeH="0" baseline="0" noProof="0" dirty="0" smtClean="0">
+              <a:rPr kumimoji="0" lang="de-DE" sz="2400" b="0" i="0" u="none" strike="noStrike" kern="1200" cap="none" spc="0" normalizeH="0" baseline="0" noProof="0" dirty="0">
                 <a:ln>
                   <a:noFill/>
                 </a:ln>
@@ -4874,7 +5357,7 @@
               <a:defRPr/>
             </a:pPr>
             <a:r>
-              <a:rPr kumimoji="0" lang="de-DE" sz="2400" b="0" i="0" u="none" strike="noStrike" kern="1200" cap="none" spc="0" normalizeH="0" baseline="0" noProof="0" dirty="0" smtClean="0">
+              <a:rPr kumimoji="0" lang="de-DE" sz="2400" b="0" i="0" u="none" strike="noStrike" kern="1200" cap="none" spc="0" normalizeH="0" baseline="0" noProof="0" dirty="0">
                 <a:ln>
                   <a:noFill/>
                 </a:ln>
@@ -4907,7 +5390,7 @@
               <a:defRPr/>
             </a:pPr>
             <a:r>
-              <a:rPr kumimoji="0" lang="de-DE" sz="2400" b="0" i="0" u="none" strike="noStrike" kern="1200" cap="none" spc="0" normalizeH="0" baseline="0" noProof="0" dirty="0" smtClean="0">
+              <a:rPr kumimoji="0" lang="de-DE" sz="2400" b="0" i="0" u="none" strike="noStrike" kern="1200" cap="none" spc="0" normalizeH="0" baseline="0" noProof="0" dirty="0">
                 <a:ln>
                   <a:noFill/>
                 </a:ln>
@@ -4938,7 +5421,7 @@
               <a:tabLst/>
               <a:defRPr/>
             </a:pPr>
-            <a:endParaRPr kumimoji="0" lang="de-DE" sz="2400" b="0" i="0" u="none" strike="noStrike" kern="1200" cap="none" spc="0" normalizeH="0" baseline="0" noProof="0" dirty="0" smtClean="0">
+            <a:endParaRPr kumimoji="0" lang="de-DE" sz="2400" b="0" i="0" u="none" strike="noStrike" kern="1200" cap="none" spc="0" normalizeH="0" baseline="0" noProof="0" dirty="0">
               <a:ln>
                 <a:noFill/>
               </a:ln>
@@ -4990,7 +5473,7 @@
               <a:tabLst/>
               <a:defRPr/>
             </a:pPr>
-            <a:endParaRPr kumimoji="0" lang="de-DE" sz="2400" b="0" i="0" u="none" strike="noStrike" kern="1200" cap="none" spc="0" normalizeH="0" baseline="0" noProof="0" dirty="0" smtClean="0">
+            <a:endParaRPr kumimoji="0" lang="de-DE" sz="2400" b="0" i="0" u="none" strike="noStrike" kern="1200" cap="none" spc="0" normalizeH="0" baseline="0" noProof="0" dirty="0">
               <a:ln>
                 <a:noFill/>
               </a:ln>
@@ -5004,7 +5487,7 @@
           </a:p>
           <a:p>
             <a:r>
-              <a:rPr kumimoji="0" lang="de-DE" sz="2400" b="0" i="0" u="none" strike="noStrike" kern="1200" cap="none" spc="0" normalizeH="0" baseline="0" noProof="0" dirty="0" smtClean="0">
+              <a:rPr kumimoji="0" lang="de-DE" sz="2400" b="0" i="0" u="none" strike="noStrike" kern="1200" cap="none" spc="0" normalizeH="0" baseline="0" noProof="0" dirty="0">
                 <a:ln>
                   <a:noFill/>
                 </a:ln>
@@ -5021,18 +5504,13 @@
           <a:p>
             <a:pPr lvl="1"/>
             <a:r>
-              <a:rPr lang="de-DE" sz="2400" dirty="0" smtClean="0">
+              <a:rPr lang="de-DE" sz="2400" dirty="0">
                 <a:solidFill>
                   <a:sysClr val="windowText" lastClr="000000"/>
                 </a:solidFill>
               </a:rPr>
               <a:t>Zuhause, Windows</a:t>
             </a:r>
-            <a:endParaRPr lang="de-DE" sz="2400" dirty="0">
-              <a:solidFill>
-                <a:sysClr val="windowText" lastClr="000000"/>
-              </a:solidFill>
-            </a:endParaRPr>
           </a:p>
           <a:p>
             <a:pPr lvl="1"/>
@@ -5042,21 +5520,13 @@
                   <a:sysClr val="windowText" lastClr="000000"/>
                 </a:solidFill>
               </a:rPr>
-              <a:t>Zuhause, </a:t>
-            </a:r>
-            <a:r>
-              <a:rPr lang="de-DE" sz="2400" dirty="0" smtClean="0">
-                <a:solidFill>
-                  <a:sysClr val="windowText" lastClr="000000"/>
-                </a:solidFill>
-              </a:rPr>
-              <a:t>Linux</a:t>
+              <a:t>Zuhause, Linux</a:t>
             </a:r>
           </a:p>
           <a:p>
             <a:pPr lvl="1"/>
             <a:r>
-              <a:rPr kumimoji="0" lang="de-DE" sz="2400" b="0" i="0" u="none" strike="noStrike" kern="1200" cap="none" spc="0" normalizeH="0" baseline="0" noProof="0" dirty="0" smtClean="0">
+              <a:rPr kumimoji="0" lang="de-DE" sz="2400" b="0" i="0" u="none" strike="noStrike" kern="1200" cap="none" spc="0" normalizeH="0" baseline="0" noProof="0" dirty="0">
                 <a:ln>
                   <a:noFill/>
                 </a:ln>
@@ -5073,7 +5543,7 @@
           <a:p>
             <a:pPr lvl="1"/>
             <a:r>
-              <a:rPr lang="de-DE" sz="2400" dirty="0" smtClean="0">
+              <a:rPr lang="de-DE" sz="2400" dirty="0">
                 <a:solidFill>
                   <a:sysClr val="windowText" lastClr="000000"/>
                 </a:solidFill>
@@ -5081,7 +5551,7 @@
               <a:t>Unterwegs, Android &amp; </a:t>
             </a:r>
             <a:r>
-              <a:rPr kumimoji="0" lang="de-DE" sz="2400" b="0" i="0" u="none" strike="noStrike" kern="1200" cap="none" spc="0" normalizeH="0" baseline="0" noProof="0" dirty="0" smtClean="0">
+              <a:rPr kumimoji="0" lang="de-DE" sz="2400" b="0" i="0" u="none" strike="noStrike" kern="1200" cap="none" spc="0" normalizeH="0" baseline="0" noProof="0" dirty="0">
                 <a:ln>
                   <a:noFill/>
                 </a:ln>
@@ -5094,17 +5564,6 @@
               </a:rPr>
               <a:t>iOS</a:t>
             </a:r>
-            <a:endParaRPr kumimoji="0" lang="de-DE" sz="2400" b="0" i="0" u="none" strike="noStrike" kern="1200" cap="none" spc="0" normalizeH="0" baseline="0" noProof="0" dirty="0">
-              <a:ln>
-                <a:noFill/>
-              </a:ln>
-              <a:solidFill>
-                <a:sysClr val="windowText" lastClr="000000"/>
-              </a:solidFill>
-              <a:effectLst/>
-              <a:uLnTx/>
-              <a:uFillTx/>
-            </a:endParaRPr>
           </a:p>
         </p:txBody>
       </p:sp>
@@ -5125,7 +5584,7 @@
           <a:p>
             <a:fld id="{7E5C08A9-E730-4E67-A85A-88903A30B32B}" type="slidenum">
               <a:rPr lang="de-DE" smtClean="0"/>
-              <a:t>11</a:t>
+              <a:t>12</a:t>
             </a:fld>
             <a:endParaRPr lang="de-DE"/>
           </a:p>
@@ -5141,17 +5600,10 @@
   <p:clrMapOvr>
     <a:masterClrMapping/>
   </p:clrMapOvr>
-  <p:timing>
-    <p:tnLst>
-      <p:par>
-        <p:cTn id="1" dur="indefinite" restart="never" nodeType="tmRoot"/>
-      </p:par>
-    </p:tnLst>
-  </p:timing>
 </p:sld>
 </file>
 
-<file path=ppt/slides/slide12.xml><?xml version="1.0" encoding="utf-8"?>
+<file path=ppt/slides/slide13.xml><?xml version="1.0" encoding="utf-8"?>
 <p:sld xmlns:a="http://schemas.openxmlformats.org/drawingml/2006/main" xmlns:r="http://schemas.openxmlformats.org/officeDocument/2006/relationships" xmlns:p="http://schemas.openxmlformats.org/presentationml/2006/main">
   <p:cSld>
     <p:spTree>
@@ -5219,21 +5671,7 @@
               <a:buFont typeface="Wingdings" panose="05000000000000000000" pitchFamily="2" charset="2"/>
               <a:buChar char="Ø"/>
             </a:pPr>
-            <a:endParaRPr lang="de-DE" sz="2400" dirty="0" smtClean="0"/>
-          </a:p>
-          <a:p>
-            <a:pPr>
-              <a:buFont typeface="Wingdings" panose="05000000000000000000" pitchFamily="2" charset="2"/>
-              <a:buChar char="Ø"/>
-            </a:pPr>
-            <a:endParaRPr lang="de-DE" sz="2400" dirty="0" smtClean="0"/>
-          </a:p>
-          <a:p>
-            <a:pPr>
-              <a:buFont typeface="Wingdings" panose="05000000000000000000" pitchFamily="2" charset="2"/>
-              <a:buChar char="Ø"/>
-            </a:pPr>
-            <a:endParaRPr lang="de-DE" sz="2400" dirty="0" smtClean="0"/>
+            <a:endParaRPr lang="de-DE" sz="2400" dirty="0"/>
           </a:p>
           <a:p>
             <a:pPr>
@@ -5247,7 +5685,7 @@
               <a:buFont typeface="Wingdings" panose="05000000000000000000" pitchFamily="2" charset="2"/>
               <a:buChar char="Ø"/>
             </a:pPr>
-            <a:endParaRPr lang="de-DE" sz="2400" dirty="0" smtClean="0"/>
+            <a:endParaRPr lang="de-DE" sz="2400" dirty="0"/>
           </a:p>
           <a:p>
             <a:pPr>
@@ -5261,7 +5699,7 @@
               <a:buFont typeface="Wingdings" panose="05000000000000000000" pitchFamily="2" charset="2"/>
               <a:buChar char="Ø"/>
             </a:pPr>
-            <a:endParaRPr lang="de-DE" sz="2400" dirty="0" smtClean="0"/>
+            <a:endParaRPr lang="de-DE" sz="2400" dirty="0"/>
           </a:p>
           <a:p>
             <a:pPr>
@@ -5275,18 +5713,32 @@
               <a:buFont typeface="Wingdings" panose="05000000000000000000" pitchFamily="2" charset="2"/>
               <a:buChar char="Ø"/>
             </a:pPr>
-            <a:r>
-              <a:rPr lang="de-DE" sz="2400" dirty="0" smtClean="0"/>
-              <a:t>Zielerreichung</a:t>
-            </a:r>
+            <a:endParaRPr lang="de-DE" sz="2400" dirty="0"/>
           </a:p>
           <a:p>
             <a:pPr>
               <a:buFont typeface="Wingdings" panose="05000000000000000000" pitchFamily="2" charset="2"/>
               <a:buChar char="Ø"/>
             </a:pPr>
-            <a:r>
-              <a:rPr lang="de-DE" sz="2400" dirty="0" smtClean="0"/>
+            <a:endParaRPr lang="de-DE" sz="2400" dirty="0"/>
+          </a:p>
+          <a:p>
+            <a:pPr>
+              <a:buFont typeface="Wingdings" panose="05000000000000000000" pitchFamily="2" charset="2"/>
+              <a:buChar char="Ø"/>
+            </a:pPr>
+            <a:r>
+              <a:rPr lang="de-DE" sz="2400" dirty="0"/>
+              <a:t>Zielerreichung</a:t>
+            </a:r>
+          </a:p>
+          <a:p>
+            <a:pPr>
+              <a:buFont typeface="Wingdings" panose="05000000000000000000" pitchFamily="2" charset="2"/>
+              <a:buChar char="Ø"/>
+            </a:pPr>
+            <a:r>
+              <a:rPr lang="de-DE" sz="2400" dirty="0"/>
               <a:t>Gewonnene Kenntnisse</a:t>
             </a:r>
           </a:p>
@@ -5344,7 +5796,7 @@
               </a:buClr>
             </a:pPr>
             <a:r>
-              <a:rPr lang="de-DE" sz="1000" dirty="0" smtClean="0">
+              <a:rPr lang="de-DE" sz="1000" dirty="0">
                 <a:latin typeface="Arial" pitchFamily="34" charset="0"/>
                 <a:cs typeface="Arial" pitchFamily="34" charset="0"/>
               </a:rPr>
@@ -5370,7 +5822,7 @@
           <a:p>
             <a:fld id="{7E5C08A9-E730-4E67-A85A-88903A30B32B}" type="slidenum">
               <a:rPr lang="de-DE" smtClean="0"/>
-              <a:t>12</a:t>
+              <a:t>13</a:t>
             </a:fld>
             <a:endParaRPr lang="de-DE"/>
           </a:p>
@@ -5386,13 +5838,6 @@
   <p:clrMapOvr>
     <a:masterClrMapping/>
   </p:clrMapOvr>
-  <p:timing>
-    <p:tnLst>
-      <p:par>
-        <p:cTn id="1" dur="indefinite" restart="never" nodeType="tmRoot"/>
-      </p:par>
-    </p:tnLst>
-  </p:timing>
 </p:sld>
 </file>
 
@@ -5625,7 +6070,7 @@
               <a:buChar char="Ø"/>
             </a:pPr>
             <a:r>
-              <a:rPr lang="de-DE" sz="2400" dirty="0" smtClean="0"/>
+              <a:rPr lang="de-DE" sz="2400" dirty="0"/>
               <a:t>Entwicklung einer Protokoll und Beschluss Anwendung</a:t>
             </a:r>
           </a:p>
@@ -5635,10 +6080,9 @@
               <a:buChar char="Ø"/>
             </a:pPr>
             <a:r>
-              <a:rPr lang="de-DE" sz="2400" dirty="0" smtClean="0"/>
+              <a:rPr lang="de-DE" sz="2400" dirty="0"/>
               <a:t>Unterstützung der Lehrer</a:t>
             </a:r>
-            <a:endParaRPr lang="de-DE" sz="2400" dirty="0" smtClean="0"/>
           </a:p>
           <a:p>
             <a:endParaRPr lang="de-DE" dirty="0">
@@ -5680,13 +6124,6 @@
   <p:clrMapOvr>
     <a:masterClrMapping/>
   </p:clrMapOvr>
-  <p:timing>
-    <p:tnLst>
-      <p:par>
-        <p:cTn id="1" dur="indefinite" restart="never" nodeType="tmRoot"/>
-      </p:par>
-    </p:tnLst>
-  </p:timing>
 </p:sld>
 </file>
 
@@ -5765,13 +6202,8 @@
             </a:pPr>
             <a:r>
               <a:rPr lang="de-DE" sz="2400" dirty="0"/>
-              <a:t>Anforderung wurden dem </a:t>
-            </a:r>
-            <a:r>
-              <a:rPr lang="de-DE" sz="2400" dirty="0" smtClean="0"/>
-              <a:t>Lastenheft</a:t>
-            </a:r>
-            <a:endParaRPr lang="de-DE" sz="2400" dirty="0"/>
+              <a:t>Anforderung wurden dem Lastenheft</a:t>
+            </a:r>
           </a:p>
         </p:txBody>
       </p:sp>
@@ -5808,13 +6240,6 @@
   <p:clrMapOvr>
     <a:masterClrMapping/>
   </p:clrMapOvr>
-  <p:timing>
-    <p:tnLst>
-      <p:par>
-        <p:cTn id="1" dur="indefinite" restart="never" nodeType="tmRoot"/>
-      </p:par>
-    </p:tnLst>
-  </p:timing>
 </p:sld>
 </file>
 
@@ -5908,7 +6333,7 @@
                     <a:lstStyle/>
                     <a:p>
                       <a:r>
-                        <a:rPr lang="de-DE" sz="2400" dirty="0" smtClean="0"/>
+                        <a:rPr lang="de-DE" sz="2400" dirty="0"/>
                         <a:t>Phase</a:t>
                       </a:r>
                       <a:endParaRPr lang="de-DE" sz="2400" dirty="0">
@@ -5924,7 +6349,7 @@
                     <a:lstStyle/>
                     <a:p>
                       <a:r>
-                        <a:rPr lang="de-DE" sz="2400" dirty="0" smtClean="0"/>
+                        <a:rPr lang="de-DE" sz="2400" dirty="0"/>
                         <a:t>Dauer in Stunden</a:t>
                       </a:r>
                       <a:endParaRPr lang="de-DE" sz="2400" dirty="0">
@@ -5947,7 +6372,7 @@
                     <a:lstStyle/>
                     <a:p>
                       <a:r>
-                        <a:rPr lang="de-DE" sz="2400" dirty="0" smtClean="0"/>
+                        <a:rPr lang="de-DE" sz="2400" dirty="0"/>
                         <a:t>Planung</a:t>
                       </a:r>
                       <a:endParaRPr lang="de-DE" sz="2400" dirty="0">
@@ -5963,7 +6388,7 @@
                     <a:lstStyle/>
                     <a:p>
                       <a:r>
-                        <a:rPr lang="de-DE" sz="2400" dirty="0" smtClean="0"/>
+                        <a:rPr lang="de-DE" sz="2400" dirty="0"/>
                         <a:t>15</a:t>
                       </a:r>
                       <a:endParaRPr lang="de-DE" sz="2400" dirty="0">
@@ -5986,7 +6411,7 @@
                     <a:lstStyle/>
                     <a:p>
                       <a:r>
-                        <a:rPr lang="de-DE" sz="2400" dirty="0" smtClean="0"/>
+                        <a:rPr lang="de-DE" sz="2400" dirty="0"/>
                         <a:t>Vorbereitung</a:t>
                       </a:r>
                       <a:endParaRPr lang="de-DE" sz="2400" dirty="0">
@@ -6002,7 +6427,7 @@
                     <a:lstStyle/>
                     <a:p>
                       <a:r>
-                        <a:rPr lang="de-DE" sz="2400" dirty="0" smtClean="0"/>
+                        <a:rPr lang="de-DE" sz="2400" dirty="0"/>
                         <a:t>15</a:t>
                       </a:r>
                       <a:endParaRPr lang="de-DE" sz="2400" dirty="0">
@@ -6025,7 +6450,7 @@
                     <a:lstStyle/>
                     <a:p>
                       <a:r>
-                        <a:rPr lang="de-DE" sz="2400" dirty="0" smtClean="0"/>
+                        <a:rPr lang="de-DE" sz="2400" dirty="0"/>
                         <a:t>Implementierung</a:t>
                       </a:r>
                       <a:endParaRPr lang="de-DE" sz="2400" dirty="0">
@@ -6041,7 +6466,7 @@
                     <a:lstStyle/>
                     <a:p>
                       <a:r>
-                        <a:rPr lang="de-DE" sz="2400" dirty="0" smtClean="0"/>
+                        <a:rPr lang="de-DE" sz="2400" dirty="0"/>
                         <a:t>26</a:t>
                       </a:r>
                       <a:endParaRPr lang="de-DE" sz="2400" dirty="0">
@@ -6064,7 +6489,7 @@
                     <a:lstStyle/>
                     <a:p>
                       <a:r>
-                        <a:rPr lang="de-DE" sz="2400" dirty="0" smtClean="0"/>
+                        <a:rPr lang="de-DE" sz="2400" dirty="0"/>
                         <a:t>Dokumentation</a:t>
                       </a:r>
                       <a:endParaRPr lang="de-DE" sz="2400" dirty="0">
@@ -6080,7 +6505,7 @@
                     <a:lstStyle/>
                     <a:p>
                       <a:r>
-                        <a:rPr lang="de-DE" sz="2400" dirty="0" smtClean="0"/>
+                        <a:rPr lang="de-DE" sz="2400" dirty="0"/>
                         <a:t>14</a:t>
                       </a:r>
                       <a:endParaRPr lang="de-DE" sz="2400" dirty="0">
@@ -6103,7 +6528,7 @@
                     <a:lstStyle/>
                     <a:p>
                       <a:r>
-                        <a:rPr lang="de-DE" sz="2400" dirty="0" smtClean="0"/>
+                        <a:rPr lang="de-DE" sz="2400" dirty="0"/>
                         <a:t>Puffer</a:t>
                       </a:r>
                       <a:endParaRPr lang="de-DE" sz="2400" dirty="0">
@@ -6119,7 +6544,7 @@
                     <a:lstStyle/>
                     <a:p>
                       <a:r>
-                        <a:rPr lang="de-DE" sz="2400" dirty="0" smtClean="0"/>
+                        <a:rPr lang="de-DE" sz="2400" dirty="0"/>
                         <a:t>2</a:t>
                       </a:r>
                       <a:endParaRPr lang="de-DE" sz="2400" dirty="0">
@@ -6142,7 +6567,7 @@
                     <a:lstStyle/>
                     <a:p>
                       <a:r>
-                        <a:rPr lang="de-DE" sz="2400" dirty="0" smtClean="0"/>
+                        <a:rPr lang="de-DE" sz="2400" dirty="0"/>
                         <a:t>Summe</a:t>
                       </a:r>
                       <a:endParaRPr lang="de-DE" sz="2400" b="1" dirty="0">
@@ -6165,7 +6590,7 @@
                     <a:lstStyle/>
                     <a:p>
                       <a:r>
-                        <a:rPr lang="de-DE" sz="2400" dirty="0" smtClean="0"/>
+                        <a:rPr lang="de-DE" sz="2400" dirty="0"/>
                         <a:t>72</a:t>
                       </a:r>
                       <a:endParaRPr lang="de-DE" sz="2400" b="1" dirty="0">
@@ -6225,13 +6650,6 @@
   <p:clrMapOvr>
     <a:masterClrMapping/>
   </p:clrMapOvr>
-  <p:timing>
-    <p:tnLst>
-      <p:par>
-        <p:cTn id="1" dur="indefinite" restart="never" nodeType="tmRoot"/>
-      </p:par>
-    </p:tnLst>
-  </p:timing>
 </p:sld>
 </file>
 
@@ -6299,7 +6717,7 @@
               <a:buChar char="Ø"/>
             </a:pPr>
             <a:r>
-              <a:rPr lang="de-DE" sz="2800" dirty="0" smtClean="0"/>
+              <a:rPr lang="de-DE" sz="2800" dirty="0"/>
               <a:t>Software:</a:t>
             </a:r>
           </a:p>
@@ -6309,7 +6727,7 @@
               <a:buChar char="•"/>
             </a:pPr>
             <a:r>
-              <a:rPr lang="de-DE" sz="2400" dirty="0" smtClean="0"/>
+              <a:rPr lang="de-DE" sz="2400" dirty="0"/>
               <a:t>Visual Studio Code</a:t>
             </a:r>
           </a:p>
@@ -6319,7 +6737,7 @@
               <a:buChar char="•"/>
             </a:pPr>
             <a:r>
-              <a:rPr lang="de-DE" sz="2400" dirty="0" smtClean="0"/>
+              <a:rPr lang="de-DE" sz="2400" dirty="0"/>
               <a:t>GitHub</a:t>
             </a:r>
           </a:p>
@@ -6329,7 +6747,7 @@
               <a:buChar char="•"/>
             </a:pPr>
             <a:r>
-              <a:rPr lang="de-DE" sz="2400" dirty="0" smtClean="0"/>
+              <a:rPr lang="de-DE" sz="2400" dirty="0"/>
               <a:t>Office</a:t>
             </a:r>
           </a:p>
@@ -6339,7 +6757,7 @@
               <a:buChar char="•"/>
             </a:pPr>
             <a:r>
-              <a:rPr lang="de-DE" sz="2400" dirty="0" smtClean="0"/>
+              <a:rPr lang="de-DE" sz="2400" dirty="0"/>
               <a:t>FTP Tool</a:t>
             </a:r>
           </a:p>
@@ -6349,7 +6767,7 @@
               <a:buChar char="•"/>
             </a:pPr>
             <a:r>
-              <a:rPr lang="de-DE" sz="2400" dirty="0" smtClean="0"/>
+              <a:rPr lang="de-DE" sz="2400" dirty="0"/>
               <a:t>IES</a:t>
             </a:r>
           </a:p>
@@ -6358,7 +6776,7 @@
               <a:buFont typeface="Wingdings" panose="05000000000000000000" pitchFamily="2" charset="2"/>
               <a:buChar char="Ø"/>
             </a:pPr>
-            <a:endParaRPr lang="de-DE" sz="2400" dirty="0" smtClean="0">
+            <a:endParaRPr lang="de-DE" sz="2400" dirty="0">
               <a:latin typeface="Rockwell" pitchFamily="18" charset="0"/>
             </a:endParaRPr>
           </a:p>
@@ -6367,7 +6785,7 @@
               <a:buFont typeface="Wingdings" panose="05000000000000000000" pitchFamily="2" charset="2"/>
               <a:buChar char="Ø"/>
             </a:pPr>
-            <a:endParaRPr lang="de-DE" sz="2400" dirty="0" smtClean="0">
+            <a:endParaRPr lang="de-DE" sz="2400" dirty="0">
               <a:latin typeface="Rockwell" pitchFamily="18" charset="0"/>
             </a:endParaRPr>
           </a:p>
@@ -6376,7 +6794,7 @@
               <a:buFont typeface="Wingdings" panose="05000000000000000000" pitchFamily="2" charset="2"/>
               <a:buChar char="Ø"/>
             </a:pPr>
-            <a:endParaRPr lang="de-DE" sz="2400" dirty="0" smtClean="0">
+            <a:endParaRPr lang="de-DE" sz="2400" dirty="0">
               <a:latin typeface="Rockwell" pitchFamily="18" charset="0"/>
             </a:endParaRPr>
           </a:p>
@@ -6386,7 +6804,7 @@
               <a:buChar char="Ø"/>
             </a:pPr>
             <a:r>
-              <a:rPr lang="de-DE" sz="2800" dirty="0" smtClean="0"/>
+              <a:rPr lang="de-DE" sz="2800" dirty="0"/>
               <a:t>Hardware:</a:t>
             </a:r>
           </a:p>
@@ -6396,7 +6814,7 @@
               <a:buChar char="•"/>
             </a:pPr>
             <a:r>
-              <a:rPr lang="de-DE" sz="2400" dirty="0" smtClean="0"/>
+              <a:rPr lang="de-DE" sz="2400" dirty="0"/>
               <a:t>GSO Rechner</a:t>
             </a:r>
           </a:p>
@@ -6406,7 +6824,7 @@
               <a:buChar char="•"/>
             </a:pPr>
             <a:r>
-              <a:rPr lang="de-DE" sz="2400" dirty="0" smtClean="0"/>
+              <a:rPr lang="de-DE" sz="2400" dirty="0"/>
               <a:t>Laptops</a:t>
             </a:r>
           </a:p>
@@ -6461,16 +6879,12 @@
           <a:lstStyle/>
           <a:p>
             <a:r>
-              <a:rPr lang="de-DE" sz="1000" dirty="0" smtClean="0">
+              <a:rPr lang="de-DE" sz="1000" dirty="0">
                 <a:latin typeface="Arial" pitchFamily="34" charset="0"/>
                 <a:cs typeface="Arial" pitchFamily="34" charset="0"/>
               </a:rPr>
               <a:t>https://de.wikipedia.org</a:t>
             </a:r>
-            <a:endParaRPr lang="de-DE" sz="1000" dirty="0">
-              <a:latin typeface="Arial" pitchFamily="34" charset="0"/>
-              <a:cs typeface="Arial" pitchFamily="34" charset="0"/>
-            </a:endParaRPr>
           </a:p>
         </p:txBody>
       </p:sp>
@@ -6507,13 +6921,6 @@
   <p:clrMapOvr>
     <a:masterClrMapping/>
   </p:clrMapOvr>
-  <p:timing>
-    <p:tnLst>
-      <p:par>
-        <p:cTn id="1" dur="indefinite" restart="never" nodeType="tmRoot"/>
-      </p:par>
-    </p:tnLst>
-  </p:timing>
 </p:sld>
 </file>
 
@@ -6602,13 +7009,8 @@
             </a:pPr>
             <a:r>
               <a:rPr lang="de-DE" sz="2400" dirty="0"/>
-              <a:t>Abweichung: 44</a:t>
-            </a:r>
-            <a:r>
-              <a:rPr lang="de-DE" sz="2400" dirty="0" smtClean="0"/>
-              <a:t>€</a:t>
-            </a:r>
-            <a:endParaRPr lang="de-DE" sz="2400" dirty="0"/>
+              <a:t>Abweichung: 44€</a:t>
+            </a:r>
           </a:p>
         </p:txBody>
       </p:sp>
@@ -6645,13 +7047,6 @@
   <p:clrMapOvr>
     <a:masterClrMapping/>
   </p:clrMapOvr>
-  <p:timing>
-    <p:tnLst>
-      <p:par>
-        <p:cTn id="1" dur="indefinite" restart="never" nodeType="tmRoot"/>
-      </p:par>
-    </p:tnLst>
-  </p:timing>
 </p:sld>
 </file>
 
@@ -6690,7 +7085,7 @@
           <a:lstStyle/>
           <a:p>
             <a:r>
-              <a:rPr lang="de-DE" b="1" dirty="0" smtClean="0">
+              <a:rPr lang="de-DE" b="1" dirty="0">
                 <a:latin typeface="Century Gothic" pitchFamily="34" charset="0"/>
               </a:rPr>
               <a:t>Aktivitätsdiagramm</a:t>
@@ -6796,13 +7191,6 @@
   <p:clrMapOvr>
     <a:masterClrMapping/>
   </p:clrMapOvr>
-  <p:timing>
-    <p:tnLst>
-      <p:par>
-        <p:cTn id="1" dur="indefinite" restart="never" nodeType="tmRoot"/>
-      </p:par>
-    </p:tnLst>
-  </p:timing>
 </p:sld>
 </file>
 
@@ -6841,7 +7229,7 @@
           <a:lstStyle/>
           <a:p>
             <a:r>
-              <a:rPr lang="de-DE" b="1" dirty="0" smtClean="0">
+              <a:rPr lang="de-DE" b="1" dirty="0">
                 <a:latin typeface="Century Gothic" pitchFamily="34" charset="0"/>
               </a:rPr>
               <a:t>Sequenzdiagramm</a:t>
@@ -6947,13 +7335,6 @@
   <p:clrMapOvr>
     <a:masterClrMapping/>
   </p:clrMapOvr>
-  <p:timing>
-    <p:tnLst>
-      <p:par>
-        <p:cTn id="1" dur="indefinite" restart="never" nodeType="tmRoot"/>
-      </p:par>
-    </p:tnLst>
-  </p:timing>
 </p:sld>
 </file>
 

--- a/Präsentation/FIA63-Gruppe#3-PRAES.pptx
+++ b/Präsentation/FIA63-Gruppe#3-PRAES.pptx
@@ -17,7 +17,7 @@
     <p:sldId id="262" r:id="rId8"/>
     <p:sldId id="263" r:id="rId9"/>
     <p:sldId id="264" r:id="rId10"/>
-    <p:sldId id="269" r:id="rId11"/>
+    <p:sldId id="270" r:id="rId11"/>
     <p:sldId id="265" r:id="rId12"/>
     <p:sldId id="266" r:id="rId13"/>
     <p:sldId id="267" r:id="rId14"/>
@@ -220,7 +220,7 @@
           <a:p>
             <a:fld id="{EBEB54C7-C832-46E6-B2EB-5A0403369FF4}" type="datetimeFigureOut">
               <a:rPr lang="de-DE" smtClean="0"/>
-              <a:t>26.11.2018</a:t>
+              <a:t>27.11.2018</a:t>
             </a:fld>
             <a:endParaRPr lang="de-DE"/>
           </a:p>
@@ -713,7 +713,7 @@
           <a:p>
             <a:fld id="{FCDE8043-E90D-49F1-8E3B-87202C9D1F7A}" type="datetime1">
               <a:rPr lang="de-DE" smtClean="0"/>
-              <a:t>26.11.2018</a:t>
+              <a:t>27.11.2018</a:t>
             </a:fld>
             <a:endParaRPr lang="de-DE"/>
           </a:p>
@@ -921,7 +921,7 @@
           <a:p>
             <a:fld id="{E446C2AF-2170-4638-AE24-99D7AF97A363}" type="datetime1">
               <a:rPr lang="de-DE" smtClean="0"/>
-              <a:t>26.11.2018</a:t>
+              <a:t>27.11.2018</a:t>
             </a:fld>
             <a:endParaRPr lang="de-DE"/>
           </a:p>
@@ -1177,7 +1177,7 @@
           <a:p>
             <a:fld id="{356D9095-48C2-4BA2-9642-77C271B05F8E}" type="datetime1">
               <a:rPr lang="de-DE" smtClean="0"/>
-              <a:t>26.11.2018</a:t>
+              <a:t>27.11.2018</a:t>
             </a:fld>
             <a:endParaRPr lang="de-DE"/>
           </a:p>
@@ -1347,7 +1347,7 @@
           <a:p>
             <a:fld id="{A423ED77-B0DE-477A-B740-C3EE0209B1D1}" type="datetime1">
               <a:rPr lang="de-DE" smtClean="0"/>
-              <a:t>26.11.2018</a:t>
+              <a:t>27.11.2018</a:t>
             </a:fld>
             <a:endParaRPr lang="de-DE"/>
           </a:p>
@@ -1690,7 +1690,7 @@
           <a:p>
             <a:fld id="{824E15A2-B24C-4DF9-B99E-729B473EA469}" type="datetime1">
               <a:rPr lang="de-DE" smtClean="0"/>
-              <a:t>26.11.2018</a:t>
+              <a:t>27.11.2018</a:t>
             </a:fld>
             <a:endParaRPr lang="de-DE"/>
           </a:p>
@@ -1965,7 +1965,7 @@
           <a:p>
             <a:fld id="{06788238-DA2A-4EC6-96B1-27850EBB24FE}" type="datetime1">
               <a:rPr lang="de-DE" smtClean="0"/>
-              <a:t>26.11.2018</a:t>
+              <a:t>27.11.2018</a:t>
             </a:fld>
             <a:endParaRPr lang="de-DE"/>
           </a:p>
@@ -2344,7 +2344,7 @@
           <a:p>
             <a:fld id="{5ADFDC6F-A298-4426-AD42-C8463C1B50FD}" type="datetime1">
               <a:rPr lang="de-DE" smtClean="0"/>
-              <a:t>26.11.2018</a:t>
+              <a:t>27.11.2018</a:t>
             </a:fld>
             <a:endParaRPr lang="de-DE"/>
           </a:p>
@@ -2462,7 +2462,7 @@
           <a:p>
             <a:fld id="{2E4AAB67-6C51-4140-B1F9-D19F48FC020B}" type="datetime1">
               <a:rPr lang="de-DE" smtClean="0"/>
-              <a:t>26.11.2018</a:t>
+              <a:t>27.11.2018</a:t>
             </a:fld>
             <a:endParaRPr lang="de-DE"/>
           </a:p>
@@ -2633,7 +2633,7 @@
           <a:p>
             <a:fld id="{0CD78986-A5A9-45A6-9280-5B35979255B0}" type="datetime1">
               <a:rPr lang="de-DE" smtClean="0"/>
-              <a:t>26.11.2018</a:t>
+              <a:t>27.11.2018</a:t>
             </a:fld>
             <a:endParaRPr lang="de-DE"/>
           </a:p>
@@ -2987,7 +2987,7 @@
           <a:p>
             <a:fld id="{03CABF3B-9062-4151-B9C6-F03BCE164F39}" type="datetime1">
               <a:rPr lang="de-DE" smtClean="0"/>
-              <a:t>26.11.2018</a:t>
+              <a:t>27.11.2018</a:t>
             </a:fld>
             <a:endParaRPr lang="de-DE"/>
           </a:p>
@@ -3369,7 +3369,7 @@
           <a:p>
             <a:fld id="{0099E94B-4B84-4B19-BB78-4F59434C2A0D}" type="datetime1">
               <a:rPr lang="de-DE" smtClean="0"/>
-              <a:t>26.11.2018</a:t>
+              <a:t>27.11.2018</a:t>
             </a:fld>
             <a:endParaRPr lang="de-DE"/>
           </a:p>
@@ -3656,7 +3656,7 @@
           <a:p>
             <a:fld id="{CD423509-B860-4C66-BE9A-79FA273EE6F7}" type="datetime1">
               <a:rPr lang="de-DE" smtClean="0"/>
-              <a:t>26.11.2018</a:t>
+              <a:t>27.11.2018</a:t>
             </a:fld>
             <a:endParaRPr lang="de-DE"/>
           </a:p>
@@ -4291,14 +4291,6 @@
 <file path=ppt/slides/slide10.xml><?xml version="1.0" encoding="utf-8"?>
 <p:sld xmlns:a="http://schemas.openxmlformats.org/drawingml/2006/main" xmlns:r="http://schemas.openxmlformats.org/officeDocument/2006/relationships" xmlns:p="http://schemas.openxmlformats.org/presentationml/2006/main">
   <p:cSld>
-    <p:bg>
-      <p:bgPr>
-        <a:solidFill>
-          <a:schemeClr val="bg1"/>
-        </a:solidFill>
-        <a:effectLst/>
-      </p:bgPr>
-    </p:bg>
     <p:spTree>
       <p:nvGrpSpPr>
         <p:cNvPr id="1" name=""/>
@@ -4315,276 +4307,74 @@
       </p:grpSpPr>
       <p:sp>
         <p:nvSpPr>
-          <p:cNvPr id="23" name="Rectangle 8">
-            <a:extLst>
-              <a:ext uri="{FF2B5EF4-FFF2-40B4-BE49-F238E27FC236}">
-                <a16:creationId xmlns:a16="http://schemas.microsoft.com/office/drawing/2014/main" id="{4E4490D0-3672-446A-AC12-B4830333BDDD}"/>
-              </a:ext>
-              <a:ext uri="{C183D7F6-B498-43B3-948B-1728B52AA6E4}">
-                <adec:decorative xmlns:adec="http://schemas.microsoft.com/office/drawing/2017/decorative" val="1"/>
-              </a:ext>
-            </a:extLst>
-          </p:cNvPr>
-          <p:cNvSpPr>
-            <a:spLocks noGrp="1" noRot="1" noChangeAspect="1" noMove="1" noResize="1" noEditPoints="1" noAdjustHandles="1" noChangeArrowheads="1" noChangeShapeType="1" noTextEdit="1"/>
-          </p:cNvSpPr>
-          <p:nvPr>
-            <p:extLst>
-              <p:ext uri="{386F3935-93C4-4BCD-93E2-E3B085C9AB24}">
-                <p16:designElem xmlns:p16="http://schemas.microsoft.com/office/powerpoint/2015/main" val="1"/>
-              </p:ext>
-            </p:extLst>
+          <p:cNvPr id="2" name="Titel 1"/>
+          <p:cNvSpPr>
+            <a:spLocks noGrp="1"/>
+          </p:cNvSpPr>
+          <p:nvPr>
+            <p:ph type="title"/>
           </p:nvPr>
         </p:nvSpPr>
         <p:spPr>
           <a:xfrm>
-            <a:off x="2381" y="6400800"/>
-            <a:ext cx="9141619" cy="457200"/>
-          </a:xfrm>
-          <a:prstGeom prst="rect">
-            <a:avLst/>
-          </a:prstGeom>
-          <a:solidFill>
-            <a:schemeClr val="accent2"/>
-          </a:solidFill>
-          <a:ln>
-            <a:noFill/>
-          </a:ln>
-        </p:spPr>
-        <p:style>
-          <a:lnRef idx="2">
-            <a:schemeClr val="accent1">
-              <a:shade val="50000"/>
-            </a:schemeClr>
-          </a:lnRef>
-          <a:fillRef idx="1">
-            <a:schemeClr val="accent1"/>
-          </a:fillRef>
-          <a:effectRef idx="0">
-            <a:schemeClr val="accent1"/>
-          </a:effectRef>
-          <a:fontRef idx="minor">
-            <a:schemeClr val="lt1"/>
-          </a:fontRef>
-        </p:style>
-      </p:sp>
-      <p:sp>
-        <p:nvSpPr>
-          <p:cNvPr id="24" name="Rectangle 10">
-            <a:extLst>
-              <a:ext uri="{FF2B5EF4-FFF2-40B4-BE49-F238E27FC236}">
-                <a16:creationId xmlns:a16="http://schemas.microsoft.com/office/drawing/2014/main" id="{39CB82C2-DF65-4EC1-8280-F201D50F570B}"/>
-              </a:ext>
-              <a:ext uri="{C183D7F6-B498-43B3-948B-1728B52AA6E4}">
-                <adec:decorative xmlns:adec="http://schemas.microsoft.com/office/drawing/2017/decorative" val="1"/>
-              </a:ext>
-            </a:extLst>
-          </p:cNvPr>
-          <p:cNvSpPr>
-            <a:spLocks noGrp="1" noRot="1" noChangeAspect="1" noMove="1" noResize="1" noEditPoints="1" noAdjustHandles="1" noChangeArrowheads="1" noChangeShapeType="1" noTextEdit="1"/>
-          </p:cNvSpPr>
-          <p:nvPr>
-            <p:extLst>
-              <p:ext uri="{386F3935-93C4-4BCD-93E2-E3B085C9AB24}">
-                <p16:designElem xmlns:p16="http://schemas.microsoft.com/office/powerpoint/2015/main" val="1"/>
-              </p:ext>
-            </p:extLst>
-          </p:nvPr>
-        </p:nvSpPr>
-        <p:spPr>
-          <a:xfrm>
-            <a:off x="11" y="6334316"/>
-            <a:ext cx="9141619" cy="64008"/>
-          </a:xfrm>
-          <a:prstGeom prst="rect">
-            <a:avLst/>
-          </a:prstGeom>
-          <a:solidFill>
-            <a:schemeClr val="accent1"/>
-          </a:solidFill>
-          <a:ln>
-            <a:noFill/>
-          </a:ln>
-        </p:spPr>
-        <p:style>
-          <a:lnRef idx="2">
-            <a:schemeClr val="accent1">
-              <a:shade val="50000"/>
-            </a:schemeClr>
-          </a:lnRef>
-          <a:fillRef idx="1">
-            <a:schemeClr val="accent1"/>
-          </a:fillRef>
-          <a:effectRef idx="0">
-            <a:schemeClr val="accent1"/>
-          </a:effectRef>
-          <a:fontRef idx="minor">
-            <a:schemeClr val="lt1"/>
-          </a:fontRef>
-        </p:style>
-      </p:sp>
-      <p:cxnSp>
-        <p:nvCxnSpPr>
-          <p:cNvPr id="25" name="Straight Connector 12">
-            <a:extLst>
-              <a:ext uri="{FF2B5EF4-FFF2-40B4-BE49-F238E27FC236}">
-                <a16:creationId xmlns:a16="http://schemas.microsoft.com/office/drawing/2014/main" id="{7E1D4427-852B-4B37-8E76-0E9F1810BA2A}"/>
-              </a:ext>
-              <a:ext uri="{C183D7F6-B498-43B3-948B-1728B52AA6E4}">
-                <adec:decorative xmlns:adec="http://schemas.microsoft.com/office/drawing/2017/decorative" val="1"/>
-              </a:ext>
-            </a:extLst>
-          </p:cNvPr>
-          <p:cNvCxnSpPr>
-            <a:cxnSpLocks noGrp="1" noRot="1" noChangeAspect="1" noMove="1" noResize="1" noEditPoints="1" noAdjustHandles="1" noChangeArrowheads="1" noChangeShapeType="1"/>
-          </p:cNvCxnSpPr>
-          <p:nvPr>
-            <p:extLst>
-              <p:ext uri="{386F3935-93C4-4BCD-93E2-E3B085C9AB24}">
-                <p16:designElem xmlns:p16="http://schemas.microsoft.com/office/powerpoint/2015/main" val="1"/>
-              </p:ext>
-            </p:extLst>
-          </p:nvPr>
-        </p:nvCxnSpPr>
-        <p:spPr>
-          <a:xfrm>
-            <a:off x="905743" y="4343400"/>
-            <a:ext cx="7406640" cy="0"/>
-          </a:xfrm>
-          <a:prstGeom prst="line">
-            <a:avLst/>
-          </a:prstGeom>
-          <a:ln w="6350">
-            <a:solidFill>
-              <a:schemeClr val="tx1">
-                <a:lumMod val="50000"/>
-                <a:lumOff val="50000"/>
-              </a:schemeClr>
-            </a:solidFill>
-          </a:ln>
-        </p:spPr>
-        <p:style>
-          <a:lnRef idx="1">
-            <a:schemeClr val="accent1"/>
-          </a:lnRef>
-          <a:fillRef idx="0">
-            <a:schemeClr val="accent1"/>
-          </a:fillRef>
-          <a:effectRef idx="0">
-            <a:schemeClr val="accent1"/>
-          </a:effectRef>
-          <a:fontRef idx="minor">
-            <a:schemeClr val="tx1"/>
-          </a:fontRef>
-        </p:style>
-      </p:cxnSp>
-      <p:sp useBgFill="1">
-        <p:nvSpPr>
-          <p:cNvPr id="26" name="Rectangle 14">
-            <a:extLst>
-              <a:ext uri="{FF2B5EF4-FFF2-40B4-BE49-F238E27FC236}">
-                <a16:creationId xmlns:a16="http://schemas.microsoft.com/office/drawing/2014/main" id="{FA4CD5CB-D209-4D70-8CA4-629731C59219}"/>
-              </a:ext>
-              <a:ext uri="{C183D7F6-B498-43B3-948B-1728B52AA6E4}">
-                <adec:decorative xmlns:adec="http://schemas.microsoft.com/office/drawing/2017/decorative" val="1"/>
-              </a:ext>
-            </a:extLst>
-          </p:cNvPr>
-          <p:cNvSpPr>
-            <a:spLocks noGrp="1" noRot="1" noChangeAspect="1" noMove="1" noResize="1" noEditPoints="1" noAdjustHandles="1" noChangeArrowheads="1" noChangeShapeType="1" noTextEdit="1"/>
-          </p:cNvSpPr>
-          <p:nvPr>
-            <p:extLst>
-              <p:ext uri="{386F3935-93C4-4BCD-93E2-E3B085C9AB24}">
-                <p16:designElem xmlns:p16="http://schemas.microsoft.com/office/powerpoint/2015/main" val="1"/>
-              </p:ext>
-            </p:extLst>
-          </p:nvPr>
-        </p:nvSpPr>
-        <p:spPr>
-          <a:xfrm>
-            <a:off x="0" y="0"/>
-            <a:ext cx="9144000" cy="6334316"/>
-          </a:xfrm>
-          <a:prstGeom prst="rect">
-            <a:avLst/>
-          </a:prstGeom>
-          <a:ln>
-            <a:noFill/>
-          </a:ln>
-        </p:spPr>
-        <p:style>
-          <a:lnRef idx="2">
-            <a:schemeClr val="accent1">
-              <a:shade val="50000"/>
-            </a:schemeClr>
-          </a:lnRef>
-          <a:fillRef idx="1">
-            <a:schemeClr val="accent1"/>
-          </a:fillRef>
-          <a:effectRef idx="0">
-            <a:schemeClr val="accent1"/>
-          </a:effectRef>
-          <a:fontRef idx="minor">
-            <a:schemeClr val="lt1"/>
-          </a:fontRef>
-        </p:style>
-        <p:txBody>
-          <a:bodyPr rtlCol="0" anchor="ctr"/>
-          <a:lstStyle/>
-          <a:p>
-            <a:pPr algn="ctr"/>
-            <a:endParaRPr lang="en-US"/>
-          </a:p>
-        </p:txBody>
-      </p:sp>
-      <p:sp>
-        <p:nvSpPr>
-          <p:cNvPr id="2" name="Titel 1"/>
-          <p:cNvSpPr>
-            <a:spLocks noGrp="1"/>
-          </p:cNvSpPr>
-          <p:nvPr>
-            <p:ph type="title"/>
-          </p:nvPr>
-        </p:nvSpPr>
-        <p:spPr>
-          <a:xfrm>
-            <a:off x="6105832" y="639097"/>
-            <a:ext cx="2551471" cy="3686015"/>
+            <a:off x="611561" y="286604"/>
+            <a:ext cx="7797802" cy="1450757"/>
           </a:xfrm>
         </p:spPr>
         <p:txBody>
-          <a:bodyPr vert="horz" lIns="91440" tIns="45720" rIns="91440" bIns="45720" rtlCol="0" anchor="b">
-            <a:normAutofit/>
-          </a:bodyPr>
-          <a:lstStyle/>
-          <a:p>
-            <a:r>
-              <a:rPr lang="en-US" sz="5700" b="1">
-                <a:solidFill>
-                  <a:schemeClr val="tx1">
-                    <a:lumMod val="85000"/>
-                    <a:lumOff val="15000"/>
-                  </a:schemeClr>
-                </a:solidFill>
+          <a:bodyPr/>
+          <a:lstStyle/>
+          <a:p>
+            <a:r>
+              <a:rPr lang="de-DE" b="1" dirty="0" smtClean="0">
+                <a:latin typeface="Century Gothic" panose="020B0502020202020204" pitchFamily="34" charset="0"/>
               </a:rPr>
-              <a:t>ERD</a:t>
-            </a:r>
-            <a:endParaRPr lang="en-US" sz="5700">
-              <a:solidFill>
-                <a:schemeClr val="tx1">
-                  <a:lumMod val="85000"/>
-                  <a:lumOff val="15000"/>
-                </a:schemeClr>
-              </a:solidFill>
+              <a:t>Entity-</a:t>
+            </a:r>
+            <a:r>
+              <a:rPr lang="de-DE" b="1" dirty="0" err="1" smtClean="0">
+                <a:latin typeface="Century Gothic" panose="020B0502020202020204" pitchFamily="34" charset="0"/>
+              </a:rPr>
+              <a:t>Relationship</a:t>
+            </a:r>
+            <a:r>
+              <a:rPr lang="de-DE" b="1" dirty="0" smtClean="0">
+                <a:latin typeface="Century Gothic" panose="020B0502020202020204" pitchFamily="34" charset="0"/>
+              </a:rPr>
+              <a:t>-Modell</a:t>
+            </a:r>
+            <a:endParaRPr lang="de-DE" b="1" dirty="0">
+              <a:latin typeface="Century Gothic" panose="020B0502020202020204" pitchFamily="34" charset="0"/>
             </a:endParaRPr>
+          </a:p>
+        </p:txBody>
+      </p:sp>
+      <p:sp>
+        <p:nvSpPr>
+          <p:cNvPr id="4" name="Foliennummernplatzhalter 3"/>
+          <p:cNvSpPr>
+            <a:spLocks noGrp="1"/>
+          </p:cNvSpPr>
+          <p:nvPr>
+            <p:ph type="sldNum" sz="quarter" idx="12"/>
+          </p:nvPr>
+        </p:nvSpPr>
+        <p:spPr/>
+        <p:txBody>
+          <a:bodyPr/>
+          <a:lstStyle/>
+          <a:p>
+            <a:fld id="{7E5C08A9-E730-4E67-A85A-88903A30B32B}" type="slidenum">
+              <a:rPr lang="de-DE" smtClean="0"/>
+              <a:t>10</a:t>
+            </a:fld>
+            <a:endParaRPr lang="de-DE"/>
           </a:p>
         </p:txBody>
       </p:sp>
       <p:pic>
         <p:nvPicPr>
-          <p:cNvPr id="4" name="Picture 2" descr="Entity-Relation-Diagramm.PNG">
+          <p:cNvPr id="5" name="Picture 2" descr="Entity-Relation-Diagramm.PNG">
             <a:extLst>
               <a:ext uri="{FF2B5EF4-FFF2-40B4-BE49-F238E27FC236}">
                 <a16:creationId xmlns:a16="http://schemas.microsoft.com/office/drawing/2014/main" id="{E7623F60-C7B2-49BA-B141-6FCFA9129A44}"/>
@@ -4592,9 +4382,11 @@
             </a:extLst>
           </p:cNvPr>
           <p:cNvPicPr>
-            <a:picLocks noChangeAspect="1" noChangeArrowheads="1"/>
+            <a:picLocks noGrp="1" noChangeAspect="1" noChangeArrowheads="1"/>
           </p:cNvPicPr>
-          <p:nvPr/>
+          <p:nvPr>
+            <p:ph idx="1"/>
+          </p:nvPr>
         </p:nvPicPr>
         <p:blipFill>
           <a:blip r:embed="rId2">
@@ -4611,8 +4403,8 @@
         </p:blipFill>
         <p:spPr bwMode="auto">
           <a:xfrm>
-            <a:off x="1111274" y="640081"/>
-            <a:ext cx="3912613" cy="5054156"/>
+            <a:off x="2771800" y="1846263"/>
+            <a:ext cx="3379497" cy="4365497"/>
           </a:xfrm>
           <a:prstGeom prst="rect">
             <a:avLst/>
@@ -4629,220 +4421,23 @@
           </a:extLst>
         </p:spPr>
       </p:pic>
-      <p:cxnSp>
-        <p:nvCxnSpPr>
-          <p:cNvPr id="27" name="Straight Connector 16">
-            <a:extLst>
-              <a:ext uri="{FF2B5EF4-FFF2-40B4-BE49-F238E27FC236}">
-                <a16:creationId xmlns:a16="http://schemas.microsoft.com/office/drawing/2014/main" id="{5C6A2BAE-B461-4B55-8E1F-0722ABDD1393}"/>
-              </a:ext>
-              <a:ext uri="{C183D7F6-B498-43B3-948B-1728B52AA6E4}">
-                <adec:decorative xmlns:adec="http://schemas.microsoft.com/office/drawing/2017/decorative" val="1"/>
-              </a:ext>
-            </a:extLst>
-          </p:cNvPr>
-          <p:cNvCxnSpPr>
-            <a:cxnSpLocks noGrp="1" noRot="1" noChangeAspect="1" noMove="1" noResize="1" noEditPoints="1" noAdjustHandles="1" noChangeArrowheads="1" noChangeShapeType="1"/>
-          </p:cNvCxnSpPr>
-          <p:nvPr>
-            <p:extLst>
-              <p:ext uri="{386F3935-93C4-4BCD-93E2-E3B085C9AB24}">
-                <p16:designElem xmlns:p16="http://schemas.microsoft.com/office/powerpoint/2015/main" val="1"/>
-              </p:ext>
-            </p:extLst>
-          </p:nvPr>
-        </p:nvCxnSpPr>
-        <p:spPr>
-          <a:xfrm>
-            <a:off x="6156978" y="4343400"/>
-            <a:ext cx="2400300" cy="0"/>
-          </a:xfrm>
-          <a:prstGeom prst="line">
-            <a:avLst/>
-          </a:prstGeom>
-          <a:ln w="6350">
-            <a:solidFill>
-              <a:schemeClr val="tx2">
-                <a:alpha val="90000"/>
-              </a:schemeClr>
-            </a:solidFill>
-          </a:ln>
-        </p:spPr>
-        <p:style>
-          <a:lnRef idx="1">
-            <a:schemeClr val="accent1"/>
-          </a:lnRef>
-          <a:fillRef idx="0">
-            <a:schemeClr val="accent1"/>
-          </a:fillRef>
-          <a:effectRef idx="0">
-            <a:schemeClr val="accent1"/>
-          </a:effectRef>
-          <a:fontRef idx="minor">
-            <a:schemeClr val="tx1"/>
-          </a:fontRef>
-        </p:style>
-      </p:cxnSp>
-      <p:sp>
-        <p:nvSpPr>
-          <p:cNvPr id="28" name="Rectangle 18">
-            <a:extLst>
-              <a:ext uri="{FF2B5EF4-FFF2-40B4-BE49-F238E27FC236}">
-                <a16:creationId xmlns:a16="http://schemas.microsoft.com/office/drawing/2014/main" id="{B4C27B90-DF2B-4D00-BA07-18ED774CD2F1}"/>
-              </a:ext>
-              <a:ext uri="{C183D7F6-B498-43B3-948B-1728B52AA6E4}">
-                <adec:decorative xmlns:adec="http://schemas.microsoft.com/office/drawing/2017/decorative" val="1"/>
-              </a:ext>
-            </a:extLst>
-          </p:cNvPr>
-          <p:cNvSpPr>
-            <a:spLocks noGrp="1" noRot="1" noChangeAspect="1" noMove="1" noResize="1" noEditPoints="1" noAdjustHandles="1" noChangeArrowheads="1" noChangeShapeType="1" noTextEdit="1"/>
-          </p:cNvSpPr>
-          <p:nvPr>
-            <p:extLst>
-              <p:ext uri="{386F3935-93C4-4BCD-93E2-E3B085C9AB24}">
-                <p16:designElem xmlns:p16="http://schemas.microsoft.com/office/powerpoint/2015/main" val="1"/>
-              </p:ext>
-            </p:extLst>
-          </p:nvPr>
-        </p:nvSpPr>
-        <p:spPr>
-          <a:xfrm>
-            <a:off x="11" y="6334316"/>
-            <a:ext cx="9143989" cy="66484"/>
-          </a:xfrm>
-          <a:prstGeom prst="rect">
-            <a:avLst/>
-          </a:prstGeom>
-          <a:solidFill>
-            <a:schemeClr val="accent1"/>
-          </a:solidFill>
-          <a:ln>
-            <a:noFill/>
-          </a:ln>
-        </p:spPr>
-        <p:style>
-          <a:lnRef idx="2">
-            <a:schemeClr val="accent1">
-              <a:shade val="50000"/>
-            </a:schemeClr>
-          </a:lnRef>
-          <a:fillRef idx="1">
-            <a:schemeClr val="accent1"/>
-          </a:fillRef>
-          <a:effectRef idx="0">
-            <a:schemeClr val="accent1"/>
-          </a:effectRef>
-          <a:fontRef idx="minor">
-            <a:schemeClr val="lt1"/>
-          </a:fontRef>
-        </p:style>
-      </p:sp>
-      <p:sp>
-        <p:nvSpPr>
-          <p:cNvPr id="29" name="Rectangle 20">
-            <a:extLst>
-              <a:ext uri="{FF2B5EF4-FFF2-40B4-BE49-F238E27FC236}">
-                <a16:creationId xmlns:a16="http://schemas.microsoft.com/office/drawing/2014/main" id="{593ACC25-C262-417A-8AA9-0641C772BDB6}"/>
-              </a:ext>
-              <a:ext uri="{C183D7F6-B498-43B3-948B-1728B52AA6E4}">
-                <adec:decorative xmlns:adec="http://schemas.microsoft.com/office/drawing/2017/decorative" val="1"/>
-              </a:ext>
-            </a:extLst>
-          </p:cNvPr>
-          <p:cNvSpPr>
-            <a:spLocks noGrp="1" noRot="1" noChangeAspect="1" noMove="1" noResize="1" noEditPoints="1" noAdjustHandles="1" noChangeArrowheads="1" noChangeShapeType="1" noTextEdit="1"/>
-          </p:cNvSpPr>
-          <p:nvPr>
-            <p:extLst>
-              <p:ext uri="{386F3935-93C4-4BCD-93E2-E3B085C9AB24}">
-                <p16:designElem xmlns:p16="http://schemas.microsoft.com/office/powerpoint/2015/main" val="1"/>
-              </p:ext>
-            </p:extLst>
-          </p:nvPr>
-        </p:nvSpPr>
-        <p:spPr>
-          <a:xfrm>
-            <a:off x="0" y="6400800"/>
-            <a:ext cx="9144000" cy="457200"/>
-          </a:xfrm>
-          <a:prstGeom prst="rect">
-            <a:avLst/>
-          </a:prstGeom>
-          <a:solidFill>
-            <a:schemeClr val="accent2"/>
-          </a:solidFill>
-          <a:ln>
-            <a:noFill/>
-          </a:ln>
-        </p:spPr>
-        <p:style>
-          <a:lnRef idx="2">
-            <a:schemeClr val="accent1">
-              <a:shade val="50000"/>
-            </a:schemeClr>
-          </a:lnRef>
-          <a:fillRef idx="1">
-            <a:schemeClr val="accent1"/>
-          </a:fillRef>
-          <a:effectRef idx="0">
-            <a:schemeClr val="accent1"/>
-          </a:effectRef>
-          <a:fontRef idx="minor">
-            <a:schemeClr val="lt1"/>
-          </a:fontRef>
-        </p:style>
-      </p:sp>
-      <p:sp>
-        <p:nvSpPr>
-          <p:cNvPr id="3" name="Foliennummernplatzhalter 2"/>
-          <p:cNvSpPr>
-            <a:spLocks noGrp="1"/>
-          </p:cNvSpPr>
-          <p:nvPr>
-            <p:ph type="sldNum" sz="quarter" idx="12"/>
-          </p:nvPr>
-        </p:nvSpPr>
-        <p:spPr>
-          <a:xfrm>
-            <a:off x="7425344" y="6459786"/>
-            <a:ext cx="984019" cy="365125"/>
-          </a:xfrm>
-        </p:spPr>
-        <p:txBody>
-          <a:bodyPr vert="horz" lIns="91440" tIns="45720" rIns="91440" bIns="45720" rtlCol="0" anchor="ctr">
-            <a:normAutofit/>
-          </a:bodyPr>
-          <a:lstStyle/>
-          <a:p>
-            <a:pPr defTabSz="914400">
-              <a:spcAft>
-                <a:spcPts val="600"/>
-              </a:spcAft>
-            </a:pPr>
-            <a:fld id="{7E5C08A9-E730-4E67-A85A-88903A30B32B}" type="slidenum">
-              <a:rPr lang="en-US" smtClean="0"/>
-              <a:pPr defTabSz="914400">
-                <a:spcAft>
-                  <a:spcPts val="600"/>
-                </a:spcAft>
-              </a:pPr>
-              <a:t>10</a:t>
-            </a:fld>
-            <a:endParaRPr lang="en-US"/>
-          </a:p>
-        </p:txBody>
-      </p:sp>
     </p:spTree>
     <p:extLst>
       <p:ext uri="{BB962C8B-B14F-4D97-AF65-F5344CB8AC3E}">
-        <p14:creationId xmlns:p14="http://schemas.microsoft.com/office/powerpoint/2010/main" val="376561582"/>
+        <p14:creationId xmlns:p14="http://schemas.microsoft.com/office/powerpoint/2010/main" val="2845486062"/>
       </p:ext>
     </p:extLst>
   </p:cSld>
   <p:clrMapOvr>
     <a:masterClrMapping/>
   </p:clrMapOvr>
+  <p:timing>
+    <p:tnLst>
+      <p:par>
+        <p:cTn id="1" dur="indefinite" restart="never" nodeType="tmRoot"/>
+      </p:par>
+    </p:tnLst>
+  </p:timing>
 </p:sld>
 </file>
 
@@ -7335,6 +6930,13 @@
   <p:clrMapOvr>
     <a:masterClrMapping/>
   </p:clrMapOvr>
+  <p:timing>
+    <p:tnLst>
+      <p:par>
+        <p:cTn id="1" dur="indefinite" restart="never" nodeType="tmRoot"/>
+      </p:par>
+    </p:tnLst>
+  </p:timing>
 </p:sld>
 </file>
 

--- a/Präsentation/FIA63-Gruppe#3-PRAES.pptx
+++ b/Präsentation/FIA63-Gruppe#3-PRAES.pptx
@@ -5,7 +5,7 @@
     <p:sldMasterId id="2147483672" r:id="rId1"/>
   </p:sldMasterIdLst>
   <p:notesMasterIdLst>
-    <p:notesMasterId r:id="rId15"/>
+    <p:notesMasterId r:id="rId13"/>
   </p:notesMasterIdLst>
   <p:sldIdLst>
     <p:sldId id="256" r:id="rId2"/>
@@ -16,11 +16,9 @@
     <p:sldId id="261" r:id="rId7"/>
     <p:sldId id="262" r:id="rId8"/>
     <p:sldId id="263" r:id="rId9"/>
-    <p:sldId id="264" r:id="rId10"/>
-    <p:sldId id="270" r:id="rId11"/>
-    <p:sldId id="265" r:id="rId12"/>
-    <p:sldId id="266" r:id="rId13"/>
-    <p:sldId id="267" r:id="rId14"/>
+    <p:sldId id="265" r:id="rId10"/>
+    <p:sldId id="266" r:id="rId11"/>
+    <p:sldId id="267" r:id="rId12"/>
   </p:sldIdLst>
   <p:sldSz cx="9144000" cy="6858000" type="screen4x3"/>
   <p:notesSz cx="6858000" cy="9144000"/>
@@ -138,6 +136,943 @@
 </p:presentation>
 </file>
 
+<file path=ppt/charts/chart1.xml><?xml version="1.0" encoding="utf-8"?>
+<c:chartSpace xmlns:c="http://schemas.openxmlformats.org/drawingml/2006/chart" xmlns:a="http://schemas.openxmlformats.org/drawingml/2006/main" xmlns:r="http://schemas.openxmlformats.org/officeDocument/2006/relationships" xmlns:c16r2="http://schemas.microsoft.com/office/drawing/2015/06/chart">
+  <c:date1904 val="0"/>
+  <c:lang val="de-DE"/>
+  <c:roundedCorners val="0"/>
+  <mc:AlternateContent xmlns:mc="http://schemas.openxmlformats.org/markup-compatibility/2006">
+    <mc:Choice xmlns:c14="http://schemas.microsoft.com/office/drawing/2007/8/2/chart" Requires="c14">
+      <c14:style val="102"/>
+    </mc:Choice>
+    <mc:Fallback>
+      <c:style val="2"/>
+    </mc:Fallback>
+  </mc:AlternateContent>
+  <c:chart>
+    <c:autoTitleDeleted val="1"/>
+    <c:plotArea>
+      <c:layout/>
+      <c:lineChart>
+        <c:grouping val="standard"/>
+        <c:varyColors val="0"/>
+        <c:ser>
+          <c:idx val="0"/>
+          <c:order val="0"/>
+          <c:tx>
+            <c:strRef>
+              <c:f>Tabelle1!$B$1</c:f>
+              <c:strCache>
+                <c:ptCount val="1"/>
+                <c:pt idx="0">
+                  <c:v>Plankosten</c:v>
+                </c:pt>
+              </c:strCache>
+            </c:strRef>
+          </c:tx>
+          <c:spPr>
+            <a:ln w="28575" cap="rnd">
+              <a:solidFill>
+                <a:srgbClr val="0070C0"/>
+              </a:solidFill>
+              <a:round/>
+            </a:ln>
+            <a:effectLst/>
+          </c:spPr>
+          <c:marker>
+            <c:symbol val="circle"/>
+            <c:size val="5"/>
+            <c:spPr>
+              <a:solidFill>
+                <a:schemeClr val="accent1"/>
+              </a:solidFill>
+              <a:ln w="9525">
+                <a:solidFill>
+                  <a:schemeClr val="accent1"/>
+                </a:solidFill>
+              </a:ln>
+              <a:effectLst/>
+            </c:spPr>
+          </c:marker>
+          <c:cat>
+            <c:numRef>
+              <c:f>Tabelle1!$A$2:$A$6</c:f>
+              <c:numCache>
+                <c:formatCode>m/d/yyyy</c:formatCode>
+                <c:ptCount val="5"/>
+                <c:pt idx="0">
+                  <c:v>43416</c:v>
+                </c:pt>
+                <c:pt idx="1">
+                  <c:v>43417</c:v>
+                </c:pt>
+                <c:pt idx="2">
+                  <c:v>43418</c:v>
+                </c:pt>
+                <c:pt idx="3">
+                  <c:v>43419</c:v>
+                </c:pt>
+                <c:pt idx="4">
+                  <c:v>43420</c:v>
+                </c:pt>
+              </c:numCache>
+            </c:numRef>
+          </c:cat>
+          <c:val>
+            <c:numRef>
+              <c:f>Tabelle1!$B$2:$B$6</c:f>
+              <c:numCache>
+                <c:formatCode>General</c:formatCode>
+                <c:ptCount val="5"/>
+                <c:pt idx="0">
+                  <c:v>2640</c:v>
+                </c:pt>
+                <c:pt idx="1">
+                  <c:v>3784</c:v>
+                </c:pt>
+                <c:pt idx="2">
+                  <c:v>4470</c:v>
+                </c:pt>
+                <c:pt idx="3">
+                  <c:v>6010</c:v>
+                </c:pt>
+                <c:pt idx="4">
+                  <c:v>8558</c:v>
+                </c:pt>
+              </c:numCache>
+            </c:numRef>
+          </c:val>
+          <c:smooth val="0"/>
+          <c:extLst>
+            <c:ext xmlns:c16="http://schemas.microsoft.com/office/drawing/2014/chart" uri="{C3380CC4-5D6E-409C-BE32-E72D297353CC}">
+              <c16:uniqueId val="{00000000-8C2C-49E2-A2B5-91212E513AFE}"/>
+            </c:ext>
+          </c:extLst>
+        </c:ser>
+        <c:ser>
+          <c:idx val="1"/>
+          <c:order val="1"/>
+          <c:tx>
+            <c:strRef>
+              <c:f>Tabelle1!$C$1</c:f>
+              <c:strCache>
+                <c:ptCount val="1"/>
+                <c:pt idx="0">
+                  <c:v>Ist-Kosten</c:v>
+                </c:pt>
+              </c:strCache>
+            </c:strRef>
+          </c:tx>
+          <c:spPr>
+            <a:ln w="28575" cap="rnd">
+              <a:solidFill>
+                <a:srgbClr val="FF0000"/>
+              </a:solidFill>
+              <a:round/>
+            </a:ln>
+            <a:effectLst/>
+          </c:spPr>
+          <c:marker>
+            <c:symbol val="circle"/>
+            <c:size val="5"/>
+            <c:spPr>
+              <a:solidFill>
+                <a:schemeClr val="accent2"/>
+              </a:solidFill>
+              <a:ln w="9525">
+                <a:solidFill>
+                  <a:schemeClr val="accent2"/>
+                </a:solidFill>
+              </a:ln>
+              <a:effectLst/>
+            </c:spPr>
+          </c:marker>
+          <c:cat>
+            <c:numRef>
+              <c:f>Tabelle1!$A$2:$A$6</c:f>
+              <c:numCache>
+                <c:formatCode>m/d/yyyy</c:formatCode>
+                <c:ptCount val="5"/>
+                <c:pt idx="0">
+                  <c:v>43416</c:v>
+                </c:pt>
+                <c:pt idx="1">
+                  <c:v>43417</c:v>
+                </c:pt>
+                <c:pt idx="2">
+                  <c:v>43418</c:v>
+                </c:pt>
+                <c:pt idx="3">
+                  <c:v>43419</c:v>
+                </c:pt>
+                <c:pt idx="4">
+                  <c:v>43420</c:v>
+                </c:pt>
+              </c:numCache>
+            </c:numRef>
+          </c:cat>
+          <c:val>
+            <c:numRef>
+              <c:f>Tabelle1!$C$2:$C$6</c:f>
+              <c:numCache>
+                <c:formatCode>General</c:formatCode>
+                <c:ptCount val="5"/>
+                <c:pt idx="0">
+                  <c:v>2420</c:v>
+                </c:pt>
+                <c:pt idx="1">
+                  <c:v>3740</c:v>
+                </c:pt>
+                <c:pt idx="2">
+                  <c:v>4426</c:v>
+                </c:pt>
+                <c:pt idx="3">
+                  <c:v>5966</c:v>
+                </c:pt>
+                <c:pt idx="4">
+                  <c:v>8514</c:v>
+                </c:pt>
+              </c:numCache>
+            </c:numRef>
+          </c:val>
+          <c:smooth val="0"/>
+          <c:extLst>
+            <c:ext xmlns:c16="http://schemas.microsoft.com/office/drawing/2014/chart" uri="{C3380CC4-5D6E-409C-BE32-E72D297353CC}">
+              <c16:uniqueId val="{00000001-8C2C-49E2-A2B5-91212E513AFE}"/>
+            </c:ext>
+          </c:extLst>
+        </c:ser>
+        <c:dLbls>
+          <c:showLegendKey val="0"/>
+          <c:showVal val="0"/>
+          <c:showCatName val="0"/>
+          <c:showSerName val="0"/>
+          <c:showPercent val="0"/>
+          <c:showBubbleSize val="0"/>
+        </c:dLbls>
+        <c:marker val="1"/>
+        <c:smooth val="0"/>
+        <c:axId val="439521416"/>
+        <c:axId val="439523712"/>
+      </c:lineChart>
+      <c:dateAx>
+        <c:axId val="439521416"/>
+        <c:scaling>
+          <c:orientation val="minMax"/>
+        </c:scaling>
+        <c:delete val="0"/>
+        <c:axPos val="b"/>
+        <c:numFmt formatCode="m/d/yyyy" sourceLinked="1"/>
+        <c:majorTickMark val="none"/>
+        <c:minorTickMark val="none"/>
+        <c:tickLblPos val="nextTo"/>
+        <c:spPr>
+          <a:noFill/>
+          <a:ln w="9525" cap="flat" cmpd="sng" algn="ctr">
+            <a:solidFill>
+              <a:schemeClr val="tx1">
+                <a:lumMod val="15000"/>
+                <a:lumOff val="85000"/>
+              </a:schemeClr>
+            </a:solidFill>
+            <a:round/>
+          </a:ln>
+          <a:effectLst/>
+        </c:spPr>
+        <c:txPr>
+          <a:bodyPr rot="-60000000" spcFirstLastPara="1" vertOverflow="ellipsis" vert="horz" wrap="square" anchor="ctr" anchorCtr="1"/>
+          <a:lstStyle/>
+          <a:p>
+            <a:pPr>
+              <a:defRPr sz="1197" b="0" i="0" u="none" strike="noStrike" kern="1200" baseline="0">
+                <a:solidFill>
+                  <a:schemeClr val="tx1">
+                    <a:lumMod val="65000"/>
+                    <a:lumOff val="35000"/>
+                  </a:schemeClr>
+                </a:solidFill>
+                <a:latin typeface="+mn-lt"/>
+                <a:ea typeface="+mn-ea"/>
+                <a:cs typeface="+mn-cs"/>
+              </a:defRPr>
+            </a:pPr>
+            <a:endParaRPr lang="de-DE"/>
+          </a:p>
+        </c:txPr>
+        <c:crossAx val="439523712"/>
+        <c:crosses val="autoZero"/>
+        <c:auto val="1"/>
+        <c:lblOffset val="100"/>
+        <c:baseTimeUnit val="days"/>
+      </c:dateAx>
+      <c:valAx>
+        <c:axId val="439523712"/>
+        <c:scaling>
+          <c:orientation val="minMax"/>
+          <c:max val="8700"/>
+          <c:min val="2200"/>
+        </c:scaling>
+        <c:delete val="0"/>
+        <c:axPos val="l"/>
+        <c:majorGridlines>
+          <c:spPr>
+            <a:ln w="9525" cap="flat" cmpd="sng" algn="ctr">
+              <a:solidFill>
+                <a:schemeClr val="tx1">
+                  <a:lumMod val="15000"/>
+                  <a:lumOff val="85000"/>
+                </a:schemeClr>
+              </a:solidFill>
+              <a:round/>
+            </a:ln>
+            <a:effectLst/>
+          </c:spPr>
+        </c:majorGridlines>
+        <c:numFmt formatCode="General" sourceLinked="1"/>
+        <c:majorTickMark val="none"/>
+        <c:minorTickMark val="none"/>
+        <c:tickLblPos val="nextTo"/>
+        <c:spPr>
+          <a:noFill/>
+          <a:ln>
+            <a:noFill/>
+          </a:ln>
+          <a:effectLst/>
+        </c:spPr>
+        <c:txPr>
+          <a:bodyPr rot="-60000000" spcFirstLastPara="1" vertOverflow="ellipsis" vert="horz" wrap="square" anchor="ctr" anchorCtr="1"/>
+          <a:lstStyle/>
+          <a:p>
+            <a:pPr>
+              <a:defRPr sz="1197" b="0" i="0" u="none" strike="noStrike" kern="1200" baseline="0">
+                <a:solidFill>
+                  <a:schemeClr val="tx1">
+                    <a:lumMod val="65000"/>
+                    <a:lumOff val="35000"/>
+                  </a:schemeClr>
+                </a:solidFill>
+                <a:latin typeface="+mn-lt"/>
+                <a:ea typeface="+mn-ea"/>
+                <a:cs typeface="+mn-cs"/>
+              </a:defRPr>
+            </a:pPr>
+            <a:endParaRPr lang="de-DE"/>
+          </a:p>
+        </c:txPr>
+        <c:crossAx val="439521416"/>
+        <c:crosses val="autoZero"/>
+        <c:crossBetween val="between"/>
+        <c:majorUnit val="1000"/>
+      </c:valAx>
+      <c:spPr>
+        <a:noFill/>
+        <a:ln>
+          <a:noFill/>
+        </a:ln>
+        <a:effectLst/>
+      </c:spPr>
+    </c:plotArea>
+    <c:legend>
+      <c:legendPos val="b"/>
+      <c:overlay val="0"/>
+      <c:spPr>
+        <a:noFill/>
+        <a:ln>
+          <a:noFill/>
+        </a:ln>
+        <a:effectLst/>
+      </c:spPr>
+      <c:txPr>
+        <a:bodyPr rot="0" spcFirstLastPara="1" vertOverflow="ellipsis" vert="horz" wrap="square" anchor="ctr" anchorCtr="1"/>
+        <a:lstStyle/>
+        <a:p>
+          <a:pPr>
+            <a:defRPr sz="1197" b="0" i="0" u="none" strike="noStrike" kern="1200" baseline="0">
+              <a:solidFill>
+                <a:schemeClr val="tx1">
+                  <a:lumMod val="65000"/>
+                  <a:lumOff val="35000"/>
+                </a:schemeClr>
+              </a:solidFill>
+              <a:latin typeface="+mn-lt"/>
+              <a:ea typeface="+mn-ea"/>
+              <a:cs typeface="+mn-cs"/>
+            </a:defRPr>
+          </a:pPr>
+          <a:endParaRPr lang="de-DE"/>
+        </a:p>
+      </c:txPr>
+    </c:legend>
+    <c:plotVisOnly val="1"/>
+    <c:dispBlanksAs val="gap"/>
+    <c:showDLblsOverMax val="0"/>
+  </c:chart>
+  <c:spPr>
+    <a:noFill/>
+    <a:ln>
+      <a:noFill/>
+    </a:ln>
+    <a:effectLst/>
+  </c:spPr>
+  <c:txPr>
+    <a:bodyPr/>
+    <a:lstStyle/>
+    <a:p>
+      <a:pPr>
+        <a:defRPr/>
+      </a:pPr>
+      <a:endParaRPr lang="de-DE"/>
+    </a:p>
+  </c:txPr>
+  <c:externalData r:id="rId3">
+    <c:autoUpdate val="0"/>
+  </c:externalData>
+</c:chartSpace>
+</file>
+
+<file path=ppt/charts/colors1.xml><?xml version="1.0" encoding="utf-8"?>
+<cs:colorStyle xmlns:cs="http://schemas.microsoft.com/office/drawing/2012/chartStyle" xmlns:a="http://schemas.openxmlformats.org/drawingml/2006/main" meth="cycle" id="10">
+  <a:schemeClr val="accent1"/>
+  <a:schemeClr val="accent2"/>
+  <a:schemeClr val="accent3"/>
+  <a:schemeClr val="accent4"/>
+  <a:schemeClr val="accent5"/>
+  <a:schemeClr val="accent6"/>
+  <cs:variation/>
+  <cs:variation>
+    <a:lumMod val="60000"/>
+  </cs:variation>
+  <cs:variation>
+    <a:lumMod val="80000"/>
+    <a:lumOff val="20000"/>
+  </cs:variation>
+  <cs:variation>
+    <a:lumMod val="80000"/>
+  </cs:variation>
+  <cs:variation>
+    <a:lumMod val="60000"/>
+    <a:lumOff val="40000"/>
+  </cs:variation>
+  <cs:variation>
+    <a:lumMod val="50000"/>
+  </cs:variation>
+  <cs:variation>
+    <a:lumMod val="70000"/>
+    <a:lumOff val="30000"/>
+  </cs:variation>
+  <cs:variation>
+    <a:lumMod val="70000"/>
+  </cs:variation>
+  <cs:variation>
+    <a:lumMod val="50000"/>
+    <a:lumOff val="50000"/>
+  </cs:variation>
+</cs:colorStyle>
+</file>
+
+<file path=ppt/charts/style1.xml><?xml version="1.0" encoding="utf-8"?>
+<cs:chartStyle xmlns:cs="http://schemas.microsoft.com/office/drawing/2012/chartStyle" xmlns:a="http://schemas.openxmlformats.org/drawingml/2006/main" id="332">
+  <cs:axisTitle>
+    <cs:lnRef idx="0"/>
+    <cs:fillRef idx="0"/>
+    <cs:effectRef idx="0"/>
+    <cs:fontRef idx="minor">
+      <a:schemeClr val="tx1">
+        <a:lumMod val="65000"/>
+        <a:lumOff val="35000"/>
+      </a:schemeClr>
+    </cs:fontRef>
+    <cs:defRPr sz="1330" kern="1200"/>
+  </cs:axisTitle>
+  <cs:categoryAxis>
+    <cs:lnRef idx="0"/>
+    <cs:fillRef idx="0"/>
+    <cs:effectRef idx="0"/>
+    <cs:fontRef idx="minor">
+      <a:schemeClr val="tx1">
+        <a:lumMod val="65000"/>
+        <a:lumOff val="35000"/>
+      </a:schemeClr>
+    </cs:fontRef>
+    <cs:spPr>
+      <a:ln w="9525" cap="flat" cmpd="sng" algn="ctr">
+        <a:solidFill>
+          <a:schemeClr val="tx1">
+            <a:lumMod val="15000"/>
+            <a:lumOff val="85000"/>
+          </a:schemeClr>
+        </a:solidFill>
+        <a:round/>
+      </a:ln>
+    </cs:spPr>
+    <cs:defRPr sz="1197" kern="1200"/>
+  </cs:categoryAxis>
+  <cs:chartArea mods="allowNoFillOverride allowNoLineOverride">
+    <cs:lnRef idx="0"/>
+    <cs:fillRef idx="0"/>
+    <cs:effectRef idx="0"/>
+    <cs:fontRef idx="minor">
+      <a:schemeClr val="tx1"/>
+    </cs:fontRef>
+    <cs:spPr>
+      <a:solidFill>
+        <a:schemeClr val="bg1"/>
+      </a:solidFill>
+      <a:ln w="9525" cap="flat" cmpd="sng" algn="ctr">
+        <a:solidFill>
+          <a:schemeClr val="tx1">
+            <a:lumMod val="15000"/>
+            <a:lumOff val="85000"/>
+          </a:schemeClr>
+        </a:solidFill>
+        <a:round/>
+      </a:ln>
+    </cs:spPr>
+    <cs:defRPr sz="1330" kern="1200"/>
+  </cs:chartArea>
+  <cs:dataLabel>
+    <cs:lnRef idx="0"/>
+    <cs:fillRef idx="0"/>
+    <cs:effectRef idx="0"/>
+    <cs:fontRef idx="minor">
+      <a:schemeClr val="tx1">
+        <a:lumMod val="75000"/>
+        <a:lumOff val="25000"/>
+      </a:schemeClr>
+    </cs:fontRef>
+    <cs:defRPr sz="1197" kern="1200"/>
+  </cs:dataLabel>
+  <cs:dataLabelCallout>
+    <cs:lnRef idx="0"/>
+    <cs:fillRef idx="0"/>
+    <cs:effectRef idx="0"/>
+    <cs:fontRef idx="minor">
+      <a:schemeClr val="dk1">
+        <a:lumMod val="65000"/>
+        <a:lumOff val="35000"/>
+      </a:schemeClr>
+    </cs:fontRef>
+    <cs:spPr>
+      <a:solidFill>
+        <a:schemeClr val="lt1"/>
+      </a:solidFill>
+      <a:ln>
+        <a:solidFill>
+          <a:schemeClr val="dk1">
+            <a:lumMod val="25000"/>
+            <a:lumOff val="75000"/>
+          </a:schemeClr>
+        </a:solidFill>
+      </a:ln>
+    </cs:spPr>
+    <cs:defRPr sz="1197" kern="1200"/>
+    <cs:bodyPr rot="0" spcFirstLastPara="1" vertOverflow="clip" horzOverflow="clip" vert="horz" wrap="square" lIns="36576" tIns="18288" rIns="36576" bIns="18288" anchor="ctr" anchorCtr="1">
+      <a:spAutoFit/>
+    </cs:bodyPr>
+  </cs:dataLabelCallout>
+  <cs:dataPoint>
+    <cs:lnRef idx="0"/>
+    <cs:fillRef idx="1">
+      <cs:styleClr val="auto"/>
+    </cs:fillRef>
+    <cs:effectRef idx="0"/>
+    <cs:fontRef idx="minor">
+      <a:schemeClr val="tx1"/>
+    </cs:fontRef>
+  </cs:dataPoint>
+  <cs:dataPoint3D>
+    <cs:lnRef idx="0"/>
+    <cs:fillRef idx="1">
+      <cs:styleClr val="auto"/>
+    </cs:fillRef>
+    <cs:effectRef idx="0"/>
+    <cs:fontRef idx="minor">
+      <a:schemeClr val="tx1"/>
+    </cs:fontRef>
+  </cs:dataPoint3D>
+  <cs:dataPointLine>
+    <cs:lnRef idx="0">
+      <cs:styleClr val="auto"/>
+    </cs:lnRef>
+    <cs:fillRef idx="1"/>
+    <cs:effectRef idx="0"/>
+    <cs:fontRef idx="minor">
+      <a:schemeClr val="tx1"/>
+    </cs:fontRef>
+    <cs:spPr>
+      <a:ln w="28575" cap="rnd">
+        <a:solidFill>
+          <a:schemeClr val="phClr"/>
+        </a:solidFill>
+        <a:round/>
+      </a:ln>
+    </cs:spPr>
+  </cs:dataPointLine>
+  <cs:dataPointMarker>
+    <cs:lnRef idx="0">
+      <cs:styleClr val="auto"/>
+    </cs:lnRef>
+    <cs:fillRef idx="1">
+      <cs:styleClr val="auto"/>
+    </cs:fillRef>
+    <cs:effectRef idx="0"/>
+    <cs:fontRef idx="minor">
+      <a:schemeClr val="tx1"/>
+    </cs:fontRef>
+    <cs:spPr>
+      <a:ln w="9525">
+        <a:solidFill>
+          <a:schemeClr val="phClr"/>
+        </a:solidFill>
+      </a:ln>
+    </cs:spPr>
+  </cs:dataPointMarker>
+  <cs:dataPointMarkerLayout symbol="circle" size="5"/>
+  <cs:dataPointWireframe>
+    <cs:lnRef idx="0">
+      <cs:styleClr val="auto"/>
+    </cs:lnRef>
+    <cs:fillRef idx="1"/>
+    <cs:effectRef idx="0"/>
+    <cs:fontRef idx="minor">
+      <a:schemeClr val="tx1"/>
+    </cs:fontRef>
+    <cs:spPr>
+      <a:ln w="9525" cap="rnd">
+        <a:solidFill>
+          <a:schemeClr val="phClr"/>
+        </a:solidFill>
+        <a:round/>
+      </a:ln>
+    </cs:spPr>
+  </cs:dataPointWireframe>
+  <cs:dataTable>
+    <cs:lnRef idx="0"/>
+    <cs:fillRef idx="0"/>
+    <cs:effectRef idx="0"/>
+    <cs:fontRef idx="minor">
+      <a:schemeClr val="tx1">
+        <a:lumMod val="65000"/>
+        <a:lumOff val="35000"/>
+      </a:schemeClr>
+    </cs:fontRef>
+    <cs:spPr>
+      <a:noFill/>
+      <a:ln w="9525" cap="flat" cmpd="sng" algn="ctr">
+        <a:solidFill>
+          <a:schemeClr val="tx1">
+            <a:lumMod val="15000"/>
+            <a:lumOff val="85000"/>
+          </a:schemeClr>
+        </a:solidFill>
+        <a:round/>
+      </a:ln>
+    </cs:spPr>
+    <cs:defRPr sz="1197" kern="1200"/>
+  </cs:dataTable>
+  <cs:downBar>
+    <cs:lnRef idx="0"/>
+    <cs:fillRef idx="0"/>
+    <cs:effectRef idx="0"/>
+    <cs:fontRef idx="minor">
+      <a:schemeClr val="dk1"/>
+    </cs:fontRef>
+    <cs:spPr>
+      <a:solidFill>
+        <a:schemeClr val="dk1">
+          <a:lumMod val="65000"/>
+          <a:lumOff val="35000"/>
+        </a:schemeClr>
+      </a:solidFill>
+      <a:ln w="9525">
+        <a:solidFill>
+          <a:schemeClr val="tx1">
+            <a:lumMod val="65000"/>
+            <a:lumOff val="35000"/>
+          </a:schemeClr>
+        </a:solidFill>
+      </a:ln>
+    </cs:spPr>
+  </cs:downBar>
+  <cs:dropLine>
+    <cs:lnRef idx="0"/>
+    <cs:fillRef idx="0"/>
+    <cs:effectRef idx="0"/>
+    <cs:fontRef idx="minor">
+      <a:schemeClr val="tx1"/>
+    </cs:fontRef>
+    <cs:spPr>
+      <a:ln w="9525" cap="flat" cmpd="sng" algn="ctr">
+        <a:solidFill>
+          <a:schemeClr val="tx1">
+            <a:lumMod val="35000"/>
+            <a:lumOff val="65000"/>
+          </a:schemeClr>
+        </a:solidFill>
+        <a:round/>
+      </a:ln>
+    </cs:spPr>
+  </cs:dropLine>
+  <cs:errorBar>
+    <cs:lnRef idx="0"/>
+    <cs:fillRef idx="0"/>
+    <cs:effectRef idx="0"/>
+    <cs:fontRef idx="minor">
+      <a:schemeClr val="tx1"/>
+    </cs:fontRef>
+    <cs:spPr>
+      <a:ln w="9525" cap="flat" cmpd="sng" algn="ctr">
+        <a:solidFill>
+          <a:schemeClr val="tx1">
+            <a:lumMod val="65000"/>
+            <a:lumOff val="35000"/>
+          </a:schemeClr>
+        </a:solidFill>
+        <a:round/>
+      </a:ln>
+    </cs:spPr>
+  </cs:errorBar>
+  <cs:floor>
+    <cs:lnRef idx="0"/>
+    <cs:fillRef idx="0"/>
+    <cs:effectRef idx="0"/>
+    <cs:fontRef idx="minor">
+      <a:schemeClr val="tx1"/>
+    </cs:fontRef>
+    <cs:spPr>
+      <a:noFill/>
+      <a:ln>
+        <a:noFill/>
+      </a:ln>
+    </cs:spPr>
+  </cs:floor>
+  <cs:gridlineMajor>
+    <cs:lnRef idx="0"/>
+    <cs:fillRef idx="0"/>
+    <cs:effectRef idx="0"/>
+    <cs:fontRef idx="minor">
+      <a:schemeClr val="tx1"/>
+    </cs:fontRef>
+    <cs:spPr>
+      <a:ln w="9525" cap="flat" cmpd="sng" algn="ctr">
+        <a:solidFill>
+          <a:schemeClr val="tx1">
+            <a:lumMod val="15000"/>
+            <a:lumOff val="85000"/>
+          </a:schemeClr>
+        </a:solidFill>
+        <a:round/>
+      </a:ln>
+    </cs:spPr>
+  </cs:gridlineMajor>
+  <cs:gridlineMinor>
+    <cs:lnRef idx="0"/>
+    <cs:fillRef idx="0"/>
+    <cs:effectRef idx="0"/>
+    <cs:fontRef idx="minor">
+      <a:schemeClr val="tx1"/>
+    </cs:fontRef>
+    <cs:spPr>
+      <a:ln w="9525" cap="flat" cmpd="sng" algn="ctr">
+        <a:solidFill>
+          <a:schemeClr val="tx1">
+            <a:lumMod val="5000"/>
+            <a:lumOff val="95000"/>
+          </a:schemeClr>
+        </a:solidFill>
+        <a:round/>
+      </a:ln>
+    </cs:spPr>
+  </cs:gridlineMinor>
+  <cs:hiLoLine>
+    <cs:lnRef idx="0"/>
+    <cs:fillRef idx="0"/>
+    <cs:effectRef idx="0"/>
+    <cs:fontRef idx="minor">
+      <a:schemeClr val="tx1"/>
+    </cs:fontRef>
+    <cs:spPr>
+      <a:ln w="9525" cap="flat" cmpd="sng" algn="ctr">
+        <a:solidFill>
+          <a:schemeClr val="tx1">
+            <a:lumMod val="75000"/>
+            <a:lumOff val="25000"/>
+          </a:schemeClr>
+        </a:solidFill>
+        <a:round/>
+      </a:ln>
+    </cs:spPr>
+  </cs:hiLoLine>
+  <cs:leaderLine>
+    <cs:lnRef idx="0"/>
+    <cs:fillRef idx="0"/>
+    <cs:effectRef idx="0"/>
+    <cs:fontRef idx="minor">
+      <a:schemeClr val="tx1"/>
+    </cs:fontRef>
+    <cs:spPr>
+      <a:ln w="9525" cap="flat" cmpd="sng" algn="ctr">
+        <a:solidFill>
+          <a:schemeClr val="tx1">
+            <a:lumMod val="35000"/>
+            <a:lumOff val="65000"/>
+          </a:schemeClr>
+        </a:solidFill>
+        <a:round/>
+      </a:ln>
+    </cs:spPr>
+  </cs:leaderLine>
+  <cs:legend>
+    <cs:lnRef idx="0"/>
+    <cs:fillRef idx="0"/>
+    <cs:effectRef idx="0"/>
+    <cs:fontRef idx="minor">
+      <a:schemeClr val="tx1">
+        <a:lumMod val="65000"/>
+        <a:lumOff val="35000"/>
+      </a:schemeClr>
+    </cs:fontRef>
+    <cs:defRPr sz="1197" kern="1200"/>
+  </cs:legend>
+  <cs:plotArea mods="allowNoFillOverride allowNoLineOverride">
+    <cs:lnRef idx="0"/>
+    <cs:fillRef idx="0"/>
+    <cs:effectRef idx="0"/>
+    <cs:fontRef idx="minor">
+      <a:schemeClr val="tx1"/>
+    </cs:fontRef>
+  </cs:plotArea>
+  <cs:plotArea3D mods="allowNoFillOverride allowNoLineOverride">
+    <cs:lnRef idx="0"/>
+    <cs:fillRef idx="0"/>
+    <cs:effectRef idx="0"/>
+    <cs:fontRef idx="minor">
+      <a:schemeClr val="tx1"/>
+    </cs:fontRef>
+  </cs:plotArea3D>
+  <cs:seriesAxis>
+    <cs:lnRef idx="0"/>
+    <cs:fillRef idx="0"/>
+    <cs:effectRef idx="0"/>
+    <cs:fontRef idx="minor">
+      <a:schemeClr val="tx1">
+        <a:lumMod val="65000"/>
+        <a:lumOff val="35000"/>
+      </a:schemeClr>
+    </cs:fontRef>
+    <cs:defRPr sz="1197" kern="1200"/>
+  </cs:seriesAxis>
+  <cs:seriesLine>
+    <cs:lnRef idx="0"/>
+    <cs:fillRef idx="0"/>
+    <cs:effectRef idx="0"/>
+    <cs:fontRef idx="minor">
+      <a:schemeClr val="tx1"/>
+    </cs:fontRef>
+    <cs:spPr>
+      <a:ln w="9525" cap="flat" cmpd="sng" algn="ctr">
+        <a:solidFill>
+          <a:schemeClr val="tx1">
+            <a:lumMod val="35000"/>
+            <a:lumOff val="65000"/>
+          </a:schemeClr>
+        </a:solidFill>
+        <a:round/>
+      </a:ln>
+    </cs:spPr>
+  </cs:seriesLine>
+  <cs:title>
+    <cs:lnRef idx="0"/>
+    <cs:fillRef idx="0"/>
+    <cs:effectRef idx="0"/>
+    <cs:fontRef idx="minor">
+      <a:schemeClr val="tx1">
+        <a:lumMod val="65000"/>
+        <a:lumOff val="35000"/>
+      </a:schemeClr>
+    </cs:fontRef>
+    <cs:defRPr sz="1862" b="0" kern="1200" spc="0" baseline="0"/>
+  </cs:title>
+  <cs:trendline>
+    <cs:lnRef idx="0">
+      <cs:styleClr val="auto"/>
+    </cs:lnRef>
+    <cs:fillRef idx="0"/>
+    <cs:effectRef idx="0"/>
+    <cs:fontRef idx="minor">
+      <a:schemeClr val="tx1"/>
+    </cs:fontRef>
+    <cs:spPr>
+      <a:ln w="19050" cap="rnd">
+        <a:solidFill>
+          <a:schemeClr val="phClr"/>
+        </a:solidFill>
+        <a:prstDash val="sysDot"/>
+      </a:ln>
+    </cs:spPr>
+  </cs:trendline>
+  <cs:trendlineLabel>
+    <cs:lnRef idx="0"/>
+    <cs:fillRef idx="0"/>
+    <cs:effectRef idx="0"/>
+    <cs:fontRef idx="minor">
+      <a:schemeClr val="tx1">
+        <a:lumMod val="65000"/>
+        <a:lumOff val="35000"/>
+      </a:schemeClr>
+    </cs:fontRef>
+    <cs:defRPr sz="1197" kern="1200"/>
+  </cs:trendlineLabel>
+  <cs:upBar>
+    <cs:lnRef idx="0"/>
+    <cs:fillRef idx="0"/>
+    <cs:effectRef idx="0"/>
+    <cs:fontRef idx="minor">
+      <a:schemeClr val="dk1"/>
+    </cs:fontRef>
+    <cs:spPr>
+      <a:solidFill>
+        <a:schemeClr val="lt1"/>
+      </a:solidFill>
+      <a:ln w="9525">
+        <a:solidFill>
+          <a:schemeClr val="tx1">
+            <a:lumMod val="15000"/>
+            <a:lumOff val="85000"/>
+          </a:schemeClr>
+        </a:solidFill>
+      </a:ln>
+    </cs:spPr>
+  </cs:upBar>
+  <cs:valueAxis>
+    <cs:lnRef idx="0"/>
+    <cs:fillRef idx="0"/>
+    <cs:effectRef idx="0"/>
+    <cs:fontRef idx="minor">
+      <a:schemeClr val="tx1">
+        <a:lumMod val="65000"/>
+        <a:lumOff val="35000"/>
+      </a:schemeClr>
+    </cs:fontRef>
+    <cs:defRPr sz="1197" kern="1200"/>
+  </cs:valueAxis>
+  <cs:wall>
+    <cs:lnRef idx="0"/>
+    <cs:fillRef idx="0"/>
+    <cs:effectRef idx="0"/>
+    <cs:fontRef idx="minor">
+      <a:schemeClr val="tx1"/>
+    </cs:fontRef>
+    <cs:spPr>
+      <a:noFill/>
+      <a:ln>
+        <a:noFill/>
+      </a:ln>
+    </cs:spPr>
+  </cs:wall>
+</cs:chartStyle>
+</file>
+
 <file path=ppt/notesMasters/notesMaster1.xml><?xml version="1.0" encoding="utf-8"?>
 <p:notesMaster xmlns:a="http://schemas.openxmlformats.org/drawingml/2006/main" xmlns:r="http://schemas.openxmlformats.org/officeDocument/2006/relationships" xmlns:p="http://schemas.openxmlformats.org/presentationml/2006/main">
   <p:cSld>
@@ -220,7 +1155,7 @@
           <a:p>
             <a:fld id="{EBEB54C7-C832-46E6-B2EB-5A0403369FF4}" type="datetimeFigureOut">
               <a:rPr lang="de-DE" smtClean="0"/>
-              <a:t>27.11.2018</a:t>
+              <a:t>04.12.2018</a:t>
             </a:fld>
             <a:endParaRPr lang="de-DE"/>
           </a:p>
@@ -713,7 +1648,7 @@
           <a:p>
             <a:fld id="{FCDE8043-E90D-49F1-8E3B-87202C9D1F7A}" type="datetime1">
               <a:rPr lang="de-DE" smtClean="0"/>
-              <a:t>27.11.2018</a:t>
+              <a:t>04.12.2018</a:t>
             </a:fld>
             <a:endParaRPr lang="de-DE"/>
           </a:p>
@@ -921,7 +1856,7 @@
           <a:p>
             <a:fld id="{E446C2AF-2170-4638-AE24-99D7AF97A363}" type="datetime1">
               <a:rPr lang="de-DE" smtClean="0"/>
-              <a:t>27.11.2018</a:t>
+              <a:t>04.12.2018</a:t>
             </a:fld>
             <a:endParaRPr lang="de-DE"/>
           </a:p>
@@ -1177,7 +2112,7 @@
           <a:p>
             <a:fld id="{356D9095-48C2-4BA2-9642-77C271B05F8E}" type="datetime1">
               <a:rPr lang="de-DE" smtClean="0"/>
-              <a:t>27.11.2018</a:t>
+              <a:t>04.12.2018</a:t>
             </a:fld>
             <a:endParaRPr lang="de-DE"/>
           </a:p>
@@ -1347,7 +2282,7 @@
           <a:p>
             <a:fld id="{A423ED77-B0DE-477A-B740-C3EE0209B1D1}" type="datetime1">
               <a:rPr lang="de-DE" smtClean="0"/>
-              <a:t>27.11.2018</a:t>
+              <a:t>04.12.2018</a:t>
             </a:fld>
             <a:endParaRPr lang="de-DE"/>
           </a:p>
@@ -1690,7 +2625,7 @@
           <a:p>
             <a:fld id="{824E15A2-B24C-4DF9-B99E-729B473EA469}" type="datetime1">
               <a:rPr lang="de-DE" smtClean="0"/>
-              <a:t>27.11.2018</a:t>
+              <a:t>04.12.2018</a:t>
             </a:fld>
             <a:endParaRPr lang="de-DE"/>
           </a:p>
@@ -1965,7 +2900,7 @@
           <a:p>
             <a:fld id="{06788238-DA2A-4EC6-96B1-27850EBB24FE}" type="datetime1">
               <a:rPr lang="de-DE" smtClean="0"/>
-              <a:t>27.11.2018</a:t>
+              <a:t>04.12.2018</a:t>
             </a:fld>
             <a:endParaRPr lang="de-DE"/>
           </a:p>
@@ -2344,7 +3279,7 @@
           <a:p>
             <a:fld id="{5ADFDC6F-A298-4426-AD42-C8463C1B50FD}" type="datetime1">
               <a:rPr lang="de-DE" smtClean="0"/>
-              <a:t>27.11.2018</a:t>
+              <a:t>04.12.2018</a:t>
             </a:fld>
             <a:endParaRPr lang="de-DE"/>
           </a:p>
@@ -2462,7 +3397,7 @@
           <a:p>
             <a:fld id="{2E4AAB67-6C51-4140-B1F9-D19F48FC020B}" type="datetime1">
               <a:rPr lang="de-DE" smtClean="0"/>
-              <a:t>27.11.2018</a:t>
+              <a:t>04.12.2018</a:t>
             </a:fld>
             <a:endParaRPr lang="de-DE"/>
           </a:p>
@@ -2633,7 +3568,7 @@
           <a:p>
             <a:fld id="{0CD78986-A5A9-45A6-9280-5B35979255B0}" type="datetime1">
               <a:rPr lang="de-DE" smtClean="0"/>
-              <a:t>27.11.2018</a:t>
+              <a:t>04.12.2018</a:t>
             </a:fld>
             <a:endParaRPr lang="de-DE"/>
           </a:p>
@@ -2987,7 +3922,7 @@
           <a:p>
             <a:fld id="{03CABF3B-9062-4151-B9C6-F03BCE164F39}" type="datetime1">
               <a:rPr lang="de-DE" smtClean="0"/>
-              <a:t>27.11.2018</a:t>
+              <a:t>04.12.2018</a:t>
             </a:fld>
             <a:endParaRPr lang="de-DE"/>
           </a:p>
@@ -3369,7 +4304,7 @@
           <a:p>
             <a:fld id="{0099E94B-4B84-4B19-BB78-4F59434C2A0D}" type="datetime1">
               <a:rPr lang="de-DE" smtClean="0"/>
-              <a:t>27.11.2018</a:t>
+              <a:t>04.12.2018</a:t>
             </a:fld>
             <a:endParaRPr lang="de-DE"/>
           </a:p>
@@ -3656,7 +4591,7 @@
           <a:p>
             <a:fld id="{CD423509-B860-4C66-BE9A-79FA273EE6F7}" type="datetime1">
               <a:rPr lang="de-DE" smtClean="0"/>
-              <a:t>27.11.2018</a:t>
+              <a:t>04.12.2018</a:t>
             </a:fld>
             <a:endParaRPr lang="de-DE"/>
           </a:p>
@@ -4285,6 +5220,13 @@
   <p:clrMapOvr>
     <a:masterClrMapping/>
   </p:clrMapOvr>
+  <p:timing>
+    <p:tnLst>
+      <p:par>
+        <p:cTn id="1" dur="indefinite" restart="never" nodeType="tmRoot"/>
+      </p:par>
+    </p:tnLst>
+  </p:timing>
 </p:sld>
 </file>
 
@@ -4315,43 +5257,26 @@
             <p:ph type="title"/>
           </p:nvPr>
         </p:nvSpPr>
-        <p:spPr>
-          <a:xfrm>
-            <a:off x="611561" y="286604"/>
-            <a:ext cx="7797802" cy="1450757"/>
-          </a:xfrm>
-        </p:spPr>
-        <p:txBody>
-          <a:bodyPr/>
+        <p:spPr/>
+        <p:txBody>
+          <a:bodyPr>
+            <a:normAutofit/>
+          </a:bodyPr>
           <a:lstStyle/>
           <a:p>
             <a:r>
-              <a:rPr lang="de-DE" b="1" dirty="0" smtClean="0">
-                <a:latin typeface="Century Gothic" panose="020B0502020202020204" pitchFamily="34" charset="0"/>
+              <a:rPr lang="de-DE" b="1" dirty="0">
+                <a:latin typeface="Century Gothic" pitchFamily="34" charset="0"/>
               </a:rPr>
-              <a:t>Entity-</a:t>
-            </a:r>
-            <a:r>
-              <a:rPr lang="de-DE" b="1" dirty="0" err="1" smtClean="0">
-                <a:latin typeface="Century Gothic" panose="020B0502020202020204" pitchFamily="34" charset="0"/>
-              </a:rPr>
-              <a:t>Relationship</a:t>
-            </a:r>
-            <a:r>
-              <a:rPr lang="de-DE" b="1" dirty="0" smtClean="0">
-                <a:latin typeface="Century Gothic" panose="020B0502020202020204" pitchFamily="34" charset="0"/>
-              </a:rPr>
-              <a:t>-Modell</a:t>
-            </a:r>
-            <a:endParaRPr lang="de-DE" b="1" dirty="0">
-              <a:latin typeface="Century Gothic" panose="020B0502020202020204" pitchFamily="34" charset="0"/>
-            </a:endParaRPr>
-          </a:p>
-        </p:txBody>
-      </p:sp>
-      <p:sp>
-        <p:nvSpPr>
-          <p:cNvPr id="4" name="Foliennummernplatzhalter 3"/>
+              <a:t>Was wurde getestet</a:t>
+            </a:r>
+            <a:endParaRPr lang="de-DE" dirty="0"/>
+          </a:p>
+        </p:txBody>
+      </p:sp>
+      <p:sp>
+        <p:nvSpPr>
+          <p:cNvPr id="3" name="Foliennummernplatzhalter 2"/>
           <p:cNvSpPr>
             <a:spLocks noGrp="1"/>
           </p:cNvSpPr>
@@ -4372,59 +5297,350 @@
           </a:p>
         </p:txBody>
       </p:sp>
-      <p:pic>
-        <p:nvPicPr>
-          <p:cNvPr id="5" name="Picture 2" descr="Entity-Relation-Diagramm.PNG">
-            <a:extLst>
-              <a:ext uri="{FF2B5EF4-FFF2-40B4-BE49-F238E27FC236}">
-                <a16:creationId xmlns:a16="http://schemas.microsoft.com/office/drawing/2014/main" id="{E7623F60-C7B2-49BA-B141-6FCFA9129A44}"/>
-              </a:ext>
-            </a:extLst>
-          </p:cNvPr>
-          <p:cNvPicPr>
-            <a:picLocks noGrp="1" noChangeAspect="1" noChangeArrowheads="1"/>
-          </p:cNvPicPr>
-          <p:nvPr>
-            <p:ph idx="1"/>
-          </p:nvPr>
-        </p:nvPicPr>
-        <p:blipFill>
-          <a:blip r:embed="rId2">
-            <a:extLst>
-              <a:ext uri="{28A0092B-C50C-407E-A947-70E740481C1C}">
-                <a14:useLocalDpi xmlns:a14="http://schemas.microsoft.com/office/drawing/2010/main" val="0"/>
-              </a:ext>
-            </a:extLst>
-          </a:blip>
-          <a:srcRect/>
-          <a:stretch>
-            <a:fillRect/>
-          </a:stretch>
-        </p:blipFill>
-        <p:spPr bwMode="auto">
+      <p:sp>
+        <p:nvSpPr>
+          <p:cNvPr id="4" name="Rechteck 3"/>
+          <p:cNvSpPr/>
+          <p:nvPr/>
+        </p:nvSpPr>
+        <p:spPr>
           <a:xfrm>
-            <a:off x="2771800" y="1846263"/>
-            <a:ext cx="3379497" cy="4365497"/>
+            <a:off x="3923928" y="2104862"/>
+            <a:ext cx="4572000" cy="1169551"/>
+          </a:xfrm>
+          <a:prstGeom prst="rect">
+            <a:avLst/>
+          </a:prstGeom>
+        </p:spPr>
+        <p:txBody>
+          <a:bodyPr>
+            <a:spAutoFit/>
+          </a:bodyPr>
+          <a:lstStyle/>
+          <a:p>
+            <a:r>
+              <a:rPr lang="de-DE" sz="1400" dirty="0">
+                <a:solidFill>
+                  <a:sysClr val="windowText" lastClr="000000"/>
+                </a:solidFill>
+              </a:rPr>
+              <a:t>Zugriff von überall</a:t>
+            </a:r>
+          </a:p>
+          <a:p>
+            <a:pPr lvl="1"/>
+            <a:r>
+              <a:rPr lang="de-DE" sz="1400" dirty="0">
+                <a:solidFill>
+                  <a:sysClr val="windowText" lastClr="000000"/>
+                </a:solidFill>
+              </a:rPr>
+              <a:t>Zuhause, Windows</a:t>
+            </a:r>
+          </a:p>
+          <a:p>
+            <a:pPr lvl="1"/>
+            <a:r>
+              <a:rPr lang="de-DE" sz="1400" dirty="0">
+                <a:solidFill>
+                  <a:sysClr val="windowText" lastClr="000000"/>
+                </a:solidFill>
+              </a:rPr>
+              <a:t>Zuhause, Linux</a:t>
+            </a:r>
+          </a:p>
+          <a:p>
+            <a:pPr lvl="1"/>
+            <a:r>
+              <a:rPr lang="de-DE" sz="1400" dirty="0">
+                <a:solidFill>
+                  <a:sysClr val="windowText" lastClr="000000"/>
+                </a:solidFill>
+              </a:rPr>
+              <a:t>Schule, Windows</a:t>
+            </a:r>
+          </a:p>
+          <a:p>
+            <a:pPr lvl="1"/>
+            <a:r>
+              <a:rPr lang="de-DE" sz="1400" dirty="0">
+                <a:solidFill>
+                  <a:sysClr val="windowText" lastClr="000000"/>
+                </a:solidFill>
+              </a:rPr>
+              <a:t>Unterwegs, Android &amp; iOS</a:t>
+            </a:r>
+          </a:p>
+        </p:txBody>
+      </p:sp>
+      <p:sp>
+        <p:nvSpPr>
+          <p:cNvPr id="6" name="Rechteck 5"/>
+          <p:cNvSpPr/>
+          <p:nvPr/>
+        </p:nvSpPr>
+        <p:spPr>
+          <a:xfrm>
+            <a:off x="822960" y="2018685"/>
+            <a:ext cx="4572000" cy="1341906"/>
+          </a:xfrm>
+          <a:prstGeom prst="rect">
+            <a:avLst/>
+          </a:prstGeom>
+        </p:spPr>
+        <p:txBody>
+          <a:bodyPr>
+            <a:spAutoFit/>
+          </a:bodyPr>
+          <a:lstStyle/>
+          <a:p>
+            <a:pPr lvl="0" defTabSz="914400" fontAlgn="base">
+              <a:spcBef>
+                <a:spcPct val="20000"/>
+              </a:spcBef>
+              <a:spcAft>
+                <a:spcPct val="0"/>
+              </a:spcAft>
+              <a:defRPr/>
+            </a:pPr>
+            <a:r>
+              <a:rPr lang="de-DE" sz="1400" dirty="0">
+                <a:solidFill>
+                  <a:sysClr val="windowText" lastClr="000000"/>
+                </a:solidFill>
+              </a:rPr>
+              <a:t>Testdaten </a:t>
+            </a:r>
+            <a:r>
+              <a:rPr lang="de-DE" sz="1400" dirty="0" smtClean="0">
+                <a:solidFill>
+                  <a:sysClr val="windowText" lastClr="000000"/>
+                </a:solidFill>
+              </a:rPr>
+              <a:t>in Datenbank</a:t>
+            </a:r>
+            <a:endParaRPr lang="de-DE" sz="1400" dirty="0">
+              <a:solidFill>
+                <a:sysClr val="windowText" lastClr="000000"/>
+              </a:solidFill>
+            </a:endParaRPr>
+          </a:p>
+          <a:p>
+            <a:pPr marL="346075" defTabSz="914400" fontAlgn="base">
+              <a:spcBef>
+                <a:spcPct val="20000"/>
+              </a:spcBef>
+              <a:spcAft>
+                <a:spcPct val="0"/>
+              </a:spcAft>
+              <a:buFont typeface="Arial" pitchFamily="34" charset="0"/>
+              <a:buChar char="–"/>
+              <a:defRPr/>
+            </a:pPr>
+            <a:r>
+              <a:rPr lang="de-DE" sz="1400" dirty="0" smtClean="0">
+                <a:solidFill>
+                  <a:sysClr val="windowText" lastClr="000000"/>
+                </a:solidFill>
+              </a:rPr>
+              <a:t> Lehrer</a:t>
+            </a:r>
+            <a:endParaRPr lang="de-DE" sz="1400" dirty="0">
+              <a:solidFill>
+                <a:sysClr val="windowText" lastClr="000000"/>
+              </a:solidFill>
+            </a:endParaRPr>
+          </a:p>
+          <a:p>
+            <a:pPr marL="742950" lvl="1" indent="-285750" defTabSz="914400" fontAlgn="base">
+              <a:spcBef>
+                <a:spcPct val="20000"/>
+              </a:spcBef>
+              <a:spcAft>
+                <a:spcPct val="0"/>
+              </a:spcAft>
+              <a:buFont typeface="Arial" pitchFamily="34" charset="0"/>
+              <a:buChar char="–"/>
+              <a:defRPr/>
+            </a:pPr>
+            <a:r>
+              <a:rPr lang="de-DE" sz="1400" dirty="0">
+                <a:solidFill>
+                  <a:sysClr val="windowText" lastClr="000000"/>
+                </a:solidFill>
+              </a:rPr>
+              <a:t>Protokolle</a:t>
+            </a:r>
+          </a:p>
+          <a:p>
+            <a:pPr marL="742950" lvl="1" indent="-285750" defTabSz="914400" fontAlgn="base">
+              <a:spcBef>
+                <a:spcPct val="20000"/>
+              </a:spcBef>
+              <a:spcAft>
+                <a:spcPct val="0"/>
+              </a:spcAft>
+              <a:buFont typeface="Arial" pitchFamily="34" charset="0"/>
+              <a:buChar char="–"/>
+              <a:defRPr/>
+            </a:pPr>
+            <a:r>
+              <a:rPr lang="de-DE" sz="1400" dirty="0">
+                <a:solidFill>
+                  <a:sysClr val="windowText" lastClr="000000"/>
+                </a:solidFill>
+              </a:rPr>
+              <a:t>Gruppen</a:t>
+            </a:r>
+          </a:p>
+          <a:p>
+            <a:pPr marL="742950" lvl="1" indent="-285750" defTabSz="914400" fontAlgn="base">
+              <a:spcBef>
+                <a:spcPct val="20000"/>
+              </a:spcBef>
+              <a:spcAft>
+                <a:spcPct val="0"/>
+              </a:spcAft>
+              <a:buFont typeface="Arial" pitchFamily="34" charset="0"/>
+              <a:buChar char="–"/>
+              <a:defRPr/>
+            </a:pPr>
+            <a:r>
+              <a:rPr lang="de-DE" sz="1400" dirty="0">
+                <a:solidFill>
+                  <a:sysClr val="windowText" lastClr="000000"/>
+                </a:solidFill>
+              </a:rPr>
+              <a:t>TOPs</a:t>
+            </a:r>
+          </a:p>
+        </p:txBody>
+      </p:sp>
+      <p:sp>
+        <p:nvSpPr>
+          <p:cNvPr id="7" name="Pfeil nach rechts 6"/>
+          <p:cNvSpPr/>
+          <p:nvPr/>
+        </p:nvSpPr>
+        <p:spPr>
+          <a:xfrm>
+            <a:off x="683568" y="4077072"/>
+            <a:ext cx="576064" cy="360040"/>
+          </a:xfrm>
+          <a:prstGeom prst="rightArrow">
+            <a:avLst/>
+          </a:prstGeom>
+          <a:ln>
+            <a:noFill/>
+          </a:ln>
+          <a:effectLst>
+            <a:outerShdw blurRad="50800" dist="38100" dir="2700000" algn="tl" rotWithShape="0">
+              <a:prstClr val="black">
+                <a:alpha val="40000"/>
+              </a:prstClr>
+            </a:outerShdw>
+          </a:effectLst>
+        </p:spPr>
+        <p:style>
+          <a:lnRef idx="2">
+            <a:schemeClr val="accent1">
+              <a:shade val="50000"/>
+            </a:schemeClr>
+          </a:lnRef>
+          <a:fillRef idx="1">
+            <a:schemeClr val="accent1"/>
+          </a:fillRef>
+          <a:effectRef idx="0">
+            <a:schemeClr val="accent1"/>
+          </a:effectRef>
+          <a:fontRef idx="minor">
+            <a:schemeClr val="lt1"/>
+          </a:fontRef>
+        </p:style>
+        <p:txBody>
+          <a:bodyPr rtlCol="0" anchor="ctr"/>
+          <a:lstStyle/>
+          <a:p>
+            <a:pPr algn="ctr"/>
+            <a:endParaRPr lang="de-DE"/>
+          </a:p>
+        </p:txBody>
+      </p:sp>
+      <p:sp>
+        <p:nvSpPr>
+          <p:cNvPr id="8" name="Rechteck 7"/>
+          <p:cNvSpPr/>
+          <p:nvPr/>
+        </p:nvSpPr>
+        <p:spPr>
+          <a:xfrm>
+            <a:off x="1403648" y="4149080"/>
+            <a:ext cx="5832648" cy="1440160"/>
           </a:xfrm>
           <a:prstGeom prst="rect">
             <a:avLst/>
           </a:prstGeom>
           <a:noFill/>
-          <a:extLst>
-            <a:ext uri="{909E8E84-426E-40DD-AFC4-6F175D3DCCD1}">
-              <a14:hiddenFill xmlns:a14="http://schemas.microsoft.com/office/drawing/2010/main">
-                <a:solidFill>
-                  <a:srgbClr val="FFFFFF"/>
-                </a:solidFill>
-              </a14:hiddenFill>
-            </a:ext>
-          </a:extLst>
         </p:spPr>
-      </p:pic>
+        <p:style>
+          <a:lnRef idx="2">
+            <a:schemeClr val="accent1">
+              <a:shade val="50000"/>
+            </a:schemeClr>
+          </a:lnRef>
+          <a:fillRef idx="1">
+            <a:schemeClr val="accent1"/>
+          </a:fillRef>
+          <a:effectRef idx="0">
+            <a:schemeClr val="accent1"/>
+          </a:effectRef>
+          <a:fontRef idx="minor">
+            <a:schemeClr val="lt1"/>
+          </a:fontRef>
+        </p:style>
+        <p:txBody>
+          <a:bodyPr rtlCol="0" anchor="ctr"/>
+          <a:lstStyle/>
+          <a:p>
+            <a:pPr algn="ctr"/>
+            <a:endParaRPr lang="de-DE"/>
+          </a:p>
+        </p:txBody>
+      </p:sp>
+      <p:sp>
+        <p:nvSpPr>
+          <p:cNvPr id="9" name="Textfeld 8"/>
+          <p:cNvSpPr txBox="1"/>
+          <p:nvPr/>
+        </p:nvSpPr>
+        <p:spPr>
+          <a:xfrm>
+            <a:off x="1540685" y="4437112"/>
+            <a:ext cx="5558573" cy="369332"/>
+          </a:xfrm>
+          <a:prstGeom prst="rect">
+            <a:avLst/>
+          </a:prstGeom>
+          <a:noFill/>
+        </p:spPr>
+        <p:txBody>
+          <a:bodyPr wrap="none" rtlCol="0">
+            <a:spAutoFit/>
+          </a:bodyPr>
+          <a:lstStyle/>
+          <a:p>
+            <a:r>
+              <a:rPr lang="de-DE" dirty="0" smtClean="0"/>
+              <a:t>Alle obengenannten Testfälle wurden erfolgreich getestet</a:t>
+            </a:r>
+            <a:endParaRPr lang="de-DE" dirty="0"/>
+          </a:p>
+        </p:txBody>
+      </p:sp>
     </p:spTree>
     <p:extLst>
       <p:ext uri="{BB962C8B-B14F-4D97-AF65-F5344CB8AC3E}">
-        <p14:creationId xmlns:p14="http://schemas.microsoft.com/office/powerpoint/2010/main" val="2845486062"/>
+        <p14:creationId xmlns:p14="http://schemas.microsoft.com/office/powerpoint/2010/main" val="3090941573"/>
       </p:ext>
     </p:extLst>
   </p:cSld>
@@ -4477,22 +5693,3616 @@
               <a:rPr lang="de-DE" b="1" dirty="0">
                 <a:latin typeface="Century Gothic" pitchFamily="34" charset="0"/>
               </a:rPr>
-              <a:t>Soll-Ist-Vergleich</a:t>
+              <a:t>Fazit</a:t>
             </a:r>
             <a:endParaRPr lang="de-DE" dirty="0"/>
+          </a:p>
+        </p:txBody>
+      </p:sp>
+      <p:sp>
+        <p:nvSpPr>
+          <p:cNvPr id="5" name="Inhaltsplatzhalter 2"/>
+          <p:cNvSpPr>
+            <a:spLocks noGrp="1"/>
+          </p:cNvSpPr>
+          <p:nvPr>
+            <p:ph idx="1"/>
+          </p:nvPr>
+        </p:nvSpPr>
+        <p:spPr>
+          <a:xfrm>
+            <a:off x="822959" y="2071678"/>
+            <a:ext cx="6413337" cy="3797416"/>
+          </a:xfrm>
+        </p:spPr>
+        <p:txBody>
+          <a:bodyPr numCol="2">
+            <a:normAutofit/>
+          </a:bodyPr>
+          <a:lstStyle/>
+          <a:p>
+            <a:pPr>
+              <a:buFont typeface="Wingdings" panose="05000000000000000000" pitchFamily="2" charset="2"/>
+              <a:buChar char="Ø"/>
+            </a:pPr>
+            <a:endParaRPr lang="de-DE" sz="2400" dirty="0"/>
+          </a:p>
+          <a:p>
+            <a:pPr>
+              <a:buFont typeface="Wingdings" panose="05000000000000000000" pitchFamily="2" charset="2"/>
+              <a:buChar char="Ø"/>
+            </a:pPr>
+            <a:endParaRPr lang="de-DE" sz="2400" dirty="0"/>
+          </a:p>
+          <a:p>
+            <a:pPr>
+              <a:buFont typeface="Wingdings" panose="05000000000000000000" pitchFamily="2" charset="2"/>
+              <a:buChar char="Ø"/>
+            </a:pPr>
+            <a:endParaRPr lang="de-DE" sz="2400" dirty="0"/>
+          </a:p>
+          <a:p>
+            <a:pPr>
+              <a:buFont typeface="Wingdings" panose="05000000000000000000" pitchFamily="2" charset="2"/>
+              <a:buChar char="Ø"/>
+            </a:pPr>
+            <a:endParaRPr lang="de-DE" sz="2400" dirty="0"/>
+          </a:p>
+          <a:p>
+            <a:pPr>
+              <a:buFont typeface="Wingdings" panose="05000000000000000000" pitchFamily="2" charset="2"/>
+              <a:buChar char="Ø"/>
+            </a:pPr>
+            <a:endParaRPr lang="de-DE" sz="2400" dirty="0"/>
+          </a:p>
+          <a:p>
+            <a:pPr>
+              <a:buFont typeface="Wingdings" panose="05000000000000000000" pitchFamily="2" charset="2"/>
+              <a:buChar char="Ø"/>
+            </a:pPr>
+            <a:endParaRPr lang="de-DE" sz="2400" dirty="0"/>
+          </a:p>
+          <a:p>
+            <a:pPr>
+              <a:buFont typeface="Wingdings" panose="05000000000000000000" pitchFamily="2" charset="2"/>
+              <a:buChar char="Ø"/>
+            </a:pPr>
+            <a:endParaRPr lang="de-DE" sz="2400" dirty="0"/>
+          </a:p>
+          <a:p>
+            <a:pPr>
+              <a:buFont typeface="Wingdings" panose="05000000000000000000" pitchFamily="2" charset="2"/>
+              <a:buChar char="Ø"/>
+            </a:pPr>
+            <a:endParaRPr lang="de-DE" sz="2400" dirty="0"/>
+          </a:p>
+          <a:p>
+            <a:pPr>
+              <a:buFont typeface="Wingdings" panose="05000000000000000000" pitchFamily="2" charset="2"/>
+              <a:buChar char="Ø"/>
+            </a:pPr>
+            <a:r>
+              <a:rPr lang="de-DE" sz="2400" dirty="0"/>
+              <a:t>Zielerreichung</a:t>
+            </a:r>
+          </a:p>
+          <a:p>
+            <a:pPr>
+              <a:buFont typeface="Wingdings" panose="05000000000000000000" pitchFamily="2" charset="2"/>
+              <a:buChar char="Ø"/>
+            </a:pPr>
+            <a:r>
+              <a:rPr lang="de-DE" sz="2400" dirty="0"/>
+              <a:t>Gewonnene Kenntnisse</a:t>
+            </a:r>
           </a:p>
         </p:txBody>
       </p:sp>
       <p:pic>
         <p:nvPicPr>
-          <p:cNvPr id="4" name="Picture 2"/>
+          <p:cNvPr id="6" name="Grafik 5" descr="darts-155726_960_720.png"/>
+          <p:cNvPicPr>
+            <a:picLocks noChangeAspect="1"/>
+          </p:cNvPicPr>
+          <p:nvPr/>
+        </p:nvPicPr>
+        <p:blipFill>
+          <a:blip r:embed="rId2" cstate="print"/>
+          <a:stretch>
+            <a:fillRect/>
+          </a:stretch>
+        </p:blipFill>
+        <p:spPr>
+          <a:xfrm>
+            <a:off x="1707136" y="2071678"/>
+            <a:ext cx="2357454" cy="2611333"/>
+          </a:xfrm>
+          <a:prstGeom prst="rect">
+            <a:avLst/>
+          </a:prstGeom>
+        </p:spPr>
+      </p:pic>
+      <p:sp>
+        <p:nvSpPr>
+          <p:cNvPr id="7" name="Textfeld 6"/>
+          <p:cNvSpPr txBox="1"/>
+          <p:nvPr/>
+        </p:nvSpPr>
+        <p:spPr>
+          <a:xfrm>
+            <a:off x="1643042" y="4357694"/>
+            <a:ext cx="4143404" cy="246221"/>
+          </a:xfrm>
+          <a:prstGeom prst="rect">
+            <a:avLst/>
+          </a:prstGeom>
+          <a:noFill/>
+        </p:spPr>
+        <p:txBody>
+          <a:bodyPr wrap="square" rtlCol="0">
+            <a:spAutoFit/>
+          </a:bodyPr>
+          <a:lstStyle/>
+          <a:p>
+            <a:pPr marL="180975" indent="-180975">
+              <a:buClr>
+                <a:schemeClr val="accent1"/>
+              </a:buClr>
+            </a:pPr>
+            <a:r>
+              <a:rPr lang="de-DE" sz="1000" dirty="0">
+                <a:latin typeface="Arial" pitchFamily="34" charset="0"/>
+                <a:cs typeface="Arial" pitchFamily="34" charset="0"/>
+              </a:rPr>
+              <a:t>pixabay.com (Copyright freie Bilder)</a:t>
+            </a:r>
+          </a:p>
+        </p:txBody>
+      </p:sp>
+      <p:sp>
+        <p:nvSpPr>
+          <p:cNvPr id="3" name="Foliennummernplatzhalter 2"/>
+          <p:cNvSpPr>
+            <a:spLocks noGrp="1"/>
+          </p:cNvSpPr>
+          <p:nvPr>
+            <p:ph type="sldNum" sz="quarter" idx="12"/>
+          </p:nvPr>
+        </p:nvSpPr>
+        <p:spPr/>
+        <p:txBody>
+          <a:bodyPr/>
+          <a:lstStyle/>
+          <a:p>
+            <a:fld id="{7E5C08A9-E730-4E67-A85A-88903A30B32B}" type="slidenum">
+              <a:rPr lang="de-DE" smtClean="0"/>
+              <a:t>11</a:t>
+            </a:fld>
+            <a:endParaRPr lang="de-DE"/>
+          </a:p>
+        </p:txBody>
+      </p:sp>
+    </p:spTree>
+    <p:extLst>
+      <p:ext uri="{BB962C8B-B14F-4D97-AF65-F5344CB8AC3E}">
+        <p14:creationId xmlns:p14="http://schemas.microsoft.com/office/powerpoint/2010/main" val="3340198099"/>
+      </p:ext>
+    </p:extLst>
+  </p:cSld>
+  <p:clrMapOvr>
+    <a:masterClrMapping/>
+  </p:clrMapOvr>
+  <p:timing>
+    <p:tnLst>
+      <p:par>
+        <p:cTn id="1" dur="indefinite" restart="never" nodeType="tmRoot"/>
+      </p:par>
+    </p:tnLst>
+  </p:timing>
+</p:sld>
+</file>
+
+<file path=ppt/slides/slide2.xml><?xml version="1.0" encoding="utf-8"?>
+<p:sld xmlns:a="http://schemas.openxmlformats.org/drawingml/2006/main" xmlns:r="http://schemas.openxmlformats.org/officeDocument/2006/relationships" xmlns:p="http://schemas.openxmlformats.org/presentationml/2006/main">
+  <p:cSld>
+    <p:spTree>
+      <p:nvGrpSpPr>
+        <p:cNvPr id="1" name=""/>
+        <p:cNvGrpSpPr/>
+        <p:nvPr/>
+      </p:nvGrpSpPr>
+      <p:grpSpPr>
+        <a:xfrm>
+          <a:off x="0" y="0"/>
+          <a:ext cx="0" cy="0"/>
+          <a:chOff x="0" y="0"/>
+          <a:chExt cx="0" cy="0"/>
+        </a:xfrm>
+      </p:grpSpPr>
+      <p:sp>
+        <p:nvSpPr>
+          <p:cNvPr id="2" name="Titel 1"/>
+          <p:cNvSpPr>
+            <a:spLocks noGrp="1"/>
+          </p:cNvSpPr>
+          <p:nvPr>
+            <p:ph type="title"/>
+          </p:nvPr>
+        </p:nvSpPr>
+        <p:spPr/>
+        <p:txBody>
+          <a:bodyPr/>
+          <a:lstStyle/>
+          <a:p>
+            <a:r>
+              <a:rPr lang="de-DE" b="1" dirty="0" smtClean="0">
+                <a:latin typeface="Century Gothic" pitchFamily="34" charset="0"/>
+              </a:rPr>
+              <a:t>Inhalt</a:t>
+            </a:r>
+            <a:endParaRPr lang="de-DE" dirty="0"/>
+          </a:p>
+        </p:txBody>
+      </p:sp>
+      <p:sp>
+        <p:nvSpPr>
+          <p:cNvPr id="3" name="Inhaltsplatzhalter 2"/>
+          <p:cNvSpPr>
+            <a:spLocks noGrp="1"/>
+          </p:cNvSpPr>
+          <p:nvPr>
+            <p:ph idx="1"/>
+          </p:nvPr>
+        </p:nvSpPr>
+        <p:spPr/>
+        <p:txBody>
+          <a:bodyPr/>
+          <a:lstStyle/>
+          <a:p>
+            <a:pPr>
+              <a:buFont typeface="Wingdings" pitchFamily="2" charset="2"/>
+              <a:buChar char="Ø"/>
+            </a:pPr>
+            <a:r>
+              <a:rPr lang="de-DE" dirty="0" smtClean="0"/>
+              <a:t>Die Aufgabe</a:t>
+            </a:r>
+            <a:endParaRPr lang="de-DE" dirty="0"/>
+          </a:p>
+          <a:p>
+            <a:pPr>
+              <a:buFont typeface="Wingdings" pitchFamily="2" charset="2"/>
+              <a:buChar char="Ø"/>
+            </a:pPr>
+            <a:r>
+              <a:rPr lang="de-DE" dirty="0"/>
+              <a:t>Analyse</a:t>
+            </a:r>
+          </a:p>
+          <a:p>
+            <a:pPr>
+              <a:buFont typeface="Wingdings" pitchFamily="2" charset="2"/>
+              <a:buChar char="Ø"/>
+            </a:pPr>
+            <a:r>
+              <a:rPr lang="de-DE" dirty="0" smtClean="0"/>
+              <a:t>Planung</a:t>
+            </a:r>
+            <a:endParaRPr lang="de-DE" dirty="0"/>
+          </a:p>
+          <a:p>
+            <a:pPr>
+              <a:buFont typeface="Wingdings" pitchFamily="2" charset="2"/>
+              <a:buChar char="Ø"/>
+            </a:pPr>
+            <a:r>
+              <a:rPr lang="de-DE" dirty="0" smtClean="0"/>
+              <a:t>Entwurf</a:t>
+            </a:r>
+            <a:endParaRPr lang="de-DE" dirty="0"/>
+          </a:p>
+          <a:p>
+            <a:pPr>
+              <a:buFont typeface="Wingdings" pitchFamily="2" charset="2"/>
+              <a:buChar char="Ø"/>
+            </a:pPr>
+            <a:r>
+              <a:rPr lang="de-DE" dirty="0"/>
+              <a:t>Implementation</a:t>
+            </a:r>
+          </a:p>
+          <a:p>
+            <a:pPr>
+              <a:buFont typeface="Wingdings" pitchFamily="2" charset="2"/>
+              <a:buChar char="Ø"/>
+            </a:pPr>
+            <a:r>
+              <a:rPr lang="de-DE" dirty="0"/>
+              <a:t>Testphase</a:t>
+            </a:r>
+          </a:p>
+          <a:p>
+            <a:pPr>
+              <a:buFont typeface="Wingdings" pitchFamily="2" charset="2"/>
+              <a:buChar char="Ø"/>
+            </a:pPr>
+            <a:r>
+              <a:rPr lang="de-DE" dirty="0"/>
+              <a:t>Fazit</a:t>
+            </a:r>
+          </a:p>
+          <a:p>
+            <a:endParaRPr lang="de-DE" dirty="0"/>
+          </a:p>
+        </p:txBody>
+      </p:sp>
+      <p:sp>
+        <p:nvSpPr>
+          <p:cNvPr id="4" name="Foliennummernplatzhalter 3"/>
+          <p:cNvSpPr>
+            <a:spLocks noGrp="1"/>
+          </p:cNvSpPr>
+          <p:nvPr>
+            <p:ph type="sldNum" sz="quarter" idx="12"/>
+          </p:nvPr>
+        </p:nvSpPr>
+        <p:spPr/>
+        <p:txBody>
+          <a:bodyPr/>
+          <a:lstStyle/>
+          <a:p>
+            <a:fld id="{7E5C08A9-E730-4E67-A85A-88903A30B32B}" type="slidenum">
+              <a:rPr lang="de-DE" smtClean="0"/>
+              <a:t>2</a:t>
+            </a:fld>
+            <a:endParaRPr lang="de-DE"/>
+          </a:p>
+        </p:txBody>
+      </p:sp>
+    </p:spTree>
+    <p:extLst>
+      <p:ext uri="{BB962C8B-B14F-4D97-AF65-F5344CB8AC3E}">
+        <p14:creationId xmlns:p14="http://schemas.microsoft.com/office/powerpoint/2010/main" val="1386131300"/>
+      </p:ext>
+    </p:extLst>
+  </p:cSld>
+  <p:clrMapOvr>
+    <a:masterClrMapping/>
+  </p:clrMapOvr>
+  <p:timing>
+    <p:tnLst>
+      <p:par>
+        <p:cTn id="1" dur="indefinite" restart="never" nodeType="tmRoot"/>
+      </p:par>
+    </p:tnLst>
+  </p:timing>
+</p:sld>
+</file>
+
+<file path=ppt/slides/slide3.xml><?xml version="1.0" encoding="utf-8"?>
+<p:sld xmlns:a="http://schemas.openxmlformats.org/drawingml/2006/main" xmlns:r="http://schemas.openxmlformats.org/officeDocument/2006/relationships" xmlns:p="http://schemas.openxmlformats.org/presentationml/2006/main">
+  <p:cSld>
+    <p:spTree>
+      <p:nvGrpSpPr>
+        <p:cNvPr id="1" name=""/>
+        <p:cNvGrpSpPr/>
+        <p:nvPr/>
+      </p:nvGrpSpPr>
+      <p:grpSpPr>
+        <a:xfrm>
+          <a:off x="0" y="0"/>
+          <a:ext cx="0" cy="0"/>
+          <a:chOff x="0" y="0"/>
+          <a:chExt cx="0" cy="0"/>
+        </a:xfrm>
+      </p:grpSpPr>
+      <p:sp>
+        <p:nvSpPr>
+          <p:cNvPr id="2" name="Titel 1"/>
+          <p:cNvSpPr>
+            <a:spLocks noGrp="1"/>
+          </p:cNvSpPr>
+          <p:nvPr>
+            <p:ph type="title"/>
+          </p:nvPr>
+        </p:nvSpPr>
+        <p:spPr/>
+        <p:txBody>
+          <a:bodyPr/>
+          <a:lstStyle/>
+          <a:p>
+            <a:r>
+              <a:rPr lang="de-DE" b="1" dirty="0" smtClean="0">
+                <a:latin typeface="Century Gothic" pitchFamily="34" charset="0"/>
+              </a:rPr>
+              <a:t>Die Aufgabe</a:t>
+            </a:r>
+            <a:endParaRPr lang="de-DE" dirty="0"/>
+          </a:p>
+        </p:txBody>
+      </p:sp>
+      <p:sp>
+        <p:nvSpPr>
+          <p:cNvPr id="4" name="Inhaltsplatzhalter 2"/>
+          <p:cNvSpPr>
+            <a:spLocks noGrp="1"/>
+          </p:cNvSpPr>
+          <p:nvPr>
+            <p:ph idx="1"/>
+          </p:nvPr>
+        </p:nvSpPr>
+        <p:spPr/>
+        <p:txBody>
+          <a:bodyPr/>
+          <a:lstStyle/>
+          <a:p>
+            <a:pPr>
+              <a:buFont typeface="Wingdings" pitchFamily="2" charset="2"/>
+              <a:buChar char="Ø"/>
+            </a:pPr>
+            <a:r>
+              <a:rPr lang="de-DE" sz="2400" dirty="0"/>
+              <a:t>Entwicklung einer Protokoll und Beschluss Anwendung</a:t>
+            </a:r>
+          </a:p>
+          <a:p>
+            <a:pPr>
+              <a:buFont typeface="Wingdings" pitchFamily="2" charset="2"/>
+              <a:buChar char="Ø"/>
+            </a:pPr>
+            <a:r>
+              <a:rPr lang="de-DE" sz="2400" dirty="0"/>
+              <a:t>Unterstützung der Lehrer</a:t>
+            </a:r>
+          </a:p>
+          <a:p>
+            <a:endParaRPr lang="de-DE" dirty="0">
+              <a:latin typeface="Rockwell" pitchFamily="18" charset="0"/>
+            </a:endParaRPr>
+          </a:p>
+        </p:txBody>
+      </p:sp>
+      <p:sp>
+        <p:nvSpPr>
+          <p:cNvPr id="3" name="Foliennummernplatzhalter 2"/>
+          <p:cNvSpPr>
+            <a:spLocks noGrp="1"/>
+          </p:cNvSpPr>
+          <p:nvPr>
+            <p:ph type="sldNum" sz="quarter" idx="12"/>
+          </p:nvPr>
+        </p:nvSpPr>
+        <p:spPr/>
+        <p:txBody>
+          <a:bodyPr/>
+          <a:lstStyle/>
+          <a:p>
+            <a:fld id="{7E5C08A9-E730-4E67-A85A-88903A30B32B}" type="slidenum">
+              <a:rPr lang="de-DE" smtClean="0"/>
+              <a:t>3</a:t>
+            </a:fld>
+            <a:endParaRPr lang="de-DE"/>
+          </a:p>
+        </p:txBody>
+      </p:sp>
+    </p:spTree>
+    <p:extLst>
+      <p:ext uri="{BB962C8B-B14F-4D97-AF65-F5344CB8AC3E}">
+        <p14:creationId xmlns:p14="http://schemas.microsoft.com/office/powerpoint/2010/main" val="1421374866"/>
+      </p:ext>
+    </p:extLst>
+  </p:cSld>
+  <p:clrMapOvr>
+    <a:masterClrMapping/>
+  </p:clrMapOvr>
+  <p:timing>
+    <p:tnLst>
+      <p:par>
+        <p:cTn id="1" dur="indefinite" restart="never" nodeType="tmRoot"/>
+      </p:par>
+    </p:tnLst>
+  </p:timing>
+</p:sld>
+</file>
+
+<file path=ppt/slides/slide4.xml><?xml version="1.0" encoding="utf-8"?>
+<p:sld xmlns:a="http://schemas.openxmlformats.org/drawingml/2006/main" xmlns:r="http://schemas.openxmlformats.org/officeDocument/2006/relationships" xmlns:p="http://schemas.openxmlformats.org/presentationml/2006/main">
+  <p:cSld>
+    <p:spTree>
+      <p:nvGrpSpPr>
+        <p:cNvPr id="1" name=""/>
+        <p:cNvGrpSpPr/>
+        <p:nvPr/>
+      </p:nvGrpSpPr>
+      <p:grpSpPr>
+        <a:xfrm>
+          <a:off x="0" y="0"/>
+          <a:ext cx="0" cy="0"/>
+          <a:chOff x="0" y="0"/>
+          <a:chExt cx="0" cy="0"/>
+        </a:xfrm>
+      </p:grpSpPr>
+      <p:sp>
+        <p:nvSpPr>
+          <p:cNvPr id="2" name="Titel 1"/>
+          <p:cNvSpPr>
+            <a:spLocks noGrp="1"/>
+          </p:cNvSpPr>
+          <p:nvPr>
+            <p:ph type="title"/>
+          </p:nvPr>
+        </p:nvSpPr>
+        <p:spPr/>
+        <p:txBody>
+          <a:bodyPr/>
+          <a:lstStyle/>
+          <a:p>
+            <a:r>
+              <a:rPr lang="de-DE" b="1" dirty="0">
+                <a:latin typeface="Century Gothic" pitchFamily="34" charset="0"/>
+              </a:rPr>
+              <a:t>Analyse</a:t>
+            </a:r>
+            <a:endParaRPr lang="de-DE" dirty="0"/>
+          </a:p>
+        </p:txBody>
+      </p:sp>
+      <p:sp>
+        <p:nvSpPr>
+          <p:cNvPr id="3" name="Inhaltsplatzhalter 2"/>
+          <p:cNvSpPr>
+            <a:spLocks noGrp="1"/>
+          </p:cNvSpPr>
+          <p:nvPr>
+            <p:ph idx="1"/>
+          </p:nvPr>
+        </p:nvSpPr>
+        <p:spPr/>
+        <p:txBody>
+          <a:bodyPr>
+            <a:normAutofit/>
+          </a:bodyPr>
+          <a:lstStyle/>
+          <a:p>
+            <a:pPr>
+              <a:buFont typeface="Wingdings" pitchFamily="2" charset="2"/>
+              <a:buChar char="Ø"/>
+            </a:pPr>
+            <a:r>
+              <a:rPr lang="de-DE" sz="2400" dirty="0"/>
+              <a:t>Ermittlung des Ist-Zustandes</a:t>
+            </a:r>
+          </a:p>
+          <a:p>
+            <a:pPr>
+              <a:buFont typeface="Wingdings" pitchFamily="2" charset="2"/>
+              <a:buChar char="Ø"/>
+            </a:pPr>
+            <a:r>
+              <a:rPr lang="de-DE" sz="2400" dirty="0"/>
+              <a:t>Anforderung wurden dem Lastenheft</a:t>
+            </a:r>
+          </a:p>
+        </p:txBody>
+      </p:sp>
+      <p:sp>
+        <p:nvSpPr>
+          <p:cNvPr id="4" name="Foliennummernplatzhalter 3"/>
+          <p:cNvSpPr>
+            <a:spLocks noGrp="1"/>
+          </p:cNvSpPr>
+          <p:nvPr>
+            <p:ph type="sldNum" sz="quarter" idx="12"/>
+          </p:nvPr>
+        </p:nvSpPr>
+        <p:spPr/>
+        <p:txBody>
+          <a:bodyPr/>
+          <a:lstStyle/>
+          <a:p>
+            <a:fld id="{7E5C08A9-E730-4E67-A85A-88903A30B32B}" type="slidenum">
+              <a:rPr lang="de-DE" smtClean="0"/>
+              <a:t>4</a:t>
+            </a:fld>
+            <a:endParaRPr lang="de-DE"/>
+          </a:p>
+        </p:txBody>
+      </p:sp>
+      <p:sp>
+        <p:nvSpPr>
+          <p:cNvPr id="5" name="Rechteck 4"/>
+          <p:cNvSpPr/>
+          <p:nvPr/>
+        </p:nvSpPr>
+        <p:spPr>
+          <a:xfrm>
+            <a:off x="822959" y="1845734"/>
+            <a:ext cx="2452897" cy="4175554"/>
+          </a:xfrm>
+          <a:prstGeom prst="rect">
+            <a:avLst/>
+          </a:prstGeom>
+        </p:spPr>
+        <p:style>
+          <a:lnRef idx="2">
+            <a:schemeClr val="dk1"/>
+          </a:lnRef>
+          <a:fillRef idx="1">
+            <a:schemeClr val="lt1"/>
+          </a:fillRef>
+          <a:effectRef idx="0">
+            <a:schemeClr val="dk1"/>
+          </a:effectRef>
+          <a:fontRef idx="minor">
+            <a:schemeClr val="dk1"/>
+          </a:fontRef>
+        </p:style>
+        <p:txBody>
+          <a:bodyPr rtlCol="0" anchor="ctr"/>
+          <a:lstStyle/>
+          <a:p>
+            <a:pPr algn="ctr"/>
+            <a:endParaRPr lang="de-DE" dirty="0"/>
+          </a:p>
+        </p:txBody>
+      </p:sp>
+      <p:sp>
+        <p:nvSpPr>
+          <p:cNvPr id="6" name="Rechteck 5"/>
+          <p:cNvSpPr/>
+          <p:nvPr/>
+        </p:nvSpPr>
+        <p:spPr>
+          <a:xfrm>
+            <a:off x="5076056" y="1845734"/>
+            <a:ext cx="2452897" cy="4175554"/>
+          </a:xfrm>
+          <a:prstGeom prst="rect">
+            <a:avLst/>
+          </a:prstGeom>
+        </p:spPr>
+        <p:style>
+          <a:lnRef idx="2">
+            <a:schemeClr val="dk1"/>
+          </a:lnRef>
+          <a:fillRef idx="1">
+            <a:schemeClr val="lt1"/>
+          </a:fillRef>
+          <a:effectRef idx="0">
+            <a:schemeClr val="dk1"/>
+          </a:effectRef>
+          <a:fontRef idx="minor">
+            <a:schemeClr val="dk1"/>
+          </a:fontRef>
+        </p:style>
+        <p:txBody>
+          <a:bodyPr rtlCol="0" anchor="ctr"/>
+          <a:lstStyle/>
+          <a:p>
+            <a:pPr algn="ctr"/>
+            <a:endParaRPr lang="de-DE"/>
+          </a:p>
+        </p:txBody>
+      </p:sp>
+      <p:sp>
+        <p:nvSpPr>
+          <p:cNvPr id="7" name="Textfeld 6"/>
+          <p:cNvSpPr txBox="1"/>
+          <p:nvPr/>
+        </p:nvSpPr>
+        <p:spPr>
+          <a:xfrm>
+            <a:off x="971600" y="2060848"/>
+            <a:ext cx="2232248" cy="646331"/>
+          </a:xfrm>
+          <a:prstGeom prst="rect">
+            <a:avLst/>
+          </a:prstGeom>
+          <a:noFill/>
+        </p:spPr>
+        <p:txBody>
+          <a:bodyPr wrap="square" rtlCol="0">
+            <a:spAutoFit/>
+          </a:bodyPr>
+          <a:lstStyle/>
+          <a:p>
+            <a:r>
+              <a:rPr lang="de-DE" dirty="0" smtClean="0"/>
+              <a:t>Handschriftlich geführte Protokolle</a:t>
+            </a:r>
+            <a:endParaRPr lang="de-DE" dirty="0"/>
+          </a:p>
+        </p:txBody>
+      </p:sp>
+      <p:sp>
+        <p:nvSpPr>
+          <p:cNvPr id="8" name="Textfeld 7"/>
+          <p:cNvSpPr txBox="1"/>
+          <p:nvPr/>
+        </p:nvSpPr>
+        <p:spPr>
+          <a:xfrm>
+            <a:off x="5193096" y="2060847"/>
+            <a:ext cx="2232248" cy="923330"/>
+          </a:xfrm>
+          <a:prstGeom prst="rect">
+            <a:avLst/>
+          </a:prstGeom>
+          <a:noFill/>
+        </p:spPr>
+        <p:txBody>
+          <a:bodyPr wrap="square" rtlCol="0">
+            <a:spAutoFit/>
+          </a:bodyPr>
+          <a:lstStyle/>
+          <a:p>
+            <a:r>
+              <a:rPr lang="de-DE" dirty="0" smtClean="0"/>
+              <a:t>oft unübersichtlich / und schlecht nachvollziehbar</a:t>
+            </a:r>
+            <a:endParaRPr lang="de-DE" dirty="0"/>
+          </a:p>
+        </p:txBody>
+      </p:sp>
+      <p:sp>
+        <p:nvSpPr>
+          <p:cNvPr id="9" name="Textfeld 8"/>
+          <p:cNvSpPr txBox="1"/>
+          <p:nvPr/>
+        </p:nvSpPr>
+        <p:spPr>
+          <a:xfrm>
+            <a:off x="972195" y="3534248"/>
+            <a:ext cx="2232248" cy="369332"/>
+          </a:xfrm>
+          <a:prstGeom prst="rect">
+            <a:avLst/>
+          </a:prstGeom>
+          <a:noFill/>
+        </p:spPr>
+        <p:txBody>
+          <a:bodyPr wrap="square" rtlCol="0">
+            <a:spAutoFit/>
+          </a:bodyPr>
+          <a:lstStyle/>
+          <a:p>
+            <a:r>
+              <a:rPr lang="de-DE" dirty="0" smtClean="0"/>
+              <a:t>Ablage</a:t>
+            </a:r>
+            <a:endParaRPr lang="de-DE" dirty="0"/>
+          </a:p>
+        </p:txBody>
+      </p:sp>
+      <p:sp>
+        <p:nvSpPr>
+          <p:cNvPr id="10" name="Textfeld 9"/>
+          <p:cNvSpPr txBox="1"/>
+          <p:nvPr/>
+        </p:nvSpPr>
+        <p:spPr>
+          <a:xfrm>
+            <a:off x="5296705" y="3534248"/>
+            <a:ext cx="2232248" cy="646331"/>
+          </a:xfrm>
+          <a:prstGeom prst="rect">
+            <a:avLst/>
+          </a:prstGeom>
+          <a:noFill/>
+        </p:spPr>
+        <p:txBody>
+          <a:bodyPr wrap="square" rtlCol="0">
+            <a:spAutoFit/>
+          </a:bodyPr>
+          <a:lstStyle/>
+          <a:p>
+            <a:r>
+              <a:rPr lang="de-DE" dirty="0" smtClean="0"/>
+              <a:t>Datensicherung / Zugriff</a:t>
+            </a:r>
+            <a:endParaRPr lang="de-DE" dirty="0"/>
+          </a:p>
+        </p:txBody>
+      </p:sp>
+      <p:cxnSp>
+        <p:nvCxnSpPr>
+          <p:cNvPr id="15" name="Gerade Verbindung mit Pfeil 14"/>
+          <p:cNvCxnSpPr/>
+          <p:nvPr/>
+        </p:nvCxnSpPr>
+        <p:spPr>
+          <a:xfrm>
+            <a:off x="3286708" y="2384013"/>
+            <a:ext cx="1789348" cy="0"/>
+          </a:xfrm>
+          <a:prstGeom prst="straightConnector1">
+            <a:avLst/>
+          </a:prstGeom>
+          <a:ln>
+            <a:tailEnd type="triangle"/>
+          </a:ln>
+        </p:spPr>
+        <p:style>
+          <a:lnRef idx="1">
+            <a:schemeClr val="dk1"/>
+          </a:lnRef>
+          <a:fillRef idx="0">
+            <a:schemeClr val="dk1"/>
+          </a:fillRef>
+          <a:effectRef idx="0">
+            <a:schemeClr val="dk1"/>
+          </a:effectRef>
+          <a:fontRef idx="minor">
+            <a:schemeClr val="tx1"/>
+          </a:fontRef>
+        </p:style>
+      </p:cxnSp>
+      <p:cxnSp>
+        <p:nvCxnSpPr>
+          <p:cNvPr id="17" name="Gerade Verbindung mit Pfeil 16"/>
+          <p:cNvCxnSpPr/>
+          <p:nvPr/>
+        </p:nvCxnSpPr>
+        <p:spPr>
+          <a:xfrm>
+            <a:off x="3286708" y="3857413"/>
+            <a:ext cx="1789348" cy="0"/>
+          </a:xfrm>
+          <a:prstGeom prst="straightConnector1">
+            <a:avLst/>
+          </a:prstGeom>
+          <a:ln>
+            <a:tailEnd type="triangle"/>
+          </a:ln>
+        </p:spPr>
+        <p:style>
+          <a:lnRef idx="1">
+            <a:schemeClr val="dk1"/>
+          </a:lnRef>
+          <a:fillRef idx="0">
+            <a:schemeClr val="dk1"/>
+          </a:fillRef>
+          <a:effectRef idx="0">
+            <a:schemeClr val="dk1"/>
+          </a:effectRef>
+          <a:fontRef idx="minor">
+            <a:schemeClr val="tx1"/>
+          </a:fontRef>
+        </p:style>
+      </p:cxnSp>
+    </p:spTree>
+    <p:extLst>
+      <p:ext uri="{BB962C8B-B14F-4D97-AF65-F5344CB8AC3E}">
+        <p14:creationId xmlns:p14="http://schemas.microsoft.com/office/powerpoint/2010/main" val="4190500134"/>
+      </p:ext>
+    </p:extLst>
+  </p:cSld>
+  <p:clrMapOvr>
+    <a:masterClrMapping/>
+  </p:clrMapOvr>
+  <p:timing>
+    <p:tnLst>
+      <p:par>
+        <p:cTn id="1" dur="indefinite" restart="never" nodeType="tmRoot">
+          <p:childTnLst>
+            <p:seq concurrent="1" nextAc="seek">
+              <p:cTn id="2" dur="indefinite" nodeType="mainSeq">
+                <p:childTnLst>
+                  <p:par>
+                    <p:cTn id="3" fill="hold">
+                      <p:stCondLst>
+                        <p:cond delay="indefinite"/>
+                      </p:stCondLst>
+                      <p:childTnLst>
+                        <p:par>
+                          <p:cTn id="4" fill="hold">
+                            <p:stCondLst>
+                              <p:cond delay="0"/>
+                            </p:stCondLst>
+                            <p:childTnLst>
+                              <p:par>
+                                <p:cTn id="5" presetID="10" presetClass="exit" presetSubtype="0" fill="hold" nodeType="clickEffect">
+                                  <p:stCondLst>
+                                    <p:cond delay="0"/>
+                                  </p:stCondLst>
+                                  <p:childTnLst>
+                                    <p:animEffect transition="out" filter="fade">
+                                      <p:cBhvr>
+                                        <p:cTn id="6" dur="500"/>
+                                        <p:tgtEl>
+                                          <p:spTgt spid="3">
+                                            <p:txEl>
+                                              <p:pRg st="0" end="0"/>
+                                            </p:txEl>
+                                          </p:spTgt>
+                                        </p:tgtEl>
+                                      </p:cBhvr>
+                                    </p:animEffect>
+                                    <p:set>
+                                      <p:cBhvr>
+                                        <p:cTn id="7" dur="1" fill="hold">
+                                          <p:stCondLst>
+                                            <p:cond delay="499"/>
+                                          </p:stCondLst>
+                                        </p:cTn>
+                                        <p:tgtEl>
+                                          <p:spTgt spid="3">
+                                            <p:txEl>
+                                              <p:pRg st="0" end="0"/>
+                                            </p:txEl>
+                                          </p:spTgt>
+                                        </p:tgtEl>
+                                        <p:attrNameLst>
+                                          <p:attrName>style.visibility</p:attrName>
+                                        </p:attrNameLst>
+                                      </p:cBhvr>
+                                      <p:to>
+                                        <p:strVal val="hidden"/>
+                                      </p:to>
+                                    </p:set>
+                                  </p:childTnLst>
+                                </p:cTn>
+                              </p:par>
+                              <p:par>
+                                <p:cTn id="8" presetID="10" presetClass="exit" presetSubtype="0" fill="hold" nodeType="withEffect">
+                                  <p:stCondLst>
+                                    <p:cond delay="0"/>
+                                  </p:stCondLst>
+                                  <p:childTnLst>
+                                    <p:animEffect transition="out" filter="fade">
+                                      <p:cBhvr>
+                                        <p:cTn id="9" dur="500"/>
+                                        <p:tgtEl>
+                                          <p:spTgt spid="3">
+                                            <p:txEl>
+                                              <p:pRg st="1" end="1"/>
+                                            </p:txEl>
+                                          </p:spTgt>
+                                        </p:tgtEl>
+                                      </p:cBhvr>
+                                    </p:animEffect>
+                                    <p:set>
+                                      <p:cBhvr>
+                                        <p:cTn id="10" dur="1" fill="hold">
+                                          <p:stCondLst>
+                                            <p:cond delay="499"/>
+                                          </p:stCondLst>
+                                        </p:cTn>
+                                        <p:tgtEl>
+                                          <p:spTgt spid="3">
+                                            <p:txEl>
+                                              <p:pRg st="1" end="1"/>
+                                            </p:txEl>
+                                          </p:spTgt>
+                                        </p:tgtEl>
+                                        <p:attrNameLst>
+                                          <p:attrName>style.visibility</p:attrName>
+                                        </p:attrNameLst>
+                                      </p:cBhvr>
+                                      <p:to>
+                                        <p:strVal val="hidden"/>
+                                      </p:to>
+                                    </p:set>
+                                  </p:childTnLst>
+                                </p:cTn>
+                              </p:par>
+                            </p:childTnLst>
+                          </p:cTn>
+                        </p:par>
+                      </p:childTnLst>
+                    </p:cTn>
+                  </p:par>
+                  <p:par>
+                    <p:cTn id="11" fill="hold">
+                      <p:stCondLst>
+                        <p:cond delay="indefinite"/>
+                      </p:stCondLst>
+                      <p:childTnLst>
+                        <p:par>
+                          <p:cTn id="12" fill="hold">
+                            <p:stCondLst>
+                              <p:cond delay="0"/>
+                            </p:stCondLst>
+                            <p:childTnLst>
+                              <p:par>
+                                <p:cTn id="13" presetID="2" presetClass="entr" presetSubtype="4" fill="hold" grpId="0" nodeType="clickEffect">
+                                  <p:stCondLst>
+                                    <p:cond delay="0"/>
+                                  </p:stCondLst>
+                                  <p:childTnLst>
+                                    <p:set>
+                                      <p:cBhvr>
+                                        <p:cTn id="14" dur="1" fill="hold">
+                                          <p:stCondLst>
+                                            <p:cond delay="0"/>
+                                          </p:stCondLst>
+                                        </p:cTn>
+                                        <p:tgtEl>
+                                          <p:spTgt spid="5"/>
+                                        </p:tgtEl>
+                                        <p:attrNameLst>
+                                          <p:attrName>style.visibility</p:attrName>
+                                        </p:attrNameLst>
+                                      </p:cBhvr>
+                                      <p:to>
+                                        <p:strVal val="visible"/>
+                                      </p:to>
+                                    </p:set>
+                                    <p:anim calcmode="lin" valueType="num">
+                                      <p:cBhvr additive="base">
+                                        <p:cTn id="15" dur="500" fill="hold"/>
+                                        <p:tgtEl>
+                                          <p:spTgt spid="5"/>
+                                        </p:tgtEl>
+                                        <p:attrNameLst>
+                                          <p:attrName>ppt_x</p:attrName>
+                                        </p:attrNameLst>
+                                      </p:cBhvr>
+                                      <p:tavLst>
+                                        <p:tav tm="0">
+                                          <p:val>
+                                            <p:strVal val="#ppt_x"/>
+                                          </p:val>
+                                        </p:tav>
+                                        <p:tav tm="100000">
+                                          <p:val>
+                                            <p:strVal val="#ppt_x"/>
+                                          </p:val>
+                                        </p:tav>
+                                      </p:tavLst>
+                                    </p:anim>
+                                    <p:anim calcmode="lin" valueType="num">
+                                      <p:cBhvr additive="base">
+                                        <p:cTn id="16" dur="500" fill="hold"/>
+                                        <p:tgtEl>
+                                          <p:spTgt spid="5"/>
+                                        </p:tgtEl>
+                                        <p:attrNameLst>
+                                          <p:attrName>ppt_y</p:attrName>
+                                        </p:attrNameLst>
+                                      </p:cBhvr>
+                                      <p:tavLst>
+                                        <p:tav tm="0">
+                                          <p:val>
+                                            <p:strVal val="1+#ppt_h/2"/>
+                                          </p:val>
+                                        </p:tav>
+                                        <p:tav tm="100000">
+                                          <p:val>
+                                            <p:strVal val="#ppt_y"/>
+                                          </p:val>
+                                        </p:tav>
+                                      </p:tavLst>
+                                    </p:anim>
+                                  </p:childTnLst>
+                                </p:cTn>
+                              </p:par>
+                              <p:par>
+                                <p:cTn id="17" presetID="2" presetClass="entr" presetSubtype="4" fill="hold" nodeType="withEffect">
+                                  <p:stCondLst>
+                                    <p:cond delay="0"/>
+                                  </p:stCondLst>
+                                  <p:childTnLst>
+                                    <p:set>
+                                      <p:cBhvr>
+                                        <p:cTn id="18" dur="1" fill="hold">
+                                          <p:stCondLst>
+                                            <p:cond delay="0"/>
+                                          </p:stCondLst>
+                                        </p:cTn>
+                                        <p:tgtEl>
+                                          <p:spTgt spid="17"/>
+                                        </p:tgtEl>
+                                        <p:attrNameLst>
+                                          <p:attrName>style.visibility</p:attrName>
+                                        </p:attrNameLst>
+                                      </p:cBhvr>
+                                      <p:to>
+                                        <p:strVal val="visible"/>
+                                      </p:to>
+                                    </p:set>
+                                    <p:anim calcmode="lin" valueType="num">
+                                      <p:cBhvr additive="base">
+                                        <p:cTn id="19" dur="500" fill="hold"/>
+                                        <p:tgtEl>
+                                          <p:spTgt spid="17"/>
+                                        </p:tgtEl>
+                                        <p:attrNameLst>
+                                          <p:attrName>ppt_x</p:attrName>
+                                        </p:attrNameLst>
+                                      </p:cBhvr>
+                                      <p:tavLst>
+                                        <p:tav tm="0">
+                                          <p:val>
+                                            <p:strVal val="#ppt_x"/>
+                                          </p:val>
+                                        </p:tav>
+                                        <p:tav tm="100000">
+                                          <p:val>
+                                            <p:strVal val="#ppt_x"/>
+                                          </p:val>
+                                        </p:tav>
+                                      </p:tavLst>
+                                    </p:anim>
+                                    <p:anim calcmode="lin" valueType="num">
+                                      <p:cBhvr additive="base">
+                                        <p:cTn id="20" dur="500" fill="hold"/>
+                                        <p:tgtEl>
+                                          <p:spTgt spid="17"/>
+                                        </p:tgtEl>
+                                        <p:attrNameLst>
+                                          <p:attrName>ppt_y</p:attrName>
+                                        </p:attrNameLst>
+                                      </p:cBhvr>
+                                      <p:tavLst>
+                                        <p:tav tm="0">
+                                          <p:val>
+                                            <p:strVal val="1+#ppt_h/2"/>
+                                          </p:val>
+                                        </p:tav>
+                                        <p:tav tm="100000">
+                                          <p:val>
+                                            <p:strVal val="#ppt_y"/>
+                                          </p:val>
+                                        </p:tav>
+                                      </p:tavLst>
+                                    </p:anim>
+                                  </p:childTnLst>
+                                </p:cTn>
+                              </p:par>
+                              <p:par>
+                                <p:cTn id="21" presetID="2" presetClass="entr" presetSubtype="4" fill="hold" nodeType="withEffect">
+                                  <p:stCondLst>
+                                    <p:cond delay="0"/>
+                                  </p:stCondLst>
+                                  <p:childTnLst>
+                                    <p:set>
+                                      <p:cBhvr>
+                                        <p:cTn id="22" dur="1" fill="hold">
+                                          <p:stCondLst>
+                                            <p:cond delay="0"/>
+                                          </p:stCondLst>
+                                        </p:cTn>
+                                        <p:tgtEl>
+                                          <p:spTgt spid="15"/>
+                                        </p:tgtEl>
+                                        <p:attrNameLst>
+                                          <p:attrName>style.visibility</p:attrName>
+                                        </p:attrNameLst>
+                                      </p:cBhvr>
+                                      <p:to>
+                                        <p:strVal val="visible"/>
+                                      </p:to>
+                                    </p:set>
+                                    <p:anim calcmode="lin" valueType="num">
+                                      <p:cBhvr additive="base">
+                                        <p:cTn id="23" dur="500" fill="hold"/>
+                                        <p:tgtEl>
+                                          <p:spTgt spid="15"/>
+                                        </p:tgtEl>
+                                        <p:attrNameLst>
+                                          <p:attrName>ppt_x</p:attrName>
+                                        </p:attrNameLst>
+                                      </p:cBhvr>
+                                      <p:tavLst>
+                                        <p:tav tm="0">
+                                          <p:val>
+                                            <p:strVal val="#ppt_x"/>
+                                          </p:val>
+                                        </p:tav>
+                                        <p:tav tm="100000">
+                                          <p:val>
+                                            <p:strVal val="#ppt_x"/>
+                                          </p:val>
+                                        </p:tav>
+                                      </p:tavLst>
+                                    </p:anim>
+                                    <p:anim calcmode="lin" valueType="num">
+                                      <p:cBhvr additive="base">
+                                        <p:cTn id="24" dur="500" fill="hold"/>
+                                        <p:tgtEl>
+                                          <p:spTgt spid="15"/>
+                                        </p:tgtEl>
+                                        <p:attrNameLst>
+                                          <p:attrName>ppt_y</p:attrName>
+                                        </p:attrNameLst>
+                                      </p:cBhvr>
+                                      <p:tavLst>
+                                        <p:tav tm="0">
+                                          <p:val>
+                                            <p:strVal val="1+#ppt_h/2"/>
+                                          </p:val>
+                                        </p:tav>
+                                        <p:tav tm="100000">
+                                          <p:val>
+                                            <p:strVal val="#ppt_y"/>
+                                          </p:val>
+                                        </p:tav>
+                                      </p:tavLst>
+                                    </p:anim>
+                                  </p:childTnLst>
+                                </p:cTn>
+                              </p:par>
+                              <p:par>
+                                <p:cTn id="25" presetID="2" presetClass="entr" presetSubtype="4" fill="hold" grpId="0" nodeType="withEffect">
+                                  <p:stCondLst>
+                                    <p:cond delay="0"/>
+                                  </p:stCondLst>
+                                  <p:childTnLst>
+                                    <p:set>
+                                      <p:cBhvr>
+                                        <p:cTn id="26" dur="1" fill="hold">
+                                          <p:stCondLst>
+                                            <p:cond delay="0"/>
+                                          </p:stCondLst>
+                                        </p:cTn>
+                                        <p:tgtEl>
+                                          <p:spTgt spid="6"/>
+                                        </p:tgtEl>
+                                        <p:attrNameLst>
+                                          <p:attrName>style.visibility</p:attrName>
+                                        </p:attrNameLst>
+                                      </p:cBhvr>
+                                      <p:to>
+                                        <p:strVal val="visible"/>
+                                      </p:to>
+                                    </p:set>
+                                    <p:anim calcmode="lin" valueType="num">
+                                      <p:cBhvr additive="base">
+                                        <p:cTn id="27" dur="500" fill="hold"/>
+                                        <p:tgtEl>
+                                          <p:spTgt spid="6"/>
+                                        </p:tgtEl>
+                                        <p:attrNameLst>
+                                          <p:attrName>ppt_x</p:attrName>
+                                        </p:attrNameLst>
+                                      </p:cBhvr>
+                                      <p:tavLst>
+                                        <p:tav tm="0">
+                                          <p:val>
+                                            <p:strVal val="#ppt_x"/>
+                                          </p:val>
+                                        </p:tav>
+                                        <p:tav tm="100000">
+                                          <p:val>
+                                            <p:strVal val="#ppt_x"/>
+                                          </p:val>
+                                        </p:tav>
+                                      </p:tavLst>
+                                    </p:anim>
+                                    <p:anim calcmode="lin" valueType="num">
+                                      <p:cBhvr additive="base">
+                                        <p:cTn id="28" dur="500" fill="hold"/>
+                                        <p:tgtEl>
+                                          <p:spTgt spid="6"/>
+                                        </p:tgtEl>
+                                        <p:attrNameLst>
+                                          <p:attrName>ppt_y</p:attrName>
+                                        </p:attrNameLst>
+                                      </p:cBhvr>
+                                      <p:tavLst>
+                                        <p:tav tm="0">
+                                          <p:val>
+                                            <p:strVal val="1+#ppt_h/2"/>
+                                          </p:val>
+                                        </p:tav>
+                                        <p:tav tm="100000">
+                                          <p:val>
+                                            <p:strVal val="#ppt_y"/>
+                                          </p:val>
+                                        </p:tav>
+                                      </p:tavLst>
+                                    </p:anim>
+                                  </p:childTnLst>
+                                </p:cTn>
+                              </p:par>
+                              <p:par>
+                                <p:cTn id="29" presetID="2" presetClass="entr" presetSubtype="4" fill="hold" grpId="0" nodeType="withEffect">
+                                  <p:stCondLst>
+                                    <p:cond delay="0"/>
+                                  </p:stCondLst>
+                                  <p:childTnLst>
+                                    <p:set>
+                                      <p:cBhvr>
+                                        <p:cTn id="30" dur="1" fill="hold">
+                                          <p:stCondLst>
+                                            <p:cond delay="0"/>
+                                          </p:stCondLst>
+                                        </p:cTn>
+                                        <p:tgtEl>
+                                          <p:spTgt spid="8"/>
+                                        </p:tgtEl>
+                                        <p:attrNameLst>
+                                          <p:attrName>style.visibility</p:attrName>
+                                        </p:attrNameLst>
+                                      </p:cBhvr>
+                                      <p:to>
+                                        <p:strVal val="visible"/>
+                                      </p:to>
+                                    </p:set>
+                                    <p:anim calcmode="lin" valueType="num">
+                                      <p:cBhvr additive="base">
+                                        <p:cTn id="31" dur="500" fill="hold"/>
+                                        <p:tgtEl>
+                                          <p:spTgt spid="8"/>
+                                        </p:tgtEl>
+                                        <p:attrNameLst>
+                                          <p:attrName>ppt_x</p:attrName>
+                                        </p:attrNameLst>
+                                      </p:cBhvr>
+                                      <p:tavLst>
+                                        <p:tav tm="0">
+                                          <p:val>
+                                            <p:strVal val="#ppt_x"/>
+                                          </p:val>
+                                        </p:tav>
+                                        <p:tav tm="100000">
+                                          <p:val>
+                                            <p:strVal val="#ppt_x"/>
+                                          </p:val>
+                                        </p:tav>
+                                      </p:tavLst>
+                                    </p:anim>
+                                    <p:anim calcmode="lin" valueType="num">
+                                      <p:cBhvr additive="base">
+                                        <p:cTn id="32" dur="500" fill="hold"/>
+                                        <p:tgtEl>
+                                          <p:spTgt spid="8"/>
+                                        </p:tgtEl>
+                                        <p:attrNameLst>
+                                          <p:attrName>ppt_y</p:attrName>
+                                        </p:attrNameLst>
+                                      </p:cBhvr>
+                                      <p:tavLst>
+                                        <p:tav tm="0">
+                                          <p:val>
+                                            <p:strVal val="1+#ppt_h/2"/>
+                                          </p:val>
+                                        </p:tav>
+                                        <p:tav tm="100000">
+                                          <p:val>
+                                            <p:strVal val="#ppt_y"/>
+                                          </p:val>
+                                        </p:tav>
+                                      </p:tavLst>
+                                    </p:anim>
+                                  </p:childTnLst>
+                                </p:cTn>
+                              </p:par>
+                              <p:par>
+                                <p:cTn id="33" presetID="2" presetClass="entr" presetSubtype="4" fill="hold" grpId="0" nodeType="withEffect">
+                                  <p:stCondLst>
+                                    <p:cond delay="0"/>
+                                  </p:stCondLst>
+                                  <p:childTnLst>
+                                    <p:set>
+                                      <p:cBhvr>
+                                        <p:cTn id="34" dur="1" fill="hold">
+                                          <p:stCondLst>
+                                            <p:cond delay="0"/>
+                                          </p:stCondLst>
+                                        </p:cTn>
+                                        <p:tgtEl>
+                                          <p:spTgt spid="10"/>
+                                        </p:tgtEl>
+                                        <p:attrNameLst>
+                                          <p:attrName>style.visibility</p:attrName>
+                                        </p:attrNameLst>
+                                      </p:cBhvr>
+                                      <p:to>
+                                        <p:strVal val="visible"/>
+                                      </p:to>
+                                    </p:set>
+                                    <p:anim calcmode="lin" valueType="num">
+                                      <p:cBhvr additive="base">
+                                        <p:cTn id="35" dur="500" fill="hold"/>
+                                        <p:tgtEl>
+                                          <p:spTgt spid="10"/>
+                                        </p:tgtEl>
+                                        <p:attrNameLst>
+                                          <p:attrName>ppt_x</p:attrName>
+                                        </p:attrNameLst>
+                                      </p:cBhvr>
+                                      <p:tavLst>
+                                        <p:tav tm="0">
+                                          <p:val>
+                                            <p:strVal val="#ppt_x"/>
+                                          </p:val>
+                                        </p:tav>
+                                        <p:tav tm="100000">
+                                          <p:val>
+                                            <p:strVal val="#ppt_x"/>
+                                          </p:val>
+                                        </p:tav>
+                                      </p:tavLst>
+                                    </p:anim>
+                                    <p:anim calcmode="lin" valueType="num">
+                                      <p:cBhvr additive="base">
+                                        <p:cTn id="36" dur="500" fill="hold"/>
+                                        <p:tgtEl>
+                                          <p:spTgt spid="10"/>
+                                        </p:tgtEl>
+                                        <p:attrNameLst>
+                                          <p:attrName>ppt_y</p:attrName>
+                                        </p:attrNameLst>
+                                      </p:cBhvr>
+                                      <p:tavLst>
+                                        <p:tav tm="0">
+                                          <p:val>
+                                            <p:strVal val="1+#ppt_h/2"/>
+                                          </p:val>
+                                        </p:tav>
+                                        <p:tav tm="100000">
+                                          <p:val>
+                                            <p:strVal val="#ppt_y"/>
+                                          </p:val>
+                                        </p:tav>
+                                      </p:tavLst>
+                                    </p:anim>
+                                  </p:childTnLst>
+                                </p:cTn>
+                              </p:par>
+                              <p:par>
+                                <p:cTn id="37" presetID="2" presetClass="entr" presetSubtype="4" fill="hold" grpId="0" nodeType="withEffect">
+                                  <p:stCondLst>
+                                    <p:cond delay="0"/>
+                                  </p:stCondLst>
+                                  <p:childTnLst>
+                                    <p:set>
+                                      <p:cBhvr>
+                                        <p:cTn id="38" dur="1" fill="hold">
+                                          <p:stCondLst>
+                                            <p:cond delay="0"/>
+                                          </p:stCondLst>
+                                        </p:cTn>
+                                        <p:tgtEl>
+                                          <p:spTgt spid="9"/>
+                                        </p:tgtEl>
+                                        <p:attrNameLst>
+                                          <p:attrName>style.visibility</p:attrName>
+                                        </p:attrNameLst>
+                                      </p:cBhvr>
+                                      <p:to>
+                                        <p:strVal val="visible"/>
+                                      </p:to>
+                                    </p:set>
+                                    <p:anim calcmode="lin" valueType="num">
+                                      <p:cBhvr additive="base">
+                                        <p:cTn id="39" dur="500" fill="hold"/>
+                                        <p:tgtEl>
+                                          <p:spTgt spid="9"/>
+                                        </p:tgtEl>
+                                        <p:attrNameLst>
+                                          <p:attrName>ppt_x</p:attrName>
+                                        </p:attrNameLst>
+                                      </p:cBhvr>
+                                      <p:tavLst>
+                                        <p:tav tm="0">
+                                          <p:val>
+                                            <p:strVal val="#ppt_x"/>
+                                          </p:val>
+                                        </p:tav>
+                                        <p:tav tm="100000">
+                                          <p:val>
+                                            <p:strVal val="#ppt_x"/>
+                                          </p:val>
+                                        </p:tav>
+                                      </p:tavLst>
+                                    </p:anim>
+                                    <p:anim calcmode="lin" valueType="num">
+                                      <p:cBhvr additive="base">
+                                        <p:cTn id="40" dur="500" fill="hold"/>
+                                        <p:tgtEl>
+                                          <p:spTgt spid="9"/>
+                                        </p:tgtEl>
+                                        <p:attrNameLst>
+                                          <p:attrName>ppt_y</p:attrName>
+                                        </p:attrNameLst>
+                                      </p:cBhvr>
+                                      <p:tavLst>
+                                        <p:tav tm="0">
+                                          <p:val>
+                                            <p:strVal val="1+#ppt_h/2"/>
+                                          </p:val>
+                                        </p:tav>
+                                        <p:tav tm="100000">
+                                          <p:val>
+                                            <p:strVal val="#ppt_y"/>
+                                          </p:val>
+                                        </p:tav>
+                                      </p:tavLst>
+                                    </p:anim>
+                                  </p:childTnLst>
+                                </p:cTn>
+                              </p:par>
+                              <p:par>
+                                <p:cTn id="41" presetID="2" presetClass="entr" presetSubtype="4" fill="hold" grpId="0" nodeType="withEffect">
+                                  <p:stCondLst>
+                                    <p:cond delay="0"/>
+                                  </p:stCondLst>
+                                  <p:childTnLst>
+                                    <p:set>
+                                      <p:cBhvr>
+                                        <p:cTn id="42" dur="1" fill="hold">
+                                          <p:stCondLst>
+                                            <p:cond delay="0"/>
+                                          </p:stCondLst>
+                                        </p:cTn>
+                                        <p:tgtEl>
+                                          <p:spTgt spid="7"/>
+                                        </p:tgtEl>
+                                        <p:attrNameLst>
+                                          <p:attrName>style.visibility</p:attrName>
+                                        </p:attrNameLst>
+                                      </p:cBhvr>
+                                      <p:to>
+                                        <p:strVal val="visible"/>
+                                      </p:to>
+                                    </p:set>
+                                    <p:anim calcmode="lin" valueType="num">
+                                      <p:cBhvr additive="base">
+                                        <p:cTn id="43" dur="500" fill="hold"/>
+                                        <p:tgtEl>
+                                          <p:spTgt spid="7"/>
+                                        </p:tgtEl>
+                                        <p:attrNameLst>
+                                          <p:attrName>ppt_x</p:attrName>
+                                        </p:attrNameLst>
+                                      </p:cBhvr>
+                                      <p:tavLst>
+                                        <p:tav tm="0">
+                                          <p:val>
+                                            <p:strVal val="#ppt_x"/>
+                                          </p:val>
+                                        </p:tav>
+                                        <p:tav tm="100000">
+                                          <p:val>
+                                            <p:strVal val="#ppt_x"/>
+                                          </p:val>
+                                        </p:tav>
+                                      </p:tavLst>
+                                    </p:anim>
+                                    <p:anim calcmode="lin" valueType="num">
+                                      <p:cBhvr additive="base">
+                                        <p:cTn id="44" dur="500" fill="hold"/>
+                                        <p:tgtEl>
+                                          <p:spTgt spid="7"/>
+                                        </p:tgtEl>
+                                        <p:attrNameLst>
+                                          <p:attrName>ppt_y</p:attrName>
+                                        </p:attrNameLst>
+                                      </p:cBhvr>
+                                      <p:tavLst>
+                                        <p:tav tm="0">
+                                          <p:val>
+                                            <p:strVal val="1+#ppt_h/2"/>
+                                          </p:val>
+                                        </p:tav>
+                                        <p:tav tm="100000">
+                                          <p:val>
+                                            <p:strVal val="#ppt_y"/>
+                                          </p:val>
+                                        </p:tav>
+                                      </p:tavLst>
+                                    </p:anim>
+                                  </p:childTnLst>
+                                </p:cTn>
+                              </p:par>
+                            </p:childTnLst>
+                          </p:cTn>
+                        </p:par>
+                      </p:childTnLst>
+                    </p:cTn>
+                  </p:par>
+                </p:childTnLst>
+              </p:cTn>
+              <p:prevCondLst>
+                <p:cond evt="onPrev" delay="0">
+                  <p:tgtEl>
+                    <p:sldTgt/>
+                  </p:tgtEl>
+                </p:cond>
+              </p:prevCondLst>
+              <p:nextCondLst>
+                <p:cond evt="onNext" delay="0">
+                  <p:tgtEl>
+                    <p:sldTgt/>
+                  </p:tgtEl>
+                </p:cond>
+              </p:nextCondLst>
+            </p:seq>
+          </p:childTnLst>
+        </p:cTn>
+      </p:par>
+    </p:tnLst>
+    <p:bldLst>
+      <p:bldP spid="5" grpId="0" animBg="1"/>
+      <p:bldP spid="6" grpId="0" animBg="1"/>
+      <p:bldP spid="7" grpId="0"/>
+      <p:bldP spid="8" grpId="0"/>
+      <p:bldP spid="9" grpId="0"/>
+      <p:bldP spid="10" grpId="0"/>
+    </p:bldLst>
+  </p:timing>
+</p:sld>
+</file>
+
+<file path=ppt/slides/slide5.xml><?xml version="1.0" encoding="utf-8"?>
+<p:sld xmlns:a="http://schemas.openxmlformats.org/drawingml/2006/main" xmlns:r="http://schemas.openxmlformats.org/officeDocument/2006/relationships" xmlns:p="http://schemas.openxmlformats.org/presentationml/2006/main">
+  <p:cSld>
+    <p:spTree>
+      <p:nvGrpSpPr>
+        <p:cNvPr id="1" name=""/>
+        <p:cNvGrpSpPr/>
+        <p:nvPr/>
+      </p:nvGrpSpPr>
+      <p:grpSpPr>
+        <a:xfrm>
+          <a:off x="0" y="0"/>
+          <a:ext cx="0" cy="0"/>
+          <a:chOff x="0" y="0"/>
+          <a:chExt cx="0" cy="0"/>
+        </a:xfrm>
+      </p:grpSpPr>
+      <p:sp>
+        <p:nvSpPr>
+          <p:cNvPr id="2" name="Titel 1"/>
+          <p:cNvSpPr>
+            <a:spLocks noGrp="1"/>
+          </p:cNvSpPr>
+          <p:nvPr>
+            <p:ph type="title"/>
+          </p:nvPr>
+        </p:nvSpPr>
+        <p:spPr/>
+        <p:txBody>
+          <a:bodyPr/>
+          <a:lstStyle/>
+          <a:p>
+            <a:r>
+              <a:rPr lang="de-DE" b="1" dirty="0">
+                <a:latin typeface="Century Gothic" pitchFamily="34" charset="0"/>
+              </a:rPr>
+              <a:t>Zeitplanung</a:t>
+            </a:r>
+            <a:endParaRPr lang="de-DE" dirty="0"/>
+          </a:p>
+        </p:txBody>
+      </p:sp>
+      <p:graphicFrame>
+        <p:nvGraphicFramePr>
+          <p:cNvPr id="5" name="Inhaltsplatzhalter 3"/>
+          <p:cNvGraphicFramePr>
+            <a:graphicFrameLocks noGrp="1"/>
+          </p:cNvGraphicFramePr>
+          <p:nvPr>
+            <p:ph idx="1"/>
+            <p:extLst>
+              <p:ext uri="{D42A27DB-BD31-4B8C-83A1-F6EECF244321}">
+                <p14:modId xmlns:p14="http://schemas.microsoft.com/office/powerpoint/2010/main" val="2154172855"/>
+              </p:ext>
+            </p:extLst>
+          </p:nvPr>
+        </p:nvGraphicFramePr>
+        <p:xfrm>
+          <a:off x="5296513" y="557057"/>
+          <a:ext cx="3499095" cy="3090379"/>
+        </p:xfrm>
+        <a:graphic>
+          <a:graphicData uri="http://schemas.openxmlformats.org/drawingml/2006/table">
+            <a:tbl>
+              <a:tblPr firstRow="1" bandRow="1">
+                <a:tableStyleId>{9DCAF9ED-07DC-4A11-8D7F-57B35C25682E}</a:tableStyleId>
+              </a:tblPr>
+              <a:tblGrid>
+                <a:gridCol w="1260036">
+                  <a:extLst>
+                    <a:ext uri="{9D8B030D-6E8A-4147-A177-3AD203B41FA5}">
+                      <a16:colId xmlns:a16="http://schemas.microsoft.com/office/drawing/2014/main" val="20000"/>
+                    </a:ext>
+                  </a:extLst>
+                </a:gridCol>
+                <a:gridCol w="1072694">
+                  <a:extLst>
+                    <a:ext uri="{9D8B030D-6E8A-4147-A177-3AD203B41FA5}">
+                      <a16:colId xmlns:a16="http://schemas.microsoft.com/office/drawing/2014/main" val="20001"/>
+                    </a:ext>
+                  </a:extLst>
+                </a:gridCol>
+                <a:gridCol w="1166365">
+                  <a:extLst>
+                    <a:ext uri="{9D8B030D-6E8A-4147-A177-3AD203B41FA5}">
+                      <a16:colId xmlns:a16="http://schemas.microsoft.com/office/drawing/2014/main" val="1862081512"/>
+                    </a:ext>
+                  </a:extLst>
+                </a:gridCol>
+              </a:tblGrid>
+              <a:tr h="539266">
+                <a:tc>
+                  <a:txBody>
+                    <a:bodyPr/>
+                    <a:lstStyle/>
+                    <a:p>
+                      <a:r>
+                        <a:rPr lang="de-DE" sz="1400" dirty="0"/>
+                        <a:t>Phase</a:t>
+                      </a:r>
+                      <a:endParaRPr lang="de-DE" sz="1400" dirty="0">
+                        <a:latin typeface="Rockwell" pitchFamily="18" charset="0"/>
+                      </a:endParaRPr>
+                    </a:p>
+                  </a:txBody>
+                  <a:tcPr marL="83439" marR="83439" marT="55412" marB="55412"/>
+                </a:tc>
+                <a:tc>
+                  <a:txBody>
+                    <a:bodyPr/>
+                    <a:lstStyle/>
+                    <a:p>
+                      <a:r>
+                        <a:rPr lang="de-DE" sz="1400" dirty="0"/>
+                        <a:t>Dauer in Stunden</a:t>
+                      </a:r>
+                      <a:endParaRPr lang="de-DE" sz="1400" dirty="0">
+                        <a:latin typeface="Rockwell" pitchFamily="18" charset="0"/>
+                      </a:endParaRPr>
+                    </a:p>
+                  </a:txBody>
+                  <a:tcPr marL="83439" marR="83439" marT="55412" marB="55412"/>
+                </a:tc>
+                <a:tc>
+                  <a:txBody>
+                    <a:bodyPr/>
+                    <a:lstStyle/>
+                    <a:p>
+                      <a:r>
+                        <a:rPr lang="de-DE" sz="1400" dirty="0" smtClean="0"/>
+                        <a:t>Bearbeiter</a:t>
+                      </a:r>
+                      <a:endParaRPr lang="de-DE" sz="1400" dirty="0">
+                        <a:latin typeface="Rockwell" pitchFamily="18" charset="0"/>
+                      </a:endParaRPr>
+                    </a:p>
+                  </a:txBody>
+                  <a:tcPr marL="83439" marR="83439" marT="55412" marB="55412"/>
+                </a:tc>
+                <a:extLst>
+                  <a:ext uri="{0D108BD9-81ED-4DB2-BD59-A6C34878D82A}">
+                    <a16:rowId xmlns:a16="http://schemas.microsoft.com/office/drawing/2014/main" val="10000"/>
+                  </a:ext>
+                </a:extLst>
+              </a:tr>
+              <a:tr h="315088">
+                <a:tc>
+                  <a:txBody>
+                    <a:bodyPr/>
+                    <a:lstStyle/>
+                    <a:p>
+                      <a:r>
+                        <a:rPr lang="de-DE" sz="1200" dirty="0"/>
+                        <a:t>Planung</a:t>
+                      </a:r>
+                      <a:endParaRPr lang="de-DE" sz="1200" dirty="0">
+                        <a:latin typeface="Rockwell" pitchFamily="18" charset="0"/>
+                      </a:endParaRPr>
+                    </a:p>
+                  </a:txBody>
+                  <a:tcPr marL="83439" marR="83439" marT="55412" marB="55412"/>
+                </a:tc>
+                <a:tc>
+                  <a:txBody>
+                    <a:bodyPr/>
+                    <a:lstStyle/>
+                    <a:p>
+                      <a:r>
+                        <a:rPr lang="de-DE" sz="1200" dirty="0"/>
+                        <a:t>15</a:t>
+                      </a:r>
+                      <a:endParaRPr lang="de-DE" sz="1200" dirty="0">
+                        <a:latin typeface="Rockwell" pitchFamily="18" charset="0"/>
+                      </a:endParaRPr>
+                    </a:p>
+                  </a:txBody>
+                  <a:tcPr marL="83439" marR="83439" marT="55412" marB="55412"/>
+                </a:tc>
+                <a:tc>
+                  <a:txBody>
+                    <a:bodyPr/>
+                    <a:lstStyle/>
+                    <a:p>
+                      <a:r>
+                        <a:rPr lang="de-DE" sz="1200" dirty="0" smtClean="0"/>
+                        <a:t>Alle</a:t>
+                      </a:r>
+                      <a:endParaRPr lang="de-DE" sz="1200" dirty="0">
+                        <a:latin typeface="Rockwell" pitchFamily="18" charset="0"/>
+                      </a:endParaRPr>
+                    </a:p>
+                  </a:txBody>
+                  <a:tcPr marL="83439" marR="83439" marT="55412" marB="55412"/>
+                </a:tc>
+                <a:extLst>
+                  <a:ext uri="{0D108BD9-81ED-4DB2-BD59-A6C34878D82A}">
+                    <a16:rowId xmlns:a16="http://schemas.microsoft.com/office/drawing/2014/main" val="10001"/>
+                  </a:ext>
+                </a:extLst>
+              </a:tr>
+              <a:tr h="406607">
+                <a:tc>
+                  <a:txBody>
+                    <a:bodyPr/>
+                    <a:lstStyle/>
+                    <a:p>
+                      <a:r>
+                        <a:rPr lang="de-DE" sz="1200" dirty="0"/>
+                        <a:t>Vorbereitung</a:t>
+                      </a:r>
+                      <a:endParaRPr lang="de-DE" sz="1200" dirty="0">
+                        <a:latin typeface="Rockwell" pitchFamily="18" charset="0"/>
+                      </a:endParaRPr>
+                    </a:p>
+                  </a:txBody>
+                  <a:tcPr marL="83439" marR="83439" marT="55412" marB="55412"/>
+                </a:tc>
+                <a:tc>
+                  <a:txBody>
+                    <a:bodyPr/>
+                    <a:lstStyle/>
+                    <a:p>
+                      <a:r>
+                        <a:rPr lang="de-DE" sz="1200" dirty="0"/>
+                        <a:t>15</a:t>
+                      </a:r>
+                      <a:endParaRPr lang="de-DE" sz="1200" dirty="0">
+                        <a:latin typeface="Rockwell" pitchFamily="18" charset="0"/>
+                      </a:endParaRPr>
+                    </a:p>
+                  </a:txBody>
+                  <a:tcPr marL="83439" marR="83439" marT="55412" marB="55412"/>
+                </a:tc>
+                <a:tc>
+                  <a:txBody>
+                    <a:bodyPr/>
+                    <a:lstStyle/>
+                    <a:p>
+                      <a:r>
+                        <a:rPr lang="de-DE" sz="1200" dirty="0" smtClean="0"/>
+                        <a:t>Alle</a:t>
+                      </a:r>
+                      <a:endParaRPr lang="de-DE" sz="1200" dirty="0">
+                        <a:latin typeface="Rockwell" pitchFamily="18" charset="0"/>
+                      </a:endParaRPr>
+                    </a:p>
+                  </a:txBody>
+                  <a:tcPr marL="83439" marR="83439" marT="55412" marB="55412"/>
+                </a:tc>
+                <a:extLst>
+                  <a:ext uri="{0D108BD9-81ED-4DB2-BD59-A6C34878D82A}">
+                    <a16:rowId xmlns:a16="http://schemas.microsoft.com/office/drawing/2014/main" val="10002"/>
+                  </a:ext>
+                </a:extLst>
+              </a:tr>
+              <a:tr h="694465">
+                <a:tc>
+                  <a:txBody>
+                    <a:bodyPr/>
+                    <a:lstStyle/>
+                    <a:p>
+                      <a:r>
+                        <a:rPr lang="de-DE" sz="1200" dirty="0"/>
+                        <a:t>Implementierung</a:t>
+                      </a:r>
+                      <a:endParaRPr lang="de-DE" sz="1200" dirty="0">
+                        <a:latin typeface="Rockwell" pitchFamily="18" charset="0"/>
+                      </a:endParaRPr>
+                    </a:p>
+                  </a:txBody>
+                  <a:tcPr marL="83439" marR="83439" marT="55412" marB="55412"/>
+                </a:tc>
+                <a:tc>
+                  <a:txBody>
+                    <a:bodyPr/>
+                    <a:lstStyle/>
+                    <a:p>
+                      <a:r>
+                        <a:rPr lang="de-DE" sz="1200" dirty="0"/>
+                        <a:t>26</a:t>
+                      </a:r>
+                      <a:endParaRPr lang="de-DE" sz="1200" dirty="0">
+                        <a:latin typeface="Rockwell" pitchFamily="18" charset="0"/>
+                      </a:endParaRPr>
+                    </a:p>
+                  </a:txBody>
+                  <a:tcPr marL="83439" marR="83439" marT="55412" marB="55412"/>
+                </a:tc>
+                <a:tc>
+                  <a:txBody>
+                    <a:bodyPr/>
+                    <a:lstStyle/>
+                    <a:p>
+                      <a:r>
+                        <a:rPr lang="de-DE" sz="1200" dirty="0" err="1" smtClean="0"/>
+                        <a:t>Tenbrock</a:t>
+                      </a:r>
+                      <a:r>
+                        <a:rPr lang="de-DE" sz="1200" dirty="0" smtClean="0"/>
+                        <a:t>, </a:t>
+                      </a:r>
+                      <a:r>
+                        <a:rPr lang="de-DE" sz="1200" dirty="0" err="1" smtClean="0"/>
+                        <a:t>Gollnick</a:t>
+                      </a:r>
+                      <a:r>
+                        <a:rPr lang="de-DE" sz="1200" dirty="0" smtClean="0"/>
+                        <a:t>, Kaden</a:t>
+                      </a:r>
+                      <a:endParaRPr lang="de-DE" sz="1200" dirty="0">
+                        <a:latin typeface="Rockwell" pitchFamily="18" charset="0"/>
+                      </a:endParaRPr>
+                    </a:p>
+                  </a:txBody>
+                  <a:tcPr marL="83439" marR="83439" marT="55412" marB="55412"/>
+                </a:tc>
+                <a:extLst>
+                  <a:ext uri="{0D108BD9-81ED-4DB2-BD59-A6C34878D82A}">
+                    <a16:rowId xmlns:a16="http://schemas.microsoft.com/office/drawing/2014/main" val="10003"/>
+                  </a:ext>
+                </a:extLst>
+              </a:tr>
+              <a:tr h="504777">
+                <a:tc>
+                  <a:txBody>
+                    <a:bodyPr/>
+                    <a:lstStyle/>
+                    <a:p>
+                      <a:r>
+                        <a:rPr lang="de-DE" sz="1200" dirty="0"/>
+                        <a:t>Dokumentation</a:t>
+                      </a:r>
+                      <a:endParaRPr lang="de-DE" sz="1200" dirty="0">
+                        <a:latin typeface="Rockwell" pitchFamily="18" charset="0"/>
+                      </a:endParaRPr>
+                    </a:p>
+                  </a:txBody>
+                  <a:tcPr marL="83439" marR="83439" marT="55412" marB="55412"/>
+                </a:tc>
+                <a:tc>
+                  <a:txBody>
+                    <a:bodyPr/>
+                    <a:lstStyle/>
+                    <a:p>
+                      <a:r>
+                        <a:rPr lang="de-DE" sz="1200" dirty="0"/>
+                        <a:t>14</a:t>
+                      </a:r>
+                      <a:endParaRPr lang="de-DE" sz="1200" dirty="0">
+                        <a:latin typeface="Rockwell" pitchFamily="18" charset="0"/>
+                      </a:endParaRPr>
+                    </a:p>
+                  </a:txBody>
+                  <a:tcPr marL="83439" marR="83439" marT="55412" marB="55412"/>
+                </a:tc>
+                <a:tc>
+                  <a:txBody>
+                    <a:bodyPr/>
+                    <a:lstStyle/>
+                    <a:p>
+                      <a:r>
+                        <a:rPr lang="de-DE" sz="1200" dirty="0" smtClean="0"/>
+                        <a:t>Gede</a:t>
+                      </a:r>
+                      <a:endParaRPr lang="de-DE" sz="1200" dirty="0">
+                        <a:latin typeface="Rockwell" pitchFamily="18" charset="0"/>
+                      </a:endParaRPr>
+                    </a:p>
+                  </a:txBody>
+                  <a:tcPr marL="83439" marR="83439" marT="55412" marB="55412"/>
+                </a:tc>
+                <a:extLst>
+                  <a:ext uri="{0D108BD9-81ED-4DB2-BD59-A6C34878D82A}">
+                    <a16:rowId xmlns:a16="http://schemas.microsoft.com/office/drawing/2014/main" val="10004"/>
+                  </a:ext>
+                </a:extLst>
+              </a:tr>
+              <a:tr h="315088">
+                <a:tc>
+                  <a:txBody>
+                    <a:bodyPr/>
+                    <a:lstStyle/>
+                    <a:p>
+                      <a:r>
+                        <a:rPr lang="de-DE" sz="1200" dirty="0"/>
+                        <a:t>Puffer</a:t>
+                      </a:r>
+                      <a:endParaRPr lang="de-DE" sz="1200" dirty="0">
+                        <a:latin typeface="Rockwell" pitchFamily="18" charset="0"/>
+                      </a:endParaRPr>
+                    </a:p>
+                  </a:txBody>
+                  <a:tcPr marL="83439" marR="83439" marT="55412" marB="55412"/>
+                </a:tc>
+                <a:tc>
+                  <a:txBody>
+                    <a:bodyPr/>
+                    <a:lstStyle/>
+                    <a:p>
+                      <a:r>
+                        <a:rPr lang="de-DE" sz="1200" dirty="0"/>
+                        <a:t>2</a:t>
+                      </a:r>
+                      <a:endParaRPr lang="de-DE" sz="1200" dirty="0">
+                        <a:latin typeface="Rockwell" pitchFamily="18" charset="0"/>
+                      </a:endParaRPr>
+                    </a:p>
+                  </a:txBody>
+                  <a:tcPr marL="83439" marR="83439" marT="55412" marB="55412"/>
+                </a:tc>
+                <a:tc>
+                  <a:txBody>
+                    <a:bodyPr/>
+                    <a:lstStyle/>
+                    <a:p>
+                      <a:r>
+                        <a:rPr lang="de-DE" sz="1200" dirty="0" smtClean="0"/>
+                        <a:t>/</a:t>
+                      </a:r>
+                      <a:endParaRPr lang="de-DE" sz="1200" dirty="0">
+                        <a:latin typeface="Rockwell" pitchFamily="18" charset="0"/>
+                      </a:endParaRPr>
+                    </a:p>
+                  </a:txBody>
+                  <a:tcPr marL="83439" marR="83439" marT="55412" marB="55412"/>
+                </a:tc>
+                <a:extLst>
+                  <a:ext uri="{0D108BD9-81ED-4DB2-BD59-A6C34878D82A}">
+                    <a16:rowId xmlns:a16="http://schemas.microsoft.com/office/drawing/2014/main" val="10005"/>
+                  </a:ext>
+                </a:extLst>
+              </a:tr>
+              <a:tr h="315088">
+                <a:tc>
+                  <a:txBody>
+                    <a:bodyPr/>
+                    <a:lstStyle/>
+                    <a:p>
+                      <a:r>
+                        <a:rPr lang="de-DE" sz="1200" dirty="0"/>
+                        <a:t>Summe</a:t>
+                      </a:r>
+                      <a:endParaRPr lang="de-DE" sz="1200" b="1" dirty="0">
+                        <a:latin typeface="Rockwell" pitchFamily="18" charset="0"/>
+                      </a:endParaRPr>
+                    </a:p>
+                  </a:txBody>
+                  <a:tcPr marL="83439" marR="83439" marT="55412" marB="55412"/>
+                </a:tc>
+                <a:tc>
+                  <a:txBody>
+                    <a:bodyPr/>
+                    <a:lstStyle/>
+                    <a:p>
+                      <a:r>
+                        <a:rPr lang="de-DE" sz="1200" dirty="0"/>
+                        <a:t>72</a:t>
+                      </a:r>
+                      <a:endParaRPr lang="de-DE" sz="1200" b="1" dirty="0">
+                        <a:latin typeface="Rockwell" pitchFamily="18" charset="0"/>
+                      </a:endParaRPr>
+                    </a:p>
+                  </a:txBody>
+                  <a:tcPr marL="83439" marR="83439" marT="55412" marB="55412"/>
+                </a:tc>
+                <a:tc>
+                  <a:txBody>
+                    <a:bodyPr/>
+                    <a:lstStyle/>
+                    <a:p>
+                      <a:r>
+                        <a:rPr lang="de-DE" sz="1200" dirty="0" smtClean="0"/>
+                        <a:t>/</a:t>
+                      </a:r>
+                      <a:endParaRPr lang="de-DE" sz="1200" b="1" dirty="0">
+                        <a:latin typeface="Rockwell" pitchFamily="18" charset="0"/>
+                      </a:endParaRPr>
+                    </a:p>
+                  </a:txBody>
+                  <a:tcPr marL="83439" marR="83439" marT="55412" marB="55412"/>
+                </a:tc>
+                <a:extLst>
+                  <a:ext uri="{0D108BD9-81ED-4DB2-BD59-A6C34878D82A}">
+                    <a16:rowId xmlns:a16="http://schemas.microsoft.com/office/drawing/2014/main" val="10006"/>
+                  </a:ext>
+                </a:extLst>
+              </a:tr>
+            </a:tbl>
+          </a:graphicData>
+        </a:graphic>
+      </p:graphicFrame>
+      <p:sp>
+        <p:nvSpPr>
+          <p:cNvPr id="3" name="Foliennummernplatzhalter 2"/>
+          <p:cNvSpPr>
+            <a:spLocks noGrp="1"/>
+          </p:cNvSpPr>
+          <p:nvPr>
+            <p:ph type="sldNum" sz="quarter" idx="12"/>
+          </p:nvPr>
+        </p:nvSpPr>
+        <p:spPr/>
+        <p:txBody>
+          <a:bodyPr/>
+          <a:lstStyle/>
+          <a:p>
+            <a:fld id="{7E5C08A9-E730-4E67-A85A-88903A30B32B}" type="slidenum">
+              <a:rPr lang="de-DE" smtClean="0"/>
+              <a:t>5</a:t>
+            </a:fld>
+            <a:endParaRPr lang="de-DE"/>
+          </a:p>
+        </p:txBody>
+      </p:sp>
+      <p:cxnSp>
+        <p:nvCxnSpPr>
+          <p:cNvPr id="15" name="Gerader Verbinder 14"/>
+          <p:cNvCxnSpPr/>
+          <p:nvPr/>
+        </p:nvCxnSpPr>
+        <p:spPr>
+          <a:xfrm>
+            <a:off x="958456" y="5445224"/>
+            <a:ext cx="7272808" cy="0"/>
+          </a:xfrm>
+          <a:prstGeom prst="line">
+            <a:avLst/>
+          </a:prstGeom>
+        </p:spPr>
+        <p:style>
+          <a:lnRef idx="1">
+            <a:schemeClr val="dk1"/>
+          </a:lnRef>
+          <a:fillRef idx="0">
+            <a:schemeClr val="dk1"/>
+          </a:fillRef>
+          <a:effectRef idx="0">
+            <a:schemeClr val="dk1"/>
+          </a:effectRef>
+          <a:fontRef idx="minor">
+            <a:schemeClr val="tx1"/>
+          </a:fontRef>
+        </p:style>
+      </p:cxnSp>
+      <p:cxnSp>
+        <p:nvCxnSpPr>
+          <p:cNvPr id="16" name="Gerader Verbinder 15"/>
+          <p:cNvCxnSpPr/>
+          <p:nvPr/>
+        </p:nvCxnSpPr>
+        <p:spPr>
+          <a:xfrm flipV="1">
+            <a:off x="958456" y="2708920"/>
+            <a:ext cx="0" cy="2736305"/>
+          </a:xfrm>
+          <a:prstGeom prst="line">
+            <a:avLst/>
+          </a:prstGeom>
+        </p:spPr>
+        <p:style>
+          <a:lnRef idx="1">
+            <a:schemeClr val="dk1"/>
+          </a:lnRef>
+          <a:fillRef idx="0">
+            <a:schemeClr val="dk1"/>
+          </a:fillRef>
+          <a:effectRef idx="0">
+            <a:schemeClr val="dk1"/>
+          </a:effectRef>
+          <a:fontRef idx="minor">
+            <a:schemeClr val="tx1"/>
+          </a:fontRef>
+        </p:style>
+      </p:cxnSp>
+      <p:sp>
+        <p:nvSpPr>
+          <p:cNvPr id="19" name="Rechteck 18"/>
+          <p:cNvSpPr/>
+          <p:nvPr/>
+        </p:nvSpPr>
+        <p:spPr>
+          <a:xfrm>
+            <a:off x="1237928" y="3217194"/>
+            <a:ext cx="1507890" cy="288032"/>
+          </a:xfrm>
+          <a:prstGeom prst="rect">
+            <a:avLst/>
+          </a:prstGeom>
+          <a:solidFill>
+            <a:schemeClr val="bg2">
+              <a:lumMod val="50000"/>
+            </a:schemeClr>
+          </a:solidFill>
+        </p:spPr>
+        <p:style>
+          <a:lnRef idx="2">
+            <a:schemeClr val="accent5">
+              <a:shade val="50000"/>
+            </a:schemeClr>
+          </a:lnRef>
+          <a:fillRef idx="1">
+            <a:schemeClr val="accent5"/>
+          </a:fillRef>
+          <a:effectRef idx="0">
+            <a:schemeClr val="accent5"/>
+          </a:effectRef>
+          <a:fontRef idx="minor">
+            <a:schemeClr val="lt1"/>
+          </a:fontRef>
+        </p:style>
+        <p:txBody>
+          <a:bodyPr rtlCol="0" anchor="ctr"/>
+          <a:lstStyle/>
+          <a:p>
+            <a:pPr algn="ctr"/>
+            <a:r>
+              <a:rPr lang="de-DE" dirty="0" smtClean="0"/>
+              <a:t>Planung</a:t>
+            </a:r>
+            <a:endParaRPr lang="de-DE" dirty="0"/>
+          </a:p>
+        </p:txBody>
+      </p:sp>
+      <p:sp>
+        <p:nvSpPr>
+          <p:cNvPr id="20" name="Rechteck 19"/>
+          <p:cNvSpPr/>
+          <p:nvPr/>
+        </p:nvSpPr>
+        <p:spPr>
+          <a:xfrm>
+            <a:off x="2768500" y="3647437"/>
+            <a:ext cx="1525312" cy="320812"/>
+          </a:xfrm>
+          <a:prstGeom prst="rect">
+            <a:avLst/>
+          </a:prstGeom>
+        </p:spPr>
+        <p:style>
+          <a:lnRef idx="1">
+            <a:schemeClr val="accent4"/>
+          </a:lnRef>
+          <a:fillRef idx="3">
+            <a:schemeClr val="accent4"/>
+          </a:fillRef>
+          <a:effectRef idx="2">
+            <a:schemeClr val="accent4"/>
+          </a:effectRef>
+          <a:fontRef idx="minor">
+            <a:schemeClr val="lt1"/>
+          </a:fontRef>
+        </p:style>
+        <p:txBody>
+          <a:bodyPr rtlCol="0" anchor="ctr"/>
+          <a:lstStyle/>
+          <a:p>
+            <a:pPr algn="ctr"/>
+            <a:r>
+              <a:rPr lang="de-DE" dirty="0" smtClean="0"/>
+              <a:t>Vorbereitung</a:t>
+            </a:r>
+            <a:endParaRPr lang="de-DE" dirty="0"/>
+          </a:p>
+        </p:txBody>
+      </p:sp>
+      <p:sp>
+        <p:nvSpPr>
+          <p:cNvPr id="21" name="Rechteck 20"/>
+          <p:cNvSpPr/>
+          <p:nvPr/>
+        </p:nvSpPr>
+        <p:spPr>
+          <a:xfrm>
+            <a:off x="4293812" y="4133052"/>
+            <a:ext cx="2005832" cy="297611"/>
+          </a:xfrm>
+          <a:prstGeom prst="rect">
+            <a:avLst/>
+          </a:prstGeom>
+        </p:spPr>
+        <p:style>
+          <a:lnRef idx="1">
+            <a:schemeClr val="accent6"/>
+          </a:lnRef>
+          <a:fillRef idx="3">
+            <a:schemeClr val="accent6"/>
+          </a:fillRef>
+          <a:effectRef idx="2">
+            <a:schemeClr val="accent6"/>
+          </a:effectRef>
+          <a:fontRef idx="minor">
+            <a:schemeClr val="lt1"/>
+          </a:fontRef>
+        </p:style>
+        <p:txBody>
+          <a:bodyPr rtlCol="0" anchor="ctr"/>
+          <a:lstStyle/>
+          <a:p>
+            <a:pPr algn="ctr"/>
+            <a:r>
+              <a:rPr lang="de-DE" sz="1600" dirty="0" smtClean="0"/>
+              <a:t>Implementierung</a:t>
+            </a:r>
+            <a:endParaRPr lang="de-DE" sz="1600" dirty="0"/>
+          </a:p>
+        </p:txBody>
+      </p:sp>
+      <p:sp>
+        <p:nvSpPr>
+          <p:cNvPr id="22" name="Rechteck 21"/>
+          <p:cNvSpPr/>
+          <p:nvPr/>
+        </p:nvSpPr>
+        <p:spPr>
+          <a:xfrm>
+            <a:off x="6298666" y="4562109"/>
+            <a:ext cx="1513694" cy="320812"/>
+          </a:xfrm>
+          <a:prstGeom prst="rect">
+            <a:avLst/>
+          </a:prstGeom>
+          <a:solidFill>
+            <a:schemeClr val="accent2"/>
+          </a:solidFill>
+        </p:spPr>
+        <p:style>
+          <a:lnRef idx="2">
+            <a:schemeClr val="accent1">
+              <a:shade val="50000"/>
+            </a:schemeClr>
+          </a:lnRef>
+          <a:fillRef idx="1">
+            <a:schemeClr val="accent1"/>
+          </a:fillRef>
+          <a:effectRef idx="0">
+            <a:schemeClr val="accent1"/>
+          </a:effectRef>
+          <a:fontRef idx="minor">
+            <a:schemeClr val="lt1"/>
+          </a:fontRef>
+        </p:style>
+        <p:txBody>
+          <a:bodyPr rtlCol="0" anchor="ctr"/>
+          <a:lstStyle/>
+          <a:p>
+            <a:pPr algn="ctr"/>
+            <a:r>
+              <a:rPr lang="de-DE" sz="1600" dirty="0" smtClean="0"/>
+              <a:t>Dokumentation</a:t>
+            </a:r>
+            <a:endParaRPr lang="de-DE" sz="1600" dirty="0"/>
+          </a:p>
+        </p:txBody>
+      </p:sp>
+      <p:cxnSp>
+        <p:nvCxnSpPr>
+          <p:cNvPr id="24" name="Gerade Verbindung mit Pfeil 23"/>
+          <p:cNvCxnSpPr/>
+          <p:nvPr/>
+        </p:nvCxnSpPr>
+        <p:spPr>
+          <a:xfrm flipV="1">
+            <a:off x="958456" y="2420888"/>
+            <a:ext cx="0" cy="288033"/>
+          </a:xfrm>
+          <a:prstGeom prst="straightConnector1">
+            <a:avLst/>
+          </a:prstGeom>
+          <a:ln>
+            <a:tailEnd type="triangle"/>
+          </a:ln>
+        </p:spPr>
+        <p:style>
+          <a:lnRef idx="1">
+            <a:schemeClr val="dk1"/>
+          </a:lnRef>
+          <a:fillRef idx="0">
+            <a:schemeClr val="dk1"/>
+          </a:fillRef>
+          <a:effectRef idx="0">
+            <a:schemeClr val="dk1"/>
+          </a:effectRef>
+          <a:fontRef idx="minor">
+            <a:schemeClr val="tx1"/>
+          </a:fontRef>
+        </p:style>
+      </p:cxnSp>
+      <p:cxnSp>
+        <p:nvCxnSpPr>
+          <p:cNvPr id="26" name="Gerade Verbindung mit Pfeil 25"/>
+          <p:cNvCxnSpPr/>
+          <p:nvPr/>
+        </p:nvCxnSpPr>
+        <p:spPr>
+          <a:xfrm>
+            <a:off x="8231264" y="5445224"/>
+            <a:ext cx="135496" cy="0"/>
+          </a:xfrm>
+          <a:prstGeom prst="straightConnector1">
+            <a:avLst/>
+          </a:prstGeom>
+          <a:ln>
+            <a:tailEnd type="triangle"/>
+          </a:ln>
+        </p:spPr>
+        <p:style>
+          <a:lnRef idx="1">
+            <a:schemeClr val="dk1"/>
+          </a:lnRef>
+          <a:fillRef idx="0">
+            <a:schemeClr val="dk1"/>
+          </a:fillRef>
+          <a:effectRef idx="0">
+            <a:schemeClr val="dk1"/>
+          </a:effectRef>
+          <a:fontRef idx="minor">
+            <a:schemeClr val="tx1"/>
+          </a:fontRef>
+        </p:style>
+      </p:cxnSp>
+      <p:sp>
+        <p:nvSpPr>
+          <p:cNvPr id="27" name="Textfeld 26"/>
+          <p:cNvSpPr txBox="1"/>
+          <p:nvPr/>
+        </p:nvSpPr>
+        <p:spPr>
+          <a:xfrm>
+            <a:off x="1403648" y="5514502"/>
+            <a:ext cx="720080" cy="307777"/>
+          </a:xfrm>
+          <a:prstGeom prst="rect">
+            <a:avLst/>
+          </a:prstGeom>
+          <a:noFill/>
+        </p:spPr>
+        <p:txBody>
+          <a:bodyPr wrap="square" rtlCol="0">
+            <a:spAutoFit/>
+          </a:bodyPr>
+          <a:lstStyle/>
+          <a:p>
+            <a:r>
+              <a:rPr lang="de-DE" sz="1400" dirty="0" smtClean="0"/>
+              <a:t>1</a:t>
+            </a:r>
+            <a:endParaRPr lang="de-DE" sz="1400" dirty="0"/>
+          </a:p>
+        </p:txBody>
+      </p:sp>
+      <p:sp>
+        <p:nvSpPr>
+          <p:cNvPr id="28" name="Textfeld 27"/>
+          <p:cNvSpPr txBox="1"/>
+          <p:nvPr/>
+        </p:nvSpPr>
+        <p:spPr>
+          <a:xfrm>
+            <a:off x="2802170" y="5514502"/>
+            <a:ext cx="720080" cy="307777"/>
+          </a:xfrm>
+          <a:prstGeom prst="rect">
+            <a:avLst/>
+          </a:prstGeom>
+          <a:noFill/>
+        </p:spPr>
+        <p:txBody>
+          <a:bodyPr wrap="square" rtlCol="0">
+            <a:spAutoFit/>
+          </a:bodyPr>
+          <a:lstStyle/>
+          <a:p>
+            <a:r>
+              <a:rPr lang="de-DE" sz="1400" dirty="0"/>
+              <a:t>2</a:t>
+            </a:r>
+          </a:p>
+        </p:txBody>
+      </p:sp>
+      <p:sp>
+        <p:nvSpPr>
+          <p:cNvPr id="29" name="Textfeld 28"/>
+          <p:cNvSpPr txBox="1"/>
+          <p:nvPr/>
+        </p:nvSpPr>
+        <p:spPr>
+          <a:xfrm>
+            <a:off x="4067944" y="5514502"/>
+            <a:ext cx="720080" cy="307777"/>
+          </a:xfrm>
+          <a:prstGeom prst="rect">
+            <a:avLst/>
+          </a:prstGeom>
+          <a:noFill/>
+        </p:spPr>
+        <p:txBody>
+          <a:bodyPr wrap="square" rtlCol="0">
+            <a:spAutoFit/>
+          </a:bodyPr>
+          <a:lstStyle/>
+          <a:p>
+            <a:r>
+              <a:rPr lang="de-DE" sz="1400" dirty="0" smtClean="0"/>
+              <a:t>3</a:t>
+            </a:r>
+            <a:endParaRPr lang="de-DE" sz="1400" dirty="0"/>
+          </a:p>
+        </p:txBody>
+      </p:sp>
+      <p:sp>
+        <p:nvSpPr>
+          <p:cNvPr id="30" name="Textfeld 29"/>
+          <p:cNvSpPr txBox="1"/>
+          <p:nvPr/>
+        </p:nvSpPr>
+        <p:spPr>
+          <a:xfrm>
+            <a:off x="5296513" y="5514502"/>
+            <a:ext cx="720080" cy="307777"/>
+          </a:xfrm>
+          <a:prstGeom prst="rect">
+            <a:avLst/>
+          </a:prstGeom>
+          <a:noFill/>
+        </p:spPr>
+        <p:txBody>
+          <a:bodyPr wrap="square" rtlCol="0">
+            <a:spAutoFit/>
+          </a:bodyPr>
+          <a:lstStyle/>
+          <a:p>
+            <a:r>
+              <a:rPr lang="de-DE" sz="1400" dirty="0"/>
+              <a:t>4</a:t>
+            </a:r>
+          </a:p>
+        </p:txBody>
+      </p:sp>
+      <p:sp>
+        <p:nvSpPr>
+          <p:cNvPr id="31" name="Textfeld 30"/>
+          <p:cNvSpPr txBox="1"/>
+          <p:nvPr/>
+        </p:nvSpPr>
+        <p:spPr>
+          <a:xfrm>
+            <a:off x="6407884" y="5514502"/>
+            <a:ext cx="720080" cy="307777"/>
+          </a:xfrm>
+          <a:prstGeom prst="rect">
+            <a:avLst/>
+          </a:prstGeom>
+          <a:noFill/>
+        </p:spPr>
+        <p:txBody>
+          <a:bodyPr wrap="square" rtlCol="0">
+            <a:spAutoFit/>
+          </a:bodyPr>
+          <a:lstStyle/>
+          <a:p>
+            <a:r>
+              <a:rPr lang="de-DE" sz="1400" dirty="0"/>
+              <a:t>5</a:t>
+            </a:r>
+          </a:p>
+        </p:txBody>
+      </p:sp>
+      <p:sp>
+        <p:nvSpPr>
+          <p:cNvPr id="32" name="Rechteck 31"/>
+          <p:cNvSpPr/>
+          <p:nvPr/>
+        </p:nvSpPr>
+        <p:spPr>
+          <a:xfrm>
+            <a:off x="7127964" y="4911895"/>
+            <a:ext cx="684396" cy="320812"/>
+          </a:xfrm>
+          <a:prstGeom prst="rect">
+            <a:avLst/>
+          </a:prstGeom>
+          <a:solidFill>
+            <a:schemeClr val="dk1">
+              <a:alpha val="50000"/>
+            </a:schemeClr>
+          </a:solidFill>
+          <a:ln>
+            <a:noFill/>
+          </a:ln>
+        </p:spPr>
+        <p:style>
+          <a:lnRef idx="0">
+            <a:scrgbClr r="0" g="0" b="0"/>
+          </a:lnRef>
+          <a:fillRef idx="0">
+            <a:scrgbClr r="0" g="0" b="0"/>
+          </a:fillRef>
+          <a:effectRef idx="0">
+            <a:scrgbClr r="0" g="0" b="0"/>
+          </a:effectRef>
+          <a:fontRef idx="minor">
+            <a:schemeClr val="lt1"/>
+          </a:fontRef>
+        </p:style>
+        <p:txBody>
+          <a:bodyPr rtlCol="0" anchor="ctr"/>
+          <a:lstStyle/>
+          <a:p>
+            <a:pPr algn="ctr"/>
+            <a:r>
+              <a:rPr lang="de-DE" sz="1400" dirty="0" smtClean="0"/>
+              <a:t>Puffer</a:t>
+            </a:r>
+            <a:endParaRPr lang="de-DE" sz="1400" dirty="0"/>
+          </a:p>
+        </p:txBody>
+      </p:sp>
+    </p:spTree>
+    <p:extLst>
+      <p:ext uri="{BB962C8B-B14F-4D97-AF65-F5344CB8AC3E}">
+        <p14:creationId xmlns:p14="http://schemas.microsoft.com/office/powerpoint/2010/main" val="2798096655"/>
+      </p:ext>
+    </p:extLst>
+  </p:cSld>
+  <p:clrMapOvr>
+    <a:masterClrMapping/>
+  </p:clrMapOvr>
+  <p:timing>
+    <p:tnLst>
+      <p:par>
+        <p:cTn id="1" dur="indefinite" restart="never" nodeType="tmRoot">
+          <p:childTnLst>
+            <p:seq concurrent="1" nextAc="seek">
+              <p:cTn id="2" dur="indefinite" nodeType="mainSeq">
+                <p:childTnLst>
+                  <p:par>
+                    <p:cTn id="3" fill="hold">
+                      <p:stCondLst>
+                        <p:cond delay="indefinite"/>
+                      </p:stCondLst>
+                      <p:childTnLst>
+                        <p:par>
+                          <p:cTn id="4" fill="hold">
+                            <p:stCondLst>
+                              <p:cond delay="0"/>
+                            </p:stCondLst>
+                            <p:childTnLst>
+                              <p:par>
+                                <p:cTn id="5" presetID="22" presetClass="entr" presetSubtype="4" fill="hold" nodeType="clickEffect">
+                                  <p:stCondLst>
+                                    <p:cond delay="0"/>
+                                  </p:stCondLst>
+                                  <p:childTnLst>
+                                    <p:set>
+                                      <p:cBhvr>
+                                        <p:cTn id="6" dur="1" fill="hold">
+                                          <p:stCondLst>
+                                            <p:cond delay="0"/>
+                                          </p:stCondLst>
+                                        </p:cTn>
+                                        <p:tgtEl>
+                                          <p:spTgt spid="5"/>
+                                        </p:tgtEl>
+                                        <p:attrNameLst>
+                                          <p:attrName>style.visibility</p:attrName>
+                                        </p:attrNameLst>
+                                      </p:cBhvr>
+                                      <p:to>
+                                        <p:strVal val="visible"/>
+                                      </p:to>
+                                    </p:set>
+                                    <p:animEffect transition="in" filter="wipe(down)">
+                                      <p:cBhvr>
+                                        <p:cTn id="7" dur="500"/>
+                                        <p:tgtEl>
+                                          <p:spTgt spid="5"/>
+                                        </p:tgtEl>
+                                      </p:cBhvr>
+                                    </p:animEffect>
+                                  </p:childTnLst>
+                                </p:cTn>
+                              </p:par>
+                            </p:childTnLst>
+                          </p:cTn>
+                        </p:par>
+                      </p:childTnLst>
+                    </p:cTn>
+                  </p:par>
+                </p:childTnLst>
+              </p:cTn>
+              <p:prevCondLst>
+                <p:cond evt="onPrev" delay="0">
+                  <p:tgtEl>
+                    <p:sldTgt/>
+                  </p:tgtEl>
+                </p:cond>
+              </p:prevCondLst>
+              <p:nextCondLst>
+                <p:cond evt="onNext" delay="0">
+                  <p:tgtEl>
+                    <p:sldTgt/>
+                  </p:tgtEl>
+                </p:cond>
+              </p:nextCondLst>
+            </p:seq>
+          </p:childTnLst>
+        </p:cTn>
+      </p:par>
+    </p:tnLst>
+  </p:timing>
+</p:sld>
+</file>
+
+<file path=ppt/slides/slide6.xml><?xml version="1.0" encoding="utf-8"?>
+<p:sld xmlns:a="http://schemas.openxmlformats.org/drawingml/2006/main" xmlns:r="http://schemas.openxmlformats.org/officeDocument/2006/relationships" xmlns:p="http://schemas.openxmlformats.org/presentationml/2006/main">
+  <p:cSld>
+    <p:spTree>
+      <p:nvGrpSpPr>
+        <p:cNvPr id="1" name=""/>
+        <p:cNvGrpSpPr/>
+        <p:nvPr/>
+      </p:nvGrpSpPr>
+      <p:grpSpPr>
+        <a:xfrm>
+          <a:off x="0" y="0"/>
+          <a:ext cx="0" cy="0"/>
+          <a:chOff x="0" y="0"/>
+          <a:chExt cx="0" cy="0"/>
+        </a:xfrm>
+      </p:grpSpPr>
+      <p:sp>
+        <p:nvSpPr>
+          <p:cNvPr id="2" name="Titel 1"/>
+          <p:cNvSpPr>
+            <a:spLocks noGrp="1"/>
+          </p:cNvSpPr>
+          <p:nvPr>
+            <p:ph type="title"/>
+          </p:nvPr>
+        </p:nvSpPr>
+        <p:spPr/>
+        <p:txBody>
+          <a:bodyPr/>
+          <a:lstStyle/>
+          <a:p>
+            <a:r>
+              <a:rPr lang="de-DE" b="1" dirty="0" smtClean="0">
+                <a:latin typeface="Century Gothic" pitchFamily="34" charset="0"/>
+              </a:rPr>
+              <a:t>Verwendete Werkzeuge</a:t>
+            </a:r>
+            <a:endParaRPr lang="de-DE" dirty="0"/>
+          </a:p>
+        </p:txBody>
+      </p:sp>
+      <p:sp>
+        <p:nvSpPr>
+          <p:cNvPr id="4" name="Inhaltsplatzhalter 2"/>
+          <p:cNvSpPr>
+            <a:spLocks noGrp="1"/>
+          </p:cNvSpPr>
+          <p:nvPr>
+            <p:ph idx="1"/>
+          </p:nvPr>
+        </p:nvSpPr>
+        <p:spPr/>
+        <p:txBody>
+          <a:bodyPr numCol="2">
+            <a:noAutofit/>
+          </a:bodyPr>
+          <a:lstStyle/>
+          <a:p>
+            <a:pPr>
+              <a:buFont typeface="Wingdings" panose="05000000000000000000" pitchFamily="2" charset="2"/>
+              <a:buChar char="Ø"/>
+            </a:pPr>
+            <a:r>
+              <a:rPr lang="de-DE" sz="2800" dirty="0"/>
+              <a:t>Software:</a:t>
+            </a:r>
+          </a:p>
+          <a:p>
+            <a:pPr lvl="1">
+              <a:buFont typeface="Arial" panose="020B0604020202020204" pitchFamily="34" charset="0"/>
+              <a:buChar char="•"/>
+            </a:pPr>
+            <a:r>
+              <a:rPr lang="de-DE" sz="2400" dirty="0"/>
+              <a:t>Visual Studio Code</a:t>
+            </a:r>
+          </a:p>
+          <a:p>
+            <a:pPr lvl="1">
+              <a:buFont typeface="Arial" panose="020B0604020202020204" pitchFamily="34" charset="0"/>
+              <a:buChar char="•"/>
+            </a:pPr>
+            <a:r>
+              <a:rPr lang="de-DE" sz="2400" dirty="0"/>
+              <a:t>GitHub</a:t>
+            </a:r>
+          </a:p>
+          <a:p>
+            <a:pPr lvl="1">
+              <a:buFont typeface="Arial" panose="020B0604020202020204" pitchFamily="34" charset="0"/>
+              <a:buChar char="•"/>
+            </a:pPr>
+            <a:r>
+              <a:rPr lang="de-DE" sz="2400" dirty="0"/>
+              <a:t>Office</a:t>
+            </a:r>
+          </a:p>
+          <a:p>
+            <a:pPr lvl="1">
+              <a:buFont typeface="Arial" panose="020B0604020202020204" pitchFamily="34" charset="0"/>
+              <a:buChar char="•"/>
+            </a:pPr>
+            <a:r>
+              <a:rPr lang="de-DE" sz="2400" dirty="0"/>
+              <a:t>FTP Tool</a:t>
+            </a:r>
+          </a:p>
+          <a:p>
+            <a:pPr lvl="1">
+              <a:buFont typeface="Arial" panose="020B0604020202020204" pitchFamily="34" charset="0"/>
+              <a:buChar char="•"/>
+            </a:pPr>
+            <a:r>
+              <a:rPr lang="de-DE" sz="2400" dirty="0"/>
+              <a:t>IES</a:t>
+            </a:r>
+          </a:p>
+          <a:p>
+            <a:pPr>
+              <a:buFont typeface="Wingdings" panose="05000000000000000000" pitchFamily="2" charset="2"/>
+              <a:buChar char="Ø"/>
+            </a:pPr>
+            <a:endParaRPr lang="de-DE" sz="2400" dirty="0">
+              <a:latin typeface="Rockwell" pitchFamily="18" charset="0"/>
+            </a:endParaRPr>
+          </a:p>
+          <a:p>
+            <a:pPr>
+              <a:buFont typeface="Wingdings" panose="05000000000000000000" pitchFamily="2" charset="2"/>
+              <a:buChar char="Ø"/>
+            </a:pPr>
+            <a:endParaRPr lang="de-DE" sz="2400" dirty="0">
+              <a:latin typeface="Rockwell" pitchFamily="18" charset="0"/>
+            </a:endParaRPr>
+          </a:p>
+          <a:p>
+            <a:pPr>
+              <a:buFont typeface="Wingdings" panose="05000000000000000000" pitchFamily="2" charset="2"/>
+              <a:buChar char="Ø"/>
+            </a:pPr>
+            <a:endParaRPr lang="de-DE" sz="2400" dirty="0">
+              <a:latin typeface="Rockwell" pitchFamily="18" charset="0"/>
+            </a:endParaRPr>
+          </a:p>
+          <a:p>
+            <a:pPr>
+              <a:buFont typeface="Wingdings" panose="05000000000000000000" pitchFamily="2" charset="2"/>
+              <a:buChar char="Ø"/>
+            </a:pPr>
+            <a:r>
+              <a:rPr lang="de-DE" sz="2800" dirty="0"/>
+              <a:t>Hardware:</a:t>
+            </a:r>
+          </a:p>
+          <a:p>
+            <a:pPr lvl="1">
+              <a:buFont typeface="Arial" panose="020B0604020202020204" pitchFamily="34" charset="0"/>
+              <a:buChar char="•"/>
+            </a:pPr>
+            <a:r>
+              <a:rPr lang="de-DE" sz="2400" dirty="0"/>
+              <a:t>GSO Rechner</a:t>
+            </a:r>
+          </a:p>
+          <a:p>
+            <a:pPr lvl="1">
+              <a:buFont typeface="Arial" panose="020B0604020202020204" pitchFamily="34" charset="0"/>
+              <a:buChar char="•"/>
+            </a:pPr>
+            <a:r>
+              <a:rPr lang="de-DE" sz="2400" dirty="0"/>
+              <a:t>Laptops</a:t>
+            </a:r>
+          </a:p>
+        </p:txBody>
+      </p:sp>
+      <p:pic>
+        <p:nvPicPr>
+          <p:cNvPr id="5" name="Picture 3" descr="C:\Users\Moorhuhn\Documents\GitHub\OberstufenProjekt\Präsentation\Download.png"/>
           <p:cNvPicPr>
             <a:picLocks noChangeAspect="1" noChangeArrowheads="1"/>
           </p:cNvPicPr>
           <p:nvPr/>
         </p:nvPicPr>
         <p:blipFill>
-          <a:blip r:embed="rId2">
+          <a:blip r:embed="rId2"/>
+          <a:srcRect/>
+          <a:stretch>
+            <a:fillRect/>
+          </a:stretch>
+        </p:blipFill>
+        <p:spPr bwMode="auto">
+          <a:xfrm>
+            <a:off x="5902877" y="3763584"/>
+            <a:ext cx="1859748" cy="1851484"/>
+          </a:xfrm>
+          <a:prstGeom prst="rect">
+            <a:avLst/>
+          </a:prstGeom>
+          <a:noFill/>
+        </p:spPr>
+      </p:pic>
+      <p:sp>
+        <p:nvSpPr>
+          <p:cNvPr id="6" name="Textfeld 5"/>
+          <p:cNvSpPr txBox="1"/>
+          <p:nvPr/>
+        </p:nvSpPr>
+        <p:spPr>
+          <a:xfrm>
+            <a:off x="5929322" y="5636362"/>
+            <a:ext cx="2214578" cy="246221"/>
+          </a:xfrm>
+          <a:prstGeom prst="rect">
+            <a:avLst/>
+          </a:prstGeom>
+          <a:noFill/>
+        </p:spPr>
+        <p:txBody>
+          <a:bodyPr wrap="square" rtlCol="0">
+            <a:spAutoFit/>
+          </a:bodyPr>
+          <a:lstStyle/>
+          <a:p>
+            <a:r>
+              <a:rPr lang="de-DE" sz="1000" dirty="0">
+                <a:latin typeface="Arial" pitchFamily="34" charset="0"/>
+                <a:cs typeface="Arial" pitchFamily="34" charset="0"/>
+              </a:rPr>
+              <a:t>https://de.wikipedia.org</a:t>
+            </a:r>
+          </a:p>
+        </p:txBody>
+      </p:sp>
+      <p:sp>
+        <p:nvSpPr>
+          <p:cNvPr id="3" name="Foliennummernplatzhalter 2"/>
+          <p:cNvSpPr>
+            <a:spLocks noGrp="1"/>
+          </p:cNvSpPr>
+          <p:nvPr>
+            <p:ph type="sldNum" sz="quarter" idx="12"/>
+          </p:nvPr>
+        </p:nvSpPr>
+        <p:spPr/>
+        <p:txBody>
+          <a:bodyPr/>
+          <a:lstStyle/>
+          <a:p>
+            <a:fld id="{7E5C08A9-E730-4E67-A85A-88903A30B32B}" type="slidenum">
+              <a:rPr lang="de-DE" smtClean="0"/>
+              <a:t>6</a:t>
+            </a:fld>
+            <a:endParaRPr lang="de-DE"/>
+          </a:p>
+        </p:txBody>
+      </p:sp>
+    </p:spTree>
+    <p:extLst>
+      <p:ext uri="{BB962C8B-B14F-4D97-AF65-F5344CB8AC3E}">
+        <p14:creationId xmlns:p14="http://schemas.microsoft.com/office/powerpoint/2010/main" val="3501385721"/>
+      </p:ext>
+    </p:extLst>
+  </p:cSld>
+  <p:clrMapOvr>
+    <a:masterClrMapping/>
+  </p:clrMapOvr>
+  <p:timing>
+    <p:tnLst>
+      <p:par>
+        <p:cTn id="1" dur="indefinite" restart="never" nodeType="tmRoot"/>
+      </p:par>
+    </p:tnLst>
+  </p:timing>
+</p:sld>
+</file>
+
+<file path=ppt/slides/slide7.xml><?xml version="1.0" encoding="utf-8"?>
+<p:sld xmlns:a="http://schemas.openxmlformats.org/drawingml/2006/main" xmlns:r="http://schemas.openxmlformats.org/officeDocument/2006/relationships" xmlns:p="http://schemas.openxmlformats.org/presentationml/2006/main">
+  <p:cSld>
+    <p:spTree>
+      <p:nvGrpSpPr>
+        <p:cNvPr id="1" name=""/>
+        <p:cNvGrpSpPr/>
+        <p:nvPr/>
+      </p:nvGrpSpPr>
+      <p:grpSpPr>
+        <a:xfrm>
+          <a:off x="0" y="0"/>
+          <a:ext cx="0" cy="0"/>
+          <a:chOff x="0" y="0"/>
+          <a:chExt cx="0" cy="0"/>
+        </a:xfrm>
+      </p:grpSpPr>
+      <p:sp>
+        <p:nvSpPr>
+          <p:cNvPr id="2" name="Titel 1"/>
+          <p:cNvSpPr>
+            <a:spLocks noGrp="1"/>
+          </p:cNvSpPr>
+          <p:nvPr>
+            <p:ph type="title"/>
+          </p:nvPr>
+        </p:nvSpPr>
+        <p:spPr>
+          <a:xfrm>
+            <a:off x="822960" y="286605"/>
+            <a:ext cx="7543800" cy="1342196"/>
+          </a:xfrm>
+        </p:spPr>
+        <p:txBody>
+          <a:bodyPr/>
+          <a:lstStyle/>
+          <a:p>
+            <a:r>
+              <a:rPr lang="de-DE" b="1" dirty="0">
+                <a:latin typeface="Century Gothic" pitchFamily="34" charset="0"/>
+              </a:rPr>
+              <a:t>Kostenplan</a:t>
+            </a:r>
+            <a:endParaRPr lang="de-DE" dirty="0"/>
+          </a:p>
+        </p:txBody>
+      </p:sp>
+      <p:graphicFrame>
+        <p:nvGraphicFramePr>
+          <p:cNvPr id="7" name="Inhaltsplatzhalter 6"/>
+          <p:cNvGraphicFramePr>
+            <a:graphicFrameLocks noGrp="1"/>
+          </p:cNvGraphicFramePr>
+          <p:nvPr>
+            <p:ph idx="1"/>
+            <p:extLst>
+              <p:ext uri="{D42A27DB-BD31-4B8C-83A1-F6EECF244321}">
+                <p14:modId xmlns:p14="http://schemas.microsoft.com/office/powerpoint/2010/main" val="2981942081"/>
+              </p:ext>
+            </p:extLst>
+          </p:nvPr>
+        </p:nvGraphicFramePr>
+        <p:xfrm>
+          <a:off x="323528" y="2438131"/>
+          <a:ext cx="6696744" cy="3240360"/>
+        </p:xfrm>
+        <a:graphic>
+          <a:graphicData uri="http://schemas.openxmlformats.org/drawingml/2006/chart">
+            <c:chart xmlns:c="http://schemas.openxmlformats.org/drawingml/2006/chart" xmlns:r="http://schemas.openxmlformats.org/officeDocument/2006/relationships" r:id="rId2"/>
+          </a:graphicData>
+        </a:graphic>
+      </p:graphicFrame>
+      <p:sp>
+        <p:nvSpPr>
+          <p:cNvPr id="4" name="Foliennummernplatzhalter 3"/>
+          <p:cNvSpPr>
+            <a:spLocks noGrp="1"/>
+          </p:cNvSpPr>
+          <p:nvPr>
+            <p:ph type="sldNum" sz="quarter" idx="12"/>
+          </p:nvPr>
+        </p:nvSpPr>
+        <p:spPr/>
+        <p:txBody>
+          <a:bodyPr/>
+          <a:lstStyle/>
+          <a:p>
+            <a:fld id="{7E5C08A9-E730-4E67-A85A-88903A30B32B}" type="slidenum">
+              <a:rPr lang="de-DE" smtClean="0"/>
+              <a:t>7</a:t>
+            </a:fld>
+            <a:endParaRPr lang="de-DE"/>
+          </a:p>
+        </p:txBody>
+      </p:sp>
+      <p:graphicFrame>
+        <p:nvGraphicFramePr>
+          <p:cNvPr id="8" name="Tabelle 7"/>
+          <p:cNvGraphicFramePr>
+            <a:graphicFrameLocks noGrp="1"/>
+          </p:cNvGraphicFramePr>
+          <p:nvPr>
+            <p:extLst>
+              <p:ext uri="{D42A27DB-BD31-4B8C-83A1-F6EECF244321}">
+                <p14:modId xmlns:p14="http://schemas.microsoft.com/office/powerpoint/2010/main" val="2025403296"/>
+              </p:ext>
+            </p:extLst>
+          </p:nvPr>
+        </p:nvGraphicFramePr>
+        <p:xfrm>
+          <a:off x="6273347" y="1052736"/>
+          <a:ext cx="2303994" cy="1224136"/>
+        </p:xfrm>
+        <a:graphic>
+          <a:graphicData uri="http://schemas.openxmlformats.org/drawingml/2006/table">
+            <a:tbl>
+              <a:tblPr firstRow="1" bandRow="1">
+                <a:tableStyleId>{5C22544A-7EE6-4342-B048-85BDC9FD1C3A}</a:tableStyleId>
+              </a:tblPr>
+              <a:tblGrid>
+                <a:gridCol w="2303994">
+                  <a:extLst>
+                    <a:ext uri="{9D8B030D-6E8A-4147-A177-3AD203B41FA5}">
+                      <a16:colId xmlns:a16="http://schemas.microsoft.com/office/drawing/2014/main" val="2076923692"/>
+                    </a:ext>
+                  </a:extLst>
+                </a:gridCol>
+              </a:tblGrid>
+              <a:tr h="306034">
+                <a:tc>
+                  <a:txBody>
+                    <a:bodyPr/>
+                    <a:lstStyle/>
+                    <a:p>
+                      <a:r>
+                        <a:rPr lang="de-DE" sz="1200" dirty="0" smtClean="0"/>
+                        <a:t>Vergleich</a:t>
+                      </a:r>
+                      <a:endParaRPr lang="de-DE" sz="1200" dirty="0"/>
+                    </a:p>
+                  </a:txBody>
+                  <a:tcPr anchor="ctr"/>
+                </a:tc>
+                <a:extLst>
+                  <a:ext uri="{0D108BD9-81ED-4DB2-BD59-A6C34878D82A}">
+                    <a16:rowId xmlns:a16="http://schemas.microsoft.com/office/drawing/2014/main" val="3930812917"/>
+                  </a:ext>
+                </a:extLst>
+              </a:tr>
+              <a:tr h="306034">
+                <a:tc>
+                  <a:txBody>
+                    <a:bodyPr/>
+                    <a:lstStyle/>
+                    <a:p>
+                      <a:pPr>
+                        <a:tabLst>
+                          <a:tab pos="1797050" algn="dec"/>
+                        </a:tabLst>
+                      </a:pPr>
+                      <a:r>
+                        <a:rPr lang="de-DE" sz="1200" dirty="0" smtClean="0"/>
+                        <a:t>Plankosten:	</a:t>
+                      </a:r>
+                      <a:r>
+                        <a:rPr lang="de-DE" sz="1200" baseline="0" dirty="0" smtClean="0"/>
+                        <a:t>8.558 €</a:t>
+                      </a:r>
+                      <a:endParaRPr lang="de-DE" sz="1200" dirty="0"/>
+                    </a:p>
+                  </a:txBody>
+                  <a:tcPr anchor="ctr"/>
+                </a:tc>
+                <a:extLst>
+                  <a:ext uri="{0D108BD9-81ED-4DB2-BD59-A6C34878D82A}">
+                    <a16:rowId xmlns:a16="http://schemas.microsoft.com/office/drawing/2014/main" val="217562017"/>
+                  </a:ext>
+                </a:extLst>
+              </a:tr>
+              <a:tr h="306034">
+                <a:tc>
+                  <a:txBody>
+                    <a:bodyPr/>
+                    <a:lstStyle/>
+                    <a:p>
+                      <a:pPr>
+                        <a:tabLst>
+                          <a:tab pos="1797050" algn="dec"/>
+                        </a:tabLst>
+                      </a:pPr>
+                      <a:r>
+                        <a:rPr lang="de-DE" sz="1200" dirty="0" smtClean="0"/>
+                        <a:t>Tatsächliche</a:t>
+                      </a:r>
+                      <a:r>
+                        <a:rPr lang="de-DE" sz="1200" baseline="0" dirty="0" smtClean="0"/>
+                        <a:t> Kosten:	8.514 €</a:t>
+                      </a:r>
+                      <a:endParaRPr lang="de-DE" sz="1200" dirty="0"/>
+                    </a:p>
+                  </a:txBody>
+                  <a:tcPr anchor="ctr"/>
+                </a:tc>
+                <a:extLst>
+                  <a:ext uri="{0D108BD9-81ED-4DB2-BD59-A6C34878D82A}">
+                    <a16:rowId xmlns:a16="http://schemas.microsoft.com/office/drawing/2014/main" val="440367181"/>
+                  </a:ext>
+                </a:extLst>
+              </a:tr>
+              <a:tr h="306034">
+                <a:tc>
+                  <a:txBody>
+                    <a:bodyPr/>
+                    <a:lstStyle/>
+                    <a:p>
+                      <a:pPr>
+                        <a:tabLst>
+                          <a:tab pos="1797050" algn="dec"/>
+                        </a:tabLst>
+                      </a:pPr>
+                      <a:r>
+                        <a:rPr lang="de-DE" sz="1200" dirty="0" smtClean="0"/>
+                        <a:t>Abweichung:	44 €   </a:t>
+                      </a:r>
+                      <a:endParaRPr lang="de-DE" sz="1200" dirty="0"/>
+                    </a:p>
+                  </a:txBody>
+                  <a:tcPr anchor="ctr"/>
+                </a:tc>
+                <a:extLst>
+                  <a:ext uri="{0D108BD9-81ED-4DB2-BD59-A6C34878D82A}">
+                    <a16:rowId xmlns:a16="http://schemas.microsoft.com/office/drawing/2014/main" val="1024475859"/>
+                  </a:ext>
+                </a:extLst>
+              </a:tr>
+            </a:tbl>
+          </a:graphicData>
+        </a:graphic>
+      </p:graphicFrame>
+    </p:spTree>
+    <p:extLst>
+      <p:ext uri="{BB962C8B-B14F-4D97-AF65-F5344CB8AC3E}">
+        <p14:creationId xmlns:p14="http://schemas.microsoft.com/office/powerpoint/2010/main" val="1475460269"/>
+      </p:ext>
+    </p:extLst>
+  </p:cSld>
+  <p:clrMapOvr>
+    <a:masterClrMapping/>
+  </p:clrMapOvr>
+  <p:timing>
+    <p:tnLst>
+      <p:par>
+        <p:cTn id="1" dur="indefinite" restart="never" nodeType="tmRoot">
+          <p:childTnLst>
+            <p:seq concurrent="1" nextAc="seek">
+              <p:cTn id="2" dur="indefinite" nodeType="mainSeq">
+                <p:childTnLst>
+                  <p:par>
+                    <p:cTn id="3" fill="hold">
+                      <p:stCondLst>
+                        <p:cond delay="indefinite"/>
+                      </p:stCondLst>
+                      <p:childTnLst>
+                        <p:par>
+                          <p:cTn id="4" fill="hold">
+                            <p:stCondLst>
+                              <p:cond delay="0"/>
+                            </p:stCondLst>
+                            <p:childTnLst>
+                              <p:par>
+                                <p:cTn id="5" presetID="10" presetClass="exit" presetSubtype="0" fill="hold" grpId="0" nodeType="clickEffect">
+                                  <p:stCondLst>
+                                    <p:cond delay="0"/>
+                                  </p:stCondLst>
+                                  <p:childTnLst>
+                                    <p:animEffect transition="out" filter="fade">
+                                      <p:cBhvr>
+                                        <p:cTn id="6" dur="500"/>
+                                        <p:tgtEl>
+                                          <p:spTgt spid="2"/>
+                                        </p:tgtEl>
+                                      </p:cBhvr>
+                                    </p:animEffect>
+                                    <p:set>
+                                      <p:cBhvr>
+                                        <p:cTn id="7" dur="1" fill="hold">
+                                          <p:stCondLst>
+                                            <p:cond delay="499"/>
+                                          </p:stCondLst>
+                                        </p:cTn>
+                                        <p:tgtEl>
+                                          <p:spTgt spid="2"/>
+                                        </p:tgtEl>
+                                        <p:attrNameLst>
+                                          <p:attrName>style.visibility</p:attrName>
+                                        </p:attrNameLst>
+                                      </p:cBhvr>
+                                      <p:to>
+                                        <p:strVal val="hidden"/>
+                                      </p:to>
+                                    </p:set>
+                                  </p:childTnLst>
+                                </p:cTn>
+                              </p:par>
+                            </p:childTnLst>
+                          </p:cTn>
+                        </p:par>
+                      </p:childTnLst>
+                    </p:cTn>
+                  </p:par>
+                  <p:par>
+                    <p:cTn id="8" fill="hold">
+                      <p:stCondLst>
+                        <p:cond delay="indefinite"/>
+                      </p:stCondLst>
+                      <p:childTnLst>
+                        <p:par>
+                          <p:cTn id="9" fill="hold">
+                            <p:stCondLst>
+                              <p:cond delay="0"/>
+                            </p:stCondLst>
+                            <p:childTnLst>
+                              <p:par>
+                                <p:cTn id="10" presetID="2" presetClass="entr" presetSubtype="8" fill="hold" grpId="0" nodeType="clickEffect">
+                                  <p:stCondLst>
+                                    <p:cond delay="0"/>
+                                  </p:stCondLst>
+                                  <p:childTnLst>
+                                    <p:set>
+                                      <p:cBhvr>
+                                        <p:cTn id="11" dur="1" fill="hold">
+                                          <p:stCondLst>
+                                            <p:cond delay="0"/>
+                                          </p:stCondLst>
+                                        </p:cTn>
+                                        <p:tgtEl>
+                                          <p:spTgt spid="7"/>
+                                        </p:tgtEl>
+                                        <p:attrNameLst>
+                                          <p:attrName>style.visibility</p:attrName>
+                                        </p:attrNameLst>
+                                      </p:cBhvr>
+                                      <p:to>
+                                        <p:strVal val="visible"/>
+                                      </p:to>
+                                    </p:set>
+                                    <p:anim calcmode="lin" valueType="num">
+                                      <p:cBhvr additive="base">
+                                        <p:cTn id="12" dur="500" fill="hold"/>
+                                        <p:tgtEl>
+                                          <p:spTgt spid="7"/>
+                                        </p:tgtEl>
+                                        <p:attrNameLst>
+                                          <p:attrName>ppt_x</p:attrName>
+                                        </p:attrNameLst>
+                                      </p:cBhvr>
+                                      <p:tavLst>
+                                        <p:tav tm="0">
+                                          <p:val>
+                                            <p:strVal val="0-#ppt_w/2"/>
+                                          </p:val>
+                                        </p:tav>
+                                        <p:tav tm="100000">
+                                          <p:val>
+                                            <p:strVal val="#ppt_x"/>
+                                          </p:val>
+                                        </p:tav>
+                                      </p:tavLst>
+                                    </p:anim>
+                                    <p:anim calcmode="lin" valueType="num">
+                                      <p:cBhvr additive="base">
+                                        <p:cTn id="13" dur="500" fill="hold"/>
+                                        <p:tgtEl>
+                                          <p:spTgt spid="7"/>
+                                        </p:tgtEl>
+                                        <p:attrNameLst>
+                                          <p:attrName>ppt_y</p:attrName>
+                                        </p:attrNameLst>
+                                      </p:cBhvr>
+                                      <p:tavLst>
+                                        <p:tav tm="0">
+                                          <p:val>
+                                            <p:strVal val="#ppt_y"/>
+                                          </p:val>
+                                        </p:tav>
+                                        <p:tav tm="100000">
+                                          <p:val>
+                                            <p:strVal val="#ppt_y"/>
+                                          </p:val>
+                                        </p:tav>
+                                      </p:tavLst>
+                                    </p:anim>
+                                  </p:childTnLst>
+                                </p:cTn>
+                              </p:par>
+                            </p:childTnLst>
+                          </p:cTn>
+                        </p:par>
+                      </p:childTnLst>
+                    </p:cTn>
+                  </p:par>
+                  <p:par>
+                    <p:cTn id="14" fill="hold">
+                      <p:stCondLst>
+                        <p:cond delay="indefinite"/>
+                      </p:stCondLst>
+                      <p:childTnLst>
+                        <p:par>
+                          <p:cTn id="15" fill="hold">
+                            <p:stCondLst>
+                              <p:cond delay="0"/>
+                            </p:stCondLst>
+                            <p:childTnLst>
+                              <p:par>
+                                <p:cTn id="16" presetID="42" presetClass="entr" presetSubtype="0" fill="hold" nodeType="clickEffect">
+                                  <p:stCondLst>
+                                    <p:cond delay="0"/>
+                                  </p:stCondLst>
+                                  <p:childTnLst>
+                                    <p:set>
+                                      <p:cBhvr>
+                                        <p:cTn id="17" dur="1" fill="hold">
+                                          <p:stCondLst>
+                                            <p:cond delay="0"/>
+                                          </p:stCondLst>
+                                        </p:cTn>
+                                        <p:tgtEl>
+                                          <p:spTgt spid="8"/>
+                                        </p:tgtEl>
+                                        <p:attrNameLst>
+                                          <p:attrName>style.visibility</p:attrName>
+                                        </p:attrNameLst>
+                                      </p:cBhvr>
+                                      <p:to>
+                                        <p:strVal val="visible"/>
+                                      </p:to>
+                                    </p:set>
+                                    <p:animEffect transition="in" filter="fade">
+                                      <p:cBhvr>
+                                        <p:cTn id="18" dur="1000"/>
+                                        <p:tgtEl>
+                                          <p:spTgt spid="8"/>
+                                        </p:tgtEl>
+                                      </p:cBhvr>
+                                    </p:animEffect>
+                                    <p:anim calcmode="lin" valueType="num">
+                                      <p:cBhvr>
+                                        <p:cTn id="19" dur="1000" fill="hold"/>
+                                        <p:tgtEl>
+                                          <p:spTgt spid="8"/>
+                                        </p:tgtEl>
+                                        <p:attrNameLst>
+                                          <p:attrName>ppt_x</p:attrName>
+                                        </p:attrNameLst>
+                                      </p:cBhvr>
+                                      <p:tavLst>
+                                        <p:tav tm="0">
+                                          <p:val>
+                                            <p:strVal val="#ppt_x"/>
+                                          </p:val>
+                                        </p:tav>
+                                        <p:tav tm="100000">
+                                          <p:val>
+                                            <p:strVal val="#ppt_x"/>
+                                          </p:val>
+                                        </p:tav>
+                                      </p:tavLst>
+                                    </p:anim>
+                                    <p:anim calcmode="lin" valueType="num">
+                                      <p:cBhvr>
+                                        <p:cTn id="20" dur="1000" fill="hold"/>
+                                        <p:tgtEl>
+                                          <p:spTgt spid="8"/>
+                                        </p:tgtEl>
+                                        <p:attrNameLst>
+                                          <p:attrName>ppt_y</p:attrName>
+                                        </p:attrNameLst>
+                                      </p:cBhvr>
+                                      <p:tavLst>
+                                        <p:tav tm="0">
+                                          <p:val>
+                                            <p:strVal val="#ppt_y+.1"/>
+                                          </p:val>
+                                        </p:tav>
+                                        <p:tav tm="100000">
+                                          <p:val>
+                                            <p:strVal val="#ppt_y"/>
+                                          </p:val>
+                                        </p:tav>
+                                      </p:tavLst>
+                                    </p:anim>
+                                  </p:childTnLst>
+                                </p:cTn>
+                              </p:par>
+                            </p:childTnLst>
+                          </p:cTn>
+                        </p:par>
+                      </p:childTnLst>
+                    </p:cTn>
+                  </p:par>
+                </p:childTnLst>
+              </p:cTn>
+              <p:prevCondLst>
+                <p:cond evt="onPrev" delay="0">
+                  <p:tgtEl>
+                    <p:sldTgt/>
+                  </p:tgtEl>
+                </p:cond>
+              </p:prevCondLst>
+              <p:nextCondLst>
+                <p:cond evt="onNext" delay="0">
+                  <p:tgtEl>
+                    <p:sldTgt/>
+                  </p:tgtEl>
+                </p:cond>
+              </p:nextCondLst>
+            </p:seq>
+          </p:childTnLst>
+        </p:cTn>
+      </p:par>
+    </p:tnLst>
+    <p:bldLst>
+      <p:bldP spid="2" grpId="0"/>
+      <p:bldGraphic spid="7" grpId="0">
+        <p:bldAsOne/>
+      </p:bldGraphic>
+    </p:bldLst>
+  </p:timing>
+</p:sld>
+</file>
+
+<file path=ppt/slides/slide8.xml><?xml version="1.0" encoding="utf-8"?>
+<p:sld xmlns:a="http://schemas.openxmlformats.org/drawingml/2006/main" xmlns:r="http://schemas.openxmlformats.org/officeDocument/2006/relationships" xmlns:p="http://schemas.openxmlformats.org/presentationml/2006/main">
+  <p:cSld>
+    <p:spTree>
+      <p:nvGrpSpPr>
+        <p:cNvPr id="1" name=""/>
+        <p:cNvGrpSpPr/>
+        <p:nvPr/>
+      </p:nvGrpSpPr>
+      <p:grpSpPr>
+        <a:xfrm>
+          <a:off x="0" y="0"/>
+          <a:ext cx="0" cy="0"/>
+          <a:chOff x="0" y="0"/>
+          <a:chExt cx="0" cy="0"/>
+        </a:xfrm>
+      </p:grpSpPr>
+      <p:sp>
+        <p:nvSpPr>
+          <p:cNvPr id="2" name="Titel 1"/>
+          <p:cNvSpPr>
+            <a:spLocks noGrp="1"/>
+          </p:cNvSpPr>
+          <p:nvPr>
+            <p:ph type="title"/>
+          </p:nvPr>
+        </p:nvSpPr>
+        <p:spPr/>
+        <p:txBody>
+          <a:bodyPr>
+            <a:normAutofit/>
+          </a:bodyPr>
+          <a:lstStyle/>
+          <a:p>
+            <a:r>
+              <a:rPr lang="de-DE" b="1" dirty="0" smtClean="0">
+                <a:latin typeface="Century Gothic" pitchFamily="34" charset="0"/>
+              </a:rPr>
+              <a:t>Ergebnisse</a:t>
+            </a:r>
+            <a:endParaRPr lang="de-DE" sz="3600" dirty="0"/>
+          </a:p>
+        </p:txBody>
+      </p:sp>
+      <p:pic>
+        <p:nvPicPr>
+          <p:cNvPr id="2050" name="Picture 2"/>
+          <p:cNvPicPr>
+            <a:picLocks noChangeAspect="1" noChangeArrowheads="1"/>
+          </p:cNvPicPr>
+          <p:nvPr/>
+        </p:nvPicPr>
+        <p:blipFill>
+          <a:blip r:embed="rId2" cstate="print">
             <a:extLst>
               <a:ext uri="{28A0092B-C50C-407E-A947-70E740481C1C}">
                 <a14:useLocalDpi xmlns:a14="http://schemas.microsoft.com/office/drawing/2010/main" val="0"/>
@@ -4506,8 +9316,85 @@
         </p:blipFill>
         <p:spPr bwMode="auto">
           <a:xfrm>
-            <a:off x="790482" y="1702696"/>
-            <a:ext cx="7563038" cy="4102568"/>
+            <a:off x="1115616" y="2204756"/>
+            <a:ext cx="2664296" cy="1287302"/>
+          </a:xfrm>
+          <a:prstGeom prst="rect">
+            <a:avLst/>
+          </a:prstGeom>
+          <a:noFill/>
+          <a:ln w="9525">
+            <a:solidFill>
+              <a:schemeClr val="tx1"/>
+            </a:solidFill>
+            <a:miter lim="800000"/>
+            <a:headEnd/>
+            <a:tailEnd/>
+          </a:ln>
+          <a:effectLst>
+            <a:outerShdw dist="35921" dir="2700000" algn="ctr" rotWithShape="0">
+              <a:schemeClr val="bg2"/>
+            </a:outerShdw>
+          </a:effectLst>
+          <a:extLst>
+            <a:ext uri="{909E8E84-426E-40DD-AFC4-6F175D3DCCD1}">
+              <a14:hiddenFill xmlns:a14="http://schemas.microsoft.com/office/drawing/2010/main">
+                <a:solidFill>
+                  <a:schemeClr val="accent1"/>
+                </a:solidFill>
+              </a14:hiddenFill>
+            </a:ext>
+          </a:extLst>
+        </p:spPr>
+      </p:pic>
+      <p:sp>
+        <p:nvSpPr>
+          <p:cNvPr id="3" name="Foliennummernplatzhalter 2"/>
+          <p:cNvSpPr>
+            <a:spLocks noGrp="1"/>
+          </p:cNvSpPr>
+          <p:nvPr>
+            <p:ph type="sldNum" sz="quarter" idx="12"/>
+          </p:nvPr>
+        </p:nvSpPr>
+        <p:spPr/>
+        <p:txBody>
+          <a:bodyPr/>
+          <a:lstStyle/>
+          <a:p>
+            <a:fld id="{7E5C08A9-E730-4E67-A85A-88903A30B32B}" type="slidenum">
+              <a:rPr lang="de-DE" smtClean="0"/>
+              <a:t>8</a:t>
+            </a:fld>
+            <a:endParaRPr lang="de-DE"/>
+          </a:p>
+        </p:txBody>
+      </p:sp>
+      <p:pic>
+        <p:nvPicPr>
+          <p:cNvPr id="10" name="Picture 2"/>
+          <p:cNvPicPr>
+            <a:picLocks noChangeAspect="1" noChangeArrowheads="1"/>
+          </p:cNvPicPr>
+          <p:nvPr/>
+        </p:nvPicPr>
+        <p:blipFill>
+          <a:blip r:embed="rId3" cstate="print">
+            <a:extLst>
+              <a:ext uri="{28A0092B-C50C-407E-A947-70E740481C1C}">
+                <a14:useLocalDpi xmlns:a14="http://schemas.microsoft.com/office/drawing/2010/main" val="0"/>
+              </a:ext>
+            </a:extLst>
+          </a:blip>
+          <a:srcRect/>
+          <a:stretch>
+            <a:fillRect/>
+          </a:stretch>
+        </p:blipFill>
+        <p:spPr bwMode="auto">
+          <a:xfrm>
+            <a:off x="5008088" y="2074856"/>
+            <a:ext cx="2997640" cy="1484151"/>
           </a:xfrm>
           <a:prstGeom prst="rect">
             <a:avLst/>
@@ -4547,2158 +9434,24 @@
           </a:extLst>
         </p:spPr>
       </p:pic>
-      <p:sp>
-        <p:nvSpPr>
-          <p:cNvPr id="3" name="Foliennummernplatzhalter 2"/>
-          <p:cNvSpPr>
-            <a:spLocks noGrp="1"/>
-          </p:cNvSpPr>
-          <p:nvPr>
-            <p:ph type="sldNum" sz="quarter" idx="12"/>
-          </p:nvPr>
-        </p:nvSpPr>
-        <p:spPr/>
-        <p:txBody>
-          <a:bodyPr/>
-          <a:lstStyle/>
-          <a:p>
-            <a:fld id="{7E5C08A9-E730-4E67-A85A-88903A30B32B}" type="slidenum">
-              <a:rPr lang="de-DE" smtClean="0"/>
-              <a:t>11</a:t>
-            </a:fld>
-            <a:endParaRPr lang="de-DE"/>
-          </a:p>
-        </p:txBody>
-      </p:sp>
-    </p:spTree>
-    <p:extLst>
-      <p:ext uri="{BB962C8B-B14F-4D97-AF65-F5344CB8AC3E}">
-        <p14:creationId xmlns:p14="http://schemas.microsoft.com/office/powerpoint/2010/main" val="2679027904"/>
-      </p:ext>
-    </p:extLst>
-  </p:cSld>
-  <p:clrMapOvr>
-    <a:masterClrMapping/>
-  </p:clrMapOvr>
-</p:sld>
-</file>
-
-<file path=ppt/slides/slide12.xml><?xml version="1.0" encoding="utf-8"?>
-<p:sld xmlns:a="http://schemas.openxmlformats.org/drawingml/2006/main" xmlns:r="http://schemas.openxmlformats.org/officeDocument/2006/relationships" xmlns:p="http://schemas.openxmlformats.org/presentationml/2006/main">
-  <p:cSld>
-    <p:spTree>
-      <p:nvGrpSpPr>
-        <p:cNvPr id="1" name=""/>
-        <p:cNvGrpSpPr/>
-        <p:nvPr/>
-      </p:nvGrpSpPr>
-      <p:grpSpPr>
-        <a:xfrm>
-          <a:off x="0" y="0"/>
-          <a:ext cx="0" cy="0"/>
-          <a:chOff x="0" y="0"/>
-          <a:chExt cx="0" cy="0"/>
-        </a:xfrm>
-      </p:grpSpPr>
-      <p:sp>
-        <p:nvSpPr>
-          <p:cNvPr id="2" name="Titel 1"/>
-          <p:cNvSpPr>
-            <a:spLocks noGrp="1"/>
-          </p:cNvSpPr>
-          <p:nvPr>
-            <p:ph type="title"/>
-          </p:nvPr>
-        </p:nvSpPr>
-        <p:spPr/>
-        <p:txBody>
-          <a:bodyPr>
-            <a:normAutofit/>
-          </a:bodyPr>
-          <a:lstStyle/>
-          <a:p>
-            <a:r>
-              <a:rPr lang="de-DE" b="1" dirty="0">
-                <a:latin typeface="Century Gothic" pitchFamily="34" charset="0"/>
-              </a:rPr>
-              <a:t>Was wurde getestet</a:t>
-            </a:r>
-            <a:endParaRPr lang="de-DE" dirty="0"/>
-          </a:p>
-        </p:txBody>
-      </p:sp>
-      <p:sp>
-        <p:nvSpPr>
-          <p:cNvPr id="5" name="Inhaltsplatzhalter 2"/>
-          <p:cNvSpPr txBox="1">
-            <a:spLocks/>
-          </p:cNvSpPr>
-          <p:nvPr/>
-        </p:nvSpPr>
-        <p:spPr bwMode="auto">
-          <a:xfrm>
-            <a:off x="971600" y="1883101"/>
-            <a:ext cx="7200800" cy="3960162"/>
-          </a:xfrm>
-          <a:prstGeom prst="rect">
-            <a:avLst/>
-          </a:prstGeom>
-          <a:noFill/>
-          <a:ln w="9525">
-            <a:noFill/>
-            <a:miter lim="800000"/>
-            <a:headEnd/>
-            <a:tailEnd/>
-          </a:ln>
-        </p:spPr>
-        <p:txBody>
-          <a:bodyPr vert="horz" wrap="square" lIns="91440" tIns="45720" rIns="91440" bIns="45720" numCol="2" anchor="t" anchorCtr="0" compatLnSpc="1">
-            <a:prstTxWarp prst="textNoShape">
-              <a:avLst/>
-            </a:prstTxWarp>
-          </a:bodyPr>
-          <a:lstStyle>
-            <a:lvl1pPr marL="342900" indent="-342900" algn="l" rtl="0" eaLnBrk="1" fontAlgn="base" hangingPunct="1">
-              <a:spcBef>
-                <a:spcPct val="20000"/>
-              </a:spcBef>
-              <a:spcAft>
-                <a:spcPct val="0"/>
-              </a:spcAft>
-              <a:buFont typeface="Arial" pitchFamily="34" charset="0"/>
-              <a:buChar char="•"/>
-              <a:defRPr sz="3200" kern="1200">
-                <a:solidFill>
-                  <a:schemeClr val="tx1"/>
-                </a:solidFill>
-                <a:latin typeface="+mn-lt"/>
-                <a:ea typeface="+mn-ea"/>
-                <a:cs typeface="+mn-cs"/>
-              </a:defRPr>
-            </a:lvl1pPr>
-            <a:lvl2pPr marL="742950" indent="-285750" algn="l" rtl="0" eaLnBrk="1" fontAlgn="base" hangingPunct="1">
-              <a:spcBef>
-                <a:spcPct val="20000"/>
-              </a:spcBef>
-              <a:spcAft>
-                <a:spcPct val="0"/>
-              </a:spcAft>
-              <a:buFont typeface="Arial" pitchFamily="34" charset="0"/>
-              <a:buChar char="–"/>
-              <a:defRPr sz="2800" kern="1200">
-                <a:solidFill>
-                  <a:schemeClr val="tx1"/>
-                </a:solidFill>
-                <a:latin typeface="+mn-lt"/>
-                <a:ea typeface="+mn-ea"/>
-                <a:cs typeface="+mn-cs"/>
-              </a:defRPr>
-            </a:lvl2pPr>
-            <a:lvl3pPr marL="1143000" indent="-228600" algn="l" rtl="0" eaLnBrk="1" fontAlgn="base" hangingPunct="1">
-              <a:spcBef>
-                <a:spcPct val="20000"/>
-              </a:spcBef>
-              <a:spcAft>
-                <a:spcPct val="0"/>
-              </a:spcAft>
-              <a:buFont typeface="Arial" pitchFamily="34" charset="0"/>
-              <a:buChar char="•"/>
-              <a:defRPr sz="2400" kern="1200">
-                <a:solidFill>
-                  <a:schemeClr val="tx1"/>
-                </a:solidFill>
-                <a:latin typeface="+mn-lt"/>
-                <a:ea typeface="+mn-ea"/>
-                <a:cs typeface="+mn-cs"/>
-              </a:defRPr>
-            </a:lvl3pPr>
-            <a:lvl4pPr marL="1600200" indent="-228600" algn="l" rtl="0" eaLnBrk="1" fontAlgn="base" hangingPunct="1">
-              <a:spcBef>
-                <a:spcPct val="20000"/>
-              </a:spcBef>
-              <a:spcAft>
-                <a:spcPct val="0"/>
-              </a:spcAft>
-              <a:buFont typeface="Arial" pitchFamily="34" charset="0"/>
-              <a:buChar char="–"/>
-              <a:defRPr sz="2000" kern="1200">
-                <a:solidFill>
-                  <a:schemeClr val="tx1"/>
-                </a:solidFill>
-                <a:latin typeface="+mn-lt"/>
-                <a:ea typeface="+mn-ea"/>
-                <a:cs typeface="+mn-cs"/>
-              </a:defRPr>
-            </a:lvl4pPr>
-            <a:lvl5pPr marL="2057400" indent="-228600" algn="l" rtl="0" eaLnBrk="1" fontAlgn="base" hangingPunct="1">
-              <a:spcBef>
-                <a:spcPct val="20000"/>
-              </a:spcBef>
-              <a:spcAft>
-                <a:spcPct val="0"/>
-              </a:spcAft>
-              <a:buFont typeface="Arial" pitchFamily="34" charset="0"/>
-              <a:buChar char="»"/>
-              <a:defRPr sz="2000" kern="1200">
-                <a:solidFill>
-                  <a:schemeClr val="tx1"/>
-                </a:solidFill>
-                <a:latin typeface="+mn-lt"/>
-                <a:ea typeface="+mn-ea"/>
-                <a:cs typeface="+mn-cs"/>
-              </a:defRPr>
-            </a:lvl5pPr>
-            <a:lvl6pPr marL="2514600" indent="-228600" algn="l" defTabSz="914400" rtl="0" eaLnBrk="1" latinLnBrk="0" hangingPunct="1">
-              <a:spcBef>
-                <a:spcPct val="20000"/>
-              </a:spcBef>
-              <a:buFont typeface="Arial" pitchFamily="34" charset="0"/>
-              <a:buChar char="•"/>
-              <a:defRPr sz="2000" kern="1200">
-                <a:solidFill>
-                  <a:schemeClr val="tx1"/>
-                </a:solidFill>
-                <a:latin typeface="+mn-lt"/>
-                <a:ea typeface="+mn-ea"/>
-                <a:cs typeface="+mn-cs"/>
-              </a:defRPr>
-            </a:lvl6pPr>
-            <a:lvl7pPr marL="2971800" indent="-228600" algn="l" defTabSz="914400" rtl="0" eaLnBrk="1" latinLnBrk="0" hangingPunct="1">
-              <a:spcBef>
-                <a:spcPct val="20000"/>
-              </a:spcBef>
-              <a:buFont typeface="Arial" pitchFamily="34" charset="0"/>
-              <a:buChar char="•"/>
-              <a:defRPr sz="2000" kern="1200">
-                <a:solidFill>
-                  <a:schemeClr val="tx1"/>
-                </a:solidFill>
-                <a:latin typeface="+mn-lt"/>
-                <a:ea typeface="+mn-ea"/>
-                <a:cs typeface="+mn-cs"/>
-              </a:defRPr>
-            </a:lvl7pPr>
-            <a:lvl8pPr marL="3429000" indent="-228600" algn="l" defTabSz="914400" rtl="0" eaLnBrk="1" latinLnBrk="0" hangingPunct="1">
-              <a:spcBef>
-                <a:spcPct val="20000"/>
-              </a:spcBef>
-              <a:buFont typeface="Arial" pitchFamily="34" charset="0"/>
-              <a:buChar char="•"/>
-              <a:defRPr sz="2000" kern="1200">
-                <a:solidFill>
-                  <a:schemeClr val="tx1"/>
-                </a:solidFill>
-                <a:latin typeface="+mn-lt"/>
-                <a:ea typeface="+mn-ea"/>
-                <a:cs typeface="+mn-cs"/>
-              </a:defRPr>
-            </a:lvl8pPr>
-            <a:lvl9pPr marL="3886200" indent="-228600" algn="l" defTabSz="914400" rtl="0" eaLnBrk="1" latinLnBrk="0" hangingPunct="1">
-              <a:spcBef>
-                <a:spcPct val="20000"/>
-              </a:spcBef>
-              <a:buFont typeface="Arial" pitchFamily="34" charset="0"/>
-              <a:buChar char="•"/>
-              <a:defRPr sz="2000" kern="1200">
-                <a:solidFill>
-                  <a:schemeClr val="tx1"/>
-                </a:solidFill>
-                <a:latin typeface="+mn-lt"/>
-                <a:ea typeface="+mn-ea"/>
-                <a:cs typeface="+mn-cs"/>
-              </a:defRPr>
-            </a:lvl9pPr>
-          </a:lstStyle>
-          <a:p>
-            <a:pPr marL="342900" marR="0" lvl="0" indent="-342900" algn="l" defTabSz="914400" rtl="0" eaLnBrk="1" fontAlgn="base" latinLnBrk="0" hangingPunct="1">
-              <a:lnSpc>
-                <a:spcPct val="100000"/>
-              </a:lnSpc>
-              <a:spcBef>
-                <a:spcPct val="20000"/>
-              </a:spcBef>
-              <a:spcAft>
-                <a:spcPct val="0"/>
-              </a:spcAft>
-              <a:buClrTx/>
-              <a:buSzTx/>
-              <a:buFont typeface="Arial" pitchFamily="34" charset="0"/>
-              <a:buChar char="•"/>
-              <a:tabLst/>
-              <a:defRPr/>
-            </a:pPr>
-            <a:r>
-              <a:rPr kumimoji="0" lang="de-DE" sz="2400" b="0" i="0" u="none" strike="noStrike" kern="1200" cap="none" spc="0" normalizeH="0" baseline="0" noProof="0" dirty="0">
-                <a:ln>
-                  <a:noFill/>
-                </a:ln>
-                <a:solidFill>
-                  <a:sysClr val="windowText" lastClr="000000"/>
-                </a:solidFill>
-                <a:effectLst/>
-                <a:uLnTx/>
-                <a:uFillTx/>
-              </a:rPr>
-              <a:t>Testdaten</a:t>
-            </a:r>
-            <a:r>
-              <a:rPr kumimoji="0" lang="de-DE" sz="2400" b="0" i="0" u="none" strike="noStrike" kern="1200" cap="none" spc="0" normalizeH="0" noProof="0" dirty="0">
-                <a:ln>
-                  <a:noFill/>
-                </a:ln>
-                <a:solidFill>
-                  <a:sysClr val="windowText" lastClr="000000"/>
-                </a:solidFill>
-                <a:effectLst/>
-                <a:uLnTx/>
-                <a:uFillTx/>
-              </a:rPr>
-              <a:t> in Datenbank</a:t>
-            </a:r>
-            <a:endParaRPr kumimoji="0" lang="de-DE" sz="2400" b="0" i="0" u="none" strike="noStrike" kern="1200" cap="none" spc="0" normalizeH="0" baseline="0" noProof="0" dirty="0">
-              <a:ln>
-                <a:noFill/>
-              </a:ln>
-              <a:solidFill>
-                <a:sysClr val="windowText" lastClr="000000"/>
-              </a:solidFill>
-              <a:effectLst/>
-              <a:uLnTx/>
-              <a:uFillTx/>
-            </a:endParaRPr>
-          </a:p>
-          <a:p>
-            <a:pPr marL="742950" marR="0" lvl="1" indent="-285750" algn="l" defTabSz="914400" rtl="0" eaLnBrk="1" fontAlgn="base" latinLnBrk="0" hangingPunct="1">
-              <a:lnSpc>
-                <a:spcPct val="100000"/>
-              </a:lnSpc>
-              <a:spcBef>
-                <a:spcPct val="20000"/>
-              </a:spcBef>
-              <a:spcAft>
-                <a:spcPct val="0"/>
-              </a:spcAft>
-              <a:buClrTx/>
-              <a:buSzTx/>
-              <a:buFont typeface="Arial" pitchFamily="34" charset="0"/>
-              <a:buChar char="–"/>
-              <a:tabLst/>
-              <a:defRPr/>
-            </a:pPr>
-            <a:r>
-              <a:rPr kumimoji="0" lang="de-DE" sz="2400" b="0" i="0" u="none" strike="noStrike" kern="1200" cap="none" spc="0" normalizeH="0" baseline="0" noProof="0" dirty="0">
-                <a:ln>
-                  <a:noFill/>
-                </a:ln>
-                <a:solidFill>
-                  <a:sysClr val="windowText" lastClr="000000"/>
-                </a:solidFill>
-                <a:effectLst/>
-                <a:uLnTx/>
-                <a:uFillTx/>
-              </a:rPr>
-              <a:t>Lehrer</a:t>
-            </a:r>
-          </a:p>
-          <a:p>
-            <a:pPr marL="742950" marR="0" lvl="1" indent="-285750" algn="l" defTabSz="914400" rtl="0" eaLnBrk="1" fontAlgn="base" latinLnBrk="0" hangingPunct="1">
-              <a:lnSpc>
-                <a:spcPct val="100000"/>
-              </a:lnSpc>
-              <a:spcBef>
-                <a:spcPct val="20000"/>
-              </a:spcBef>
-              <a:spcAft>
-                <a:spcPct val="0"/>
-              </a:spcAft>
-              <a:buClrTx/>
-              <a:buSzTx/>
-              <a:buFont typeface="Arial" pitchFamily="34" charset="0"/>
-              <a:buChar char="–"/>
-              <a:tabLst/>
-              <a:defRPr/>
-            </a:pPr>
-            <a:r>
-              <a:rPr kumimoji="0" lang="de-DE" sz="2400" b="0" i="0" u="none" strike="noStrike" kern="1200" cap="none" spc="0" normalizeH="0" baseline="0" noProof="0" dirty="0">
-                <a:ln>
-                  <a:noFill/>
-                </a:ln>
-                <a:solidFill>
-                  <a:sysClr val="windowText" lastClr="000000"/>
-                </a:solidFill>
-                <a:effectLst/>
-                <a:uLnTx/>
-                <a:uFillTx/>
-              </a:rPr>
-              <a:t>Protokolle</a:t>
-            </a:r>
-          </a:p>
-          <a:p>
-            <a:pPr marL="742950" marR="0" lvl="1" indent="-285750" algn="l" defTabSz="914400" rtl="0" eaLnBrk="1" fontAlgn="base" latinLnBrk="0" hangingPunct="1">
-              <a:lnSpc>
-                <a:spcPct val="100000"/>
-              </a:lnSpc>
-              <a:spcBef>
-                <a:spcPct val="20000"/>
-              </a:spcBef>
-              <a:spcAft>
-                <a:spcPct val="0"/>
-              </a:spcAft>
-              <a:buClrTx/>
-              <a:buSzTx/>
-              <a:buFont typeface="Arial" pitchFamily="34" charset="0"/>
-              <a:buChar char="–"/>
-              <a:tabLst/>
-              <a:defRPr/>
-            </a:pPr>
-            <a:r>
-              <a:rPr kumimoji="0" lang="de-DE" sz="2400" b="0" i="0" u="none" strike="noStrike" kern="1200" cap="none" spc="0" normalizeH="0" baseline="0" noProof="0" dirty="0">
-                <a:ln>
-                  <a:noFill/>
-                </a:ln>
-                <a:solidFill>
-                  <a:sysClr val="windowText" lastClr="000000"/>
-                </a:solidFill>
-                <a:effectLst/>
-                <a:uLnTx/>
-                <a:uFillTx/>
-              </a:rPr>
-              <a:t>Gruppen</a:t>
-            </a:r>
-          </a:p>
-          <a:p>
-            <a:pPr marL="742950" marR="0" lvl="1" indent="-285750" algn="l" defTabSz="914400" rtl="0" eaLnBrk="1" fontAlgn="base" latinLnBrk="0" hangingPunct="1">
-              <a:lnSpc>
-                <a:spcPct val="100000"/>
-              </a:lnSpc>
-              <a:spcBef>
-                <a:spcPct val="20000"/>
-              </a:spcBef>
-              <a:spcAft>
-                <a:spcPct val="0"/>
-              </a:spcAft>
-              <a:buClrTx/>
-              <a:buSzTx/>
-              <a:buFont typeface="Arial" pitchFamily="34" charset="0"/>
-              <a:buChar char="–"/>
-              <a:tabLst/>
-              <a:defRPr/>
-            </a:pPr>
-            <a:r>
-              <a:rPr kumimoji="0" lang="de-DE" sz="2400" b="0" i="0" u="none" strike="noStrike" kern="1200" cap="none" spc="0" normalizeH="0" baseline="0" noProof="0" dirty="0">
-                <a:ln>
-                  <a:noFill/>
-                </a:ln>
-                <a:solidFill>
-                  <a:sysClr val="windowText" lastClr="000000"/>
-                </a:solidFill>
-                <a:effectLst/>
-                <a:uLnTx/>
-                <a:uFillTx/>
-              </a:rPr>
-              <a:t>TOPs</a:t>
-            </a:r>
-          </a:p>
-          <a:p>
-            <a:pPr marL="0" marR="0" lvl="0" indent="0" algn="l" defTabSz="914400" rtl="0" eaLnBrk="1" fontAlgn="base" latinLnBrk="0" hangingPunct="1">
-              <a:lnSpc>
-                <a:spcPct val="100000"/>
-              </a:lnSpc>
-              <a:spcBef>
-                <a:spcPct val="20000"/>
-              </a:spcBef>
-              <a:spcAft>
-                <a:spcPct val="0"/>
-              </a:spcAft>
-              <a:buClrTx/>
-              <a:buSzTx/>
-              <a:buNone/>
-              <a:tabLst/>
-              <a:defRPr/>
-            </a:pPr>
-            <a:endParaRPr kumimoji="0" lang="de-DE" sz="2400" b="0" i="0" u="none" strike="noStrike" kern="1200" cap="none" spc="0" normalizeH="0" baseline="0" noProof="0" dirty="0">
-              <a:ln>
-                <a:noFill/>
-              </a:ln>
-              <a:solidFill>
-                <a:sysClr val="windowText" lastClr="000000"/>
-              </a:solidFill>
-              <a:effectLst/>
-              <a:uLnTx/>
-              <a:uFillTx/>
-            </a:endParaRPr>
-          </a:p>
-          <a:p>
-            <a:pPr marL="0" marR="0" lvl="0" indent="0" algn="l" defTabSz="914400" rtl="0" eaLnBrk="1" fontAlgn="base" latinLnBrk="0" hangingPunct="1">
-              <a:lnSpc>
-                <a:spcPct val="100000"/>
-              </a:lnSpc>
-              <a:spcBef>
-                <a:spcPct val="20000"/>
-              </a:spcBef>
-              <a:spcAft>
-                <a:spcPct val="0"/>
-              </a:spcAft>
-              <a:buClrTx/>
-              <a:buSzTx/>
-              <a:buNone/>
-              <a:tabLst/>
-              <a:defRPr/>
-            </a:pPr>
-            <a:endParaRPr lang="de-DE" sz="2400" dirty="0">
-              <a:solidFill>
-                <a:sysClr val="windowText" lastClr="000000"/>
-              </a:solidFill>
-            </a:endParaRPr>
-          </a:p>
-          <a:p>
-            <a:pPr marL="0" marR="0" lvl="0" indent="0" algn="l" defTabSz="914400" rtl="0" eaLnBrk="1" fontAlgn="base" latinLnBrk="0" hangingPunct="1">
-              <a:lnSpc>
-                <a:spcPct val="100000"/>
-              </a:lnSpc>
-              <a:spcBef>
-                <a:spcPct val="20000"/>
-              </a:spcBef>
-              <a:spcAft>
-                <a:spcPct val="0"/>
-              </a:spcAft>
-              <a:buClrTx/>
-              <a:buSzTx/>
-              <a:buNone/>
-              <a:tabLst/>
-              <a:defRPr/>
-            </a:pPr>
-            <a:endParaRPr kumimoji="0" lang="de-DE" sz="2400" b="0" i="0" u="none" strike="noStrike" kern="1200" cap="none" spc="0" normalizeH="0" baseline="0" noProof="0" dirty="0">
-              <a:ln>
-                <a:noFill/>
-              </a:ln>
-              <a:solidFill>
-                <a:sysClr val="windowText" lastClr="000000"/>
-              </a:solidFill>
-              <a:effectLst/>
-              <a:uLnTx/>
-              <a:uFillTx/>
-            </a:endParaRPr>
-          </a:p>
-          <a:p>
-            <a:r>
-              <a:rPr kumimoji="0" lang="de-DE" sz="2400" b="0" i="0" u="none" strike="noStrike" kern="1200" cap="none" spc="0" normalizeH="0" baseline="0" noProof="0" dirty="0">
-                <a:ln>
-                  <a:noFill/>
-                </a:ln>
-                <a:solidFill>
-                  <a:sysClr val="windowText" lastClr="000000"/>
-                </a:solidFill>
-                <a:effectLst/>
-                <a:uLnTx/>
-                <a:uFillTx/>
-              </a:rPr>
-              <a:t>Zugriff von überall</a:t>
-            </a:r>
-          </a:p>
-          <a:p>
-            <a:pPr lvl="1"/>
-            <a:r>
-              <a:rPr lang="de-DE" sz="2400" dirty="0">
-                <a:solidFill>
-                  <a:sysClr val="windowText" lastClr="000000"/>
-                </a:solidFill>
-              </a:rPr>
-              <a:t>Zuhause, Windows</a:t>
-            </a:r>
-          </a:p>
-          <a:p>
-            <a:pPr lvl="1"/>
-            <a:r>
-              <a:rPr lang="de-DE" sz="2400" dirty="0">
-                <a:solidFill>
-                  <a:sysClr val="windowText" lastClr="000000"/>
-                </a:solidFill>
-              </a:rPr>
-              <a:t>Zuhause, Linux</a:t>
-            </a:r>
-          </a:p>
-          <a:p>
-            <a:pPr lvl="1"/>
-            <a:r>
-              <a:rPr kumimoji="0" lang="de-DE" sz="2400" b="0" i="0" u="none" strike="noStrike" kern="1200" cap="none" spc="0" normalizeH="0" baseline="0" noProof="0" dirty="0">
-                <a:ln>
-                  <a:noFill/>
-                </a:ln>
-                <a:solidFill>
-                  <a:sysClr val="windowText" lastClr="000000"/>
-                </a:solidFill>
-                <a:effectLst/>
-                <a:uLnTx/>
-                <a:uFillTx/>
-              </a:rPr>
-              <a:t>Schule, Windows</a:t>
-            </a:r>
-          </a:p>
-          <a:p>
-            <a:pPr lvl="1"/>
-            <a:r>
-              <a:rPr lang="de-DE" sz="2400" dirty="0">
-                <a:solidFill>
-                  <a:sysClr val="windowText" lastClr="000000"/>
-                </a:solidFill>
-              </a:rPr>
-              <a:t>Unterwegs, Android &amp; </a:t>
-            </a:r>
-            <a:r>
-              <a:rPr kumimoji="0" lang="de-DE" sz="2400" b="0" i="0" u="none" strike="noStrike" kern="1200" cap="none" spc="0" normalizeH="0" baseline="0" noProof="0" dirty="0">
-                <a:ln>
-                  <a:noFill/>
-                </a:ln>
-                <a:solidFill>
-                  <a:sysClr val="windowText" lastClr="000000"/>
-                </a:solidFill>
-                <a:effectLst/>
-                <a:uLnTx/>
-                <a:uFillTx/>
-              </a:rPr>
-              <a:t>iOS</a:t>
-            </a:r>
-          </a:p>
-        </p:txBody>
-      </p:sp>
-      <p:sp>
-        <p:nvSpPr>
-          <p:cNvPr id="3" name="Foliennummernplatzhalter 2"/>
-          <p:cNvSpPr>
-            <a:spLocks noGrp="1"/>
-          </p:cNvSpPr>
-          <p:nvPr>
-            <p:ph type="sldNum" sz="quarter" idx="12"/>
-          </p:nvPr>
-        </p:nvSpPr>
-        <p:spPr/>
-        <p:txBody>
-          <a:bodyPr/>
-          <a:lstStyle/>
-          <a:p>
-            <a:fld id="{7E5C08A9-E730-4E67-A85A-88903A30B32B}" type="slidenum">
-              <a:rPr lang="de-DE" smtClean="0"/>
-              <a:t>12</a:t>
-            </a:fld>
-            <a:endParaRPr lang="de-DE"/>
-          </a:p>
-        </p:txBody>
-      </p:sp>
-    </p:spTree>
-    <p:extLst>
-      <p:ext uri="{BB962C8B-B14F-4D97-AF65-F5344CB8AC3E}">
-        <p14:creationId xmlns:p14="http://schemas.microsoft.com/office/powerpoint/2010/main" val="3090941573"/>
-      </p:ext>
-    </p:extLst>
-  </p:cSld>
-  <p:clrMapOvr>
-    <a:masterClrMapping/>
-  </p:clrMapOvr>
-</p:sld>
-</file>
-
-<file path=ppt/slides/slide13.xml><?xml version="1.0" encoding="utf-8"?>
-<p:sld xmlns:a="http://schemas.openxmlformats.org/drawingml/2006/main" xmlns:r="http://schemas.openxmlformats.org/officeDocument/2006/relationships" xmlns:p="http://schemas.openxmlformats.org/presentationml/2006/main">
-  <p:cSld>
-    <p:spTree>
-      <p:nvGrpSpPr>
-        <p:cNvPr id="1" name=""/>
-        <p:cNvGrpSpPr/>
-        <p:nvPr/>
-      </p:nvGrpSpPr>
-      <p:grpSpPr>
-        <a:xfrm>
-          <a:off x="0" y="0"/>
-          <a:ext cx="0" cy="0"/>
-          <a:chOff x="0" y="0"/>
-          <a:chExt cx="0" cy="0"/>
-        </a:xfrm>
-      </p:grpSpPr>
-      <p:sp>
-        <p:nvSpPr>
-          <p:cNvPr id="2" name="Titel 1"/>
-          <p:cNvSpPr>
-            <a:spLocks noGrp="1"/>
-          </p:cNvSpPr>
-          <p:nvPr>
-            <p:ph type="title"/>
-          </p:nvPr>
-        </p:nvSpPr>
-        <p:spPr/>
-        <p:txBody>
-          <a:bodyPr/>
-          <a:lstStyle/>
-          <a:p>
-            <a:r>
-              <a:rPr lang="de-DE" b="1" dirty="0">
-                <a:latin typeface="Century Gothic" pitchFamily="34" charset="0"/>
-              </a:rPr>
-              <a:t>Fazit</a:t>
-            </a:r>
-            <a:endParaRPr lang="de-DE" dirty="0"/>
-          </a:p>
-        </p:txBody>
-      </p:sp>
-      <p:sp>
-        <p:nvSpPr>
-          <p:cNvPr id="5" name="Inhaltsplatzhalter 2"/>
-          <p:cNvSpPr>
-            <a:spLocks noGrp="1"/>
-          </p:cNvSpPr>
+      <p:pic>
+        <p:nvPicPr>
+          <p:cNvPr id="11" name="Picture 2" descr="Entity-Relation-Diagramm.PNG">
+            <a:extLst>
+              <a:ext uri="{FF2B5EF4-FFF2-40B4-BE49-F238E27FC236}">
+                <a16:creationId xmlns:a16="http://schemas.microsoft.com/office/drawing/2014/main" id="{E7623F60-C7B2-49BA-B141-6FCFA9129A44}"/>
+              </a:ext>
+            </a:extLst>
+          </p:cNvPr>
+          <p:cNvPicPr>
+            <a:picLocks noGrp="1" noChangeAspect="1" noChangeArrowheads="1"/>
+          </p:cNvPicPr>
           <p:nvPr>
             <p:ph idx="1"/>
           </p:nvPr>
-        </p:nvSpPr>
-        <p:spPr>
-          <a:xfrm>
-            <a:off x="822959" y="2071678"/>
-            <a:ext cx="6413337" cy="3797416"/>
-          </a:xfrm>
-        </p:spPr>
-        <p:txBody>
-          <a:bodyPr numCol="2">
-            <a:normAutofit/>
-          </a:bodyPr>
-          <a:lstStyle/>
-          <a:p>
-            <a:pPr>
-              <a:buFont typeface="Wingdings" panose="05000000000000000000" pitchFamily="2" charset="2"/>
-              <a:buChar char="Ø"/>
-            </a:pPr>
-            <a:endParaRPr lang="de-DE" sz="2400" dirty="0"/>
-          </a:p>
-          <a:p>
-            <a:pPr>
-              <a:buFont typeface="Wingdings" panose="05000000000000000000" pitchFamily="2" charset="2"/>
-              <a:buChar char="Ø"/>
-            </a:pPr>
-            <a:endParaRPr lang="de-DE" sz="2400" dirty="0"/>
-          </a:p>
-          <a:p>
-            <a:pPr>
-              <a:buFont typeface="Wingdings" panose="05000000000000000000" pitchFamily="2" charset="2"/>
-              <a:buChar char="Ø"/>
-            </a:pPr>
-            <a:endParaRPr lang="de-DE" sz="2400" dirty="0"/>
-          </a:p>
-          <a:p>
-            <a:pPr>
-              <a:buFont typeface="Wingdings" panose="05000000000000000000" pitchFamily="2" charset="2"/>
-              <a:buChar char="Ø"/>
-            </a:pPr>
-            <a:endParaRPr lang="de-DE" sz="2400" dirty="0"/>
-          </a:p>
-          <a:p>
-            <a:pPr>
-              <a:buFont typeface="Wingdings" panose="05000000000000000000" pitchFamily="2" charset="2"/>
-              <a:buChar char="Ø"/>
-            </a:pPr>
-            <a:endParaRPr lang="de-DE" sz="2400" dirty="0"/>
-          </a:p>
-          <a:p>
-            <a:pPr>
-              <a:buFont typeface="Wingdings" panose="05000000000000000000" pitchFamily="2" charset="2"/>
-              <a:buChar char="Ø"/>
-            </a:pPr>
-            <a:endParaRPr lang="de-DE" sz="2400" dirty="0"/>
-          </a:p>
-          <a:p>
-            <a:pPr>
-              <a:buFont typeface="Wingdings" panose="05000000000000000000" pitchFamily="2" charset="2"/>
-              <a:buChar char="Ø"/>
-            </a:pPr>
-            <a:endParaRPr lang="de-DE" sz="2400" dirty="0"/>
-          </a:p>
-          <a:p>
-            <a:pPr>
-              <a:buFont typeface="Wingdings" panose="05000000000000000000" pitchFamily="2" charset="2"/>
-              <a:buChar char="Ø"/>
-            </a:pPr>
-            <a:endParaRPr lang="de-DE" sz="2400" dirty="0"/>
-          </a:p>
-          <a:p>
-            <a:pPr>
-              <a:buFont typeface="Wingdings" panose="05000000000000000000" pitchFamily="2" charset="2"/>
-              <a:buChar char="Ø"/>
-            </a:pPr>
-            <a:r>
-              <a:rPr lang="de-DE" sz="2400" dirty="0"/>
-              <a:t>Zielerreichung</a:t>
-            </a:r>
-          </a:p>
-          <a:p>
-            <a:pPr>
-              <a:buFont typeface="Wingdings" panose="05000000000000000000" pitchFamily="2" charset="2"/>
-              <a:buChar char="Ø"/>
-            </a:pPr>
-            <a:r>
-              <a:rPr lang="de-DE" sz="2400" dirty="0"/>
-              <a:t>Gewonnene Kenntnisse</a:t>
-            </a:r>
-          </a:p>
-        </p:txBody>
-      </p:sp>
-      <p:pic>
-        <p:nvPicPr>
-          <p:cNvPr id="6" name="Grafik 5" descr="darts-155726_960_720.png"/>
-          <p:cNvPicPr>
-            <a:picLocks noChangeAspect="1"/>
-          </p:cNvPicPr>
-          <p:nvPr/>
         </p:nvPicPr>
         <p:blipFill>
-          <a:blip r:embed="rId2" cstate="print"/>
-          <a:stretch>
-            <a:fillRect/>
-          </a:stretch>
-        </p:blipFill>
-        <p:spPr>
-          <a:xfrm>
-            <a:off x="1707136" y="2071678"/>
-            <a:ext cx="2357454" cy="2611333"/>
-          </a:xfrm>
-          <a:prstGeom prst="rect">
-            <a:avLst/>
-          </a:prstGeom>
-        </p:spPr>
-      </p:pic>
-      <p:sp>
-        <p:nvSpPr>
-          <p:cNvPr id="7" name="Textfeld 6"/>
-          <p:cNvSpPr txBox="1"/>
-          <p:nvPr/>
-        </p:nvSpPr>
-        <p:spPr>
-          <a:xfrm>
-            <a:off x="1643042" y="4357694"/>
-            <a:ext cx="4143404" cy="246221"/>
-          </a:xfrm>
-          <a:prstGeom prst="rect">
-            <a:avLst/>
-          </a:prstGeom>
-          <a:noFill/>
-        </p:spPr>
-        <p:txBody>
-          <a:bodyPr wrap="square" rtlCol="0">
-            <a:spAutoFit/>
-          </a:bodyPr>
-          <a:lstStyle/>
-          <a:p>
-            <a:pPr marL="180975" indent="-180975">
-              <a:buClr>
-                <a:schemeClr val="accent1"/>
-              </a:buClr>
-            </a:pPr>
-            <a:r>
-              <a:rPr lang="de-DE" sz="1000" dirty="0">
-                <a:latin typeface="Arial" pitchFamily="34" charset="0"/>
-                <a:cs typeface="Arial" pitchFamily="34" charset="0"/>
-              </a:rPr>
-              <a:t>pixabay.com (Copyright freie Bilder)</a:t>
-            </a:r>
-          </a:p>
-        </p:txBody>
-      </p:sp>
-      <p:sp>
-        <p:nvSpPr>
-          <p:cNvPr id="3" name="Foliennummernplatzhalter 2"/>
-          <p:cNvSpPr>
-            <a:spLocks noGrp="1"/>
-          </p:cNvSpPr>
-          <p:nvPr>
-            <p:ph type="sldNum" sz="quarter" idx="12"/>
-          </p:nvPr>
-        </p:nvSpPr>
-        <p:spPr/>
-        <p:txBody>
-          <a:bodyPr/>
-          <a:lstStyle/>
-          <a:p>
-            <a:fld id="{7E5C08A9-E730-4E67-A85A-88903A30B32B}" type="slidenum">
-              <a:rPr lang="de-DE" smtClean="0"/>
-              <a:t>13</a:t>
-            </a:fld>
-            <a:endParaRPr lang="de-DE"/>
-          </a:p>
-        </p:txBody>
-      </p:sp>
-    </p:spTree>
-    <p:extLst>
-      <p:ext uri="{BB962C8B-B14F-4D97-AF65-F5344CB8AC3E}">
-        <p14:creationId xmlns:p14="http://schemas.microsoft.com/office/powerpoint/2010/main" val="3340198099"/>
-      </p:ext>
-    </p:extLst>
-  </p:cSld>
-  <p:clrMapOvr>
-    <a:masterClrMapping/>
-  </p:clrMapOvr>
-</p:sld>
-</file>
-
-<file path=ppt/slides/slide2.xml><?xml version="1.0" encoding="utf-8"?>
-<p:sld xmlns:a="http://schemas.openxmlformats.org/drawingml/2006/main" xmlns:r="http://schemas.openxmlformats.org/officeDocument/2006/relationships" xmlns:p="http://schemas.openxmlformats.org/presentationml/2006/main">
-  <p:cSld>
-    <p:spTree>
-      <p:nvGrpSpPr>
-        <p:cNvPr id="1" name=""/>
-        <p:cNvGrpSpPr/>
-        <p:nvPr/>
-      </p:nvGrpSpPr>
-      <p:grpSpPr>
-        <a:xfrm>
-          <a:off x="0" y="0"/>
-          <a:ext cx="0" cy="0"/>
-          <a:chOff x="0" y="0"/>
-          <a:chExt cx="0" cy="0"/>
-        </a:xfrm>
-      </p:grpSpPr>
-      <p:sp>
-        <p:nvSpPr>
-          <p:cNvPr id="2" name="Titel 1"/>
-          <p:cNvSpPr>
-            <a:spLocks noGrp="1"/>
-          </p:cNvSpPr>
-          <p:nvPr>
-            <p:ph type="title"/>
-          </p:nvPr>
-        </p:nvSpPr>
-        <p:spPr/>
-        <p:txBody>
-          <a:bodyPr/>
-          <a:lstStyle/>
-          <a:p>
-            <a:r>
-              <a:rPr lang="de-DE" b="1" dirty="0">
-                <a:latin typeface="Century Gothic" pitchFamily="34" charset="0"/>
-              </a:rPr>
-              <a:t>Inhaltsverzeichnis</a:t>
-            </a:r>
-            <a:endParaRPr lang="de-DE" dirty="0"/>
-          </a:p>
-        </p:txBody>
-      </p:sp>
-      <p:sp>
-        <p:nvSpPr>
-          <p:cNvPr id="3" name="Inhaltsplatzhalter 2"/>
-          <p:cNvSpPr>
-            <a:spLocks noGrp="1"/>
-          </p:cNvSpPr>
-          <p:nvPr>
-            <p:ph idx="1"/>
-          </p:nvPr>
-        </p:nvSpPr>
-        <p:spPr/>
-        <p:txBody>
-          <a:bodyPr/>
-          <a:lstStyle/>
-          <a:p>
-            <a:pPr>
-              <a:buFont typeface="Wingdings" pitchFamily="2" charset="2"/>
-              <a:buChar char="Ø"/>
-            </a:pPr>
-            <a:r>
-              <a:rPr lang="de-DE" dirty="0"/>
-              <a:t>Das Projekt</a:t>
-            </a:r>
-          </a:p>
-          <a:p>
-            <a:pPr>
-              <a:buFont typeface="Wingdings" pitchFamily="2" charset="2"/>
-              <a:buChar char="Ø"/>
-            </a:pPr>
-            <a:r>
-              <a:rPr lang="de-DE" dirty="0"/>
-              <a:t>Analyse</a:t>
-            </a:r>
-          </a:p>
-          <a:p>
-            <a:pPr>
-              <a:buFont typeface="Wingdings" pitchFamily="2" charset="2"/>
-              <a:buChar char="Ø"/>
-            </a:pPr>
-            <a:r>
-              <a:rPr lang="de-DE" dirty="0"/>
-              <a:t>Projektplanung</a:t>
-            </a:r>
-          </a:p>
-          <a:p>
-            <a:pPr>
-              <a:buFont typeface="Wingdings" pitchFamily="2" charset="2"/>
-              <a:buChar char="Ø"/>
-            </a:pPr>
-            <a:r>
-              <a:rPr lang="de-DE" dirty="0"/>
-              <a:t>Entwurfsphase</a:t>
-            </a:r>
-          </a:p>
-          <a:p>
-            <a:pPr>
-              <a:buFont typeface="Wingdings" pitchFamily="2" charset="2"/>
-              <a:buChar char="Ø"/>
-            </a:pPr>
-            <a:r>
-              <a:rPr lang="de-DE" dirty="0"/>
-              <a:t>Implementation</a:t>
-            </a:r>
-          </a:p>
-          <a:p>
-            <a:pPr>
-              <a:buFont typeface="Wingdings" pitchFamily="2" charset="2"/>
-              <a:buChar char="Ø"/>
-            </a:pPr>
-            <a:r>
-              <a:rPr lang="de-DE" dirty="0"/>
-              <a:t>Testphase</a:t>
-            </a:r>
-          </a:p>
-          <a:p>
-            <a:pPr>
-              <a:buFont typeface="Wingdings" pitchFamily="2" charset="2"/>
-              <a:buChar char="Ø"/>
-            </a:pPr>
-            <a:r>
-              <a:rPr lang="de-DE" dirty="0"/>
-              <a:t>Fazit</a:t>
-            </a:r>
-          </a:p>
-          <a:p>
-            <a:endParaRPr lang="de-DE" dirty="0"/>
-          </a:p>
-        </p:txBody>
-      </p:sp>
-      <p:sp>
-        <p:nvSpPr>
-          <p:cNvPr id="4" name="Foliennummernplatzhalter 3"/>
-          <p:cNvSpPr>
-            <a:spLocks noGrp="1"/>
-          </p:cNvSpPr>
-          <p:nvPr>
-            <p:ph type="sldNum" sz="quarter" idx="12"/>
-          </p:nvPr>
-        </p:nvSpPr>
-        <p:spPr/>
-        <p:txBody>
-          <a:bodyPr/>
-          <a:lstStyle/>
-          <a:p>
-            <a:fld id="{7E5C08A9-E730-4E67-A85A-88903A30B32B}" type="slidenum">
-              <a:rPr lang="de-DE" smtClean="0"/>
-              <a:t>2</a:t>
-            </a:fld>
-            <a:endParaRPr lang="de-DE"/>
-          </a:p>
-        </p:txBody>
-      </p:sp>
-    </p:spTree>
-    <p:extLst>
-      <p:ext uri="{BB962C8B-B14F-4D97-AF65-F5344CB8AC3E}">
-        <p14:creationId xmlns:p14="http://schemas.microsoft.com/office/powerpoint/2010/main" val="1386131300"/>
-      </p:ext>
-    </p:extLst>
-  </p:cSld>
-  <p:clrMapOvr>
-    <a:masterClrMapping/>
-  </p:clrMapOvr>
-</p:sld>
-</file>
-
-<file path=ppt/slides/slide3.xml><?xml version="1.0" encoding="utf-8"?>
-<p:sld xmlns:a="http://schemas.openxmlformats.org/drawingml/2006/main" xmlns:r="http://schemas.openxmlformats.org/officeDocument/2006/relationships" xmlns:p="http://schemas.openxmlformats.org/presentationml/2006/main">
-  <p:cSld>
-    <p:spTree>
-      <p:nvGrpSpPr>
-        <p:cNvPr id="1" name=""/>
-        <p:cNvGrpSpPr/>
-        <p:nvPr/>
-      </p:nvGrpSpPr>
-      <p:grpSpPr>
-        <a:xfrm>
-          <a:off x="0" y="0"/>
-          <a:ext cx="0" cy="0"/>
-          <a:chOff x="0" y="0"/>
-          <a:chExt cx="0" cy="0"/>
-        </a:xfrm>
-      </p:grpSpPr>
-      <p:sp>
-        <p:nvSpPr>
-          <p:cNvPr id="2" name="Titel 1"/>
-          <p:cNvSpPr>
-            <a:spLocks noGrp="1"/>
-          </p:cNvSpPr>
-          <p:nvPr>
-            <p:ph type="title"/>
-          </p:nvPr>
-        </p:nvSpPr>
-        <p:spPr/>
-        <p:txBody>
-          <a:bodyPr/>
-          <a:lstStyle/>
-          <a:p>
-            <a:r>
-              <a:rPr lang="de-DE" b="1" dirty="0">
-                <a:latin typeface="Century Gothic" pitchFamily="34" charset="0"/>
-              </a:rPr>
-              <a:t>Das Projekt</a:t>
-            </a:r>
-            <a:endParaRPr lang="de-DE" dirty="0"/>
-          </a:p>
-        </p:txBody>
-      </p:sp>
-      <p:sp>
-        <p:nvSpPr>
-          <p:cNvPr id="4" name="Inhaltsplatzhalter 2"/>
-          <p:cNvSpPr>
-            <a:spLocks noGrp="1"/>
-          </p:cNvSpPr>
-          <p:nvPr>
-            <p:ph idx="1"/>
-          </p:nvPr>
-        </p:nvSpPr>
-        <p:spPr/>
-        <p:txBody>
-          <a:bodyPr/>
-          <a:lstStyle/>
-          <a:p>
-            <a:pPr>
-              <a:buFont typeface="Wingdings" pitchFamily="2" charset="2"/>
-              <a:buChar char="Ø"/>
-            </a:pPr>
-            <a:r>
-              <a:rPr lang="de-DE" sz="2400" dirty="0"/>
-              <a:t>Entwicklung einer Protokoll und Beschluss Anwendung</a:t>
-            </a:r>
-          </a:p>
-          <a:p>
-            <a:pPr>
-              <a:buFont typeface="Wingdings" pitchFamily="2" charset="2"/>
-              <a:buChar char="Ø"/>
-            </a:pPr>
-            <a:r>
-              <a:rPr lang="de-DE" sz="2400" dirty="0"/>
-              <a:t>Unterstützung der Lehrer</a:t>
-            </a:r>
-          </a:p>
-          <a:p>
-            <a:endParaRPr lang="de-DE" dirty="0">
-              <a:latin typeface="Rockwell" pitchFamily="18" charset="0"/>
-            </a:endParaRPr>
-          </a:p>
-        </p:txBody>
-      </p:sp>
-      <p:sp>
-        <p:nvSpPr>
-          <p:cNvPr id="3" name="Foliennummernplatzhalter 2"/>
-          <p:cNvSpPr>
-            <a:spLocks noGrp="1"/>
-          </p:cNvSpPr>
-          <p:nvPr>
-            <p:ph type="sldNum" sz="quarter" idx="12"/>
-          </p:nvPr>
-        </p:nvSpPr>
-        <p:spPr/>
-        <p:txBody>
-          <a:bodyPr/>
-          <a:lstStyle/>
-          <a:p>
-            <a:fld id="{7E5C08A9-E730-4E67-A85A-88903A30B32B}" type="slidenum">
-              <a:rPr lang="de-DE" smtClean="0"/>
-              <a:t>3</a:t>
-            </a:fld>
-            <a:endParaRPr lang="de-DE"/>
-          </a:p>
-        </p:txBody>
-      </p:sp>
-    </p:spTree>
-    <p:extLst>
-      <p:ext uri="{BB962C8B-B14F-4D97-AF65-F5344CB8AC3E}">
-        <p14:creationId xmlns:p14="http://schemas.microsoft.com/office/powerpoint/2010/main" val="1421374866"/>
-      </p:ext>
-    </p:extLst>
-  </p:cSld>
-  <p:clrMapOvr>
-    <a:masterClrMapping/>
-  </p:clrMapOvr>
-</p:sld>
-</file>
-
-<file path=ppt/slides/slide4.xml><?xml version="1.0" encoding="utf-8"?>
-<p:sld xmlns:a="http://schemas.openxmlformats.org/drawingml/2006/main" xmlns:r="http://schemas.openxmlformats.org/officeDocument/2006/relationships" xmlns:p="http://schemas.openxmlformats.org/presentationml/2006/main">
-  <p:cSld>
-    <p:spTree>
-      <p:nvGrpSpPr>
-        <p:cNvPr id="1" name=""/>
-        <p:cNvGrpSpPr/>
-        <p:nvPr/>
-      </p:nvGrpSpPr>
-      <p:grpSpPr>
-        <a:xfrm>
-          <a:off x="0" y="0"/>
-          <a:ext cx="0" cy="0"/>
-          <a:chOff x="0" y="0"/>
-          <a:chExt cx="0" cy="0"/>
-        </a:xfrm>
-      </p:grpSpPr>
-      <p:sp>
-        <p:nvSpPr>
-          <p:cNvPr id="2" name="Titel 1"/>
-          <p:cNvSpPr>
-            <a:spLocks noGrp="1"/>
-          </p:cNvSpPr>
-          <p:nvPr>
-            <p:ph type="title"/>
-          </p:nvPr>
-        </p:nvSpPr>
-        <p:spPr/>
-        <p:txBody>
-          <a:bodyPr/>
-          <a:lstStyle/>
-          <a:p>
-            <a:r>
-              <a:rPr lang="de-DE" b="1" dirty="0">
-                <a:latin typeface="Century Gothic" pitchFamily="34" charset="0"/>
-              </a:rPr>
-              <a:t>Analyse</a:t>
-            </a:r>
-            <a:endParaRPr lang="de-DE" dirty="0"/>
-          </a:p>
-        </p:txBody>
-      </p:sp>
-      <p:sp>
-        <p:nvSpPr>
-          <p:cNvPr id="3" name="Inhaltsplatzhalter 2"/>
-          <p:cNvSpPr>
-            <a:spLocks noGrp="1"/>
-          </p:cNvSpPr>
-          <p:nvPr>
-            <p:ph idx="1"/>
-          </p:nvPr>
-        </p:nvSpPr>
-        <p:spPr/>
-        <p:txBody>
-          <a:bodyPr>
-            <a:normAutofit/>
-          </a:bodyPr>
-          <a:lstStyle/>
-          <a:p>
-            <a:pPr>
-              <a:buFont typeface="Wingdings" pitchFamily="2" charset="2"/>
-              <a:buChar char="Ø"/>
-            </a:pPr>
-            <a:r>
-              <a:rPr lang="de-DE" sz="2400" dirty="0"/>
-              <a:t>Ermittlung des Ist-Zustandes</a:t>
-            </a:r>
-          </a:p>
-          <a:p>
-            <a:pPr>
-              <a:buFont typeface="Wingdings" pitchFamily="2" charset="2"/>
-              <a:buChar char="Ø"/>
-            </a:pPr>
-            <a:r>
-              <a:rPr lang="de-DE" sz="2400" dirty="0"/>
-              <a:t>Anforderung wurden dem Lastenheft</a:t>
-            </a:r>
-          </a:p>
-        </p:txBody>
-      </p:sp>
-      <p:sp>
-        <p:nvSpPr>
-          <p:cNvPr id="4" name="Foliennummernplatzhalter 3"/>
-          <p:cNvSpPr>
-            <a:spLocks noGrp="1"/>
-          </p:cNvSpPr>
-          <p:nvPr>
-            <p:ph type="sldNum" sz="quarter" idx="12"/>
-          </p:nvPr>
-        </p:nvSpPr>
-        <p:spPr/>
-        <p:txBody>
-          <a:bodyPr/>
-          <a:lstStyle/>
-          <a:p>
-            <a:fld id="{7E5C08A9-E730-4E67-A85A-88903A30B32B}" type="slidenum">
-              <a:rPr lang="de-DE" smtClean="0"/>
-              <a:t>4</a:t>
-            </a:fld>
-            <a:endParaRPr lang="de-DE"/>
-          </a:p>
-        </p:txBody>
-      </p:sp>
-    </p:spTree>
-    <p:extLst>
-      <p:ext uri="{BB962C8B-B14F-4D97-AF65-F5344CB8AC3E}">
-        <p14:creationId xmlns:p14="http://schemas.microsoft.com/office/powerpoint/2010/main" val="4190500134"/>
-      </p:ext>
-    </p:extLst>
-  </p:cSld>
-  <p:clrMapOvr>
-    <a:masterClrMapping/>
-  </p:clrMapOvr>
-</p:sld>
-</file>
-
-<file path=ppt/slides/slide5.xml><?xml version="1.0" encoding="utf-8"?>
-<p:sld xmlns:a="http://schemas.openxmlformats.org/drawingml/2006/main" xmlns:r="http://schemas.openxmlformats.org/officeDocument/2006/relationships" xmlns:p="http://schemas.openxmlformats.org/presentationml/2006/main">
-  <p:cSld>
-    <p:spTree>
-      <p:nvGrpSpPr>
-        <p:cNvPr id="1" name=""/>
-        <p:cNvGrpSpPr/>
-        <p:nvPr/>
-      </p:nvGrpSpPr>
-      <p:grpSpPr>
-        <a:xfrm>
-          <a:off x="0" y="0"/>
-          <a:ext cx="0" cy="0"/>
-          <a:chOff x="0" y="0"/>
-          <a:chExt cx="0" cy="0"/>
-        </a:xfrm>
-      </p:grpSpPr>
-      <p:sp>
-        <p:nvSpPr>
-          <p:cNvPr id="2" name="Titel 1"/>
-          <p:cNvSpPr>
-            <a:spLocks noGrp="1"/>
-          </p:cNvSpPr>
-          <p:nvPr>
-            <p:ph type="title"/>
-          </p:nvPr>
-        </p:nvSpPr>
-        <p:spPr/>
-        <p:txBody>
-          <a:bodyPr/>
-          <a:lstStyle/>
-          <a:p>
-            <a:r>
-              <a:rPr lang="de-DE" b="1" dirty="0">
-                <a:latin typeface="Century Gothic" pitchFamily="34" charset="0"/>
-              </a:rPr>
-              <a:t>Zeitplanung</a:t>
-            </a:r>
-            <a:endParaRPr lang="de-DE" dirty="0"/>
-          </a:p>
-        </p:txBody>
-      </p:sp>
-      <p:graphicFrame>
-        <p:nvGraphicFramePr>
-          <p:cNvPr id="5" name="Inhaltsplatzhalter 3"/>
-          <p:cNvGraphicFramePr>
-            <a:graphicFrameLocks noGrp="1"/>
-          </p:cNvGraphicFramePr>
-          <p:nvPr>
-            <p:ph idx="1"/>
-            <p:extLst>
-              <p:ext uri="{D42A27DB-BD31-4B8C-83A1-F6EECF244321}">
-                <p14:modId xmlns:p14="http://schemas.microsoft.com/office/powerpoint/2010/main" val="1352434172"/>
-              </p:ext>
-            </p:extLst>
-          </p:nvPr>
-        </p:nvGraphicFramePr>
-        <p:xfrm>
-          <a:off x="1142848" y="2045469"/>
-          <a:ext cx="6917420" cy="3581459"/>
-        </p:xfrm>
-        <a:graphic>
-          <a:graphicData uri="http://schemas.openxmlformats.org/drawingml/2006/table">
-            <a:tbl>
-              <a:tblPr firstRow="1" bandRow="1">
-                <a:tableStyleId>{85BE263C-DBD7-4A20-BB59-AAB30ACAA65A}</a:tableStyleId>
-              </a:tblPr>
-              <a:tblGrid>
-                <a:gridCol w="3458710">
-                  <a:extLst>
-                    <a:ext uri="{9D8B030D-6E8A-4147-A177-3AD203B41FA5}">
-                      <a16:colId xmlns:a16="http://schemas.microsoft.com/office/drawing/2014/main" val="20000"/>
-                    </a:ext>
-                  </a:extLst>
-                </a:gridCol>
-                <a:gridCol w="3458710">
-                  <a:extLst>
-                    <a:ext uri="{9D8B030D-6E8A-4147-A177-3AD203B41FA5}">
-                      <a16:colId xmlns:a16="http://schemas.microsoft.com/office/drawing/2014/main" val="20001"/>
-                    </a:ext>
-                  </a:extLst>
-                </a:gridCol>
-              </a:tblGrid>
-              <a:tr h="511637">
-                <a:tc>
-                  <a:txBody>
-                    <a:bodyPr/>
-                    <a:lstStyle/>
-                    <a:p>
-                      <a:r>
-                        <a:rPr lang="de-DE" sz="2400" dirty="0"/>
-                        <a:t>Phase</a:t>
-                      </a:r>
-                      <a:endParaRPr lang="de-DE" sz="2400" dirty="0">
-                        <a:latin typeface="Rockwell" pitchFamily="18" charset="0"/>
-                      </a:endParaRPr>
-                    </a:p>
-                  </a:txBody>
-                  <a:tcPr marL="83439" marR="83439" marT="55412" marB="55412"/>
-                </a:tc>
-                <a:tc>
-                  <a:txBody>
-                    <a:bodyPr/>
-                    <a:lstStyle/>
-                    <a:p>
-                      <a:r>
-                        <a:rPr lang="de-DE" sz="2400" dirty="0"/>
-                        <a:t>Dauer in Stunden</a:t>
-                      </a:r>
-                      <a:endParaRPr lang="de-DE" sz="2400" dirty="0">
-                        <a:latin typeface="Rockwell" pitchFamily="18" charset="0"/>
-                      </a:endParaRPr>
-                    </a:p>
-                  </a:txBody>
-                  <a:tcPr marL="83439" marR="83439" marT="55412" marB="55412"/>
-                </a:tc>
-                <a:extLst>
-                  <a:ext uri="{0D108BD9-81ED-4DB2-BD59-A6C34878D82A}">
-                    <a16:rowId xmlns:a16="http://schemas.microsoft.com/office/drawing/2014/main" val="10000"/>
-                  </a:ext>
-                </a:extLst>
-              </a:tr>
-              <a:tr h="511637">
-                <a:tc>
-                  <a:txBody>
-                    <a:bodyPr/>
-                    <a:lstStyle/>
-                    <a:p>
-                      <a:r>
-                        <a:rPr lang="de-DE" sz="2400" dirty="0"/>
-                        <a:t>Planung</a:t>
-                      </a:r>
-                      <a:endParaRPr lang="de-DE" sz="2400" dirty="0">
-                        <a:latin typeface="Rockwell" pitchFamily="18" charset="0"/>
-                      </a:endParaRPr>
-                    </a:p>
-                  </a:txBody>
-                  <a:tcPr marL="83439" marR="83439" marT="55412" marB="55412"/>
-                </a:tc>
-                <a:tc>
-                  <a:txBody>
-                    <a:bodyPr/>
-                    <a:lstStyle/>
-                    <a:p>
-                      <a:r>
-                        <a:rPr lang="de-DE" sz="2400" dirty="0"/>
-                        <a:t>15</a:t>
-                      </a:r>
-                      <a:endParaRPr lang="de-DE" sz="2400" dirty="0">
-                        <a:latin typeface="Rockwell" pitchFamily="18" charset="0"/>
-                      </a:endParaRPr>
-                    </a:p>
-                  </a:txBody>
-                  <a:tcPr marL="83439" marR="83439" marT="55412" marB="55412"/>
-                </a:tc>
-                <a:extLst>
-                  <a:ext uri="{0D108BD9-81ED-4DB2-BD59-A6C34878D82A}">
-                    <a16:rowId xmlns:a16="http://schemas.microsoft.com/office/drawing/2014/main" val="10001"/>
-                  </a:ext>
-                </a:extLst>
-              </a:tr>
-              <a:tr h="511637">
-                <a:tc>
-                  <a:txBody>
-                    <a:bodyPr/>
-                    <a:lstStyle/>
-                    <a:p>
-                      <a:r>
-                        <a:rPr lang="de-DE" sz="2400" dirty="0"/>
-                        <a:t>Vorbereitung</a:t>
-                      </a:r>
-                      <a:endParaRPr lang="de-DE" sz="2400" dirty="0">
-                        <a:latin typeface="Rockwell" pitchFamily="18" charset="0"/>
-                      </a:endParaRPr>
-                    </a:p>
-                  </a:txBody>
-                  <a:tcPr marL="83439" marR="83439" marT="55412" marB="55412"/>
-                </a:tc>
-                <a:tc>
-                  <a:txBody>
-                    <a:bodyPr/>
-                    <a:lstStyle/>
-                    <a:p>
-                      <a:r>
-                        <a:rPr lang="de-DE" sz="2400" dirty="0"/>
-                        <a:t>15</a:t>
-                      </a:r>
-                      <a:endParaRPr lang="de-DE" sz="2400" dirty="0">
-                        <a:latin typeface="Rockwell" pitchFamily="18" charset="0"/>
-                      </a:endParaRPr>
-                    </a:p>
-                  </a:txBody>
-                  <a:tcPr marL="83439" marR="83439" marT="55412" marB="55412"/>
-                </a:tc>
-                <a:extLst>
-                  <a:ext uri="{0D108BD9-81ED-4DB2-BD59-A6C34878D82A}">
-                    <a16:rowId xmlns:a16="http://schemas.microsoft.com/office/drawing/2014/main" val="10002"/>
-                  </a:ext>
-                </a:extLst>
-              </a:tr>
-              <a:tr h="511637">
-                <a:tc>
-                  <a:txBody>
-                    <a:bodyPr/>
-                    <a:lstStyle/>
-                    <a:p>
-                      <a:r>
-                        <a:rPr lang="de-DE" sz="2400" dirty="0"/>
-                        <a:t>Implementierung</a:t>
-                      </a:r>
-                      <a:endParaRPr lang="de-DE" sz="2400" dirty="0">
-                        <a:latin typeface="Rockwell" pitchFamily="18" charset="0"/>
-                      </a:endParaRPr>
-                    </a:p>
-                  </a:txBody>
-                  <a:tcPr marL="83439" marR="83439" marT="55412" marB="55412"/>
-                </a:tc>
-                <a:tc>
-                  <a:txBody>
-                    <a:bodyPr/>
-                    <a:lstStyle/>
-                    <a:p>
-                      <a:r>
-                        <a:rPr lang="de-DE" sz="2400" dirty="0"/>
-                        <a:t>26</a:t>
-                      </a:r>
-                      <a:endParaRPr lang="de-DE" sz="2400" dirty="0">
-                        <a:latin typeface="Rockwell" pitchFamily="18" charset="0"/>
-                      </a:endParaRPr>
-                    </a:p>
-                  </a:txBody>
-                  <a:tcPr marL="83439" marR="83439" marT="55412" marB="55412"/>
-                </a:tc>
-                <a:extLst>
-                  <a:ext uri="{0D108BD9-81ED-4DB2-BD59-A6C34878D82A}">
-                    <a16:rowId xmlns:a16="http://schemas.microsoft.com/office/drawing/2014/main" val="10003"/>
-                  </a:ext>
-                </a:extLst>
-              </a:tr>
-              <a:tr h="511637">
-                <a:tc>
-                  <a:txBody>
-                    <a:bodyPr/>
-                    <a:lstStyle/>
-                    <a:p>
-                      <a:r>
-                        <a:rPr lang="de-DE" sz="2400" dirty="0"/>
-                        <a:t>Dokumentation</a:t>
-                      </a:r>
-                      <a:endParaRPr lang="de-DE" sz="2400" dirty="0">
-                        <a:latin typeface="Rockwell" pitchFamily="18" charset="0"/>
-                      </a:endParaRPr>
-                    </a:p>
-                  </a:txBody>
-                  <a:tcPr marL="83439" marR="83439" marT="55412" marB="55412"/>
-                </a:tc>
-                <a:tc>
-                  <a:txBody>
-                    <a:bodyPr/>
-                    <a:lstStyle/>
-                    <a:p>
-                      <a:r>
-                        <a:rPr lang="de-DE" sz="2400" dirty="0"/>
-                        <a:t>14</a:t>
-                      </a:r>
-                      <a:endParaRPr lang="de-DE" sz="2400" dirty="0">
-                        <a:latin typeface="Rockwell" pitchFamily="18" charset="0"/>
-                      </a:endParaRPr>
-                    </a:p>
-                  </a:txBody>
-                  <a:tcPr marL="83439" marR="83439" marT="55412" marB="55412"/>
-                </a:tc>
-                <a:extLst>
-                  <a:ext uri="{0D108BD9-81ED-4DB2-BD59-A6C34878D82A}">
-                    <a16:rowId xmlns:a16="http://schemas.microsoft.com/office/drawing/2014/main" val="10004"/>
-                  </a:ext>
-                </a:extLst>
-              </a:tr>
-              <a:tr h="511637">
-                <a:tc>
-                  <a:txBody>
-                    <a:bodyPr/>
-                    <a:lstStyle/>
-                    <a:p>
-                      <a:r>
-                        <a:rPr lang="de-DE" sz="2400" dirty="0"/>
-                        <a:t>Puffer</a:t>
-                      </a:r>
-                      <a:endParaRPr lang="de-DE" sz="2400" dirty="0">
-                        <a:latin typeface="Rockwell" pitchFamily="18" charset="0"/>
-                      </a:endParaRPr>
-                    </a:p>
-                  </a:txBody>
-                  <a:tcPr marL="83439" marR="83439" marT="55412" marB="55412"/>
-                </a:tc>
-                <a:tc>
-                  <a:txBody>
-                    <a:bodyPr/>
-                    <a:lstStyle/>
-                    <a:p>
-                      <a:r>
-                        <a:rPr lang="de-DE" sz="2400" dirty="0"/>
-                        <a:t>2</a:t>
-                      </a:r>
-                      <a:endParaRPr lang="de-DE" sz="2400" dirty="0">
-                        <a:latin typeface="Rockwell" pitchFamily="18" charset="0"/>
-                      </a:endParaRPr>
-                    </a:p>
-                  </a:txBody>
-                  <a:tcPr marL="83439" marR="83439" marT="55412" marB="55412"/>
-                </a:tc>
-                <a:extLst>
-                  <a:ext uri="{0D108BD9-81ED-4DB2-BD59-A6C34878D82A}">
-                    <a16:rowId xmlns:a16="http://schemas.microsoft.com/office/drawing/2014/main" val="10005"/>
-                  </a:ext>
-                </a:extLst>
-              </a:tr>
-              <a:tr h="511637">
-                <a:tc>
-                  <a:txBody>
-                    <a:bodyPr/>
-                    <a:lstStyle/>
-                    <a:p>
-                      <a:r>
-                        <a:rPr lang="de-DE" sz="2400" dirty="0"/>
-                        <a:t>Summe</a:t>
-                      </a:r>
-                      <a:endParaRPr lang="de-DE" sz="2400" b="1" dirty="0">
-                        <a:latin typeface="Rockwell" pitchFamily="18" charset="0"/>
-                      </a:endParaRPr>
-                    </a:p>
-                  </a:txBody>
-                  <a:tcPr marL="83439" marR="83439" marT="55412" marB="55412">
-                    <a:solidFill>
-                      <a:schemeClr val="accent2">
-                        <a:lumMod val="40000"/>
-                        <a:lumOff val="60000"/>
-                      </a:schemeClr>
-                    </a:solidFill>
-                  </a:tcPr>
-                </a:tc>
-                <a:tc>
-                  <a:txBody>
-                    <a:bodyPr/>
-                    <a:lstStyle/>
-                    <a:p>
-                      <a:r>
-                        <a:rPr lang="de-DE" sz="2400" dirty="0"/>
-                        <a:t>72</a:t>
-                      </a:r>
-                      <a:endParaRPr lang="de-DE" sz="2400" b="1" dirty="0">
-                        <a:latin typeface="Rockwell" pitchFamily="18" charset="0"/>
-                      </a:endParaRPr>
-                    </a:p>
-                  </a:txBody>
-                  <a:tcPr marL="83439" marR="83439" marT="55412" marB="55412">
-                    <a:solidFill>
-                      <a:schemeClr val="accent2">
-                        <a:lumMod val="40000"/>
-                        <a:lumOff val="60000"/>
-                      </a:schemeClr>
-                    </a:solidFill>
-                  </a:tcPr>
-                </a:tc>
-                <a:extLst>
-                  <a:ext uri="{0D108BD9-81ED-4DB2-BD59-A6C34878D82A}">
-                    <a16:rowId xmlns:a16="http://schemas.microsoft.com/office/drawing/2014/main" val="10006"/>
-                  </a:ext>
-                </a:extLst>
-              </a:tr>
-            </a:tbl>
-          </a:graphicData>
-        </a:graphic>
-      </p:graphicFrame>
-      <p:sp>
-        <p:nvSpPr>
-          <p:cNvPr id="3" name="Foliennummernplatzhalter 2"/>
-          <p:cNvSpPr>
-            <a:spLocks noGrp="1"/>
-          </p:cNvSpPr>
-          <p:nvPr>
-            <p:ph type="sldNum" sz="quarter" idx="12"/>
-          </p:nvPr>
-        </p:nvSpPr>
-        <p:spPr/>
-        <p:txBody>
-          <a:bodyPr/>
-          <a:lstStyle/>
-          <a:p>
-            <a:fld id="{7E5C08A9-E730-4E67-A85A-88903A30B32B}" type="slidenum">
-              <a:rPr lang="de-DE" smtClean="0"/>
-              <a:t>5</a:t>
-            </a:fld>
-            <a:endParaRPr lang="de-DE"/>
-          </a:p>
-        </p:txBody>
-      </p:sp>
-    </p:spTree>
-    <p:extLst>
-      <p:ext uri="{BB962C8B-B14F-4D97-AF65-F5344CB8AC3E}">
-        <p14:creationId xmlns:p14="http://schemas.microsoft.com/office/powerpoint/2010/main" val="2798096655"/>
-      </p:ext>
-    </p:extLst>
-  </p:cSld>
-  <p:clrMapOvr>
-    <a:masterClrMapping/>
-  </p:clrMapOvr>
-</p:sld>
-</file>
-
-<file path=ppt/slides/slide6.xml><?xml version="1.0" encoding="utf-8"?>
-<p:sld xmlns:a="http://schemas.openxmlformats.org/drawingml/2006/main" xmlns:r="http://schemas.openxmlformats.org/officeDocument/2006/relationships" xmlns:p="http://schemas.openxmlformats.org/presentationml/2006/main">
-  <p:cSld>
-    <p:spTree>
-      <p:nvGrpSpPr>
-        <p:cNvPr id="1" name=""/>
-        <p:cNvGrpSpPr/>
-        <p:nvPr/>
-      </p:nvGrpSpPr>
-      <p:grpSpPr>
-        <a:xfrm>
-          <a:off x="0" y="0"/>
-          <a:ext cx="0" cy="0"/>
-          <a:chOff x="0" y="0"/>
-          <a:chExt cx="0" cy="0"/>
-        </a:xfrm>
-      </p:grpSpPr>
-      <p:sp>
-        <p:nvSpPr>
-          <p:cNvPr id="2" name="Titel 1"/>
-          <p:cNvSpPr>
-            <a:spLocks noGrp="1"/>
-          </p:cNvSpPr>
-          <p:nvPr>
-            <p:ph type="title"/>
-          </p:nvPr>
-        </p:nvSpPr>
-        <p:spPr/>
-        <p:txBody>
-          <a:bodyPr/>
-          <a:lstStyle/>
-          <a:p>
-            <a:r>
-              <a:rPr lang="de-DE" b="1" dirty="0">
-                <a:latin typeface="Century Gothic" pitchFamily="34" charset="0"/>
-              </a:rPr>
-              <a:t>Ressourcenplan</a:t>
-            </a:r>
-            <a:endParaRPr lang="de-DE" dirty="0"/>
-          </a:p>
-        </p:txBody>
-      </p:sp>
-      <p:sp>
-        <p:nvSpPr>
-          <p:cNvPr id="4" name="Inhaltsplatzhalter 2"/>
-          <p:cNvSpPr>
-            <a:spLocks noGrp="1"/>
-          </p:cNvSpPr>
-          <p:nvPr>
-            <p:ph idx="1"/>
-          </p:nvPr>
-        </p:nvSpPr>
-        <p:spPr/>
-        <p:txBody>
-          <a:bodyPr numCol="2">
-            <a:noAutofit/>
-          </a:bodyPr>
-          <a:lstStyle/>
-          <a:p>
-            <a:pPr>
-              <a:buFont typeface="Wingdings" panose="05000000000000000000" pitchFamily="2" charset="2"/>
-              <a:buChar char="Ø"/>
-            </a:pPr>
-            <a:r>
-              <a:rPr lang="de-DE" sz="2800" dirty="0"/>
-              <a:t>Software:</a:t>
-            </a:r>
-          </a:p>
-          <a:p>
-            <a:pPr lvl="1">
-              <a:buFont typeface="Arial" panose="020B0604020202020204" pitchFamily="34" charset="0"/>
-              <a:buChar char="•"/>
-            </a:pPr>
-            <a:r>
-              <a:rPr lang="de-DE" sz="2400" dirty="0"/>
-              <a:t>Visual Studio Code</a:t>
-            </a:r>
-          </a:p>
-          <a:p>
-            <a:pPr lvl="1">
-              <a:buFont typeface="Arial" panose="020B0604020202020204" pitchFamily="34" charset="0"/>
-              <a:buChar char="•"/>
-            </a:pPr>
-            <a:r>
-              <a:rPr lang="de-DE" sz="2400" dirty="0"/>
-              <a:t>GitHub</a:t>
-            </a:r>
-          </a:p>
-          <a:p>
-            <a:pPr lvl="1">
-              <a:buFont typeface="Arial" panose="020B0604020202020204" pitchFamily="34" charset="0"/>
-              <a:buChar char="•"/>
-            </a:pPr>
-            <a:r>
-              <a:rPr lang="de-DE" sz="2400" dirty="0"/>
-              <a:t>Office</a:t>
-            </a:r>
-          </a:p>
-          <a:p>
-            <a:pPr lvl="1">
-              <a:buFont typeface="Arial" panose="020B0604020202020204" pitchFamily="34" charset="0"/>
-              <a:buChar char="•"/>
-            </a:pPr>
-            <a:r>
-              <a:rPr lang="de-DE" sz="2400" dirty="0"/>
-              <a:t>FTP Tool</a:t>
-            </a:r>
-          </a:p>
-          <a:p>
-            <a:pPr lvl="1">
-              <a:buFont typeface="Arial" panose="020B0604020202020204" pitchFamily="34" charset="0"/>
-              <a:buChar char="•"/>
-            </a:pPr>
-            <a:r>
-              <a:rPr lang="de-DE" sz="2400" dirty="0"/>
-              <a:t>IES</a:t>
-            </a:r>
-          </a:p>
-          <a:p>
-            <a:pPr>
-              <a:buFont typeface="Wingdings" panose="05000000000000000000" pitchFamily="2" charset="2"/>
-              <a:buChar char="Ø"/>
-            </a:pPr>
-            <a:endParaRPr lang="de-DE" sz="2400" dirty="0">
-              <a:latin typeface="Rockwell" pitchFamily="18" charset="0"/>
-            </a:endParaRPr>
-          </a:p>
-          <a:p>
-            <a:pPr>
-              <a:buFont typeface="Wingdings" panose="05000000000000000000" pitchFamily="2" charset="2"/>
-              <a:buChar char="Ø"/>
-            </a:pPr>
-            <a:endParaRPr lang="de-DE" sz="2400" dirty="0">
-              <a:latin typeface="Rockwell" pitchFamily="18" charset="0"/>
-            </a:endParaRPr>
-          </a:p>
-          <a:p>
-            <a:pPr>
-              <a:buFont typeface="Wingdings" panose="05000000000000000000" pitchFamily="2" charset="2"/>
-              <a:buChar char="Ø"/>
-            </a:pPr>
-            <a:endParaRPr lang="de-DE" sz="2400" dirty="0">
-              <a:latin typeface="Rockwell" pitchFamily="18" charset="0"/>
-            </a:endParaRPr>
-          </a:p>
-          <a:p>
-            <a:pPr>
-              <a:buFont typeface="Wingdings" panose="05000000000000000000" pitchFamily="2" charset="2"/>
-              <a:buChar char="Ø"/>
-            </a:pPr>
-            <a:r>
-              <a:rPr lang="de-DE" sz="2800" dirty="0"/>
-              <a:t>Hardware:</a:t>
-            </a:r>
-          </a:p>
-          <a:p>
-            <a:pPr lvl="1">
-              <a:buFont typeface="Arial" panose="020B0604020202020204" pitchFamily="34" charset="0"/>
-              <a:buChar char="•"/>
-            </a:pPr>
-            <a:r>
-              <a:rPr lang="de-DE" sz="2400" dirty="0"/>
-              <a:t>GSO Rechner</a:t>
-            </a:r>
-          </a:p>
-          <a:p>
-            <a:pPr lvl="1">
-              <a:buFont typeface="Arial" panose="020B0604020202020204" pitchFamily="34" charset="0"/>
-              <a:buChar char="•"/>
-            </a:pPr>
-            <a:r>
-              <a:rPr lang="de-DE" sz="2400" dirty="0"/>
-              <a:t>Laptops</a:t>
-            </a:r>
-          </a:p>
-        </p:txBody>
-      </p:sp>
-      <p:pic>
-        <p:nvPicPr>
-          <p:cNvPr id="5" name="Picture 3" descr="C:\Users\Moorhuhn\Documents\GitHub\OberstufenProjekt\Präsentation\Download.png"/>
-          <p:cNvPicPr>
-            <a:picLocks noChangeAspect="1" noChangeArrowheads="1"/>
-          </p:cNvPicPr>
-          <p:nvPr/>
-        </p:nvPicPr>
-        <p:blipFill>
-          <a:blip r:embed="rId2"/>
-          <a:srcRect/>
-          <a:stretch>
-            <a:fillRect/>
-          </a:stretch>
-        </p:blipFill>
-        <p:spPr bwMode="auto">
-          <a:xfrm>
-            <a:off x="5902877" y="3763584"/>
-            <a:ext cx="1859748" cy="1851484"/>
-          </a:xfrm>
-          <a:prstGeom prst="rect">
-            <a:avLst/>
-          </a:prstGeom>
-          <a:noFill/>
-        </p:spPr>
-      </p:pic>
-      <p:sp>
-        <p:nvSpPr>
-          <p:cNvPr id="6" name="Textfeld 5"/>
-          <p:cNvSpPr txBox="1"/>
-          <p:nvPr/>
-        </p:nvSpPr>
-        <p:spPr>
-          <a:xfrm>
-            <a:off x="5929322" y="5636362"/>
-            <a:ext cx="2214578" cy="246221"/>
-          </a:xfrm>
-          <a:prstGeom prst="rect">
-            <a:avLst/>
-          </a:prstGeom>
-          <a:noFill/>
-        </p:spPr>
-        <p:txBody>
-          <a:bodyPr wrap="square" rtlCol="0">
-            <a:spAutoFit/>
-          </a:bodyPr>
-          <a:lstStyle/>
-          <a:p>
-            <a:r>
-              <a:rPr lang="de-DE" sz="1000" dirty="0">
-                <a:latin typeface="Arial" pitchFamily="34" charset="0"/>
-                <a:cs typeface="Arial" pitchFamily="34" charset="0"/>
-              </a:rPr>
-              <a:t>https://de.wikipedia.org</a:t>
-            </a:r>
-          </a:p>
-        </p:txBody>
-      </p:sp>
-      <p:sp>
-        <p:nvSpPr>
-          <p:cNvPr id="3" name="Foliennummernplatzhalter 2"/>
-          <p:cNvSpPr>
-            <a:spLocks noGrp="1"/>
-          </p:cNvSpPr>
-          <p:nvPr>
-            <p:ph type="sldNum" sz="quarter" idx="12"/>
-          </p:nvPr>
-        </p:nvSpPr>
-        <p:spPr/>
-        <p:txBody>
-          <a:bodyPr/>
-          <a:lstStyle/>
-          <a:p>
-            <a:fld id="{7E5C08A9-E730-4E67-A85A-88903A30B32B}" type="slidenum">
-              <a:rPr lang="de-DE" smtClean="0"/>
-              <a:t>6</a:t>
-            </a:fld>
-            <a:endParaRPr lang="de-DE"/>
-          </a:p>
-        </p:txBody>
-      </p:sp>
-    </p:spTree>
-    <p:extLst>
-      <p:ext uri="{BB962C8B-B14F-4D97-AF65-F5344CB8AC3E}">
-        <p14:creationId xmlns:p14="http://schemas.microsoft.com/office/powerpoint/2010/main" val="3501385721"/>
-      </p:ext>
-    </p:extLst>
-  </p:cSld>
-  <p:clrMapOvr>
-    <a:masterClrMapping/>
-  </p:clrMapOvr>
-</p:sld>
-</file>
-
-<file path=ppt/slides/slide7.xml><?xml version="1.0" encoding="utf-8"?>
-<p:sld xmlns:a="http://schemas.openxmlformats.org/drawingml/2006/main" xmlns:r="http://schemas.openxmlformats.org/officeDocument/2006/relationships" xmlns:p="http://schemas.openxmlformats.org/presentationml/2006/main">
-  <p:cSld>
-    <p:spTree>
-      <p:nvGrpSpPr>
-        <p:cNvPr id="1" name=""/>
-        <p:cNvGrpSpPr/>
-        <p:nvPr/>
-      </p:nvGrpSpPr>
-      <p:grpSpPr>
-        <a:xfrm>
-          <a:off x="0" y="0"/>
-          <a:ext cx="0" cy="0"/>
-          <a:chOff x="0" y="0"/>
-          <a:chExt cx="0" cy="0"/>
-        </a:xfrm>
-      </p:grpSpPr>
-      <p:sp>
-        <p:nvSpPr>
-          <p:cNvPr id="2" name="Titel 1"/>
-          <p:cNvSpPr>
-            <a:spLocks noGrp="1"/>
-          </p:cNvSpPr>
-          <p:nvPr>
-            <p:ph type="title"/>
-          </p:nvPr>
-        </p:nvSpPr>
-        <p:spPr/>
-        <p:txBody>
-          <a:bodyPr/>
-          <a:lstStyle/>
-          <a:p>
-            <a:r>
-              <a:rPr lang="de-DE" b="1" dirty="0">
-                <a:latin typeface="Century Gothic" pitchFamily="34" charset="0"/>
-              </a:rPr>
-              <a:t>Kostenplan</a:t>
-            </a:r>
-            <a:endParaRPr lang="de-DE" dirty="0"/>
-          </a:p>
-        </p:txBody>
-      </p:sp>
-      <p:sp>
-        <p:nvSpPr>
-          <p:cNvPr id="3" name="Inhaltsplatzhalter 2"/>
-          <p:cNvSpPr>
-            <a:spLocks noGrp="1"/>
-          </p:cNvSpPr>
-          <p:nvPr>
-            <p:ph idx="1"/>
-          </p:nvPr>
-        </p:nvSpPr>
-        <p:spPr/>
-        <p:txBody>
-          <a:bodyPr>
-            <a:normAutofit/>
-          </a:bodyPr>
-          <a:lstStyle/>
-          <a:p>
-            <a:pPr>
-              <a:buFont typeface="Wingdings" panose="05000000000000000000" pitchFamily="2" charset="2"/>
-              <a:buChar char="Ø"/>
-            </a:pPr>
-            <a:r>
-              <a:rPr lang="de-DE" sz="2400" dirty="0"/>
-              <a:t>Soll-Kosten: 8558€</a:t>
-            </a:r>
-          </a:p>
-          <a:p>
-            <a:pPr>
-              <a:buFont typeface="Wingdings" panose="05000000000000000000" pitchFamily="2" charset="2"/>
-              <a:buChar char="Ø"/>
-            </a:pPr>
-            <a:r>
-              <a:rPr lang="de-DE" sz="2400" dirty="0"/>
-              <a:t>Ist-Kosten: 8514€</a:t>
-            </a:r>
-          </a:p>
-          <a:p>
-            <a:pPr>
-              <a:buFont typeface="Wingdings" panose="05000000000000000000" pitchFamily="2" charset="2"/>
-              <a:buChar char="Ø"/>
-            </a:pPr>
-            <a:r>
-              <a:rPr lang="de-DE" sz="2400" dirty="0"/>
-              <a:t>Abweichung: 44€</a:t>
-            </a:r>
-          </a:p>
-        </p:txBody>
-      </p:sp>
-      <p:sp>
-        <p:nvSpPr>
-          <p:cNvPr id="4" name="Foliennummernplatzhalter 3"/>
-          <p:cNvSpPr>
-            <a:spLocks noGrp="1"/>
-          </p:cNvSpPr>
-          <p:nvPr>
-            <p:ph type="sldNum" sz="quarter" idx="12"/>
-          </p:nvPr>
-        </p:nvSpPr>
-        <p:spPr/>
-        <p:txBody>
-          <a:bodyPr/>
-          <a:lstStyle/>
-          <a:p>
-            <a:fld id="{7E5C08A9-E730-4E67-A85A-88903A30B32B}" type="slidenum">
-              <a:rPr lang="de-DE" smtClean="0"/>
-              <a:t>7</a:t>
-            </a:fld>
-            <a:endParaRPr lang="de-DE"/>
-          </a:p>
-        </p:txBody>
-      </p:sp>
-    </p:spTree>
-    <p:extLst>
-      <p:ext uri="{BB962C8B-B14F-4D97-AF65-F5344CB8AC3E}">
-        <p14:creationId xmlns:p14="http://schemas.microsoft.com/office/powerpoint/2010/main" val="1475460269"/>
-      </p:ext>
-    </p:extLst>
-  </p:cSld>
-  <p:clrMapOvr>
-    <a:masterClrMapping/>
-  </p:clrMapOvr>
-</p:sld>
-</file>
-
-<file path=ppt/slides/slide8.xml><?xml version="1.0" encoding="utf-8"?>
-<p:sld xmlns:a="http://schemas.openxmlformats.org/drawingml/2006/main" xmlns:r="http://schemas.openxmlformats.org/officeDocument/2006/relationships" xmlns:p="http://schemas.openxmlformats.org/presentationml/2006/main">
-  <p:cSld>
-    <p:spTree>
-      <p:nvGrpSpPr>
-        <p:cNvPr id="1" name=""/>
-        <p:cNvGrpSpPr/>
-        <p:nvPr/>
-      </p:nvGrpSpPr>
-      <p:grpSpPr>
-        <a:xfrm>
-          <a:off x="0" y="0"/>
-          <a:ext cx="0" cy="0"/>
-          <a:chOff x="0" y="0"/>
-          <a:chExt cx="0" cy="0"/>
-        </a:xfrm>
-      </p:grpSpPr>
-      <p:sp>
-        <p:nvSpPr>
-          <p:cNvPr id="2" name="Titel 1"/>
-          <p:cNvSpPr>
-            <a:spLocks noGrp="1"/>
-          </p:cNvSpPr>
-          <p:nvPr>
-            <p:ph type="title"/>
-          </p:nvPr>
-        </p:nvSpPr>
-        <p:spPr/>
-        <p:txBody>
-          <a:bodyPr>
-            <a:normAutofit/>
-          </a:bodyPr>
-          <a:lstStyle/>
-          <a:p>
-            <a:r>
-              <a:rPr lang="de-DE" b="1" dirty="0">
-                <a:latin typeface="Century Gothic" pitchFamily="34" charset="0"/>
-              </a:rPr>
-              <a:t>Aktivitätsdiagramm</a:t>
-            </a:r>
-            <a:endParaRPr lang="de-DE" sz="3600" dirty="0"/>
-          </a:p>
-        </p:txBody>
-      </p:sp>
-      <p:pic>
-        <p:nvPicPr>
-          <p:cNvPr id="2050" name="Picture 2"/>
-          <p:cNvPicPr>
-            <a:picLocks noChangeAspect="1" noChangeArrowheads="1"/>
-          </p:cNvPicPr>
-          <p:nvPr/>
-        </p:nvPicPr>
-        <p:blipFill>
-          <a:blip r:embed="rId2">
+          <a:blip r:embed="rId4" cstate="print">
             <a:extLst>
               <a:ext uri="{28A0092B-C50C-407E-A947-70E740481C1C}">
                 <a14:useLocalDpi xmlns:a14="http://schemas.microsoft.com/office/drawing/2010/main" val="0"/>
@@ -6712,67 +9465,240 @@
         </p:blipFill>
         <p:spPr bwMode="auto">
           <a:xfrm>
-            <a:off x="733425" y="2095912"/>
-            <a:ext cx="7677150" cy="3709352"/>
+            <a:off x="3779912" y="4256429"/>
+            <a:ext cx="1224136" cy="1581290"/>
           </a:xfrm>
           <a:prstGeom prst="rect">
             <a:avLst/>
           </a:prstGeom>
           <a:noFill/>
-          <a:ln>
-            <a:noFill/>
-          </a:ln>
-          <a:effectLst/>
           <a:extLst>
             <a:ext uri="{909E8E84-426E-40DD-AFC4-6F175D3DCCD1}">
               <a14:hiddenFill xmlns:a14="http://schemas.microsoft.com/office/drawing/2010/main">
                 <a:solidFill>
-                  <a:schemeClr val="accent1"/>
+                  <a:srgbClr val="FFFFFF"/>
                 </a:solidFill>
               </a14:hiddenFill>
-            </a:ext>
-            <a:ext uri="{91240B29-F687-4F45-9708-019B960494DF}">
-              <a14:hiddenLine xmlns:a14="http://schemas.microsoft.com/office/drawing/2010/main" w="9525">
-                <a:solidFill>
-                  <a:schemeClr val="tx1"/>
-                </a:solidFill>
-                <a:miter lim="800000"/>
-                <a:headEnd/>
-                <a:tailEnd/>
-              </a14:hiddenLine>
-            </a:ext>
-            <a:ext uri="{AF507438-7753-43E0-B8FC-AC1667EBCBE1}">
-              <a14:hiddenEffects xmlns:a14="http://schemas.microsoft.com/office/drawing/2010/main">
-                <a:effectLst>
-                  <a:outerShdw dist="35921" dir="2700000" algn="ctr" rotWithShape="0">
-                    <a:schemeClr val="bg2"/>
-                  </a:outerShdw>
-                </a:effectLst>
-              </a14:hiddenEffects>
             </a:ext>
           </a:extLst>
         </p:spPr>
       </p:pic>
       <p:sp>
         <p:nvSpPr>
-          <p:cNvPr id="3" name="Foliennummernplatzhalter 2"/>
-          <p:cNvSpPr>
-            <a:spLocks noGrp="1"/>
-          </p:cNvSpPr>
-          <p:nvPr>
-            <p:ph type="sldNum" sz="quarter" idx="12"/>
-          </p:nvPr>
-        </p:nvSpPr>
-        <p:spPr/>
-        <p:txBody>
-          <a:bodyPr/>
+          <p:cNvPr id="9" name="Abgerundetes Rechteck 8"/>
+          <p:cNvSpPr/>
+          <p:nvPr/>
+        </p:nvSpPr>
+        <p:spPr>
+          <a:xfrm>
+            <a:off x="755576" y="1916832"/>
+            <a:ext cx="3384376" cy="1800200"/>
+          </a:xfrm>
+          <a:prstGeom prst="roundRect">
+            <a:avLst/>
+          </a:prstGeom>
+          <a:noFill/>
+        </p:spPr>
+        <p:style>
+          <a:lnRef idx="2">
+            <a:schemeClr val="accent1">
+              <a:shade val="50000"/>
+            </a:schemeClr>
+          </a:lnRef>
+          <a:fillRef idx="1">
+            <a:schemeClr val="accent1"/>
+          </a:fillRef>
+          <a:effectRef idx="0">
+            <a:schemeClr val="accent1"/>
+          </a:effectRef>
+          <a:fontRef idx="minor">
+            <a:schemeClr val="lt1"/>
+          </a:fontRef>
+        </p:style>
+        <p:txBody>
+          <a:bodyPr rtlCol="0" anchor="ctr"/>
           <a:lstStyle/>
           <a:p>
-            <a:fld id="{7E5C08A9-E730-4E67-A85A-88903A30B32B}" type="slidenum">
-              <a:rPr lang="de-DE" smtClean="0"/>
-              <a:t>8</a:t>
-            </a:fld>
+            <a:pPr algn="ctr"/>
             <a:endParaRPr lang="de-DE"/>
+          </a:p>
+        </p:txBody>
+      </p:sp>
+      <p:sp>
+        <p:nvSpPr>
+          <p:cNvPr id="12" name="Textfeld 11"/>
+          <p:cNvSpPr txBox="1"/>
+          <p:nvPr/>
+        </p:nvSpPr>
+        <p:spPr>
+          <a:xfrm>
+            <a:off x="1033747" y="1763234"/>
+            <a:ext cx="873957" cy="261610"/>
+          </a:xfrm>
+          <a:prstGeom prst="rect">
+            <a:avLst/>
+          </a:prstGeom>
+          <a:solidFill>
+            <a:schemeClr val="bg1"/>
+          </a:solidFill>
+        </p:spPr>
+        <p:txBody>
+          <a:bodyPr wrap="none" rtlCol="0">
+            <a:spAutoFit/>
+          </a:bodyPr>
+          <a:lstStyle/>
+          <a:p>
+            <a:r>
+              <a:rPr lang="de-DE" sz="1100" dirty="0" smtClean="0"/>
+              <a:t> Aktivitäten </a:t>
+            </a:r>
+            <a:endParaRPr lang="de-DE" sz="1100" dirty="0"/>
+          </a:p>
+        </p:txBody>
+      </p:sp>
+      <p:sp>
+        <p:nvSpPr>
+          <p:cNvPr id="16" name="Abgerundetes Rechteck 15"/>
+          <p:cNvSpPr/>
+          <p:nvPr/>
+        </p:nvSpPr>
+        <p:spPr>
+          <a:xfrm>
+            <a:off x="4814720" y="1916832"/>
+            <a:ext cx="3384376" cy="1800200"/>
+          </a:xfrm>
+          <a:prstGeom prst="roundRect">
+            <a:avLst/>
+          </a:prstGeom>
+          <a:noFill/>
+        </p:spPr>
+        <p:style>
+          <a:lnRef idx="2">
+            <a:schemeClr val="accent1">
+              <a:shade val="50000"/>
+            </a:schemeClr>
+          </a:lnRef>
+          <a:fillRef idx="1">
+            <a:schemeClr val="accent1"/>
+          </a:fillRef>
+          <a:effectRef idx="0">
+            <a:schemeClr val="accent1"/>
+          </a:effectRef>
+          <a:fontRef idx="minor">
+            <a:schemeClr val="lt1"/>
+          </a:fontRef>
+        </p:style>
+        <p:txBody>
+          <a:bodyPr rtlCol="0" anchor="ctr"/>
+          <a:lstStyle/>
+          <a:p>
+            <a:pPr algn="ctr"/>
+            <a:endParaRPr lang="de-DE"/>
+          </a:p>
+        </p:txBody>
+      </p:sp>
+      <p:sp>
+        <p:nvSpPr>
+          <p:cNvPr id="17" name="Textfeld 16"/>
+          <p:cNvSpPr txBox="1"/>
+          <p:nvPr/>
+        </p:nvSpPr>
+        <p:spPr>
+          <a:xfrm>
+            <a:off x="5076056" y="1758152"/>
+            <a:ext cx="875561" cy="261610"/>
+          </a:xfrm>
+          <a:prstGeom prst="rect">
+            <a:avLst/>
+          </a:prstGeom>
+          <a:solidFill>
+            <a:schemeClr val="bg1"/>
+          </a:solidFill>
+        </p:spPr>
+        <p:txBody>
+          <a:bodyPr wrap="none" rtlCol="0">
+            <a:spAutoFit/>
+          </a:bodyPr>
+          <a:lstStyle/>
+          <a:p>
+            <a:r>
+              <a:rPr lang="de-DE" sz="1100" dirty="0" smtClean="0"/>
+              <a:t> Sequenzen </a:t>
+            </a:r>
+            <a:endParaRPr lang="de-DE" sz="1100" dirty="0"/>
+          </a:p>
+        </p:txBody>
+      </p:sp>
+      <p:sp>
+        <p:nvSpPr>
+          <p:cNvPr id="18" name="Abgerundetes Rechteck 17"/>
+          <p:cNvSpPr/>
+          <p:nvPr/>
+        </p:nvSpPr>
+        <p:spPr>
+          <a:xfrm>
+            <a:off x="2771800" y="4149080"/>
+            <a:ext cx="3384376" cy="1800200"/>
+          </a:xfrm>
+          <a:prstGeom prst="roundRect">
+            <a:avLst/>
+          </a:prstGeom>
+          <a:noFill/>
+        </p:spPr>
+        <p:style>
+          <a:lnRef idx="2">
+            <a:schemeClr val="accent1">
+              <a:shade val="50000"/>
+            </a:schemeClr>
+          </a:lnRef>
+          <a:fillRef idx="1">
+            <a:schemeClr val="accent1"/>
+          </a:fillRef>
+          <a:effectRef idx="0">
+            <a:schemeClr val="accent1"/>
+          </a:effectRef>
+          <a:fontRef idx="minor">
+            <a:schemeClr val="lt1"/>
+          </a:fontRef>
+        </p:style>
+        <p:txBody>
+          <a:bodyPr rtlCol="0" anchor="ctr"/>
+          <a:lstStyle/>
+          <a:p>
+            <a:pPr algn="ctr"/>
+            <a:endParaRPr lang="de-DE"/>
+          </a:p>
+        </p:txBody>
+      </p:sp>
+      <p:sp>
+        <p:nvSpPr>
+          <p:cNvPr id="19" name="Textfeld 18"/>
+          <p:cNvSpPr txBox="1"/>
+          <p:nvPr/>
+        </p:nvSpPr>
+        <p:spPr>
+          <a:xfrm>
+            <a:off x="3203848" y="3991931"/>
+            <a:ext cx="417102" cy="261610"/>
+          </a:xfrm>
+          <a:prstGeom prst="rect">
+            <a:avLst/>
+          </a:prstGeom>
+          <a:solidFill>
+            <a:schemeClr val="bg1"/>
+          </a:solidFill>
+        </p:spPr>
+        <p:txBody>
+          <a:bodyPr wrap="none" rtlCol="0">
+            <a:spAutoFit/>
+          </a:bodyPr>
+          <a:lstStyle/>
+          <a:p>
+            <a:r>
+              <a:rPr lang="de-DE" sz="1100" dirty="0" smtClean="0"/>
+              <a:t>ERD</a:t>
+            </a:r>
+            <a:endParaRPr lang="de-DE" sz="1100" dirty="0"/>
           </a:p>
         </p:txBody>
       </p:sp>
@@ -6786,6 +9712,13 @@
   <p:clrMapOvr>
     <a:masterClrMapping/>
   </p:clrMapOvr>
+  <p:timing>
+    <p:tnLst>
+      <p:par>
+        <p:cTn id="1" dur="indefinite" restart="never" nodeType="tmRoot"/>
+      </p:par>
+    </p:tnLst>
+  </p:timing>
 </p:sld>
 </file>
 
@@ -6818,85 +9751,19 @@
         </p:nvSpPr>
         <p:spPr/>
         <p:txBody>
-          <a:bodyPr>
-            <a:normAutofit/>
-          </a:bodyPr>
+          <a:bodyPr/>
           <a:lstStyle/>
           <a:p>
             <a:r>
               <a:rPr lang="de-DE" b="1" dirty="0">
                 <a:latin typeface="Century Gothic" pitchFamily="34" charset="0"/>
               </a:rPr>
-              <a:t>Sequenzdiagramm</a:t>
+              <a:t>Soll-Ist-Vergleich</a:t>
             </a:r>
             <a:endParaRPr lang="de-DE" dirty="0"/>
           </a:p>
         </p:txBody>
       </p:sp>
-      <p:pic>
-        <p:nvPicPr>
-          <p:cNvPr id="1026" name="Picture 2"/>
-          <p:cNvPicPr>
-            <a:picLocks noChangeAspect="1" noChangeArrowheads="1"/>
-          </p:cNvPicPr>
-          <p:nvPr/>
-        </p:nvPicPr>
-        <p:blipFill>
-          <a:blip r:embed="rId2">
-            <a:extLst>
-              <a:ext uri="{28A0092B-C50C-407E-A947-70E740481C1C}">
-                <a14:useLocalDpi xmlns:a14="http://schemas.microsoft.com/office/drawing/2010/main" val="0"/>
-              </a:ext>
-            </a:extLst>
-          </a:blip>
-          <a:srcRect/>
-          <a:stretch>
-            <a:fillRect/>
-          </a:stretch>
-        </p:blipFill>
-        <p:spPr bwMode="auto">
-          <a:xfrm>
-            <a:off x="790575" y="2060848"/>
-            <a:ext cx="7562850" cy="3744416"/>
-          </a:xfrm>
-          <a:prstGeom prst="rect">
-            <a:avLst/>
-          </a:prstGeom>
-          <a:noFill/>
-          <a:ln>
-            <a:noFill/>
-          </a:ln>
-          <a:effectLst/>
-          <a:extLst>
-            <a:ext uri="{909E8E84-426E-40DD-AFC4-6F175D3DCCD1}">
-              <a14:hiddenFill xmlns:a14="http://schemas.microsoft.com/office/drawing/2010/main">
-                <a:solidFill>
-                  <a:schemeClr val="accent1"/>
-                </a:solidFill>
-              </a14:hiddenFill>
-            </a:ext>
-            <a:ext uri="{91240B29-F687-4F45-9708-019B960494DF}">
-              <a14:hiddenLine xmlns:a14="http://schemas.microsoft.com/office/drawing/2010/main" w="9525">
-                <a:solidFill>
-                  <a:schemeClr val="tx1"/>
-                </a:solidFill>
-                <a:miter lim="800000"/>
-                <a:headEnd/>
-                <a:tailEnd/>
-              </a14:hiddenLine>
-            </a:ext>
-            <a:ext uri="{AF507438-7753-43E0-B8FC-AC1667EBCBE1}">
-              <a14:hiddenEffects xmlns:a14="http://schemas.microsoft.com/office/drawing/2010/main">
-                <a:effectLst>
-                  <a:outerShdw dist="35921" dir="2700000" algn="ctr" rotWithShape="0">
-                    <a:schemeClr val="bg2"/>
-                  </a:outerShdw>
-                </a:effectLst>
-              </a14:hiddenEffects>
-            </a:ext>
-          </a:extLst>
-        </p:spPr>
-      </p:pic>
       <p:sp>
         <p:nvSpPr>
           <p:cNvPr id="3" name="Foliennummernplatzhalter 2"/>
@@ -6920,10 +9787,34 @@
           </a:p>
         </p:txBody>
       </p:sp>
+      <p:pic>
+        <p:nvPicPr>
+          <p:cNvPr id="7" name="Grafik 6"/>
+          <p:cNvPicPr>
+            <a:picLocks noChangeAspect="1"/>
+          </p:cNvPicPr>
+          <p:nvPr/>
+        </p:nvPicPr>
+        <p:blipFill>
+          <a:blip r:embed="rId2"/>
+          <a:stretch>
+            <a:fillRect/>
+          </a:stretch>
+        </p:blipFill>
+        <p:spPr>
+          <a:xfrm>
+            <a:off x="822960" y="1844824"/>
+            <a:ext cx="7421448" cy="3354901"/>
+          </a:xfrm>
+          <a:prstGeom prst="rect">
+            <a:avLst/>
+          </a:prstGeom>
+        </p:spPr>
+      </p:pic>
     </p:spTree>
     <p:extLst>
       <p:ext uri="{BB962C8B-B14F-4D97-AF65-F5344CB8AC3E}">
-        <p14:creationId xmlns:p14="http://schemas.microsoft.com/office/powerpoint/2010/main" val="3182114788"/>
+        <p14:creationId xmlns:p14="http://schemas.microsoft.com/office/powerpoint/2010/main" val="2679027904"/>
       </p:ext>
     </p:extLst>
   </p:cSld>
